--- a/수업 자료/0 - 수업 소개.pptx
+++ b/수업 자료/0 - 수업 소개.pptx
@@ -14,6 +14,12 @@
     <p:sldId id="260" r:id="rId8"/>
     <p:sldId id="263" r:id="rId9"/>
     <p:sldId id="262" r:id="rId10"/>
+    <p:sldId id="265" r:id="rId11"/>
+    <p:sldId id="266" r:id="rId12"/>
+    <p:sldId id="267" r:id="rId13"/>
+    <p:sldId id="268" r:id="rId14"/>
+    <p:sldId id="269" r:id="rId15"/>
+    <p:sldId id="270" r:id="rId16"/>
   </p:sldIdLst>
   <p:sldSz cx="12192000" cy="6858000"/>
   <p:notesSz cx="6858000" cy="9144000"/>
@@ -3493,6 +3499,1962 @@
 </p:sld>
 </file>
 
+<file path=ppt/slides/slide10.xml><?xml version="1.0" encoding="utf-8"?>
+<p:sld xmlns:a="http://schemas.openxmlformats.org/drawingml/2006/main" xmlns:r="http://schemas.openxmlformats.org/officeDocument/2006/relationships" xmlns:p="http://schemas.openxmlformats.org/presentationml/2006/main">
+  <p:cSld>
+    <p:spTree>
+      <p:nvGrpSpPr>
+        <p:cNvPr id="1" name=""/>
+        <p:cNvGrpSpPr/>
+        <p:nvPr/>
+      </p:nvGrpSpPr>
+      <p:grpSpPr>
+        <a:xfrm>
+          <a:off x="0" y="0"/>
+          <a:ext cx="0" cy="0"/>
+          <a:chOff x="0" y="0"/>
+          <a:chExt cx="0" cy="0"/>
+        </a:xfrm>
+      </p:grpSpPr>
+      <p:sp>
+        <p:nvSpPr>
+          <p:cNvPr id="6" name="TextBox 5">
+            <a:extLst>
+              <a:ext uri="{FF2B5EF4-FFF2-40B4-BE49-F238E27FC236}">
+                <a16:creationId xmlns:a16="http://schemas.microsoft.com/office/drawing/2014/main" id="{F453C929-8CA3-4E79-AF5D-99EC8407C6CF}"/>
+              </a:ext>
+            </a:extLst>
+          </p:cNvPr>
+          <p:cNvSpPr txBox="1"/>
+          <p:nvPr/>
+        </p:nvSpPr>
+        <p:spPr>
+          <a:xfrm>
+            <a:off x="171888" y="194702"/>
+            <a:ext cx="1965603" cy="523220"/>
+          </a:xfrm>
+          <a:prstGeom prst="rect">
+            <a:avLst/>
+          </a:prstGeom>
+          <a:noFill/>
+        </p:spPr>
+        <p:txBody>
+          <a:bodyPr wrap="none" rtlCol="0">
+            <a:spAutoFit/>
+          </a:bodyPr>
+          <a:lstStyle/>
+          <a:p>
+            <a:r>
+              <a:rPr lang="en-US" altLang="ko-KR" sz="2800">
+                <a:latin typeface="나눔고딕 Light" panose="020D0904000000000000" pitchFamily="50" charset="-127"/>
+                <a:ea typeface="나눔고딕 Light" panose="020D0904000000000000" pitchFamily="50" charset="-127"/>
+              </a:rPr>
+              <a:t>3. </a:t>
+            </a:r>
+            <a:r>
+              <a:rPr lang="ko-KR" altLang="en-US" sz="2800">
+                <a:latin typeface="나눔고딕 Light" panose="020D0904000000000000" pitchFamily="50" charset="-127"/>
+                <a:ea typeface="나눔고딕 Light" panose="020D0904000000000000" pitchFamily="50" charset="-127"/>
+              </a:rPr>
+              <a:t>커리큘럼</a:t>
+            </a:r>
+          </a:p>
+        </p:txBody>
+      </p:sp>
+      <p:cxnSp>
+        <p:nvCxnSpPr>
+          <p:cNvPr id="4" name="직선 연결선 3">
+            <a:extLst>
+              <a:ext uri="{FF2B5EF4-FFF2-40B4-BE49-F238E27FC236}">
+                <a16:creationId xmlns:a16="http://schemas.microsoft.com/office/drawing/2014/main" id="{7442459B-3DED-44F0-9E4C-B50601FEB425}"/>
+              </a:ext>
+            </a:extLst>
+          </p:cNvPr>
+          <p:cNvCxnSpPr>
+            <a:cxnSpLocks/>
+          </p:cNvCxnSpPr>
+          <p:nvPr/>
+        </p:nvCxnSpPr>
+        <p:spPr>
+          <a:xfrm>
+            <a:off x="132133" y="780690"/>
+            <a:ext cx="819295" cy="0"/>
+          </a:xfrm>
+          <a:prstGeom prst="line">
+            <a:avLst/>
+          </a:prstGeom>
+          <a:ln>
+            <a:solidFill>
+              <a:schemeClr val="tx1"/>
+            </a:solidFill>
+          </a:ln>
+        </p:spPr>
+        <p:style>
+          <a:lnRef idx="1">
+            <a:schemeClr val="accent1"/>
+          </a:lnRef>
+          <a:fillRef idx="0">
+            <a:schemeClr val="accent1"/>
+          </a:fillRef>
+          <a:effectRef idx="0">
+            <a:schemeClr val="accent1"/>
+          </a:effectRef>
+          <a:fontRef idx="minor">
+            <a:schemeClr val="tx1"/>
+          </a:fontRef>
+        </p:style>
+      </p:cxnSp>
+      <p:sp>
+        <p:nvSpPr>
+          <p:cNvPr id="16" name="TextBox 15">
+            <a:extLst>
+              <a:ext uri="{FF2B5EF4-FFF2-40B4-BE49-F238E27FC236}">
+                <a16:creationId xmlns:a16="http://schemas.microsoft.com/office/drawing/2014/main" id="{729E604B-A3FA-4C34-A3E6-7EB4D214AAE7}"/>
+              </a:ext>
+            </a:extLst>
+          </p:cNvPr>
+          <p:cNvSpPr txBox="1"/>
+          <p:nvPr/>
+        </p:nvSpPr>
+        <p:spPr>
+          <a:xfrm>
+            <a:off x="649279" y="2064583"/>
+            <a:ext cx="3809056" cy="523220"/>
+          </a:xfrm>
+          <a:prstGeom prst="rect">
+            <a:avLst/>
+          </a:prstGeom>
+          <a:noFill/>
+        </p:spPr>
+        <p:txBody>
+          <a:bodyPr wrap="none" rtlCol="0">
+            <a:spAutoFit/>
+          </a:bodyPr>
+          <a:lstStyle/>
+          <a:p>
+            <a:r>
+              <a:rPr lang="en-US" altLang="ko-KR" sz="2800">
+                <a:latin typeface="나눔고딕 Light" panose="020D0904000000000000" pitchFamily="50" charset="-127"/>
+                <a:ea typeface="나눔고딕 Light" panose="020D0904000000000000" pitchFamily="50" charset="-127"/>
+              </a:rPr>
+              <a:t>3</a:t>
+            </a:r>
+            <a:r>
+              <a:rPr lang="ko-KR" altLang="en-US" sz="2800">
+                <a:latin typeface="나눔고딕 Light" panose="020D0904000000000000" pitchFamily="50" charset="-127"/>
+                <a:ea typeface="나눔고딕 Light" panose="020D0904000000000000" pitchFamily="50" charset="-127"/>
+              </a:rPr>
+              <a:t>일차 </a:t>
+            </a:r>
+            <a:r>
+              <a:rPr lang="en-US" altLang="ko-KR" sz="2800">
+                <a:latin typeface="나눔고딕 Light" panose="020D0904000000000000" pitchFamily="50" charset="-127"/>
+                <a:ea typeface="나눔고딕 Light" panose="020D0904000000000000" pitchFamily="50" charset="-127"/>
+              </a:rPr>
+              <a:t>(8/4) : C++ </a:t>
+            </a:r>
+            <a:r>
+              <a:rPr lang="ko-KR" altLang="en-US" sz="2800">
+                <a:latin typeface="나눔고딕 Light" panose="020D0904000000000000" pitchFamily="50" charset="-127"/>
+                <a:ea typeface="나눔고딕 Light" panose="020D0904000000000000" pitchFamily="50" charset="-127"/>
+              </a:rPr>
+              <a:t>함수</a:t>
+            </a:r>
+          </a:p>
+        </p:txBody>
+      </p:sp>
+      <p:sp>
+        <p:nvSpPr>
+          <p:cNvPr id="17" name="TextBox 16">
+            <a:extLst>
+              <a:ext uri="{FF2B5EF4-FFF2-40B4-BE49-F238E27FC236}">
+                <a16:creationId xmlns:a16="http://schemas.microsoft.com/office/drawing/2014/main" id="{D654BF31-54DD-4668-95F6-73059EEE746A}"/>
+              </a:ext>
+            </a:extLst>
+          </p:cNvPr>
+          <p:cNvSpPr txBox="1"/>
+          <p:nvPr/>
+        </p:nvSpPr>
+        <p:spPr>
+          <a:xfrm>
+            <a:off x="1167439" y="2726650"/>
+            <a:ext cx="4288353" cy="1938992"/>
+          </a:xfrm>
+          <a:prstGeom prst="rect">
+            <a:avLst/>
+          </a:prstGeom>
+          <a:noFill/>
+        </p:spPr>
+        <p:txBody>
+          <a:bodyPr wrap="none" rtlCol="0">
+            <a:spAutoFit/>
+          </a:bodyPr>
+          <a:lstStyle/>
+          <a:p>
+            <a:r>
+              <a:rPr lang="ko-KR" altLang="en-US" sz="2400">
+                <a:latin typeface="나눔고딕 Light" panose="020D0904000000000000" pitchFamily="50" charset="-127"/>
+                <a:ea typeface="나눔고딕 Light" panose="020D0904000000000000" pitchFamily="50" charset="-127"/>
+              </a:rPr>
+              <a:t>객체의 동적 할당</a:t>
+            </a:r>
+            <a:endParaRPr lang="en-US" altLang="ko-KR" sz="2400">
+              <a:latin typeface="나눔고딕 Light" panose="020D0904000000000000" pitchFamily="50" charset="-127"/>
+              <a:ea typeface="나눔고딕 Light" panose="020D0904000000000000" pitchFamily="50" charset="-127"/>
+            </a:endParaRPr>
+          </a:p>
+          <a:p>
+            <a:r>
+              <a:rPr lang="ko-KR" altLang="en-US" sz="2400">
+                <a:latin typeface="나눔고딕 Light" panose="020D0904000000000000" pitchFamily="50" charset="-127"/>
+                <a:ea typeface="나눔고딕 Light" panose="020D0904000000000000" pitchFamily="50" charset="-127"/>
+              </a:rPr>
+              <a:t>깊은 복사</a:t>
+            </a:r>
+            <a:r>
+              <a:rPr lang="en-US" altLang="ko-KR" sz="2400">
+                <a:latin typeface="나눔고딕 Light" panose="020D0904000000000000" pitchFamily="50" charset="-127"/>
+                <a:ea typeface="나눔고딕 Light" panose="020D0904000000000000" pitchFamily="50" charset="-127"/>
+              </a:rPr>
+              <a:t>,</a:t>
+            </a:r>
+            <a:r>
+              <a:rPr lang="ko-KR" altLang="en-US" sz="2400">
+                <a:latin typeface="나눔고딕 Light" panose="020D0904000000000000" pitchFamily="50" charset="-127"/>
+                <a:ea typeface="나눔고딕 Light" panose="020D0904000000000000" pitchFamily="50" charset="-127"/>
+              </a:rPr>
+              <a:t> 얕은 복사</a:t>
+            </a:r>
+            <a:endParaRPr lang="en-US" altLang="ko-KR" sz="2400">
+              <a:latin typeface="나눔고딕 Light" panose="020D0904000000000000" pitchFamily="50" charset="-127"/>
+              <a:ea typeface="나눔고딕 Light" panose="020D0904000000000000" pitchFamily="50" charset="-127"/>
+            </a:endParaRPr>
+          </a:p>
+          <a:p>
+            <a:r>
+              <a:rPr lang="en-US" altLang="ko-KR" sz="2400">
+                <a:latin typeface="나눔고딕 Light" panose="020D0904000000000000" pitchFamily="50" charset="-127"/>
+                <a:ea typeface="나눔고딕 Light" panose="020D0904000000000000" pitchFamily="50" charset="-127"/>
+              </a:rPr>
+              <a:t>string </a:t>
+            </a:r>
+            <a:r>
+              <a:rPr lang="ko-KR" altLang="en-US" sz="2400">
+                <a:latin typeface="나눔고딕 Light" panose="020D0904000000000000" pitchFamily="50" charset="-127"/>
+                <a:ea typeface="나눔고딕 Light" panose="020D0904000000000000" pitchFamily="50" charset="-127"/>
+              </a:rPr>
+              <a:t>클래스</a:t>
+            </a:r>
+            <a:endParaRPr lang="en-US" altLang="ko-KR" sz="2400">
+              <a:latin typeface="나눔고딕 Light" panose="020D0904000000000000" pitchFamily="50" charset="-127"/>
+              <a:ea typeface="나눔고딕 Light" panose="020D0904000000000000" pitchFamily="50" charset="-127"/>
+            </a:endParaRPr>
+          </a:p>
+          <a:p>
+            <a:r>
+              <a:rPr lang="ko-KR" altLang="en-US" sz="2400">
+                <a:latin typeface="나눔고딕 Light" panose="020D0904000000000000" pitchFamily="50" charset="-127"/>
+                <a:ea typeface="나눔고딕 Light" panose="020D0904000000000000" pitchFamily="50" charset="-127"/>
+              </a:rPr>
+              <a:t>함수 오버로딩</a:t>
+            </a:r>
+            <a:r>
+              <a:rPr lang="en-US" altLang="ko-KR" sz="2400">
+                <a:latin typeface="나눔고딕 Light" panose="020D0904000000000000" pitchFamily="50" charset="-127"/>
+                <a:ea typeface="나눔고딕 Light" panose="020D0904000000000000" pitchFamily="50" charset="-127"/>
+              </a:rPr>
+              <a:t>, </a:t>
+            </a:r>
+            <a:r>
+              <a:rPr lang="ko-KR" altLang="en-US" sz="2400">
+                <a:latin typeface="나눔고딕 Light" panose="020D0904000000000000" pitchFamily="50" charset="-127"/>
+                <a:ea typeface="나눔고딕 Light" panose="020D0904000000000000" pitchFamily="50" charset="-127"/>
+              </a:rPr>
+              <a:t>디폴트 매개변수</a:t>
+            </a:r>
+            <a:endParaRPr lang="en-US" altLang="ko-KR" sz="2400">
+              <a:latin typeface="나눔고딕 Light" panose="020D0904000000000000" pitchFamily="50" charset="-127"/>
+              <a:ea typeface="나눔고딕 Light" panose="020D0904000000000000" pitchFamily="50" charset="-127"/>
+            </a:endParaRPr>
+          </a:p>
+          <a:p>
+            <a:r>
+              <a:rPr lang="ko-KR" altLang="en-US" sz="2400">
+                <a:latin typeface="나눔고딕 Light" panose="020D0904000000000000" pitchFamily="50" charset="-127"/>
+                <a:ea typeface="나눔고딕 Light" panose="020D0904000000000000" pitchFamily="50" charset="-127"/>
+              </a:rPr>
+              <a:t>연산자 오버로딩</a:t>
+            </a:r>
+          </a:p>
+        </p:txBody>
+      </p:sp>
+      <p:sp>
+        <p:nvSpPr>
+          <p:cNvPr id="18" name="TextBox 17">
+            <a:extLst>
+              <a:ext uri="{FF2B5EF4-FFF2-40B4-BE49-F238E27FC236}">
+                <a16:creationId xmlns:a16="http://schemas.microsoft.com/office/drawing/2014/main" id="{544C3BFF-70C3-42A8-A8B7-63CB6B3A8673}"/>
+              </a:ext>
+            </a:extLst>
+          </p:cNvPr>
+          <p:cNvSpPr txBox="1"/>
+          <p:nvPr/>
+        </p:nvSpPr>
+        <p:spPr>
+          <a:xfrm>
+            <a:off x="6506588" y="2064583"/>
+            <a:ext cx="3797835" cy="523220"/>
+          </a:xfrm>
+          <a:prstGeom prst="rect">
+            <a:avLst/>
+          </a:prstGeom>
+          <a:noFill/>
+        </p:spPr>
+        <p:txBody>
+          <a:bodyPr wrap="none" rtlCol="0">
+            <a:spAutoFit/>
+          </a:bodyPr>
+          <a:lstStyle/>
+          <a:p>
+            <a:r>
+              <a:rPr lang="en-US" altLang="ko-KR" sz="2800">
+                <a:latin typeface="나눔고딕 Light" panose="020D0904000000000000" pitchFamily="50" charset="-127"/>
+                <a:ea typeface="나눔고딕 Light" panose="020D0904000000000000" pitchFamily="50" charset="-127"/>
+              </a:rPr>
+              <a:t>4</a:t>
+            </a:r>
+            <a:r>
+              <a:rPr lang="ko-KR" altLang="en-US" sz="2800">
+                <a:latin typeface="나눔고딕 Light" panose="020D0904000000000000" pitchFamily="50" charset="-127"/>
+                <a:ea typeface="나눔고딕 Light" panose="020D0904000000000000" pitchFamily="50" charset="-127"/>
+              </a:rPr>
+              <a:t>일차 </a:t>
+            </a:r>
+            <a:r>
+              <a:rPr lang="en-US" altLang="ko-KR" sz="2800">
+                <a:latin typeface="나눔고딕 Light" panose="020D0904000000000000" pitchFamily="50" charset="-127"/>
+                <a:ea typeface="나눔고딕 Light" panose="020D0904000000000000" pitchFamily="50" charset="-127"/>
+              </a:rPr>
+              <a:t>(8/5) : C++</a:t>
+            </a:r>
+            <a:r>
+              <a:rPr lang="ko-KR" altLang="en-US" sz="2800">
+                <a:latin typeface="나눔고딕 Light" panose="020D0904000000000000" pitchFamily="50" charset="-127"/>
+                <a:ea typeface="나눔고딕 Light" panose="020D0904000000000000" pitchFamily="50" charset="-127"/>
+              </a:rPr>
+              <a:t> </a:t>
+            </a:r>
+            <a:r>
+              <a:rPr lang="en-US" altLang="ko-KR" sz="2800">
+                <a:latin typeface="나눔고딕 Light" panose="020D0904000000000000" pitchFamily="50" charset="-127"/>
+                <a:ea typeface="나눔고딕 Light" panose="020D0904000000000000" pitchFamily="50" charset="-127"/>
+              </a:rPr>
+              <a:t>STL</a:t>
+            </a:r>
+            <a:endParaRPr lang="ko-KR" altLang="en-US" sz="2800">
+              <a:latin typeface="나눔고딕 Light" panose="020D0904000000000000" pitchFamily="50" charset="-127"/>
+              <a:ea typeface="나눔고딕 Light" panose="020D0904000000000000" pitchFamily="50" charset="-127"/>
+            </a:endParaRPr>
+          </a:p>
+        </p:txBody>
+      </p:sp>
+      <p:sp>
+        <p:nvSpPr>
+          <p:cNvPr id="21" name="TextBox 20">
+            <a:extLst>
+              <a:ext uri="{FF2B5EF4-FFF2-40B4-BE49-F238E27FC236}">
+                <a16:creationId xmlns:a16="http://schemas.microsoft.com/office/drawing/2014/main" id="{35DD57E6-9291-46CF-98DD-A2DC1123E414}"/>
+              </a:ext>
+            </a:extLst>
+          </p:cNvPr>
+          <p:cNvSpPr txBox="1"/>
+          <p:nvPr/>
+        </p:nvSpPr>
+        <p:spPr>
+          <a:xfrm>
+            <a:off x="7024748" y="2726650"/>
+            <a:ext cx="3416320" cy="1938992"/>
+          </a:xfrm>
+          <a:prstGeom prst="rect">
+            <a:avLst/>
+          </a:prstGeom>
+          <a:noFill/>
+        </p:spPr>
+        <p:txBody>
+          <a:bodyPr wrap="none" rtlCol="0">
+            <a:spAutoFit/>
+          </a:bodyPr>
+          <a:lstStyle/>
+          <a:p>
+            <a:r>
+              <a:rPr lang="en-US" altLang="ko-KR" sz="2400">
+                <a:latin typeface="나눔고딕 Light" panose="020D0904000000000000" pitchFamily="50" charset="-127"/>
+                <a:ea typeface="나눔고딕 Light" panose="020D0904000000000000" pitchFamily="50" charset="-127"/>
+              </a:rPr>
+              <a:t>STL</a:t>
+            </a:r>
+          </a:p>
+          <a:p>
+            <a:r>
+              <a:rPr lang="ko-KR" altLang="en-US" sz="2400">
+                <a:latin typeface="나눔고딕 Light" panose="020D0904000000000000" pitchFamily="50" charset="-127"/>
+                <a:ea typeface="나눔고딕 Light" panose="020D0904000000000000" pitchFamily="50" charset="-127"/>
+              </a:rPr>
+              <a:t>컨테이너</a:t>
+            </a:r>
+            <a:r>
+              <a:rPr lang="en-US" altLang="ko-KR" sz="2400">
+                <a:latin typeface="나눔고딕 Light" panose="020D0904000000000000" pitchFamily="50" charset="-127"/>
+                <a:ea typeface="나눔고딕 Light" panose="020D0904000000000000" pitchFamily="50" charset="-127"/>
+              </a:rPr>
+              <a:t>, </a:t>
+            </a:r>
+            <a:r>
+              <a:rPr lang="ko-KR" altLang="en-US" sz="2400">
+                <a:latin typeface="나눔고딕 Light" panose="020D0904000000000000" pitchFamily="50" charset="-127"/>
+                <a:ea typeface="나눔고딕 Light" panose="020D0904000000000000" pitchFamily="50" charset="-127"/>
+              </a:rPr>
+              <a:t>이터레이터</a:t>
+            </a:r>
+            <a:endParaRPr lang="en-US" altLang="ko-KR" sz="2400">
+              <a:latin typeface="나눔고딕 Light" panose="020D0904000000000000" pitchFamily="50" charset="-127"/>
+              <a:ea typeface="나눔고딕 Light" panose="020D0904000000000000" pitchFamily="50" charset="-127"/>
+            </a:endParaRPr>
+          </a:p>
+          <a:p>
+            <a:r>
+              <a:rPr lang="en-US" altLang="ko-KR" sz="2400">
+                <a:latin typeface="나눔고딕 Light" panose="020D0904000000000000" pitchFamily="50" charset="-127"/>
+                <a:ea typeface="나눔고딕 Light" panose="020D0904000000000000" pitchFamily="50" charset="-127"/>
+              </a:rPr>
+              <a:t>STL </a:t>
+            </a:r>
+            <a:r>
+              <a:rPr lang="ko-KR" altLang="en-US" sz="2400">
+                <a:latin typeface="나눔고딕 Light" panose="020D0904000000000000" pitchFamily="50" charset="-127"/>
+                <a:ea typeface="나눔고딕 Light" panose="020D0904000000000000" pitchFamily="50" charset="-127"/>
+              </a:rPr>
+              <a:t>컨테이너</a:t>
+            </a:r>
+            <a:endParaRPr lang="en-US" altLang="ko-KR" sz="2400">
+              <a:latin typeface="나눔고딕 Light" panose="020D0904000000000000" pitchFamily="50" charset="-127"/>
+              <a:ea typeface="나눔고딕 Light" panose="020D0904000000000000" pitchFamily="50" charset="-127"/>
+            </a:endParaRPr>
+          </a:p>
+          <a:p>
+            <a:r>
+              <a:rPr lang="ko-KR" altLang="en-US" sz="2400">
+                <a:latin typeface="나눔고딕 Light" panose="020D0904000000000000" pitchFamily="50" charset="-127"/>
+                <a:ea typeface="나눔고딕 Light" panose="020D0904000000000000" pitchFamily="50" charset="-127"/>
+              </a:rPr>
+              <a:t>람다식</a:t>
+            </a:r>
+            <a:r>
+              <a:rPr lang="en-US" altLang="ko-KR" sz="2400">
+                <a:latin typeface="나눔고딕 Light" panose="020D0904000000000000" pitchFamily="50" charset="-127"/>
+                <a:ea typeface="나눔고딕 Light" panose="020D0904000000000000" pitchFamily="50" charset="-127"/>
+              </a:rPr>
+              <a:t>, </a:t>
+            </a:r>
+            <a:r>
+              <a:rPr lang="ko-KR" altLang="en-US" sz="2400">
+                <a:latin typeface="나눔고딕 Light" panose="020D0904000000000000" pitchFamily="50" charset="-127"/>
+                <a:ea typeface="나눔고딕 Light" panose="020D0904000000000000" pitchFamily="50" charset="-127"/>
+              </a:rPr>
+              <a:t>함수포인터</a:t>
+            </a:r>
+            <a:endParaRPr lang="en-US" altLang="ko-KR" sz="2400">
+              <a:latin typeface="나눔고딕 Light" panose="020D0904000000000000" pitchFamily="50" charset="-127"/>
+              <a:ea typeface="나눔고딕 Light" panose="020D0904000000000000" pitchFamily="50" charset="-127"/>
+            </a:endParaRPr>
+          </a:p>
+          <a:p>
+            <a:r>
+              <a:rPr lang="ko-KR" altLang="en-US" sz="2400">
+                <a:latin typeface="나눔고딕 Light" panose="020D0904000000000000" pitchFamily="50" charset="-127"/>
+                <a:ea typeface="나눔고딕 Light" panose="020D0904000000000000" pitchFamily="50" charset="-127"/>
+              </a:rPr>
+              <a:t>알고리즘 헤더 내장 함수</a:t>
+            </a:r>
+            <a:endParaRPr lang="en-US" altLang="ko-KR" sz="2400">
+              <a:latin typeface="나눔고딕 Light" panose="020D0904000000000000" pitchFamily="50" charset="-127"/>
+              <a:ea typeface="나눔고딕 Light" panose="020D0904000000000000" pitchFamily="50" charset="-127"/>
+            </a:endParaRPr>
+          </a:p>
+        </p:txBody>
+      </p:sp>
+    </p:spTree>
+    <p:extLst>
+      <p:ext uri="{BB962C8B-B14F-4D97-AF65-F5344CB8AC3E}">
+        <p14:creationId xmlns:p14="http://schemas.microsoft.com/office/powerpoint/2010/main" val="1008830935"/>
+      </p:ext>
+    </p:extLst>
+  </p:cSld>
+  <p:clrMapOvr>
+    <a:masterClrMapping/>
+  </p:clrMapOvr>
+</p:sld>
+</file>
+
+<file path=ppt/slides/slide11.xml><?xml version="1.0" encoding="utf-8"?>
+<p:sld xmlns:a="http://schemas.openxmlformats.org/drawingml/2006/main" xmlns:r="http://schemas.openxmlformats.org/officeDocument/2006/relationships" xmlns:p="http://schemas.openxmlformats.org/presentationml/2006/main">
+  <p:cSld>
+    <p:spTree>
+      <p:nvGrpSpPr>
+        <p:cNvPr id="1" name=""/>
+        <p:cNvGrpSpPr/>
+        <p:nvPr/>
+      </p:nvGrpSpPr>
+      <p:grpSpPr>
+        <a:xfrm>
+          <a:off x="0" y="0"/>
+          <a:ext cx="0" cy="0"/>
+          <a:chOff x="0" y="0"/>
+          <a:chExt cx="0" cy="0"/>
+        </a:xfrm>
+      </p:grpSpPr>
+      <p:sp>
+        <p:nvSpPr>
+          <p:cNvPr id="6" name="TextBox 5">
+            <a:extLst>
+              <a:ext uri="{FF2B5EF4-FFF2-40B4-BE49-F238E27FC236}">
+                <a16:creationId xmlns:a16="http://schemas.microsoft.com/office/drawing/2014/main" id="{F453C929-8CA3-4E79-AF5D-99EC8407C6CF}"/>
+              </a:ext>
+            </a:extLst>
+          </p:cNvPr>
+          <p:cNvSpPr txBox="1"/>
+          <p:nvPr/>
+        </p:nvSpPr>
+        <p:spPr>
+          <a:xfrm>
+            <a:off x="171888" y="194702"/>
+            <a:ext cx="1965603" cy="523220"/>
+          </a:xfrm>
+          <a:prstGeom prst="rect">
+            <a:avLst/>
+          </a:prstGeom>
+          <a:noFill/>
+        </p:spPr>
+        <p:txBody>
+          <a:bodyPr wrap="none" rtlCol="0">
+            <a:spAutoFit/>
+          </a:bodyPr>
+          <a:lstStyle/>
+          <a:p>
+            <a:r>
+              <a:rPr lang="en-US" altLang="ko-KR" sz="2800">
+                <a:latin typeface="나눔고딕 Light" panose="020D0904000000000000" pitchFamily="50" charset="-127"/>
+                <a:ea typeface="나눔고딕 Light" panose="020D0904000000000000" pitchFamily="50" charset="-127"/>
+              </a:rPr>
+              <a:t>3. </a:t>
+            </a:r>
+            <a:r>
+              <a:rPr lang="ko-KR" altLang="en-US" sz="2800">
+                <a:latin typeface="나눔고딕 Light" panose="020D0904000000000000" pitchFamily="50" charset="-127"/>
+                <a:ea typeface="나눔고딕 Light" panose="020D0904000000000000" pitchFamily="50" charset="-127"/>
+              </a:rPr>
+              <a:t>커리큘럼</a:t>
+            </a:r>
+          </a:p>
+        </p:txBody>
+      </p:sp>
+      <p:cxnSp>
+        <p:nvCxnSpPr>
+          <p:cNvPr id="4" name="직선 연결선 3">
+            <a:extLst>
+              <a:ext uri="{FF2B5EF4-FFF2-40B4-BE49-F238E27FC236}">
+                <a16:creationId xmlns:a16="http://schemas.microsoft.com/office/drawing/2014/main" id="{7442459B-3DED-44F0-9E4C-B50601FEB425}"/>
+              </a:ext>
+            </a:extLst>
+          </p:cNvPr>
+          <p:cNvCxnSpPr>
+            <a:cxnSpLocks/>
+          </p:cNvCxnSpPr>
+          <p:nvPr/>
+        </p:nvCxnSpPr>
+        <p:spPr>
+          <a:xfrm>
+            <a:off x="132133" y="780690"/>
+            <a:ext cx="819295" cy="0"/>
+          </a:xfrm>
+          <a:prstGeom prst="line">
+            <a:avLst/>
+          </a:prstGeom>
+          <a:ln>
+            <a:solidFill>
+              <a:schemeClr val="tx1"/>
+            </a:solidFill>
+          </a:ln>
+        </p:spPr>
+        <p:style>
+          <a:lnRef idx="1">
+            <a:schemeClr val="accent1"/>
+          </a:lnRef>
+          <a:fillRef idx="0">
+            <a:schemeClr val="accent1"/>
+          </a:fillRef>
+          <a:effectRef idx="0">
+            <a:schemeClr val="accent1"/>
+          </a:effectRef>
+          <a:fontRef idx="minor">
+            <a:schemeClr val="tx1"/>
+          </a:fontRef>
+        </p:style>
+      </p:cxnSp>
+      <p:sp>
+        <p:nvSpPr>
+          <p:cNvPr id="16" name="TextBox 15">
+            <a:extLst>
+              <a:ext uri="{FF2B5EF4-FFF2-40B4-BE49-F238E27FC236}">
+                <a16:creationId xmlns:a16="http://schemas.microsoft.com/office/drawing/2014/main" id="{729E604B-A3FA-4C34-A3E6-7EB4D214AAE7}"/>
+              </a:ext>
+            </a:extLst>
+          </p:cNvPr>
+          <p:cNvSpPr txBox="1"/>
+          <p:nvPr/>
+        </p:nvSpPr>
+        <p:spPr>
+          <a:xfrm>
+            <a:off x="649279" y="2064583"/>
+            <a:ext cx="4386137" cy="523220"/>
+          </a:xfrm>
+          <a:prstGeom prst="rect">
+            <a:avLst/>
+          </a:prstGeom>
+          <a:noFill/>
+        </p:spPr>
+        <p:txBody>
+          <a:bodyPr wrap="none" rtlCol="0">
+            <a:spAutoFit/>
+          </a:bodyPr>
+          <a:lstStyle/>
+          <a:p>
+            <a:r>
+              <a:rPr lang="en-US" altLang="ko-KR" sz="2800">
+                <a:latin typeface="나눔고딕 Light" panose="020D0904000000000000" pitchFamily="50" charset="-127"/>
+                <a:ea typeface="나눔고딕 Light" panose="020D0904000000000000" pitchFamily="50" charset="-127"/>
+              </a:rPr>
+              <a:t>5</a:t>
+            </a:r>
+            <a:r>
+              <a:rPr lang="ko-KR" altLang="en-US" sz="2800">
+                <a:latin typeface="나눔고딕 Light" panose="020D0904000000000000" pitchFamily="50" charset="-127"/>
+                <a:ea typeface="나눔고딕 Light" panose="020D0904000000000000" pitchFamily="50" charset="-127"/>
+              </a:rPr>
+              <a:t>일차 </a:t>
+            </a:r>
+            <a:r>
+              <a:rPr lang="en-US" altLang="ko-KR" sz="2800">
+                <a:latin typeface="나눔고딕 Light" panose="020D0904000000000000" pitchFamily="50" charset="-127"/>
+                <a:ea typeface="나눔고딕 Light" panose="020D0904000000000000" pitchFamily="50" charset="-127"/>
+              </a:rPr>
+              <a:t>(8/6) : RG </a:t>
+            </a:r>
+            <a:r>
+              <a:rPr lang="ko-KR" altLang="en-US" sz="2800">
+                <a:latin typeface="나눔고딕 Light" panose="020D0904000000000000" pitchFamily="50" charset="-127"/>
+                <a:ea typeface="나눔고딕 Light" panose="020D0904000000000000" pitchFamily="50" charset="-127"/>
+              </a:rPr>
+              <a:t>엔진 기초</a:t>
+            </a:r>
+          </a:p>
+        </p:txBody>
+      </p:sp>
+      <p:sp>
+        <p:nvSpPr>
+          <p:cNvPr id="17" name="TextBox 16">
+            <a:extLst>
+              <a:ext uri="{FF2B5EF4-FFF2-40B4-BE49-F238E27FC236}">
+                <a16:creationId xmlns:a16="http://schemas.microsoft.com/office/drawing/2014/main" id="{D654BF31-54DD-4668-95F6-73059EEE746A}"/>
+              </a:ext>
+            </a:extLst>
+          </p:cNvPr>
+          <p:cNvSpPr txBox="1"/>
+          <p:nvPr/>
+        </p:nvSpPr>
+        <p:spPr>
+          <a:xfrm>
+            <a:off x="1167439" y="2726650"/>
+            <a:ext cx="3618298" cy="1569660"/>
+          </a:xfrm>
+          <a:prstGeom prst="rect">
+            <a:avLst/>
+          </a:prstGeom>
+          <a:noFill/>
+        </p:spPr>
+        <p:txBody>
+          <a:bodyPr wrap="none" rtlCol="0">
+            <a:spAutoFit/>
+          </a:bodyPr>
+          <a:lstStyle/>
+          <a:p>
+            <a:r>
+              <a:rPr lang="ko-KR" altLang="en-US" sz="2400">
+                <a:latin typeface="나눔고딕 Light" panose="020D0904000000000000" pitchFamily="50" charset="-127"/>
+                <a:ea typeface="나눔고딕 Light" panose="020D0904000000000000" pitchFamily="50" charset="-127"/>
+              </a:rPr>
+              <a:t>엔진 구조와 라이프 사이클</a:t>
+            </a:r>
+            <a:endParaRPr lang="en-US" altLang="ko-KR" sz="2400">
+              <a:latin typeface="나눔고딕 Light" panose="020D0904000000000000" pitchFamily="50" charset="-127"/>
+              <a:ea typeface="나눔고딕 Light" panose="020D0904000000000000" pitchFamily="50" charset="-127"/>
+            </a:endParaRPr>
+          </a:p>
+          <a:p>
+            <a:r>
+              <a:rPr lang="ko-KR" altLang="en-US" sz="2400">
+                <a:latin typeface="나눔고딕 Light" panose="020D0904000000000000" pitchFamily="50" charset="-127"/>
+                <a:ea typeface="나눔고딕 Light" panose="020D0904000000000000" pitchFamily="50" charset="-127"/>
+              </a:rPr>
+              <a:t>씬과 오브젝트</a:t>
+            </a:r>
+            <a:r>
+              <a:rPr lang="en-US" altLang="ko-KR" sz="2400">
+                <a:latin typeface="나눔고딕 Light" panose="020D0904000000000000" pitchFamily="50" charset="-127"/>
+                <a:ea typeface="나눔고딕 Light" panose="020D0904000000000000" pitchFamily="50" charset="-127"/>
+              </a:rPr>
+              <a:t>, </a:t>
+            </a:r>
+            <a:r>
+              <a:rPr lang="ko-KR" altLang="en-US" sz="2400">
+                <a:latin typeface="나눔고딕 Light" panose="020D0904000000000000" pitchFamily="50" charset="-127"/>
+                <a:ea typeface="나눔고딕 Light" panose="020D0904000000000000" pitchFamily="50" charset="-127"/>
+              </a:rPr>
+              <a:t>컴포넌트</a:t>
+            </a:r>
+            <a:endParaRPr lang="en-US" altLang="ko-KR" sz="2400">
+              <a:latin typeface="나눔고딕 Light" panose="020D0904000000000000" pitchFamily="50" charset="-127"/>
+              <a:ea typeface="나눔고딕 Light" panose="020D0904000000000000" pitchFamily="50" charset="-127"/>
+            </a:endParaRPr>
+          </a:p>
+          <a:p>
+            <a:r>
+              <a:rPr lang="ko-KR" altLang="en-US" sz="2400">
+                <a:latin typeface="나눔고딕 Light" panose="020D0904000000000000" pitchFamily="50" charset="-127"/>
+                <a:ea typeface="나눔고딕 Light" panose="020D0904000000000000" pitchFamily="50" charset="-127"/>
+              </a:rPr>
+              <a:t>스프라이트 렌더링</a:t>
+            </a:r>
+            <a:endParaRPr lang="en-US" altLang="ko-KR" sz="2400">
+              <a:latin typeface="나눔고딕 Light" panose="020D0904000000000000" pitchFamily="50" charset="-127"/>
+              <a:ea typeface="나눔고딕 Light" panose="020D0904000000000000" pitchFamily="50" charset="-127"/>
+            </a:endParaRPr>
+          </a:p>
+          <a:p>
+            <a:r>
+              <a:rPr lang="ko-KR" altLang="en-US" sz="2400">
+                <a:latin typeface="나눔고딕 Light" panose="020D0904000000000000" pitchFamily="50" charset="-127"/>
+                <a:ea typeface="나눔고딕 Light" panose="020D0904000000000000" pitchFamily="50" charset="-127"/>
+              </a:rPr>
+              <a:t>키보드 입력</a:t>
+            </a:r>
+          </a:p>
+        </p:txBody>
+      </p:sp>
+      <p:sp>
+        <p:nvSpPr>
+          <p:cNvPr id="18" name="TextBox 17">
+            <a:extLst>
+              <a:ext uri="{FF2B5EF4-FFF2-40B4-BE49-F238E27FC236}">
+                <a16:creationId xmlns:a16="http://schemas.microsoft.com/office/drawing/2014/main" id="{544C3BFF-70C3-42A8-A8B7-63CB6B3A8673}"/>
+              </a:ext>
+            </a:extLst>
+          </p:cNvPr>
+          <p:cNvSpPr txBox="1"/>
+          <p:nvPr/>
+        </p:nvSpPr>
+        <p:spPr>
+          <a:xfrm>
+            <a:off x="6506588" y="2064583"/>
+            <a:ext cx="4487126" cy="523220"/>
+          </a:xfrm>
+          <a:prstGeom prst="rect">
+            <a:avLst/>
+          </a:prstGeom>
+          <a:noFill/>
+        </p:spPr>
+        <p:txBody>
+          <a:bodyPr wrap="none" rtlCol="0">
+            <a:spAutoFit/>
+          </a:bodyPr>
+          <a:lstStyle/>
+          <a:p>
+            <a:r>
+              <a:rPr lang="en-US" altLang="ko-KR" sz="2800">
+                <a:latin typeface="나눔고딕 Light" panose="020D0904000000000000" pitchFamily="50" charset="-127"/>
+                <a:ea typeface="나눔고딕 Light" panose="020D0904000000000000" pitchFamily="50" charset="-127"/>
+              </a:rPr>
+              <a:t>6</a:t>
+            </a:r>
+            <a:r>
+              <a:rPr lang="ko-KR" altLang="en-US" sz="2800">
+                <a:latin typeface="나눔고딕 Light" panose="020D0904000000000000" pitchFamily="50" charset="-127"/>
+                <a:ea typeface="나눔고딕 Light" panose="020D0904000000000000" pitchFamily="50" charset="-127"/>
+              </a:rPr>
+              <a:t>일차 </a:t>
+            </a:r>
+            <a:r>
+              <a:rPr lang="en-US" altLang="ko-KR" sz="2800">
+                <a:latin typeface="나눔고딕 Light" panose="020D0904000000000000" pitchFamily="50" charset="-127"/>
+                <a:ea typeface="나눔고딕 Light" panose="020D0904000000000000" pitchFamily="50" charset="-127"/>
+              </a:rPr>
+              <a:t>(8/9) : RG </a:t>
+            </a:r>
+            <a:r>
+              <a:rPr lang="ko-KR" altLang="en-US" sz="2800">
+                <a:latin typeface="나눔고딕 Light" panose="020D0904000000000000" pitchFamily="50" charset="-127"/>
+                <a:ea typeface="나눔고딕 Light" panose="020D0904000000000000" pitchFamily="50" charset="-127"/>
+              </a:rPr>
+              <a:t>엔진 기초</a:t>
+            </a:r>
+          </a:p>
+        </p:txBody>
+      </p:sp>
+      <p:sp>
+        <p:nvSpPr>
+          <p:cNvPr id="21" name="TextBox 20">
+            <a:extLst>
+              <a:ext uri="{FF2B5EF4-FFF2-40B4-BE49-F238E27FC236}">
+                <a16:creationId xmlns:a16="http://schemas.microsoft.com/office/drawing/2014/main" id="{35DD57E6-9291-46CF-98DD-A2DC1123E414}"/>
+              </a:ext>
+            </a:extLst>
+          </p:cNvPr>
+          <p:cNvSpPr txBox="1"/>
+          <p:nvPr/>
+        </p:nvSpPr>
+        <p:spPr>
+          <a:xfrm>
+            <a:off x="7024748" y="2726650"/>
+            <a:ext cx="2470548" cy="1200329"/>
+          </a:xfrm>
+          <a:prstGeom prst="rect">
+            <a:avLst/>
+          </a:prstGeom>
+          <a:noFill/>
+        </p:spPr>
+        <p:txBody>
+          <a:bodyPr wrap="none" rtlCol="0">
+            <a:spAutoFit/>
+          </a:bodyPr>
+          <a:lstStyle/>
+          <a:p>
+            <a:r>
+              <a:rPr lang="ko-KR" altLang="en-US" sz="2400">
+                <a:latin typeface="나눔고딕 Light" panose="020D0904000000000000" pitchFamily="50" charset="-127"/>
+                <a:ea typeface="나눔고딕 Light" panose="020D0904000000000000" pitchFamily="50" charset="-127"/>
+              </a:rPr>
+              <a:t>엔진</a:t>
+            </a:r>
+            <a:r>
+              <a:rPr lang="en-US" altLang="ko-KR" sz="2400">
+                <a:latin typeface="나눔고딕 Light" panose="020D0904000000000000" pitchFamily="50" charset="-127"/>
+                <a:ea typeface="나눔고딕 Light" panose="020D0904000000000000" pitchFamily="50" charset="-127"/>
+              </a:rPr>
+              <a:t>,</a:t>
+            </a:r>
+            <a:r>
+              <a:rPr lang="ko-KR" altLang="en-US" sz="2400">
+                <a:latin typeface="나눔고딕 Light" panose="020D0904000000000000" pitchFamily="50" charset="-127"/>
+                <a:ea typeface="나눔고딕 Light" panose="020D0904000000000000" pitchFamily="50" charset="-127"/>
+              </a:rPr>
+              <a:t> 윈도우 설정</a:t>
+            </a:r>
+            <a:endParaRPr lang="en-US" altLang="ko-KR" sz="2400">
+              <a:latin typeface="나눔고딕 Light" panose="020D0904000000000000" pitchFamily="50" charset="-127"/>
+              <a:ea typeface="나눔고딕 Light" panose="020D0904000000000000" pitchFamily="50" charset="-127"/>
+            </a:endParaRPr>
+          </a:p>
+          <a:p>
+            <a:r>
+              <a:rPr lang="ko-KR" altLang="en-US" sz="2400">
+                <a:latin typeface="나눔고딕 Light" panose="020D0904000000000000" pitchFamily="50" charset="-127"/>
+                <a:ea typeface="나눔고딕 Light" panose="020D0904000000000000" pitchFamily="50" charset="-127"/>
+              </a:rPr>
+              <a:t>마우스 입력</a:t>
+            </a:r>
+            <a:endParaRPr lang="en-US" altLang="ko-KR" sz="2400">
+              <a:latin typeface="나눔고딕 Light" panose="020D0904000000000000" pitchFamily="50" charset="-127"/>
+              <a:ea typeface="나눔고딕 Light" panose="020D0904000000000000" pitchFamily="50" charset="-127"/>
+            </a:endParaRPr>
+          </a:p>
+          <a:p>
+            <a:r>
+              <a:rPr lang="ko-KR" altLang="en-US" sz="2400">
+                <a:latin typeface="나눔고딕 Light" panose="020D0904000000000000" pitchFamily="50" charset="-127"/>
+                <a:ea typeface="나눔고딕 Light" panose="020D0904000000000000" pitchFamily="50" charset="-127"/>
+              </a:rPr>
+              <a:t>소리 출력</a:t>
+            </a:r>
+            <a:endParaRPr lang="en-US" altLang="ko-KR" sz="2400">
+              <a:latin typeface="나눔고딕 Light" panose="020D0904000000000000" pitchFamily="50" charset="-127"/>
+              <a:ea typeface="나눔고딕 Light" panose="020D0904000000000000" pitchFamily="50" charset="-127"/>
+            </a:endParaRPr>
+          </a:p>
+        </p:txBody>
+      </p:sp>
+    </p:spTree>
+    <p:extLst>
+      <p:ext uri="{BB962C8B-B14F-4D97-AF65-F5344CB8AC3E}">
+        <p14:creationId xmlns:p14="http://schemas.microsoft.com/office/powerpoint/2010/main" val="1080557378"/>
+      </p:ext>
+    </p:extLst>
+  </p:cSld>
+  <p:clrMapOvr>
+    <a:masterClrMapping/>
+  </p:clrMapOvr>
+</p:sld>
+</file>
+
+<file path=ppt/slides/slide12.xml><?xml version="1.0" encoding="utf-8"?>
+<p:sld xmlns:a="http://schemas.openxmlformats.org/drawingml/2006/main" xmlns:r="http://schemas.openxmlformats.org/officeDocument/2006/relationships" xmlns:p="http://schemas.openxmlformats.org/presentationml/2006/main">
+  <p:cSld>
+    <p:spTree>
+      <p:nvGrpSpPr>
+        <p:cNvPr id="1" name=""/>
+        <p:cNvGrpSpPr/>
+        <p:nvPr/>
+      </p:nvGrpSpPr>
+      <p:grpSpPr>
+        <a:xfrm>
+          <a:off x="0" y="0"/>
+          <a:ext cx="0" cy="0"/>
+          <a:chOff x="0" y="0"/>
+          <a:chExt cx="0" cy="0"/>
+        </a:xfrm>
+      </p:grpSpPr>
+      <p:sp>
+        <p:nvSpPr>
+          <p:cNvPr id="6" name="TextBox 5">
+            <a:extLst>
+              <a:ext uri="{FF2B5EF4-FFF2-40B4-BE49-F238E27FC236}">
+                <a16:creationId xmlns:a16="http://schemas.microsoft.com/office/drawing/2014/main" id="{F453C929-8CA3-4E79-AF5D-99EC8407C6CF}"/>
+              </a:ext>
+            </a:extLst>
+          </p:cNvPr>
+          <p:cNvSpPr txBox="1"/>
+          <p:nvPr/>
+        </p:nvSpPr>
+        <p:spPr>
+          <a:xfrm>
+            <a:off x="171888" y="194702"/>
+            <a:ext cx="1965603" cy="523220"/>
+          </a:xfrm>
+          <a:prstGeom prst="rect">
+            <a:avLst/>
+          </a:prstGeom>
+          <a:noFill/>
+        </p:spPr>
+        <p:txBody>
+          <a:bodyPr wrap="none" rtlCol="0">
+            <a:spAutoFit/>
+          </a:bodyPr>
+          <a:lstStyle/>
+          <a:p>
+            <a:r>
+              <a:rPr lang="en-US" altLang="ko-KR" sz="2800">
+                <a:latin typeface="나눔고딕 Light" panose="020D0904000000000000" pitchFamily="50" charset="-127"/>
+                <a:ea typeface="나눔고딕 Light" panose="020D0904000000000000" pitchFamily="50" charset="-127"/>
+              </a:rPr>
+              <a:t>3. </a:t>
+            </a:r>
+            <a:r>
+              <a:rPr lang="ko-KR" altLang="en-US" sz="2800">
+                <a:latin typeface="나눔고딕 Light" panose="020D0904000000000000" pitchFamily="50" charset="-127"/>
+                <a:ea typeface="나눔고딕 Light" panose="020D0904000000000000" pitchFamily="50" charset="-127"/>
+              </a:rPr>
+              <a:t>커리큘럼</a:t>
+            </a:r>
+          </a:p>
+        </p:txBody>
+      </p:sp>
+      <p:cxnSp>
+        <p:nvCxnSpPr>
+          <p:cNvPr id="4" name="직선 연결선 3">
+            <a:extLst>
+              <a:ext uri="{FF2B5EF4-FFF2-40B4-BE49-F238E27FC236}">
+                <a16:creationId xmlns:a16="http://schemas.microsoft.com/office/drawing/2014/main" id="{7442459B-3DED-44F0-9E4C-B50601FEB425}"/>
+              </a:ext>
+            </a:extLst>
+          </p:cNvPr>
+          <p:cNvCxnSpPr>
+            <a:cxnSpLocks/>
+          </p:cNvCxnSpPr>
+          <p:nvPr/>
+        </p:nvCxnSpPr>
+        <p:spPr>
+          <a:xfrm>
+            <a:off x="132133" y="780690"/>
+            <a:ext cx="819295" cy="0"/>
+          </a:xfrm>
+          <a:prstGeom prst="line">
+            <a:avLst/>
+          </a:prstGeom>
+          <a:ln>
+            <a:solidFill>
+              <a:schemeClr val="tx1"/>
+            </a:solidFill>
+          </a:ln>
+        </p:spPr>
+        <p:style>
+          <a:lnRef idx="1">
+            <a:schemeClr val="accent1"/>
+          </a:lnRef>
+          <a:fillRef idx="0">
+            <a:schemeClr val="accent1"/>
+          </a:fillRef>
+          <a:effectRef idx="0">
+            <a:schemeClr val="accent1"/>
+          </a:effectRef>
+          <a:fontRef idx="minor">
+            <a:schemeClr val="tx1"/>
+          </a:fontRef>
+        </p:style>
+      </p:cxnSp>
+      <p:sp>
+        <p:nvSpPr>
+          <p:cNvPr id="16" name="TextBox 15">
+            <a:extLst>
+              <a:ext uri="{FF2B5EF4-FFF2-40B4-BE49-F238E27FC236}">
+                <a16:creationId xmlns:a16="http://schemas.microsoft.com/office/drawing/2014/main" id="{729E604B-A3FA-4C34-A3E6-7EB4D214AAE7}"/>
+              </a:ext>
+            </a:extLst>
+          </p:cNvPr>
+          <p:cNvSpPr txBox="1"/>
+          <p:nvPr/>
+        </p:nvSpPr>
+        <p:spPr>
+          <a:xfrm>
+            <a:off x="649279" y="2064583"/>
+            <a:ext cx="4604146" cy="523220"/>
+          </a:xfrm>
+          <a:prstGeom prst="rect">
+            <a:avLst/>
+          </a:prstGeom>
+          <a:noFill/>
+        </p:spPr>
+        <p:txBody>
+          <a:bodyPr wrap="none" rtlCol="0">
+            <a:spAutoFit/>
+          </a:bodyPr>
+          <a:lstStyle/>
+          <a:p>
+            <a:r>
+              <a:rPr lang="en-US" altLang="ko-KR" sz="2800">
+                <a:latin typeface="나눔고딕 Light" panose="020D0904000000000000" pitchFamily="50" charset="-127"/>
+                <a:ea typeface="나눔고딕 Light" panose="020D0904000000000000" pitchFamily="50" charset="-127"/>
+              </a:rPr>
+              <a:t>7</a:t>
+            </a:r>
+            <a:r>
+              <a:rPr lang="ko-KR" altLang="en-US" sz="2800">
+                <a:latin typeface="나눔고딕 Light" panose="020D0904000000000000" pitchFamily="50" charset="-127"/>
+                <a:ea typeface="나눔고딕 Light" panose="020D0904000000000000" pitchFamily="50" charset="-127"/>
+              </a:rPr>
+              <a:t>일차 </a:t>
+            </a:r>
+            <a:r>
+              <a:rPr lang="en-US" altLang="ko-KR" sz="2800">
+                <a:latin typeface="나눔고딕 Light" panose="020D0904000000000000" pitchFamily="50" charset="-127"/>
+                <a:ea typeface="나눔고딕 Light" panose="020D0904000000000000" pitchFamily="50" charset="-127"/>
+              </a:rPr>
+              <a:t>(8/10) : RG </a:t>
+            </a:r>
+            <a:r>
+              <a:rPr lang="ko-KR" altLang="en-US" sz="2800">
+                <a:latin typeface="나눔고딕 Light" panose="020D0904000000000000" pitchFamily="50" charset="-127"/>
+                <a:ea typeface="나눔고딕 Light" panose="020D0904000000000000" pitchFamily="50" charset="-127"/>
+              </a:rPr>
+              <a:t>엔진 기능</a:t>
+            </a:r>
+          </a:p>
+        </p:txBody>
+      </p:sp>
+      <p:sp>
+        <p:nvSpPr>
+          <p:cNvPr id="17" name="TextBox 16">
+            <a:extLst>
+              <a:ext uri="{FF2B5EF4-FFF2-40B4-BE49-F238E27FC236}">
+                <a16:creationId xmlns:a16="http://schemas.microsoft.com/office/drawing/2014/main" id="{D654BF31-54DD-4668-95F6-73059EEE746A}"/>
+              </a:ext>
+            </a:extLst>
+          </p:cNvPr>
+          <p:cNvSpPr txBox="1"/>
+          <p:nvPr/>
+        </p:nvSpPr>
+        <p:spPr>
+          <a:xfrm>
+            <a:off x="1167439" y="2726650"/>
+            <a:ext cx="2579552" cy="1569660"/>
+          </a:xfrm>
+          <a:prstGeom prst="rect">
+            <a:avLst/>
+          </a:prstGeom>
+          <a:noFill/>
+        </p:spPr>
+        <p:txBody>
+          <a:bodyPr wrap="none" rtlCol="0">
+            <a:spAutoFit/>
+          </a:bodyPr>
+          <a:lstStyle/>
+          <a:p>
+            <a:r>
+              <a:rPr lang="ko-KR" altLang="en-US" sz="2400">
+                <a:latin typeface="나눔고딕 Light" panose="020D0904000000000000" pitchFamily="50" charset="-127"/>
+                <a:ea typeface="나눔고딕 Light" panose="020D0904000000000000" pitchFamily="50" charset="-127"/>
+              </a:rPr>
+              <a:t>매니저</a:t>
+            </a:r>
+            <a:endParaRPr lang="en-US" altLang="ko-KR" sz="2400">
+              <a:latin typeface="나눔고딕 Light" panose="020D0904000000000000" pitchFamily="50" charset="-127"/>
+              <a:ea typeface="나눔고딕 Light" panose="020D0904000000000000" pitchFamily="50" charset="-127"/>
+            </a:endParaRPr>
+          </a:p>
+          <a:p>
+            <a:r>
+              <a:rPr lang="ko-KR" altLang="en-US" sz="2400">
+                <a:latin typeface="나눔고딕 Light" panose="020D0904000000000000" pitchFamily="50" charset="-127"/>
+                <a:ea typeface="나눔고딕 Light" panose="020D0904000000000000" pitchFamily="50" charset="-127"/>
+              </a:rPr>
+              <a:t>애니메이션 렌더러</a:t>
+            </a:r>
+            <a:endParaRPr lang="en-US" altLang="ko-KR" sz="2400">
+              <a:latin typeface="나눔고딕 Light" panose="020D0904000000000000" pitchFamily="50" charset="-127"/>
+              <a:ea typeface="나눔고딕 Light" panose="020D0904000000000000" pitchFamily="50" charset="-127"/>
+            </a:endParaRPr>
+          </a:p>
+          <a:p>
+            <a:r>
+              <a:rPr lang="ko-KR" altLang="en-US" sz="2400">
+                <a:latin typeface="나눔고딕 Light" panose="020D0904000000000000" pitchFamily="50" charset="-127"/>
+                <a:ea typeface="나눔고딕 Light" panose="020D0904000000000000" pitchFamily="50" charset="-127"/>
+              </a:rPr>
+              <a:t>텍스트 렌더러</a:t>
+            </a:r>
+            <a:endParaRPr lang="en-US" altLang="ko-KR" sz="2400">
+              <a:latin typeface="나눔고딕 Light" panose="020D0904000000000000" pitchFamily="50" charset="-127"/>
+              <a:ea typeface="나눔고딕 Light" panose="020D0904000000000000" pitchFamily="50" charset="-127"/>
+            </a:endParaRPr>
+          </a:p>
+          <a:p>
+            <a:r>
+              <a:rPr lang="ko-KR" altLang="en-US" sz="2400">
+                <a:latin typeface="나눔고딕 Light" panose="020D0904000000000000" pitchFamily="50" charset="-127"/>
+                <a:ea typeface="나눔고딕 Light" panose="020D0904000000000000" pitchFamily="50" charset="-127"/>
+              </a:rPr>
+              <a:t>커맨드 리스트</a:t>
+            </a:r>
+            <a:endParaRPr lang="en-US" altLang="ko-KR" sz="2400">
+              <a:latin typeface="나눔고딕 Light" panose="020D0904000000000000" pitchFamily="50" charset="-127"/>
+              <a:ea typeface="나눔고딕 Light" panose="020D0904000000000000" pitchFamily="50" charset="-127"/>
+            </a:endParaRPr>
+          </a:p>
+        </p:txBody>
+      </p:sp>
+      <p:sp>
+        <p:nvSpPr>
+          <p:cNvPr id="18" name="TextBox 17">
+            <a:extLst>
+              <a:ext uri="{FF2B5EF4-FFF2-40B4-BE49-F238E27FC236}">
+                <a16:creationId xmlns:a16="http://schemas.microsoft.com/office/drawing/2014/main" id="{544C3BFF-70C3-42A8-A8B7-63CB6B3A8673}"/>
+              </a:ext>
+            </a:extLst>
+          </p:cNvPr>
+          <p:cNvSpPr txBox="1"/>
+          <p:nvPr/>
+        </p:nvSpPr>
+        <p:spPr>
+          <a:xfrm>
+            <a:off x="6506588" y="2064583"/>
+            <a:ext cx="4604146" cy="523220"/>
+          </a:xfrm>
+          <a:prstGeom prst="rect">
+            <a:avLst/>
+          </a:prstGeom>
+          <a:noFill/>
+        </p:spPr>
+        <p:txBody>
+          <a:bodyPr wrap="none" rtlCol="0">
+            <a:spAutoFit/>
+          </a:bodyPr>
+          <a:lstStyle/>
+          <a:p>
+            <a:r>
+              <a:rPr lang="en-US" altLang="ko-KR" sz="2800">
+                <a:latin typeface="나눔고딕 Light" panose="020D0904000000000000" pitchFamily="50" charset="-127"/>
+                <a:ea typeface="나눔고딕 Light" panose="020D0904000000000000" pitchFamily="50" charset="-127"/>
+              </a:rPr>
+              <a:t>8</a:t>
+            </a:r>
+            <a:r>
+              <a:rPr lang="ko-KR" altLang="en-US" sz="2800">
+                <a:latin typeface="나눔고딕 Light" panose="020D0904000000000000" pitchFamily="50" charset="-127"/>
+                <a:ea typeface="나눔고딕 Light" panose="020D0904000000000000" pitchFamily="50" charset="-127"/>
+              </a:rPr>
+              <a:t>일차 </a:t>
+            </a:r>
+            <a:r>
+              <a:rPr lang="en-US" altLang="ko-KR" sz="2800">
+                <a:latin typeface="나눔고딕 Light" panose="020D0904000000000000" pitchFamily="50" charset="-127"/>
+                <a:ea typeface="나눔고딕 Light" panose="020D0904000000000000" pitchFamily="50" charset="-127"/>
+              </a:rPr>
+              <a:t>(8/11) : RG </a:t>
+            </a:r>
+            <a:r>
+              <a:rPr lang="ko-KR" altLang="en-US" sz="2800">
+                <a:latin typeface="나눔고딕 Light" panose="020D0904000000000000" pitchFamily="50" charset="-127"/>
+                <a:ea typeface="나눔고딕 Light" panose="020D0904000000000000" pitchFamily="50" charset="-127"/>
+              </a:rPr>
+              <a:t>엔진 기능</a:t>
+            </a:r>
+          </a:p>
+        </p:txBody>
+      </p:sp>
+      <p:sp>
+        <p:nvSpPr>
+          <p:cNvPr id="21" name="TextBox 20">
+            <a:extLst>
+              <a:ext uri="{FF2B5EF4-FFF2-40B4-BE49-F238E27FC236}">
+                <a16:creationId xmlns:a16="http://schemas.microsoft.com/office/drawing/2014/main" id="{35DD57E6-9291-46CF-98DD-A2DC1123E414}"/>
+              </a:ext>
+            </a:extLst>
+          </p:cNvPr>
+          <p:cNvSpPr txBox="1"/>
+          <p:nvPr/>
+        </p:nvSpPr>
+        <p:spPr>
+          <a:xfrm>
+            <a:off x="7024748" y="2726650"/>
+            <a:ext cx="2291012" cy="1200329"/>
+          </a:xfrm>
+          <a:prstGeom prst="rect">
+            <a:avLst/>
+          </a:prstGeom>
+          <a:noFill/>
+        </p:spPr>
+        <p:txBody>
+          <a:bodyPr wrap="none" rtlCol="0">
+            <a:spAutoFit/>
+          </a:bodyPr>
+          <a:lstStyle/>
+          <a:p>
+            <a:r>
+              <a:rPr lang="ko-KR" altLang="en-US" sz="2400">
+                <a:latin typeface="나눔고딕 Light" panose="020D0904000000000000" pitchFamily="50" charset="-127"/>
+                <a:ea typeface="나눔고딕 Light" panose="020D0904000000000000" pitchFamily="50" charset="-127"/>
+              </a:rPr>
+              <a:t>애니메이션</a:t>
+            </a:r>
+            <a:endParaRPr lang="en-US" altLang="ko-KR" sz="2400">
+              <a:latin typeface="나눔고딕 Light" panose="020D0904000000000000" pitchFamily="50" charset="-127"/>
+              <a:ea typeface="나눔고딕 Light" panose="020D0904000000000000" pitchFamily="50" charset="-127"/>
+            </a:endParaRPr>
+          </a:p>
+          <a:p>
+            <a:r>
+              <a:rPr lang="ko-KR" altLang="en-US" sz="2400">
+                <a:latin typeface="나눔고딕 Light" panose="020D0904000000000000" pitchFamily="50" charset="-127"/>
+                <a:ea typeface="나눔고딕 Light" panose="020D0904000000000000" pitchFamily="50" charset="-127"/>
+              </a:rPr>
+              <a:t>커스텀 컴포넌트</a:t>
+            </a:r>
+            <a:endParaRPr lang="en-US" altLang="ko-KR" sz="2400">
+              <a:latin typeface="나눔고딕 Light" panose="020D0904000000000000" pitchFamily="50" charset="-127"/>
+              <a:ea typeface="나눔고딕 Light" panose="020D0904000000000000" pitchFamily="50" charset="-127"/>
+            </a:endParaRPr>
+          </a:p>
+          <a:p>
+            <a:r>
+              <a:rPr lang="ko-KR" altLang="en-US" sz="2400">
+                <a:latin typeface="나눔고딕 Light" panose="020D0904000000000000" pitchFamily="50" charset="-127"/>
+                <a:ea typeface="나눔고딕 Light" panose="020D0904000000000000" pitchFamily="50" charset="-127"/>
+              </a:rPr>
+              <a:t>충돌 처리</a:t>
+            </a:r>
+            <a:endParaRPr lang="en-US" altLang="ko-KR" sz="2400">
+              <a:latin typeface="나눔고딕 Light" panose="020D0904000000000000" pitchFamily="50" charset="-127"/>
+              <a:ea typeface="나눔고딕 Light" panose="020D0904000000000000" pitchFamily="50" charset="-127"/>
+            </a:endParaRPr>
+          </a:p>
+        </p:txBody>
+      </p:sp>
+    </p:spTree>
+    <p:extLst>
+      <p:ext uri="{BB962C8B-B14F-4D97-AF65-F5344CB8AC3E}">
+        <p14:creationId xmlns:p14="http://schemas.microsoft.com/office/powerpoint/2010/main" val="478510667"/>
+      </p:ext>
+    </p:extLst>
+  </p:cSld>
+  <p:clrMapOvr>
+    <a:masterClrMapping/>
+  </p:clrMapOvr>
+</p:sld>
+</file>
+
+<file path=ppt/slides/slide13.xml><?xml version="1.0" encoding="utf-8"?>
+<p:sld xmlns:a="http://schemas.openxmlformats.org/drawingml/2006/main" xmlns:r="http://schemas.openxmlformats.org/officeDocument/2006/relationships" xmlns:p="http://schemas.openxmlformats.org/presentationml/2006/main">
+  <p:cSld>
+    <p:spTree>
+      <p:nvGrpSpPr>
+        <p:cNvPr id="1" name=""/>
+        <p:cNvGrpSpPr/>
+        <p:nvPr/>
+      </p:nvGrpSpPr>
+      <p:grpSpPr>
+        <a:xfrm>
+          <a:off x="0" y="0"/>
+          <a:ext cx="0" cy="0"/>
+          <a:chOff x="0" y="0"/>
+          <a:chExt cx="0" cy="0"/>
+        </a:xfrm>
+      </p:grpSpPr>
+      <p:sp>
+        <p:nvSpPr>
+          <p:cNvPr id="6" name="TextBox 5">
+            <a:extLst>
+              <a:ext uri="{FF2B5EF4-FFF2-40B4-BE49-F238E27FC236}">
+                <a16:creationId xmlns:a16="http://schemas.microsoft.com/office/drawing/2014/main" id="{F453C929-8CA3-4E79-AF5D-99EC8407C6CF}"/>
+              </a:ext>
+            </a:extLst>
+          </p:cNvPr>
+          <p:cNvSpPr txBox="1"/>
+          <p:nvPr/>
+        </p:nvSpPr>
+        <p:spPr>
+          <a:xfrm>
+            <a:off x="171888" y="194702"/>
+            <a:ext cx="1965603" cy="523220"/>
+          </a:xfrm>
+          <a:prstGeom prst="rect">
+            <a:avLst/>
+          </a:prstGeom>
+          <a:noFill/>
+        </p:spPr>
+        <p:txBody>
+          <a:bodyPr wrap="none" rtlCol="0">
+            <a:spAutoFit/>
+          </a:bodyPr>
+          <a:lstStyle/>
+          <a:p>
+            <a:r>
+              <a:rPr lang="en-US" altLang="ko-KR" sz="2800">
+                <a:latin typeface="나눔고딕 Light" panose="020D0904000000000000" pitchFamily="50" charset="-127"/>
+                <a:ea typeface="나눔고딕 Light" panose="020D0904000000000000" pitchFamily="50" charset="-127"/>
+              </a:rPr>
+              <a:t>3. </a:t>
+            </a:r>
+            <a:r>
+              <a:rPr lang="ko-KR" altLang="en-US" sz="2800">
+                <a:latin typeface="나눔고딕 Light" panose="020D0904000000000000" pitchFamily="50" charset="-127"/>
+                <a:ea typeface="나눔고딕 Light" panose="020D0904000000000000" pitchFamily="50" charset="-127"/>
+              </a:rPr>
+              <a:t>커리큘럼</a:t>
+            </a:r>
+          </a:p>
+        </p:txBody>
+      </p:sp>
+      <p:cxnSp>
+        <p:nvCxnSpPr>
+          <p:cNvPr id="4" name="직선 연결선 3">
+            <a:extLst>
+              <a:ext uri="{FF2B5EF4-FFF2-40B4-BE49-F238E27FC236}">
+                <a16:creationId xmlns:a16="http://schemas.microsoft.com/office/drawing/2014/main" id="{7442459B-3DED-44F0-9E4C-B50601FEB425}"/>
+              </a:ext>
+            </a:extLst>
+          </p:cNvPr>
+          <p:cNvCxnSpPr>
+            <a:cxnSpLocks/>
+          </p:cNvCxnSpPr>
+          <p:nvPr/>
+        </p:nvCxnSpPr>
+        <p:spPr>
+          <a:xfrm>
+            <a:off x="132133" y="780690"/>
+            <a:ext cx="819295" cy="0"/>
+          </a:xfrm>
+          <a:prstGeom prst="line">
+            <a:avLst/>
+          </a:prstGeom>
+          <a:ln>
+            <a:solidFill>
+              <a:schemeClr val="tx1"/>
+            </a:solidFill>
+          </a:ln>
+        </p:spPr>
+        <p:style>
+          <a:lnRef idx="1">
+            <a:schemeClr val="accent1"/>
+          </a:lnRef>
+          <a:fillRef idx="0">
+            <a:schemeClr val="accent1"/>
+          </a:fillRef>
+          <a:effectRef idx="0">
+            <a:schemeClr val="accent1"/>
+          </a:effectRef>
+          <a:fontRef idx="minor">
+            <a:schemeClr val="tx1"/>
+          </a:fontRef>
+        </p:style>
+      </p:cxnSp>
+      <p:sp>
+        <p:nvSpPr>
+          <p:cNvPr id="16" name="TextBox 15">
+            <a:extLst>
+              <a:ext uri="{FF2B5EF4-FFF2-40B4-BE49-F238E27FC236}">
+                <a16:creationId xmlns:a16="http://schemas.microsoft.com/office/drawing/2014/main" id="{729E604B-A3FA-4C34-A3E6-7EB4D214AAE7}"/>
+              </a:ext>
+            </a:extLst>
+          </p:cNvPr>
+          <p:cNvSpPr txBox="1"/>
+          <p:nvPr/>
+        </p:nvSpPr>
+        <p:spPr>
+          <a:xfrm>
+            <a:off x="649279" y="2064583"/>
+            <a:ext cx="4705134" cy="523220"/>
+          </a:xfrm>
+          <a:prstGeom prst="rect">
+            <a:avLst/>
+          </a:prstGeom>
+          <a:noFill/>
+        </p:spPr>
+        <p:txBody>
+          <a:bodyPr wrap="none" rtlCol="0">
+            <a:spAutoFit/>
+          </a:bodyPr>
+          <a:lstStyle/>
+          <a:p>
+            <a:r>
+              <a:rPr lang="en-US" altLang="ko-KR" sz="2800">
+                <a:latin typeface="나눔고딕 Light" panose="020D0904000000000000" pitchFamily="50" charset="-127"/>
+                <a:ea typeface="나눔고딕 Light" panose="020D0904000000000000" pitchFamily="50" charset="-127"/>
+              </a:rPr>
+              <a:t>9</a:t>
+            </a:r>
+            <a:r>
+              <a:rPr lang="ko-KR" altLang="en-US" sz="2800">
+                <a:latin typeface="나눔고딕 Light" panose="020D0904000000000000" pitchFamily="50" charset="-127"/>
+                <a:ea typeface="나눔고딕 Light" panose="020D0904000000000000" pitchFamily="50" charset="-127"/>
+              </a:rPr>
+              <a:t>일차 </a:t>
+            </a:r>
+            <a:r>
+              <a:rPr lang="en-US" altLang="ko-KR" sz="2800">
+                <a:latin typeface="나눔고딕 Light" panose="020D0904000000000000" pitchFamily="50" charset="-127"/>
+                <a:ea typeface="나눔고딕 Light" panose="020D0904000000000000" pitchFamily="50" charset="-127"/>
+              </a:rPr>
+              <a:t>(8/12) : RG </a:t>
+            </a:r>
+            <a:r>
+              <a:rPr lang="ko-KR" altLang="en-US" sz="2800">
+                <a:latin typeface="나눔고딕 Light" panose="020D0904000000000000" pitchFamily="50" charset="-127"/>
+                <a:ea typeface="나눔고딕 Light" panose="020D0904000000000000" pitchFamily="50" charset="-127"/>
+              </a:rPr>
+              <a:t>엔진 기능</a:t>
+            </a:r>
+          </a:p>
+        </p:txBody>
+      </p:sp>
+      <p:sp>
+        <p:nvSpPr>
+          <p:cNvPr id="17" name="TextBox 16">
+            <a:extLst>
+              <a:ext uri="{FF2B5EF4-FFF2-40B4-BE49-F238E27FC236}">
+                <a16:creationId xmlns:a16="http://schemas.microsoft.com/office/drawing/2014/main" id="{D654BF31-54DD-4668-95F6-73059EEE746A}"/>
+              </a:ext>
+            </a:extLst>
+          </p:cNvPr>
+          <p:cNvSpPr txBox="1"/>
+          <p:nvPr/>
+        </p:nvSpPr>
+        <p:spPr>
+          <a:xfrm>
+            <a:off x="1167439" y="2726650"/>
+            <a:ext cx="2964273" cy="1200329"/>
+          </a:xfrm>
+          <a:prstGeom prst="rect">
+            <a:avLst/>
+          </a:prstGeom>
+          <a:noFill/>
+        </p:spPr>
+        <p:txBody>
+          <a:bodyPr wrap="none" rtlCol="0">
+            <a:spAutoFit/>
+          </a:bodyPr>
+          <a:lstStyle/>
+          <a:p>
+            <a:r>
+              <a:rPr lang="ko-KR" altLang="en-US" sz="2400">
+                <a:latin typeface="나눔고딕 Light" panose="020D0904000000000000" pitchFamily="50" charset="-127"/>
+                <a:ea typeface="나눔고딕 Light" panose="020D0904000000000000" pitchFamily="50" charset="-127"/>
+              </a:rPr>
+              <a:t>다이렉트 이펙트</a:t>
+            </a:r>
+            <a:endParaRPr lang="en-US" altLang="ko-KR" sz="2400">
+              <a:latin typeface="나눔고딕 Light" panose="020D0904000000000000" pitchFamily="50" charset="-127"/>
+              <a:ea typeface="나눔고딕 Light" panose="020D0904000000000000" pitchFamily="50" charset="-127"/>
+            </a:endParaRPr>
+          </a:p>
+          <a:p>
+            <a:r>
+              <a:rPr lang="ko-KR" altLang="en-US" sz="2400">
+                <a:latin typeface="나눔고딕 Light" panose="020D0904000000000000" pitchFamily="50" charset="-127"/>
+                <a:ea typeface="나눔고딕 Light" panose="020D0904000000000000" pitchFamily="50" charset="-127"/>
+              </a:rPr>
+              <a:t>좌표계와 </a:t>
+            </a:r>
+            <a:r>
+              <a:rPr lang="en-US" altLang="ko-KR" sz="2400">
+                <a:latin typeface="나눔고딕 Light" panose="020D0904000000000000" pitchFamily="50" charset="-127"/>
+                <a:ea typeface="나눔고딕 Light" panose="020D0904000000000000" pitchFamily="50" charset="-127"/>
+              </a:rPr>
+              <a:t>UI </a:t>
+            </a:r>
+            <a:r>
+              <a:rPr lang="ko-KR" altLang="en-US" sz="2400">
+                <a:latin typeface="나눔고딕 Light" panose="020D0904000000000000" pitchFamily="50" charset="-127"/>
+                <a:ea typeface="나눔고딕 Light" panose="020D0904000000000000" pitchFamily="50" charset="-127"/>
+              </a:rPr>
+              <a:t>오브젝트</a:t>
+            </a:r>
+            <a:endParaRPr lang="en-US" altLang="ko-KR" sz="2400">
+              <a:latin typeface="나눔고딕 Light" panose="020D0904000000000000" pitchFamily="50" charset="-127"/>
+              <a:ea typeface="나눔고딕 Light" panose="020D0904000000000000" pitchFamily="50" charset="-127"/>
+            </a:endParaRPr>
+          </a:p>
+          <a:p>
+            <a:r>
+              <a:rPr lang="ko-KR" altLang="en-US" sz="2400">
+                <a:latin typeface="나눔고딕 Light" panose="020D0904000000000000" pitchFamily="50" charset="-127"/>
+                <a:ea typeface="나눔고딕 Light" panose="020D0904000000000000" pitchFamily="50" charset="-127"/>
+              </a:rPr>
+              <a:t>씬 관리</a:t>
+            </a:r>
+            <a:endParaRPr lang="en-US" altLang="ko-KR" sz="2400">
+              <a:latin typeface="나눔고딕 Light" panose="020D0904000000000000" pitchFamily="50" charset="-127"/>
+              <a:ea typeface="나눔고딕 Light" panose="020D0904000000000000" pitchFamily="50" charset="-127"/>
+            </a:endParaRPr>
+          </a:p>
+        </p:txBody>
+      </p:sp>
+      <p:sp>
+        <p:nvSpPr>
+          <p:cNvPr id="18" name="TextBox 17">
+            <a:extLst>
+              <a:ext uri="{FF2B5EF4-FFF2-40B4-BE49-F238E27FC236}">
+                <a16:creationId xmlns:a16="http://schemas.microsoft.com/office/drawing/2014/main" id="{544C3BFF-70C3-42A8-A8B7-63CB6B3A8673}"/>
+              </a:ext>
+            </a:extLst>
+          </p:cNvPr>
+          <p:cNvSpPr txBox="1"/>
+          <p:nvPr/>
+        </p:nvSpPr>
+        <p:spPr>
+          <a:xfrm>
+            <a:off x="6506588" y="2064583"/>
+            <a:ext cx="4923143" cy="523220"/>
+          </a:xfrm>
+          <a:prstGeom prst="rect">
+            <a:avLst/>
+          </a:prstGeom>
+          <a:noFill/>
+        </p:spPr>
+        <p:txBody>
+          <a:bodyPr wrap="none" rtlCol="0">
+            <a:spAutoFit/>
+          </a:bodyPr>
+          <a:lstStyle/>
+          <a:p>
+            <a:r>
+              <a:rPr lang="en-US" altLang="ko-KR" sz="2800">
+                <a:latin typeface="나눔고딕 Light" panose="020D0904000000000000" pitchFamily="50" charset="-127"/>
+                <a:ea typeface="나눔고딕 Light" panose="020D0904000000000000" pitchFamily="50" charset="-127"/>
+              </a:rPr>
+              <a:t>10</a:t>
+            </a:r>
+            <a:r>
+              <a:rPr lang="ko-KR" altLang="en-US" sz="2800">
+                <a:latin typeface="나눔고딕 Light" panose="020D0904000000000000" pitchFamily="50" charset="-127"/>
+                <a:ea typeface="나눔고딕 Light" panose="020D0904000000000000" pitchFamily="50" charset="-127"/>
+              </a:rPr>
+              <a:t>일차 </a:t>
+            </a:r>
+            <a:r>
+              <a:rPr lang="en-US" altLang="ko-KR" sz="2800">
+                <a:latin typeface="나눔고딕 Light" panose="020D0904000000000000" pitchFamily="50" charset="-127"/>
+                <a:ea typeface="나눔고딕 Light" panose="020D0904000000000000" pitchFamily="50" charset="-127"/>
+              </a:rPr>
+              <a:t>(8/13) : RG </a:t>
+            </a:r>
+            <a:r>
+              <a:rPr lang="ko-KR" altLang="en-US" sz="2800">
+                <a:latin typeface="나눔고딕 Light" panose="020D0904000000000000" pitchFamily="50" charset="-127"/>
+                <a:ea typeface="나눔고딕 Light" panose="020D0904000000000000" pitchFamily="50" charset="-127"/>
+              </a:rPr>
+              <a:t>엔진 심화</a:t>
+            </a:r>
+          </a:p>
+        </p:txBody>
+      </p:sp>
+      <p:sp>
+        <p:nvSpPr>
+          <p:cNvPr id="21" name="TextBox 20">
+            <a:extLst>
+              <a:ext uri="{FF2B5EF4-FFF2-40B4-BE49-F238E27FC236}">
+                <a16:creationId xmlns:a16="http://schemas.microsoft.com/office/drawing/2014/main" id="{35DD57E6-9291-46CF-98DD-A2DC1123E414}"/>
+              </a:ext>
+            </a:extLst>
+          </p:cNvPr>
+          <p:cNvSpPr txBox="1"/>
+          <p:nvPr/>
+        </p:nvSpPr>
+        <p:spPr>
+          <a:xfrm>
+            <a:off x="7024748" y="2726650"/>
+            <a:ext cx="3422732" cy="830997"/>
+          </a:xfrm>
+          <a:prstGeom prst="rect">
+            <a:avLst/>
+          </a:prstGeom>
+          <a:noFill/>
+        </p:spPr>
+        <p:txBody>
+          <a:bodyPr wrap="none" rtlCol="0">
+            <a:spAutoFit/>
+          </a:bodyPr>
+          <a:lstStyle/>
+          <a:p>
+            <a:r>
+              <a:rPr lang="ko-KR" altLang="en-US" sz="2400">
+                <a:latin typeface="나눔고딕 Light" panose="020D0904000000000000" pitchFamily="50" charset="-127"/>
+                <a:ea typeface="나눔고딕 Light" panose="020D0904000000000000" pitchFamily="50" charset="-127"/>
+              </a:rPr>
+              <a:t>다중 카메라</a:t>
+            </a:r>
+            <a:endParaRPr lang="en-US" altLang="ko-KR" sz="2400">
+              <a:latin typeface="나눔고딕 Light" panose="020D0904000000000000" pitchFamily="50" charset="-127"/>
+              <a:ea typeface="나눔고딕 Light" panose="020D0904000000000000" pitchFamily="50" charset="-127"/>
+            </a:endParaRPr>
+          </a:p>
+          <a:p>
+            <a:r>
+              <a:rPr lang="ko-KR" altLang="en-US" sz="2400">
+                <a:latin typeface="나눔고딕 Light" panose="020D0904000000000000" pitchFamily="50" charset="-127"/>
+                <a:ea typeface="나눔고딕 Light" panose="020D0904000000000000" pitchFamily="50" charset="-127"/>
+              </a:rPr>
+              <a:t>뷰 렌더러</a:t>
+            </a:r>
+            <a:r>
+              <a:rPr lang="en-US" altLang="ko-KR" sz="2400">
+                <a:latin typeface="나눔고딕 Light" panose="020D0904000000000000" pitchFamily="50" charset="-127"/>
+                <a:ea typeface="나눔고딕 Light" panose="020D0904000000000000" pitchFamily="50" charset="-127"/>
+              </a:rPr>
+              <a:t>, </a:t>
+            </a:r>
+            <a:r>
+              <a:rPr lang="ko-KR" altLang="en-US" sz="2400">
+                <a:latin typeface="나눔고딕 Light" panose="020D0904000000000000" pitchFamily="50" charset="-127"/>
+                <a:ea typeface="나눔고딕 Light" panose="020D0904000000000000" pitchFamily="50" charset="-127"/>
+              </a:rPr>
+              <a:t>비트맵 렌더러</a:t>
+            </a:r>
+            <a:endParaRPr lang="en-US" altLang="ko-KR" sz="2400">
+              <a:latin typeface="나눔고딕 Light" panose="020D0904000000000000" pitchFamily="50" charset="-127"/>
+              <a:ea typeface="나눔고딕 Light" panose="020D0904000000000000" pitchFamily="50" charset="-127"/>
+            </a:endParaRPr>
+          </a:p>
+        </p:txBody>
+      </p:sp>
+    </p:spTree>
+    <p:extLst>
+      <p:ext uri="{BB962C8B-B14F-4D97-AF65-F5344CB8AC3E}">
+        <p14:creationId xmlns:p14="http://schemas.microsoft.com/office/powerpoint/2010/main" val="178450470"/>
+      </p:ext>
+    </p:extLst>
+  </p:cSld>
+  <p:clrMapOvr>
+    <a:masterClrMapping/>
+  </p:clrMapOvr>
+</p:sld>
+</file>
+
+<file path=ppt/slides/slide14.xml><?xml version="1.0" encoding="utf-8"?>
+<p:sld xmlns:a="http://schemas.openxmlformats.org/drawingml/2006/main" xmlns:r="http://schemas.openxmlformats.org/officeDocument/2006/relationships" xmlns:p="http://schemas.openxmlformats.org/presentationml/2006/main">
+  <p:cSld>
+    <p:spTree>
+      <p:nvGrpSpPr>
+        <p:cNvPr id="1" name=""/>
+        <p:cNvGrpSpPr/>
+        <p:nvPr/>
+      </p:nvGrpSpPr>
+      <p:grpSpPr>
+        <a:xfrm>
+          <a:off x="0" y="0"/>
+          <a:ext cx="0" cy="0"/>
+          <a:chOff x="0" y="0"/>
+          <a:chExt cx="0" cy="0"/>
+        </a:xfrm>
+      </p:grpSpPr>
+      <p:sp>
+        <p:nvSpPr>
+          <p:cNvPr id="8" name="TextBox 7">
+            <a:extLst>
+              <a:ext uri="{FF2B5EF4-FFF2-40B4-BE49-F238E27FC236}">
+                <a16:creationId xmlns:a16="http://schemas.microsoft.com/office/drawing/2014/main" id="{6F2CB547-4605-4854-8269-10B6C4AAEF76}"/>
+              </a:ext>
+            </a:extLst>
+          </p:cNvPr>
+          <p:cNvSpPr txBox="1"/>
+          <p:nvPr/>
+        </p:nvSpPr>
+        <p:spPr>
+          <a:xfrm>
+            <a:off x="5030356" y="2582077"/>
+            <a:ext cx="1863011" cy="923330"/>
+          </a:xfrm>
+          <a:prstGeom prst="rect">
+            <a:avLst/>
+          </a:prstGeom>
+          <a:noFill/>
+        </p:spPr>
+        <p:txBody>
+          <a:bodyPr wrap="none" rtlCol="0">
+            <a:spAutoFit/>
+          </a:bodyPr>
+          <a:lstStyle/>
+          <a:p>
+            <a:pPr algn="ctr"/>
+            <a:r>
+              <a:rPr lang="ko-KR" altLang="en-US" sz="5400">
+                <a:latin typeface="나눔고딕 Light" panose="020D0904000000000000" pitchFamily="50" charset="-127"/>
+                <a:ea typeface="나눔고딕 Light" panose="020D0904000000000000" pitchFamily="50" charset="-127"/>
+              </a:rPr>
+              <a:t>질문</a:t>
+            </a:r>
+            <a:r>
+              <a:rPr lang="en-US" altLang="ko-KR" sz="5400">
+                <a:latin typeface="나눔고딕 Light" panose="020D0904000000000000" pitchFamily="50" charset="-127"/>
+                <a:ea typeface="나눔고딕 Light" panose="020D0904000000000000" pitchFamily="50" charset="-127"/>
+              </a:rPr>
+              <a:t>?</a:t>
+            </a:r>
+            <a:endParaRPr lang="ko-KR" altLang="en-US" sz="5400">
+              <a:latin typeface="나눔고딕 Light" panose="020D0904000000000000" pitchFamily="50" charset="-127"/>
+              <a:ea typeface="나눔고딕 Light" panose="020D0904000000000000" pitchFamily="50" charset="-127"/>
+            </a:endParaRPr>
+          </a:p>
+        </p:txBody>
+      </p:sp>
+      <p:cxnSp>
+        <p:nvCxnSpPr>
+          <p:cNvPr id="11" name="직선 연결선 10">
+            <a:extLst>
+              <a:ext uri="{FF2B5EF4-FFF2-40B4-BE49-F238E27FC236}">
+                <a16:creationId xmlns:a16="http://schemas.microsoft.com/office/drawing/2014/main" id="{E38528E2-E6F7-449C-824F-333B6D3C3998}"/>
+              </a:ext>
+            </a:extLst>
+          </p:cNvPr>
+          <p:cNvCxnSpPr>
+            <a:cxnSpLocks/>
+          </p:cNvCxnSpPr>
+          <p:nvPr/>
+        </p:nvCxnSpPr>
+        <p:spPr>
+          <a:xfrm>
+            <a:off x="4945710" y="3525876"/>
+            <a:ext cx="1947657" cy="0"/>
+          </a:xfrm>
+          <a:prstGeom prst="line">
+            <a:avLst/>
+          </a:prstGeom>
+          <a:ln>
+            <a:solidFill>
+              <a:schemeClr val="tx1"/>
+            </a:solidFill>
+          </a:ln>
+        </p:spPr>
+        <p:style>
+          <a:lnRef idx="1">
+            <a:schemeClr val="accent1"/>
+          </a:lnRef>
+          <a:fillRef idx="0">
+            <a:schemeClr val="accent1"/>
+          </a:fillRef>
+          <a:effectRef idx="0">
+            <a:schemeClr val="accent1"/>
+          </a:effectRef>
+          <a:fontRef idx="minor">
+            <a:schemeClr val="tx1"/>
+          </a:fontRef>
+        </p:style>
+      </p:cxnSp>
+    </p:spTree>
+    <p:extLst>
+      <p:ext uri="{BB962C8B-B14F-4D97-AF65-F5344CB8AC3E}">
+        <p14:creationId xmlns:p14="http://schemas.microsoft.com/office/powerpoint/2010/main" val="3233974389"/>
+      </p:ext>
+    </p:extLst>
+  </p:cSld>
+  <p:clrMapOvr>
+    <a:masterClrMapping/>
+  </p:clrMapOvr>
+</p:sld>
+</file>
+
+<file path=ppt/slides/slide15.xml><?xml version="1.0" encoding="utf-8"?>
+<p:sld xmlns:a="http://schemas.openxmlformats.org/drawingml/2006/main" xmlns:r="http://schemas.openxmlformats.org/officeDocument/2006/relationships" xmlns:p="http://schemas.openxmlformats.org/presentationml/2006/main">
+  <p:cSld>
+    <p:spTree>
+      <p:nvGrpSpPr>
+        <p:cNvPr id="1" name=""/>
+        <p:cNvGrpSpPr/>
+        <p:nvPr/>
+      </p:nvGrpSpPr>
+      <p:grpSpPr>
+        <a:xfrm>
+          <a:off x="0" y="0"/>
+          <a:ext cx="0" cy="0"/>
+          <a:chOff x="0" y="0"/>
+          <a:chExt cx="0" cy="0"/>
+        </a:xfrm>
+      </p:grpSpPr>
+      <p:sp>
+        <p:nvSpPr>
+          <p:cNvPr id="6" name="TextBox 5">
+            <a:extLst>
+              <a:ext uri="{FF2B5EF4-FFF2-40B4-BE49-F238E27FC236}">
+                <a16:creationId xmlns:a16="http://schemas.microsoft.com/office/drawing/2014/main" id="{F453C929-8CA3-4E79-AF5D-99EC8407C6CF}"/>
+              </a:ext>
+            </a:extLst>
+          </p:cNvPr>
+          <p:cNvSpPr txBox="1"/>
+          <p:nvPr/>
+        </p:nvSpPr>
+        <p:spPr>
+          <a:xfrm>
+            <a:off x="5762416" y="2629032"/>
+            <a:ext cx="667169" cy="707886"/>
+          </a:xfrm>
+          <a:prstGeom prst="rect">
+            <a:avLst/>
+          </a:prstGeom>
+          <a:noFill/>
+        </p:spPr>
+        <p:txBody>
+          <a:bodyPr wrap="none" rtlCol="0">
+            <a:spAutoFit/>
+          </a:bodyPr>
+          <a:lstStyle/>
+          <a:p>
+            <a:pPr algn="ctr"/>
+            <a:r>
+              <a:rPr lang="ko-KR" altLang="en-US" sz="4000">
+                <a:latin typeface="나눔고딕 Light" panose="020D0904000000000000" pitchFamily="50" charset="-127"/>
+                <a:ea typeface="나눔고딕 Light" panose="020D0904000000000000" pitchFamily="50" charset="-127"/>
+              </a:rPr>
+              <a:t>끝</a:t>
+            </a:r>
+          </a:p>
+        </p:txBody>
+      </p:sp>
+      <p:sp>
+        <p:nvSpPr>
+          <p:cNvPr id="3" name="TextBox 2">
+            <a:extLst>
+              <a:ext uri="{FF2B5EF4-FFF2-40B4-BE49-F238E27FC236}">
+                <a16:creationId xmlns:a16="http://schemas.microsoft.com/office/drawing/2014/main" id="{3D4DB731-0D09-4D43-B30D-F113660223A3}"/>
+              </a:ext>
+            </a:extLst>
+          </p:cNvPr>
+          <p:cNvSpPr txBox="1"/>
+          <p:nvPr/>
+        </p:nvSpPr>
+        <p:spPr>
+          <a:xfrm>
+            <a:off x="3595155" y="3336918"/>
+            <a:ext cx="1523174" cy="400110"/>
+          </a:xfrm>
+          <a:prstGeom prst="rect">
+            <a:avLst/>
+          </a:prstGeom>
+          <a:noFill/>
+        </p:spPr>
+        <p:txBody>
+          <a:bodyPr wrap="none" rtlCol="0">
+            <a:spAutoFit/>
+          </a:bodyPr>
+          <a:lstStyle/>
+          <a:p>
+            <a:r>
+              <a:rPr lang="en-US" altLang="ko-KR" sz="2000">
+                <a:latin typeface="나눔고딕 Light" panose="020D0904000000000000" pitchFamily="50" charset="-127"/>
+                <a:ea typeface="나눔고딕 Light" panose="020D0904000000000000" pitchFamily="50" charset="-127"/>
+              </a:rPr>
+              <a:t>0. </a:t>
+            </a:r>
+            <a:r>
+              <a:rPr lang="ko-KR" altLang="en-US" sz="2000">
+                <a:latin typeface="나눔고딕 Light" panose="020D0904000000000000" pitchFamily="50" charset="-127"/>
+                <a:ea typeface="나눔고딕 Light" panose="020D0904000000000000" pitchFamily="50" charset="-127"/>
+              </a:rPr>
+              <a:t>수업 소개</a:t>
+            </a:r>
+          </a:p>
+        </p:txBody>
+      </p:sp>
+      <p:cxnSp>
+        <p:nvCxnSpPr>
+          <p:cNvPr id="4" name="직선 연결선 3">
+            <a:extLst>
+              <a:ext uri="{FF2B5EF4-FFF2-40B4-BE49-F238E27FC236}">
+                <a16:creationId xmlns:a16="http://schemas.microsoft.com/office/drawing/2014/main" id="{7442459B-3DED-44F0-9E4C-B50601FEB425}"/>
+              </a:ext>
+            </a:extLst>
+          </p:cNvPr>
+          <p:cNvCxnSpPr/>
+          <p:nvPr/>
+        </p:nvCxnSpPr>
+        <p:spPr>
+          <a:xfrm>
+            <a:off x="3642861" y="3328967"/>
+            <a:ext cx="4858247" cy="0"/>
+          </a:xfrm>
+          <a:prstGeom prst="line">
+            <a:avLst/>
+          </a:prstGeom>
+          <a:ln>
+            <a:solidFill>
+              <a:schemeClr val="tx1"/>
+            </a:solidFill>
+          </a:ln>
+        </p:spPr>
+        <p:style>
+          <a:lnRef idx="1">
+            <a:schemeClr val="accent1"/>
+          </a:lnRef>
+          <a:fillRef idx="0">
+            <a:schemeClr val="accent1"/>
+          </a:fillRef>
+          <a:effectRef idx="0">
+            <a:schemeClr val="accent1"/>
+          </a:effectRef>
+          <a:fontRef idx="minor">
+            <a:schemeClr val="tx1"/>
+          </a:fontRef>
+        </p:style>
+      </p:cxnSp>
+    </p:spTree>
+    <p:extLst>
+      <p:ext uri="{BB962C8B-B14F-4D97-AF65-F5344CB8AC3E}">
+        <p14:creationId xmlns:p14="http://schemas.microsoft.com/office/powerpoint/2010/main" val="297037247"/>
+      </p:ext>
+    </p:extLst>
+  </p:cSld>
+  <p:clrMapOvr>
+    <a:masterClrMapping/>
+  </p:clrMapOvr>
+</p:sld>
+</file>
+
 <file path=ppt/slides/slide2.xml><?xml version="1.0" encoding="utf-8"?>
 <p:sld xmlns:a="http://schemas.openxmlformats.org/drawingml/2006/main" xmlns:r="http://schemas.openxmlformats.org/officeDocument/2006/relationships" xmlns:p="http://schemas.openxmlformats.org/presentationml/2006/main">
   <p:cSld>
@@ -6628,7 +8590,7 @@
         <p:spPr>
           <a:xfrm>
             <a:off x="8547344" y="4233502"/>
-            <a:ext cx="1330814" cy="369332"/>
+            <a:ext cx="1330814" cy="923330"/>
           </a:xfrm>
           <a:prstGeom prst="rect">
             <a:avLst/>
@@ -6653,6 +8615,32 @@
               <a:ea typeface="나눔고딕 Light" panose="020D0904000000000000" pitchFamily="50" charset="-127"/>
             </a:endParaRPr>
           </a:p>
+          <a:p>
+            <a:r>
+              <a:rPr lang="ko-KR" altLang="en-US">
+                <a:latin typeface="나눔고딕 Light" panose="020D0904000000000000" pitchFamily="50" charset="-127"/>
+                <a:ea typeface="나눔고딕 Light" panose="020D0904000000000000" pitchFamily="50" charset="-127"/>
+              </a:rPr>
+              <a:t>예제 소스</a:t>
+            </a:r>
+            <a:endParaRPr lang="en-US" altLang="ko-KR">
+              <a:latin typeface="나눔고딕 Light" panose="020D0904000000000000" pitchFamily="50" charset="-127"/>
+              <a:ea typeface="나눔고딕 Light" panose="020D0904000000000000" pitchFamily="50" charset="-127"/>
+            </a:endParaRPr>
+          </a:p>
+          <a:p>
+            <a:r>
+              <a:rPr lang="ko-KR" altLang="en-US">
+                <a:latin typeface="나눔고딕 Light" panose="020D0904000000000000" pitchFamily="50" charset="-127"/>
+                <a:ea typeface="나눔고딕 Light" panose="020D0904000000000000" pitchFamily="50" charset="-127"/>
+              </a:rPr>
+              <a:t>과제 소스</a:t>
+            </a:r>
+            <a:endParaRPr lang="en-US" altLang="ko-KR">
+              <a:latin typeface="나눔고딕 Light" panose="020D0904000000000000" pitchFamily="50" charset="-127"/>
+              <a:ea typeface="나눔고딕 Light" panose="020D0904000000000000" pitchFamily="50" charset="-127"/>
+            </a:endParaRPr>
+          </a:p>
         </p:txBody>
       </p:sp>
       <p:sp>
@@ -6669,8 +8657,8 @@
         </p:nvSpPr>
         <p:spPr>
           <a:xfrm>
-            <a:off x="5364231" y="4385902"/>
-            <a:ext cx="1010213" cy="369332"/>
+            <a:off x="5364231" y="4233502"/>
+            <a:ext cx="1507144" cy="369332"/>
           </a:xfrm>
           <a:prstGeom prst="rect">
             <a:avLst/>
@@ -6695,7 +8683,7 @@
                 <a:latin typeface="나눔고딕 Light" panose="020D0904000000000000" pitchFamily="50" charset="-127"/>
                 <a:ea typeface="나눔고딕 Light" panose="020D0904000000000000" pitchFamily="50" charset="-127"/>
               </a:rPr>
-              <a:t> 엔진</a:t>
+              <a:t> 엔진 사용</a:t>
             </a:r>
           </a:p>
         </p:txBody>
@@ -6996,7 +8984,7 @@
         <p:spPr>
           <a:xfrm>
             <a:off x="6506588" y="2064583"/>
-            <a:ext cx="4017446" cy="523220"/>
+            <a:ext cx="3809056" cy="523220"/>
           </a:xfrm>
           <a:prstGeom prst="rect">
             <a:avLst/>
@@ -7028,14 +9016,14 @@
                 <a:latin typeface="나눔고딕 Light" panose="020D0904000000000000" pitchFamily="50" charset="-127"/>
                 <a:ea typeface="나눔고딕 Light" panose="020D0904000000000000" pitchFamily="50" charset="-127"/>
               </a:rPr>
-              <a:t>(8/2) : C</a:t>
+              <a:t>(8/3) : C++</a:t>
             </a:r>
             <a:r>
               <a:rPr lang="ko-KR" altLang="en-US" sz="2800">
                 <a:latin typeface="나눔고딕 Light" panose="020D0904000000000000" pitchFamily="50" charset="-127"/>
                 <a:ea typeface="나눔고딕 Light" panose="020D0904000000000000" pitchFamily="50" charset="-127"/>
               </a:rPr>
-              <a:t>언어 복습</a:t>
+              <a:t> 도입</a:t>
             </a:r>
           </a:p>
         </p:txBody>
@@ -7055,7 +9043,7 @@
         <p:spPr>
           <a:xfrm>
             <a:off x="7024748" y="2726650"/>
-            <a:ext cx="3999813" cy="1938992"/>
+            <a:ext cx="2808782" cy="1569660"/>
           </a:xfrm>
           <a:prstGeom prst="rect">
             <a:avLst/>
@@ -7069,11 +9057,18 @@
           <a:lstStyle/>
           <a:p>
             <a:r>
+              <a:rPr lang="en-US" altLang="ko-KR" sz="2400">
+                <a:latin typeface="나눔고딕 Light" panose="020D0904000000000000" pitchFamily="50" charset="-127"/>
+                <a:ea typeface="나눔고딕 Light" panose="020D0904000000000000" pitchFamily="50" charset="-127"/>
+              </a:rPr>
+              <a:t>new, delete </a:t>
+            </a:r>
+            <a:r>
               <a:rPr lang="ko-KR" altLang="en-US" sz="2400">
                 <a:latin typeface="나눔고딕 Light" panose="020D0904000000000000" pitchFamily="50" charset="-127"/>
                 <a:ea typeface="나눔고딕 Light" panose="020D0904000000000000" pitchFamily="50" charset="-127"/>
               </a:rPr>
-              <a:t>구조체와 배열</a:t>
+              <a:t>키워드</a:t>
             </a:r>
             <a:endParaRPr lang="en-US" altLang="ko-KR" sz="2400">
               <a:latin typeface="나눔고딕 Light" panose="020D0904000000000000" pitchFamily="50" charset="-127"/>
@@ -7086,7 +9081,7 @@
                 <a:latin typeface="나눔고딕 Light" panose="020D0904000000000000" pitchFamily="50" charset="-127"/>
                 <a:ea typeface="나눔고딕 Light" panose="020D0904000000000000" pitchFamily="50" charset="-127"/>
               </a:rPr>
-              <a:t>메모리와 포인터</a:t>
+              <a:t>네임스페이스</a:t>
             </a:r>
             <a:endParaRPr lang="en-US" altLang="ko-KR" sz="2400">
               <a:latin typeface="나눔고딕 Light" panose="020D0904000000000000" pitchFamily="50" charset="-127"/>
@@ -7099,7 +9094,7 @@
                 <a:latin typeface="나눔고딕 Light" panose="020D0904000000000000" pitchFamily="50" charset="-127"/>
                 <a:ea typeface="나눔고딕 Light" panose="020D0904000000000000" pitchFamily="50" charset="-127"/>
               </a:rPr>
-              <a:t>동적 할당</a:t>
+              <a:t>인라인 함수</a:t>
             </a:r>
             <a:endParaRPr lang="en-US" altLang="ko-KR" sz="2400">
               <a:latin typeface="나눔고딕 Light" panose="020D0904000000000000" pitchFamily="50" charset="-127"/>
@@ -7112,34 +9107,28 @@
                 <a:latin typeface="나눔고딕 Light" panose="020D0904000000000000" pitchFamily="50" charset="-127"/>
                 <a:ea typeface="나눔고딕 Light" panose="020D0904000000000000" pitchFamily="50" charset="-127"/>
               </a:rPr>
-              <a:t>구조체와 배열</a:t>
+              <a:t>참조자 </a:t>
             </a:r>
             <a:r>
               <a:rPr lang="en-US" altLang="ko-KR" sz="2400">
                 <a:latin typeface="나눔고딕 Light" panose="020D0904000000000000" pitchFamily="50" charset="-127"/>
                 <a:ea typeface="나눔고딕 Light" panose="020D0904000000000000" pitchFamily="50" charset="-127"/>
               </a:rPr>
-              <a:t>, </a:t>
+              <a:t>(</a:t>
             </a:r>
             <a:r>
               <a:rPr lang="ko-KR" altLang="en-US" sz="2400">
                 <a:latin typeface="나눔고딕 Light" panose="020D0904000000000000" pitchFamily="50" charset="-127"/>
                 <a:ea typeface="나눔고딕 Light" panose="020D0904000000000000" pitchFamily="50" charset="-127"/>
               </a:rPr>
-              <a:t>포인터의 활용</a:t>
-            </a:r>
-            <a:endParaRPr lang="en-US" altLang="ko-KR" sz="2400">
-              <a:latin typeface="나눔고딕 Light" panose="020D0904000000000000" pitchFamily="50" charset="-127"/>
-              <a:ea typeface="나눔고딕 Light" panose="020D0904000000000000" pitchFamily="50" charset="-127"/>
-            </a:endParaRPr>
-          </a:p>
-          <a:p>
-            <a:r>
-              <a:rPr lang="ko-KR" altLang="en-US" sz="2400">
-                <a:latin typeface="나눔고딕 Light" panose="020D0904000000000000" pitchFamily="50" charset="-127"/>
-                <a:ea typeface="나눔고딕 Light" panose="020D0904000000000000" pitchFamily="50" charset="-127"/>
-              </a:rPr>
-              <a:t>헤더 파일과 소스 파일</a:t>
+              <a:t>기초</a:t>
+            </a:r>
+            <a:r>
+              <a:rPr lang="en-US" altLang="ko-KR" sz="2400">
+                <a:latin typeface="나눔고딕 Light" panose="020D0904000000000000" pitchFamily="50" charset="-127"/>
+                <a:ea typeface="나눔고딕 Light" panose="020D0904000000000000" pitchFamily="50" charset="-127"/>
+              </a:rPr>
+              <a:t>)</a:t>
             </a:r>
           </a:p>
         </p:txBody>

--- a/수업 자료/0 - 수업 소개.pptx
+++ b/수업 자료/0 - 수업 소개.pptx
@@ -8880,7 +8880,7 @@
         <p:spPr>
           <a:xfrm>
             <a:off x="1167439" y="2726650"/>
-            <a:ext cx="3999813" cy="1938992"/>
+            <a:ext cx="3999813" cy="1569660"/>
           </a:xfrm>
           <a:prstGeom prst="rect">
             <a:avLst/>
@@ -8957,15 +8957,6 @@
               <a:latin typeface="나눔고딕 Light" panose="020D0904000000000000" pitchFamily="50" charset="-127"/>
               <a:ea typeface="나눔고딕 Light" panose="020D0904000000000000" pitchFamily="50" charset="-127"/>
             </a:endParaRPr>
-          </a:p>
-          <a:p>
-            <a:r>
-              <a:rPr lang="ko-KR" altLang="en-US" sz="2400">
-                <a:latin typeface="나눔고딕 Light" panose="020D0904000000000000" pitchFamily="50" charset="-127"/>
-                <a:ea typeface="나눔고딕 Light" panose="020D0904000000000000" pitchFamily="50" charset="-127"/>
-              </a:rPr>
-              <a:t>헤더 파일과 소스 파일</a:t>
-            </a:r>
           </a:p>
         </p:txBody>
       </p:sp>

--- a/수업 자료/0 - 수업 소개.pptx
+++ b/수업 자료/0 - 수업 소개.pptx
@@ -273,7 +273,7 @@
           <a:p>
             <a:fld id="{3BAD717E-5B48-41D6-98B3-DB23E84BF0BC}" type="datetimeFigureOut">
               <a:rPr lang="ko-KR" altLang="en-US" smtClean="0"/>
-              <a:t>2021-07-27</a:t>
+              <a:t>2021-07-28</a:t>
             </a:fld>
             <a:endParaRPr lang="ko-KR" altLang="en-US"/>
           </a:p>
@@ -471,7 +471,7 @@
           <a:p>
             <a:fld id="{3BAD717E-5B48-41D6-98B3-DB23E84BF0BC}" type="datetimeFigureOut">
               <a:rPr lang="ko-KR" altLang="en-US" smtClean="0"/>
-              <a:t>2021-07-27</a:t>
+              <a:t>2021-07-28</a:t>
             </a:fld>
             <a:endParaRPr lang="ko-KR" altLang="en-US"/>
           </a:p>
@@ -679,7 +679,7 @@
           <a:p>
             <a:fld id="{3BAD717E-5B48-41D6-98B3-DB23E84BF0BC}" type="datetimeFigureOut">
               <a:rPr lang="ko-KR" altLang="en-US" smtClean="0"/>
-              <a:t>2021-07-27</a:t>
+              <a:t>2021-07-28</a:t>
             </a:fld>
             <a:endParaRPr lang="ko-KR" altLang="en-US"/>
           </a:p>
@@ -877,7 +877,7 @@
           <a:p>
             <a:fld id="{3BAD717E-5B48-41D6-98B3-DB23E84BF0BC}" type="datetimeFigureOut">
               <a:rPr lang="ko-KR" altLang="en-US" smtClean="0"/>
-              <a:t>2021-07-27</a:t>
+              <a:t>2021-07-28</a:t>
             </a:fld>
             <a:endParaRPr lang="ko-KR" altLang="en-US"/>
           </a:p>
@@ -1152,7 +1152,7 @@
           <a:p>
             <a:fld id="{3BAD717E-5B48-41D6-98B3-DB23E84BF0BC}" type="datetimeFigureOut">
               <a:rPr lang="ko-KR" altLang="en-US" smtClean="0"/>
-              <a:t>2021-07-27</a:t>
+              <a:t>2021-07-28</a:t>
             </a:fld>
             <a:endParaRPr lang="ko-KR" altLang="en-US"/>
           </a:p>
@@ -1417,7 +1417,7 @@
           <a:p>
             <a:fld id="{3BAD717E-5B48-41D6-98B3-DB23E84BF0BC}" type="datetimeFigureOut">
               <a:rPr lang="ko-KR" altLang="en-US" smtClean="0"/>
-              <a:t>2021-07-27</a:t>
+              <a:t>2021-07-28</a:t>
             </a:fld>
             <a:endParaRPr lang="ko-KR" altLang="en-US"/>
           </a:p>
@@ -1829,7 +1829,7 @@
           <a:p>
             <a:fld id="{3BAD717E-5B48-41D6-98B3-DB23E84BF0BC}" type="datetimeFigureOut">
               <a:rPr lang="ko-KR" altLang="en-US" smtClean="0"/>
-              <a:t>2021-07-27</a:t>
+              <a:t>2021-07-28</a:t>
             </a:fld>
             <a:endParaRPr lang="ko-KR" altLang="en-US"/>
           </a:p>
@@ -1970,7 +1970,7 @@
           <a:p>
             <a:fld id="{3BAD717E-5B48-41D6-98B3-DB23E84BF0BC}" type="datetimeFigureOut">
               <a:rPr lang="ko-KR" altLang="en-US" smtClean="0"/>
-              <a:t>2021-07-27</a:t>
+              <a:t>2021-07-28</a:t>
             </a:fld>
             <a:endParaRPr lang="ko-KR" altLang="en-US"/>
           </a:p>
@@ -2083,7 +2083,7 @@
           <a:p>
             <a:fld id="{3BAD717E-5B48-41D6-98B3-DB23E84BF0BC}" type="datetimeFigureOut">
               <a:rPr lang="ko-KR" altLang="en-US" smtClean="0"/>
-              <a:t>2021-07-27</a:t>
+              <a:t>2021-07-28</a:t>
             </a:fld>
             <a:endParaRPr lang="ko-KR" altLang="en-US"/>
           </a:p>
@@ -2394,7 +2394,7 @@
           <a:p>
             <a:fld id="{3BAD717E-5B48-41D6-98B3-DB23E84BF0BC}" type="datetimeFigureOut">
               <a:rPr lang="ko-KR" altLang="en-US" smtClean="0"/>
-              <a:t>2021-07-27</a:t>
+              <a:t>2021-07-28</a:t>
             </a:fld>
             <a:endParaRPr lang="ko-KR" altLang="en-US"/>
           </a:p>
@@ -2682,7 +2682,7 @@
           <a:p>
             <a:fld id="{3BAD717E-5B48-41D6-98B3-DB23E84BF0BC}" type="datetimeFigureOut">
               <a:rPr lang="ko-KR" altLang="en-US" smtClean="0"/>
-              <a:t>2021-07-27</a:t>
+              <a:t>2021-07-28</a:t>
             </a:fld>
             <a:endParaRPr lang="ko-KR" altLang="en-US"/>
           </a:p>
@@ -2923,7 +2923,7 @@
           <a:p>
             <a:fld id="{3BAD717E-5B48-41D6-98B3-DB23E84BF0BC}" type="datetimeFigureOut">
               <a:rPr lang="ko-KR" altLang="en-US" smtClean="0"/>
-              <a:t>2021-07-27</a:t>
+              <a:t>2021-07-28</a:t>
             </a:fld>
             <a:endParaRPr lang="ko-KR" altLang="en-US"/>
           </a:p>
@@ -3619,7 +3619,7 @@
         <p:spPr>
           <a:xfrm>
             <a:off x="649279" y="2064583"/>
-            <a:ext cx="3809056" cy="523220"/>
+            <a:ext cx="4924746" cy="523220"/>
           </a:xfrm>
           <a:prstGeom prst="rect">
             <a:avLst/>
@@ -3658,7 +3658,7 @@
                 <a:latin typeface="나눔고딕 Light" panose="020D0904000000000000" pitchFamily="50" charset="-127"/>
                 <a:ea typeface="나눔고딕 Light" panose="020D0904000000000000" pitchFamily="50" charset="-127"/>
               </a:rPr>
-              <a:t>함수</a:t>
+              <a:t>함수와 기능</a:t>
             </a:r>
           </a:p>
         </p:txBody>
@@ -3678,7 +3678,7 @@
         <p:spPr>
           <a:xfrm>
             <a:off x="1167439" y="2726650"/>
-            <a:ext cx="4288353" cy="1938992"/>
+            <a:ext cx="2845651" cy="1569660"/>
           </a:xfrm>
           <a:prstGeom prst="rect">
             <a:avLst/>
@@ -3696,7 +3696,21 @@
                 <a:latin typeface="나눔고딕 Light" panose="020D0904000000000000" pitchFamily="50" charset="-127"/>
                 <a:ea typeface="나눔고딕 Light" panose="020D0904000000000000" pitchFamily="50" charset="-127"/>
               </a:rPr>
-              <a:t>객체의 동적 할당</a:t>
+              <a:t>깊은 복사</a:t>
+            </a:r>
+            <a:r>
+              <a:rPr lang="en-US" altLang="ko-KR" sz="2400">
+                <a:latin typeface="나눔고딕 Light" panose="020D0904000000000000" pitchFamily="50" charset="-127"/>
+                <a:ea typeface="나눔고딕 Light" panose="020D0904000000000000" pitchFamily="50" charset="-127"/>
+              </a:rPr>
+              <a:t>,</a:t>
+            </a:r>
+            <a:r>
+              <a:rPr lang="ko-KR" altLang="en-US" sz="2400">
+                <a:latin typeface="나눔고딕 Light" panose="020D0904000000000000" pitchFamily="50" charset="-127"/>
+                <a:ea typeface="나눔고딕 Light" panose="020D0904000000000000" pitchFamily="50" charset="-127"/>
+              </a:rPr>
+              <a:t> 얕은 복사</a:t>
             </a:r>
             <a:endParaRPr lang="en-US" altLang="ko-KR" sz="2400">
               <a:latin typeface="나눔고딕 Light" panose="020D0904000000000000" pitchFamily="50" charset="-127"/>
@@ -3705,25 +3719,18 @@
           </a:p>
           <a:p>
             <a:r>
+              <a:rPr lang="en-US" altLang="ko-KR" sz="2400">
+                <a:latin typeface="나눔고딕 Light" panose="020D0904000000000000" pitchFamily="50" charset="-127"/>
+                <a:ea typeface="나눔고딕 Light" panose="020D0904000000000000" pitchFamily="50" charset="-127"/>
+              </a:rPr>
+              <a:t>string </a:t>
+            </a:r>
+            <a:r>
               <a:rPr lang="ko-KR" altLang="en-US" sz="2400">
                 <a:latin typeface="나눔고딕 Light" panose="020D0904000000000000" pitchFamily="50" charset="-127"/>
                 <a:ea typeface="나눔고딕 Light" panose="020D0904000000000000" pitchFamily="50" charset="-127"/>
               </a:rPr>
-              <a:t>깊은 복사</a:t>
-            </a:r>
-            <a:r>
-              <a:rPr lang="en-US" altLang="ko-KR" sz="2400">
-                <a:latin typeface="나눔고딕 Light" panose="020D0904000000000000" pitchFamily="50" charset="-127"/>
-                <a:ea typeface="나눔고딕 Light" panose="020D0904000000000000" pitchFamily="50" charset="-127"/>
-              </a:rPr>
-              <a:t>,</a:t>
-            </a:r>
-            <a:r>
-              <a:rPr lang="ko-KR" altLang="en-US" sz="2400">
-                <a:latin typeface="나눔고딕 Light" panose="020D0904000000000000" pitchFamily="50" charset="-127"/>
-                <a:ea typeface="나눔고딕 Light" panose="020D0904000000000000" pitchFamily="50" charset="-127"/>
-              </a:rPr>
-              <a:t> 얕은 복사</a:t>
+              <a:t>클래스</a:t>
             </a:r>
             <a:endParaRPr lang="en-US" altLang="ko-KR" sz="2400">
               <a:latin typeface="나눔고딕 Light" panose="020D0904000000000000" pitchFamily="50" charset="-127"/>
@@ -3732,18 +3739,11 @@
           </a:p>
           <a:p>
             <a:r>
-              <a:rPr lang="en-US" altLang="ko-KR" sz="2400">
-                <a:latin typeface="나눔고딕 Light" panose="020D0904000000000000" pitchFamily="50" charset="-127"/>
-                <a:ea typeface="나눔고딕 Light" panose="020D0904000000000000" pitchFamily="50" charset="-127"/>
-              </a:rPr>
-              <a:t>string </a:t>
-            </a:r>
-            <a:r>
               <a:rPr lang="ko-KR" altLang="en-US" sz="2400">
                 <a:latin typeface="나눔고딕 Light" panose="020D0904000000000000" pitchFamily="50" charset="-127"/>
                 <a:ea typeface="나눔고딕 Light" panose="020D0904000000000000" pitchFamily="50" charset="-127"/>
               </a:rPr>
-              <a:t>클래스</a:t>
+              <a:t>함수 오버로딩</a:t>
             </a:r>
             <a:endParaRPr lang="en-US" altLang="ko-KR" sz="2400">
               <a:latin typeface="나눔고딕 Light" panose="020D0904000000000000" pitchFamily="50" charset="-127"/>
@@ -3756,13 +3756,130 @@
                 <a:latin typeface="나눔고딕 Light" panose="020D0904000000000000" pitchFamily="50" charset="-127"/>
                 <a:ea typeface="나눔고딕 Light" panose="020D0904000000000000" pitchFamily="50" charset="-127"/>
               </a:rPr>
-              <a:t>함수 오버로딩</a:t>
-            </a:r>
+              <a:t>연산자 오버로딩</a:t>
+            </a:r>
+          </a:p>
+        </p:txBody>
+      </p:sp>
+      <p:sp>
+        <p:nvSpPr>
+          <p:cNvPr id="18" name="TextBox 17">
+            <a:extLst>
+              <a:ext uri="{FF2B5EF4-FFF2-40B4-BE49-F238E27FC236}">
+                <a16:creationId xmlns:a16="http://schemas.microsoft.com/office/drawing/2014/main" id="{544C3BFF-70C3-42A8-A8B7-63CB6B3A8673}"/>
+              </a:ext>
+            </a:extLst>
+          </p:cNvPr>
+          <p:cNvSpPr txBox="1"/>
+          <p:nvPr/>
+        </p:nvSpPr>
+        <p:spPr>
+          <a:xfrm>
+            <a:off x="6506588" y="2064583"/>
+            <a:ext cx="3797835" cy="523220"/>
+          </a:xfrm>
+          <a:prstGeom prst="rect">
+            <a:avLst/>
+          </a:prstGeom>
+          <a:noFill/>
+        </p:spPr>
+        <p:txBody>
+          <a:bodyPr wrap="none" rtlCol="0">
+            <a:spAutoFit/>
+          </a:bodyPr>
+          <a:lstStyle/>
+          <a:p>
+            <a:r>
+              <a:rPr lang="en-US" altLang="ko-KR" sz="2800">
+                <a:latin typeface="나눔고딕 Light" panose="020D0904000000000000" pitchFamily="50" charset="-127"/>
+                <a:ea typeface="나눔고딕 Light" panose="020D0904000000000000" pitchFamily="50" charset="-127"/>
+              </a:rPr>
+              <a:t>4</a:t>
+            </a:r>
+            <a:r>
+              <a:rPr lang="ko-KR" altLang="en-US" sz="2800">
+                <a:latin typeface="나눔고딕 Light" panose="020D0904000000000000" pitchFamily="50" charset="-127"/>
+                <a:ea typeface="나눔고딕 Light" panose="020D0904000000000000" pitchFamily="50" charset="-127"/>
+              </a:rPr>
+              <a:t>일차 </a:t>
+            </a:r>
+            <a:r>
+              <a:rPr lang="en-US" altLang="ko-KR" sz="2800">
+                <a:latin typeface="나눔고딕 Light" panose="020D0904000000000000" pitchFamily="50" charset="-127"/>
+                <a:ea typeface="나눔고딕 Light" panose="020D0904000000000000" pitchFamily="50" charset="-127"/>
+              </a:rPr>
+              <a:t>(8/5) : C++</a:t>
+            </a:r>
+            <a:r>
+              <a:rPr lang="ko-KR" altLang="en-US" sz="2800">
+                <a:latin typeface="나눔고딕 Light" panose="020D0904000000000000" pitchFamily="50" charset="-127"/>
+                <a:ea typeface="나눔고딕 Light" panose="020D0904000000000000" pitchFamily="50" charset="-127"/>
+              </a:rPr>
+              <a:t> </a:t>
+            </a:r>
+            <a:r>
+              <a:rPr lang="en-US" altLang="ko-KR" sz="2800">
+                <a:latin typeface="나눔고딕 Light" panose="020D0904000000000000" pitchFamily="50" charset="-127"/>
+                <a:ea typeface="나눔고딕 Light" panose="020D0904000000000000" pitchFamily="50" charset="-127"/>
+              </a:rPr>
+              <a:t>STL</a:t>
+            </a:r>
+            <a:endParaRPr lang="ko-KR" altLang="en-US" sz="2800">
+              <a:latin typeface="나눔고딕 Light" panose="020D0904000000000000" pitchFamily="50" charset="-127"/>
+              <a:ea typeface="나눔고딕 Light" panose="020D0904000000000000" pitchFamily="50" charset="-127"/>
+            </a:endParaRPr>
+          </a:p>
+        </p:txBody>
+      </p:sp>
+      <p:sp>
+        <p:nvSpPr>
+          <p:cNvPr id="21" name="TextBox 20">
+            <a:extLst>
+              <a:ext uri="{FF2B5EF4-FFF2-40B4-BE49-F238E27FC236}">
+                <a16:creationId xmlns:a16="http://schemas.microsoft.com/office/drawing/2014/main" id="{35DD57E6-9291-46CF-98DD-A2DC1123E414}"/>
+              </a:ext>
+            </a:extLst>
+          </p:cNvPr>
+          <p:cNvSpPr txBox="1"/>
+          <p:nvPr/>
+        </p:nvSpPr>
+        <p:spPr>
+          <a:xfrm>
+            <a:off x="7024748" y="2726650"/>
+            <a:ext cx="3416320" cy="1938992"/>
+          </a:xfrm>
+          <a:prstGeom prst="rect">
+            <a:avLst/>
+          </a:prstGeom>
+          <a:noFill/>
+        </p:spPr>
+        <p:txBody>
+          <a:bodyPr wrap="none" rtlCol="0">
+            <a:spAutoFit/>
+          </a:bodyPr>
+          <a:lstStyle/>
+          <a:p>
             <a:r>
               <a:rPr lang="en-US" altLang="ko-KR" sz="2400">
                 <a:latin typeface="나눔고딕 Light" panose="020D0904000000000000" pitchFamily="50" charset="-127"/>
                 <a:ea typeface="나눔고딕 Light" panose="020D0904000000000000" pitchFamily="50" charset="-127"/>
               </a:rPr>
+              <a:t>STL</a:t>
+            </a:r>
+          </a:p>
+          <a:p>
+            <a:r>
+              <a:rPr lang="ko-KR" altLang="en-US" sz="2400">
+                <a:latin typeface="나눔고딕 Light" panose="020D0904000000000000" pitchFamily="50" charset="-127"/>
+                <a:ea typeface="나눔고딕 Light" panose="020D0904000000000000" pitchFamily="50" charset="-127"/>
+              </a:rPr>
+              <a:t>컨테이너</a:t>
+            </a:r>
+            <a:r>
+              <a:rPr lang="en-US" altLang="ko-KR" sz="2400">
+                <a:latin typeface="나눔고딕 Light" panose="020D0904000000000000" pitchFamily="50" charset="-127"/>
+                <a:ea typeface="나눔고딕 Light" panose="020D0904000000000000" pitchFamily="50" charset="-127"/>
+              </a:rPr>
               <a:t>, </a:t>
             </a:r>
             <a:r>
@@ -3770,7 +3887,7 @@
                 <a:latin typeface="나눔고딕 Light" panose="020D0904000000000000" pitchFamily="50" charset="-127"/>
                 <a:ea typeface="나눔고딕 Light" panose="020D0904000000000000" pitchFamily="50" charset="-127"/>
               </a:rPr>
-              <a:t>디폴트 매개변수</a:t>
+              <a:t>이터레이터</a:t>
             </a:r>
             <a:endParaRPr lang="en-US" altLang="ko-KR" sz="2400">
               <a:latin typeface="나눔고딕 Light" panose="020D0904000000000000" pitchFamily="50" charset="-127"/>
@@ -3779,142 +3896,18 @@
           </a:p>
           <a:p>
             <a:r>
+              <a:rPr lang="en-US" altLang="ko-KR" sz="2400">
+                <a:latin typeface="나눔고딕 Light" panose="020D0904000000000000" pitchFamily="50" charset="-127"/>
+                <a:ea typeface="나눔고딕 Light" panose="020D0904000000000000" pitchFamily="50" charset="-127"/>
+              </a:rPr>
+              <a:t>STL </a:t>
+            </a:r>
+            <a:r>
               <a:rPr lang="ko-KR" altLang="en-US" sz="2400">
                 <a:latin typeface="나눔고딕 Light" panose="020D0904000000000000" pitchFamily="50" charset="-127"/>
                 <a:ea typeface="나눔고딕 Light" panose="020D0904000000000000" pitchFamily="50" charset="-127"/>
               </a:rPr>
-              <a:t>연산자 오버로딩</a:t>
-            </a:r>
-          </a:p>
-        </p:txBody>
-      </p:sp>
-      <p:sp>
-        <p:nvSpPr>
-          <p:cNvPr id="18" name="TextBox 17">
-            <a:extLst>
-              <a:ext uri="{FF2B5EF4-FFF2-40B4-BE49-F238E27FC236}">
-                <a16:creationId xmlns:a16="http://schemas.microsoft.com/office/drawing/2014/main" id="{544C3BFF-70C3-42A8-A8B7-63CB6B3A8673}"/>
-              </a:ext>
-            </a:extLst>
-          </p:cNvPr>
-          <p:cNvSpPr txBox="1"/>
-          <p:nvPr/>
-        </p:nvSpPr>
-        <p:spPr>
-          <a:xfrm>
-            <a:off x="6506588" y="2064583"/>
-            <a:ext cx="3797835" cy="523220"/>
-          </a:xfrm>
-          <a:prstGeom prst="rect">
-            <a:avLst/>
-          </a:prstGeom>
-          <a:noFill/>
-        </p:spPr>
-        <p:txBody>
-          <a:bodyPr wrap="none" rtlCol="0">
-            <a:spAutoFit/>
-          </a:bodyPr>
-          <a:lstStyle/>
-          <a:p>
-            <a:r>
-              <a:rPr lang="en-US" altLang="ko-KR" sz="2800">
-                <a:latin typeface="나눔고딕 Light" panose="020D0904000000000000" pitchFamily="50" charset="-127"/>
-                <a:ea typeface="나눔고딕 Light" panose="020D0904000000000000" pitchFamily="50" charset="-127"/>
-              </a:rPr>
-              <a:t>4</a:t>
-            </a:r>
-            <a:r>
-              <a:rPr lang="ko-KR" altLang="en-US" sz="2800">
-                <a:latin typeface="나눔고딕 Light" panose="020D0904000000000000" pitchFamily="50" charset="-127"/>
-                <a:ea typeface="나눔고딕 Light" panose="020D0904000000000000" pitchFamily="50" charset="-127"/>
-              </a:rPr>
-              <a:t>일차 </a:t>
-            </a:r>
-            <a:r>
-              <a:rPr lang="en-US" altLang="ko-KR" sz="2800">
-                <a:latin typeface="나눔고딕 Light" panose="020D0904000000000000" pitchFamily="50" charset="-127"/>
-                <a:ea typeface="나눔고딕 Light" panose="020D0904000000000000" pitchFamily="50" charset="-127"/>
-              </a:rPr>
-              <a:t>(8/5) : C++</a:t>
-            </a:r>
-            <a:r>
-              <a:rPr lang="ko-KR" altLang="en-US" sz="2800">
-                <a:latin typeface="나눔고딕 Light" panose="020D0904000000000000" pitchFamily="50" charset="-127"/>
-                <a:ea typeface="나눔고딕 Light" panose="020D0904000000000000" pitchFamily="50" charset="-127"/>
-              </a:rPr>
-              <a:t> </a:t>
-            </a:r>
-            <a:r>
-              <a:rPr lang="en-US" altLang="ko-KR" sz="2800">
-                <a:latin typeface="나눔고딕 Light" panose="020D0904000000000000" pitchFamily="50" charset="-127"/>
-                <a:ea typeface="나눔고딕 Light" panose="020D0904000000000000" pitchFamily="50" charset="-127"/>
-              </a:rPr>
-              <a:t>STL</a:t>
-            </a:r>
-            <a:endParaRPr lang="ko-KR" altLang="en-US" sz="2800">
-              <a:latin typeface="나눔고딕 Light" panose="020D0904000000000000" pitchFamily="50" charset="-127"/>
-              <a:ea typeface="나눔고딕 Light" panose="020D0904000000000000" pitchFamily="50" charset="-127"/>
-            </a:endParaRPr>
-          </a:p>
-        </p:txBody>
-      </p:sp>
-      <p:sp>
-        <p:nvSpPr>
-          <p:cNvPr id="21" name="TextBox 20">
-            <a:extLst>
-              <a:ext uri="{FF2B5EF4-FFF2-40B4-BE49-F238E27FC236}">
-                <a16:creationId xmlns:a16="http://schemas.microsoft.com/office/drawing/2014/main" id="{35DD57E6-9291-46CF-98DD-A2DC1123E414}"/>
-              </a:ext>
-            </a:extLst>
-          </p:cNvPr>
-          <p:cNvSpPr txBox="1"/>
-          <p:nvPr/>
-        </p:nvSpPr>
-        <p:spPr>
-          <a:xfrm>
-            <a:off x="7024748" y="2726650"/>
-            <a:ext cx="3416320" cy="1938992"/>
-          </a:xfrm>
-          <a:prstGeom prst="rect">
-            <a:avLst/>
-          </a:prstGeom>
-          <a:noFill/>
-        </p:spPr>
-        <p:txBody>
-          <a:bodyPr wrap="none" rtlCol="0">
-            <a:spAutoFit/>
-          </a:bodyPr>
-          <a:lstStyle/>
-          <a:p>
-            <a:r>
-              <a:rPr lang="en-US" altLang="ko-KR" sz="2400">
-                <a:latin typeface="나눔고딕 Light" panose="020D0904000000000000" pitchFamily="50" charset="-127"/>
-                <a:ea typeface="나눔고딕 Light" panose="020D0904000000000000" pitchFamily="50" charset="-127"/>
-              </a:rPr>
-              <a:t>STL</a:t>
-            </a:r>
-          </a:p>
-          <a:p>
-            <a:r>
-              <a:rPr lang="ko-KR" altLang="en-US" sz="2400">
-                <a:latin typeface="나눔고딕 Light" panose="020D0904000000000000" pitchFamily="50" charset="-127"/>
-                <a:ea typeface="나눔고딕 Light" panose="020D0904000000000000" pitchFamily="50" charset="-127"/>
-              </a:rPr>
               <a:t>컨테이너</a:t>
-            </a:r>
-            <a:r>
-              <a:rPr lang="en-US" altLang="ko-KR" sz="2400">
-                <a:latin typeface="나눔고딕 Light" panose="020D0904000000000000" pitchFamily="50" charset="-127"/>
-                <a:ea typeface="나눔고딕 Light" panose="020D0904000000000000" pitchFamily="50" charset="-127"/>
-              </a:rPr>
-              <a:t>, </a:t>
-            </a:r>
-            <a:r>
-              <a:rPr lang="ko-KR" altLang="en-US" sz="2400">
-                <a:latin typeface="나눔고딕 Light" panose="020D0904000000000000" pitchFamily="50" charset="-127"/>
-                <a:ea typeface="나눔고딕 Light" panose="020D0904000000000000" pitchFamily="50" charset="-127"/>
-              </a:rPr>
-              <a:t>이터레이터</a:t>
             </a:r>
             <a:endParaRPr lang="en-US" altLang="ko-KR" sz="2400">
               <a:latin typeface="나눔고딕 Light" panose="020D0904000000000000" pitchFamily="50" charset="-127"/>
@@ -3923,45 +3916,25 @@
           </a:p>
           <a:p>
             <a:r>
+              <a:rPr lang="ko-KR" altLang="en-US" sz="2400">
+                <a:latin typeface="나눔고딕 Light" panose="020D0904000000000000" pitchFamily="50" charset="-127"/>
+                <a:ea typeface="나눔고딕 Light" panose="020D0904000000000000" pitchFamily="50" charset="-127"/>
+              </a:rPr>
+              <a:t>람다식</a:t>
+            </a:r>
+            <a:r>
               <a:rPr lang="en-US" altLang="ko-KR" sz="2400">
                 <a:latin typeface="나눔고딕 Light" panose="020D0904000000000000" pitchFamily="50" charset="-127"/>
                 <a:ea typeface="나눔고딕 Light" panose="020D0904000000000000" pitchFamily="50" charset="-127"/>
               </a:rPr>
-              <a:t>STL </a:t>
+              <a:t>, </a:t>
             </a:r>
             <a:r>
               <a:rPr lang="ko-KR" altLang="en-US" sz="2400">
                 <a:latin typeface="나눔고딕 Light" panose="020D0904000000000000" pitchFamily="50" charset="-127"/>
                 <a:ea typeface="나눔고딕 Light" panose="020D0904000000000000" pitchFamily="50" charset="-127"/>
               </a:rPr>
-              <a:t>컨테이너</a:t>
-            </a:r>
-            <a:endParaRPr lang="en-US" altLang="ko-KR" sz="2400">
-              <a:latin typeface="나눔고딕 Light" panose="020D0904000000000000" pitchFamily="50" charset="-127"/>
-              <a:ea typeface="나눔고딕 Light" panose="020D0904000000000000" pitchFamily="50" charset="-127"/>
-            </a:endParaRPr>
-          </a:p>
-          <a:p>
-            <a:r>
-              <a:rPr lang="ko-KR" altLang="en-US" sz="2400">
-                <a:latin typeface="나눔고딕 Light" panose="020D0904000000000000" pitchFamily="50" charset="-127"/>
-                <a:ea typeface="나눔고딕 Light" panose="020D0904000000000000" pitchFamily="50" charset="-127"/>
-              </a:rPr>
-              <a:t>람다식</a:t>
-            </a:r>
-            <a:r>
-              <a:rPr lang="en-US" altLang="ko-KR" sz="2400">
-                <a:latin typeface="나눔고딕 Light" panose="020D0904000000000000" pitchFamily="50" charset="-127"/>
-                <a:ea typeface="나눔고딕 Light" panose="020D0904000000000000" pitchFamily="50" charset="-127"/>
-              </a:rPr>
-              <a:t>, </a:t>
-            </a:r>
-            <a:r>
-              <a:rPr lang="ko-KR" altLang="en-US" sz="2400">
-                <a:latin typeface="나눔고딕 Light" panose="020D0904000000000000" pitchFamily="50" charset="-127"/>
-                <a:ea typeface="나눔고딕 Light" panose="020D0904000000000000" pitchFamily="50" charset="-127"/>
-              </a:rPr>
-              <a:t>함수포인터</a:t>
+              <a:t>함수 포인터</a:t>
             </a:r>
             <a:endParaRPr lang="en-US" altLang="ko-KR" sz="2400">
               <a:latin typeface="나눔고딕 Light" panose="020D0904000000000000" pitchFamily="50" charset="-127"/>
@@ -7079,8 +7052,8 @@
         </p:nvSpPr>
         <p:spPr>
           <a:xfrm>
-            <a:off x="2477701" y="4066090"/>
-            <a:ext cx="2712602" cy="400110"/>
+            <a:off x="2513769" y="4066090"/>
+            <a:ext cx="2640467" cy="400110"/>
           </a:xfrm>
           <a:prstGeom prst="rect">
             <a:avLst/>
@@ -7099,21 +7072,21 @@
                 <a:latin typeface="나눔고딕 Light" panose="020D0904000000000000" pitchFamily="50" charset="-127"/>
                 <a:ea typeface="나눔고딕 Light" panose="020D0904000000000000" pitchFamily="50" charset="-127"/>
               </a:rPr>
+              <a:t>메모리</a:t>
+            </a:r>
+            <a:r>
+              <a:rPr lang="en-US" altLang="ko-KR" sz="2000">
+                <a:latin typeface="나눔고딕 Light" panose="020D0904000000000000" pitchFamily="50" charset="-127"/>
+                <a:ea typeface="나눔고딕 Light" panose="020D0904000000000000" pitchFamily="50" charset="-127"/>
+              </a:rPr>
+              <a:t>, </a:t>
+            </a:r>
+            <a:r>
+              <a:rPr lang="ko-KR" altLang="en-US" sz="2000">
+                <a:latin typeface="나눔고딕 Light" panose="020D0904000000000000" pitchFamily="50" charset="-127"/>
+                <a:ea typeface="나눔고딕 Light" panose="020D0904000000000000" pitchFamily="50" charset="-127"/>
+              </a:rPr>
               <a:t>문자열</a:t>
-            </a:r>
-            <a:r>
-              <a:rPr lang="en-US" altLang="ko-KR" sz="2000">
-                <a:latin typeface="나눔고딕 Light" panose="020D0904000000000000" pitchFamily="50" charset="-127"/>
-                <a:ea typeface="나눔고딕 Light" panose="020D0904000000000000" pitchFamily="50" charset="-127"/>
-              </a:rPr>
-              <a:t>, </a:t>
-            </a:r>
-            <a:r>
-              <a:rPr lang="ko-KR" altLang="en-US" sz="2000">
-                <a:latin typeface="나눔고딕 Light" panose="020D0904000000000000" pitchFamily="50" charset="-127"/>
-                <a:ea typeface="나눔고딕 Light" panose="020D0904000000000000" pitchFamily="50" charset="-127"/>
-              </a:rPr>
-              <a:t>탬플릿</a:t>
             </a:r>
             <a:r>
               <a:rPr lang="en-US" altLang="ko-KR" sz="2000">
@@ -7973,7 +7946,7 @@
         <p:spPr>
           <a:xfrm>
             <a:off x="8448553" y="3075057"/>
-            <a:ext cx="2949846" cy="707886"/>
+            <a:ext cx="2805576" cy="707886"/>
           </a:xfrm>
           <a:prstGeom prst="rect">
             <a:avLst/>
@@ -8004,7 +7977,7 @@
                 <a:latin typeface="나눔고딕 Light" panose="020D0904000000000000" pitchFamily="50" charset="-127"/>
                 <a:ea typeface="나눔고딕 Light" panose="020D0904000000000000" pitchFamily="50" charset="-127"/>
               </a:rPr>
-              <a:t>추가 자료 및 선택적 과제</a:t>
+              <a:t>추가 자료 및 선택 과제</a:t>
             </a:r>
           </a:p>
         </p:txBody>
@@ -8975,7 +8948,7 @@
         <p:spPr>
           <a:xfrm>
             <a:off x="6506588" y="2064583"/>
-            <a:ext cx="3809056" cy="523220"/>
+            <a:ext cx="4147289" cy="523220"/>
           </a:xfrm>
           <a:prstGeom prst="rect">
             <a:avLst/>
@@ -9014,7 +8987,7 @@
                 <a:latin typeface="나눔고딕 Light" panose="020D0904000000000000" pitchFamily="50" charset="-127"/>
                 <a:ea typeface="나눔고딕 Light" panose="020D0904000000000000" pitchFamily="50" charset="-127"/>
               </a:rPr>
-              <a:t> 도입</a:t>
+              <a:t> 메모리</a:t>
             </a:r>
           </a:p>
         </p:txBody>
@@ -9048,18 +9021,11 @@
           <a:lstStyle/>
           <a:p>
             <a:r>
-              <a:rPr lang="en-US" altLang="ko-KR" sz="2400">
-                <a:latin typeface="나눔고딕 Light" panose="020D0904000000000000" pitchFamily="50" charset="-127"/>
-                <a:ea typeface="나눔고딕 Light" panose="020D0904000000000000" pitchFamily="50" charset="-127"/>
-              </a:rPr>
-              <a:t>new, delete </a:t>
-            </a:r>
-            <a:r>
               <a:rPr lang="ko-KR" altLang="en-US" sz="2400">
                 <a:latin typeface="나눔고딕 Light" panose="020D0904000000000000" pitchFamily="50" charset="-127"/>
                 <a:ea typeface="나눔고딕 Light" panose="020D0904000000000000" pitchFamily="50" charset="-127"/>
               </a:rPr>
-              <a:t>키워드</a:t>
+              <a:t>네임스페이스</a:t>
             </a:r>
             <a:endParaRPr lang="en-US" altLang="ko-KR" sz="2400">
               <a:latin typeface="나눔고딕 Light" panose="020D0904000000000000" pitchFamily="50" charset="-127"/>
@@ -9068,11 +9034,18 @@
           </a:p>
           <a:p>
             <a:r>
+              <a:rPr lang="en-US" altLang="ko-KR" sz="2400">
+                <a:latin typeface="나눔고딕 Light" panose="020D0904000000000000" pitchFamily="50" charset="-127"/>
+                <a:ea typeface="나눔고딕 Light" panose="020D0904000000000000" pitchFamily="50" charset="-127"/>
+              </a:rPr>
+              <a:t>new, delete </a:t>
+            </a:r>
+            <a:r>
               <a:rPr lang="ko-KR" altLang="en-US" sz="2400">
                 <a:latin typeface="나눔고딕 Light" panose="020D0904000000000000" pitchFamily="50" charset="-127"/>
                 <a:ea typeface="나눔고딕 Light" panose="020D0904000000000000" pitchFamily="50" charset="-127"/>
               </a:rPr>
-              <a:t>네임스페이스</a:t>
+              <a:t>키워드</a:t>
             </a:r>
             <a:endParaRPr lang="en-US" altLang="ko-KR" sz="2400">
               <a:latin typeface="나눔고딕 Light" panose="020D0904000000000000" pitchFamily="50" charset="-127"/>
@@ -9085,7 +9058,7 @@
                 <a:latin typeface="나눔고딕 Light" panose="020D0904000000000000" pitchFamily="50" charset="-127"/>
                 <a:ea typeface="나눔고딕 Light" panose="020D0904000000000000" pitchFamily="50" charset="-127"/>
               </a:rPr>
-              <a:t>인라인 함수</a:t>
+              <a:t>객체의 동적 할당</a:t>
             </a:r>
             <a:endParaRPr lang="en-US" altLang="ko-KR" sz="2400">
               <a:latin typeface="나눔고딕 Light" panose="020D0904000000000000" pitchFamily="50" charset="-127"/>

--- a/수업 자료/0 - 수업 소개.pptx
+++ b/수업 자료/0 - 수업 소개.pptx
@@ -7,19 +7,20 @@
   <p:sldIdLst>
     <p:sldId id="256" r:id="rId2"/>
     <p:sldId id="257" r:id="rId3"/>
-    <p:sldId id="258" r:id="rId4"/>
-    <p:sldId id="264" r:id="rId5"/>
-    <p:sldId id="261" r:id="rId6"/>
-    <p:sldId id="259" r:id="rId7"/>
-    <p:sldId id="260" r:id="rId8"/>
-    <p:sldId id="263" r:id="rId9"/>
-    <p:sldId id="262" r:id="rId10"/>
-    <p:sldId id="265" r:id="rId11"/>
-    <p:sldId id="266" r:id="rId12"/>
-    <p:sldId id="267" r:id="rId13"/>
-    <p:sldId id="268" r:id="rId14"/>
-    <p:sldId id="269" r:id="rId15"/>
-    <p:sldId id="270" r:id="rId16"/>
+    <p:sldId id="271" r:id="rId4"/>
+    <p:sldId id="258" r:id="rId5"/>
+    <p:sldId id="264" r:id="rId6"/>
+    <p:sldId id="261" r:id="rId7"/>
+    <p:sldId id="259" r:id="rId8"/>
+    <p:sldId id="260" r:id="rId9"/>
+    <p:sldId id="263" r:id="rId10"/>
+    <p:sldId id="262" r:id="rId11"/>
+    <p:sldId id="265" r:id="rId12"/>
+    <p:sldId id="266" r:id="rId13"/>
+    <p:sldId id="267" r:id="rId14"/>
+    <p:sldId id="268" r:id="rId15"/>
+    <p:sldId id="269" r:id="rId16"/>
+    <p:sldId id="270" r:id="rId17"/>
   </p:sldIdLst>
   <p:sldSz cx="12192000" cy="6858000"/>
   <p:notesSz cx="6858000" cy="9144000"/>
@@ -273,7 +274,7 @@
           <a:p>
             <a:fld id="{3BAD717E-5B48-41D6-98B3-DB23E84BF0BC}" type="datetimeFigureOut">
               <a:rPr lang="ko-KR" altLang="en-US" smtClean="0"/>
-              <a:t>2021-07-28</a:t>
+              <a:t>2021-07-29</a:t>
             </a:fld>
             <a:endParaRPr lang="ko-KR" altLang="en-US"/>
           </a:p>
@@ -471,7 +472,7 @@
           <a:p>
             <a:fld id="{3BAD717E-5B48-41D6-98B3-DB23E84BF0BC}" type="datetimeFigureOut">
               <a:rPr lang="ko-KR" altLang="en-US" smtClean="0"/>
-              <a:t>2021-07-28</a:t>
+              <a:t>2021-07-29</a:t>
             </a:fld>
             <a:endParaRPr lang="ko-KR" altLang="en-US"/>
           </a:p>
@@ -679,7 +680,7 @@
           <a:p>
             <a:fld id="{3BAD717E-5B48-41D6-98B3-DB23E84BF0BC}" type="datetimeFigureOut">
               <a:rPr lang="ko-KR" altLang="en-US" smtClean="0"/>
-              <a:t>2021-07-28</a:t>
+              <a:t>2021-07-29</a:t>
             </a:fld>
             <a:endParaRPr lang="ko-KR" altLang="en-US"/>
           </a:p>
@@ -877,7 +878,7 @@
           <a:p>
             <a:fld id="{3BAD717E-5B48-41D6-98B3-DB23E84BF0BC}" type="datetimeFigureOut">
               <a:rPr lang="ko-KR" altLang="en-US" smtClean="0"/>
-              <a:t>2021-07-28</a:t>
+              <a:t>2021-07-29</a:t>
             </a:fld>
             <a:endParaRPr lang="ko-KR" altLang="en-US"/>
           </a:p>
@@ -1152,7 +1153,7 @@
           <a:p>
             <a:fld id="{3BAD717E-5B48-41D6-98B3-DB23E84BF0BC}" type="datetimeFigureOut">
               <a:rPr lang="ko-KR" altLang="en-US" smtClean="0"/>
-              <a:t>2021-07-28</a:t>
+              <a:t>2021-07-29</a:t>
             </a:fld>
             <a:endParaRPr lang="ko-KR" altLang="en-US"/>
           </a:p>
@@ -1417,7 +1418,7 @@
           <a:p>
             <a:fld id="{3BAD717E-5B48-41D6-98B3-DB23E84BF0BC}" type="datetimeFigureOut">
               <a:rPr lang="ko-KR" altLang="en-US" smtClean="0"/>
-              <a:t>2021-07-28</a:t>
+              <a:t>2021-07-29</a:t>
             </a:fld>
             <a:endParaRPr lang="ko-KR" altLang="en-US"/>
           </a:p>
@@ -1829,7 +1830,7 @@
           <a:p>
             <a:fld id="{3BAD717E-5B48-41D6-98B3-DB23E84BF0BC}" type="datetimeFigureOut">
               <a:rPr lang="ko-KR" altLang="en-US" smtClean="0"/>
-              <a:t>2021-07-28</a:t>
+              <a:t>2021-07-29</a:t>
             </a:fld>
             <a:endParaRPr lang="ko-KR" altLang="en-US"/>
           </a:p>
@@ -1970,7 +1971,7 @@
           <a:p>
             <a:fld id="{3BAD717E-5B48-41D6-98B3-DB23E84BF0BC}" type="datetimeFigureOut">
               <a:rPr lang="ko-KR" altLang="en-US" smtClean="0"/>
-              <a:t>2021-07-28</a:t>
+              <a:t>2021-07-29</a:t>
             </a:fld>
             <a:endParaRPr lang="ko-KR" altLang="en-US"/>
           </a:p>
@@ -2083,7 +2084,7 @@
           <a:p>
             <a:fld id="{3BAD717E-5B48-41D6-98B3-DB23E84BF0BC}" type="datetimeFigureOut">
               <a:rPr lang="ko-KR" altLang="en-US" smtClean="0"/>
-              <a:t>2021-07-28</a:t>
+              <a:t>2021-07-29</a:t>
             </a:fld>
             <a:endParaRPr lang="ko-KR" altLang="en-US"/>
           </a:p>
@@ -2394,7 +2395,7 @@
           <a:p>
             <a:fld id="{3BAD717E-5B48-41D6-98B3-DB23E84BF0BC}" type="datetimeFigureOut">
               <a:rPr lang="ko-KR" altLang="en-US" smtClean="0"/>
-              <a:t>2021-07-28</a:t>
+              <a:t>2021-07-29</a:t>
             </a:fld>
             <a:endParaRPr lang="ko-KR" altLang="en-US"/>
           </a:p>
@@ -2682,7 +2683,7 @@
           <a:p>
             <a:fld id="{3BAD717E-5B48-41D6-98B3-DB23E84BF0BC}" type="datetimeFigureOut">
               <a:rPr lang="ko-KR" altLang="en-US" smtClean="0"/>
-              <a:t>2021-07-28</a:t>
+              <a:t>2021-07-29</a:t>
             </a:fld>
             <a:endParaRPr lang="ko-KR" altLang="en-US"/>
           </a:p>
@@ -2923,7 +2924,7 @@
           <a:p>
             <a:fld id="{3BAD717E-5B48-41D6-98B3-DB23E84BF0BC}" type="datetimeFigureOut">
               <a:rPr lang="ko-KR" altLang="en-US" smtClean="0"/>
-              <a:t>2021-07-28</a:t>
+              <a:t>2021-07-29</a:t>
             </a:fld>
             <a:endParaRPr lang="ko-KR" altLang="en-US"/>
           </a:p>
@@ -3619,7 +3620,7 @@
         <p:spPr>
           <a:xfrm>
             <a:off x="649279" y="2064583"/>
-            <a:ext cx="4924746" cy="523220"/>
+            <a:ext cx="4118435" cy="523220"/>
           </a:xfrm>
           <a:prstGeom prst="rect">
             <a:avLst/>
@@ -3637,7 +3638,7 @@
                 <a:latin typeface="나눔고딕 Light" panose="020D0904000000000000" pitchFamily="50" charset="-127"/>
                 <a:ea typeface="나눔고딕 Light" panose="020D0904000000000000" pitchFamily="50" charset="-127"/>
               </a:rPr>
-              <a:t>3</a:t>
+              <a:t>1</a:t>
             </a:r>
             <a:r>
               <a:rPr lang="ko-KR" altLang="en-US" sz="2800">
@@ -3651,14 +3652,14 @@
                 <a:latin typeface="나눔고딕 Light" panose="020D0904000000000000" pitchFamily="50" charset="-127"/>
                 <a:ea typeface="나눔고딕 Light" panose="020D0904000000000000" pitchFamily="50" charset="-127"/>
               </a:rPr>
-              <a:t>(8/4) : C++ </a:t>
+              <a:t>(8/2) : C</a:t>
             </a:r>
             <a:r>
               <a:rPr lang="ko-KR" altLang="en-US" sz="2800">
                 <a:latin typeface="나눔고딕 Light" panose="020D0904000000000000" pitchFamily="50" charset="-127"/>
                 <a:ea typeface="나눔고딕 Light" panose="020D0904000000000000" pitchFamily="50" charset="-127"/>
               </a:rPr>
-              <a:t>함수와 기능</a:t>
+              <a:t>언어 복습</a:t>
             </a:r>
           </a:p>
         </p:txBody>
@@ -3678,7 +3679,7 @@
         <p:spPr>
           <a:xfrm>
             <a:off x="1167439" y="2726650"/>
-            <a:ext cx="2845651" cy="1569660"/>
+            <a:ext cx="3999813" cy="1569660"/>
           </a:xfrm>
           <a:prstGeom prst="rect">
             <a:avLst/>
@@ -3696,21 +3697,7 @@
                 <a:latin typeface="나눔고딕 Light" panose="020D0904000000000000" pitchFamily="50" charset="-127"/>
                 <a:ea typeface="나눔고딕 Light" panose="020D0904000000000000" pitchFamily="50" charset="-127"/>
               </a:rPr>
-              <a:t>깊은 복사</a:t>
-            </a:r>
-            <a:r>
-              <a:rPr lang="en-US" altLang="ko-KR" sz="2400">
-                <a:latin typeface="나눔고딕 Light" panose="020D0904000000000000" pitchFamily="50" charset="-127"/>
-                <a:ea typeface="나눔고딕 Light" panose="020D0904000000000000" pitchFamily="50" charset="-127"/>
-              </a:rPr>
-              <a:t>,</a:t>
-            </a:r>
-            <a:r>
-              <a:rPr lang="ko-KR" altLang="en-US" sz="2400">
-                <a:latin typeface="나눔고딕 Light" panose="020D0904000000000000" pitchFamily="50" charset="-127"/>
-                <a:ea typeface="나눔고딕 Light" panose="020D0904000000000000" pitchFamily="50" charset="-127"/>
-              </a:rPr>
-              <a:t> 얕은 복사</a:t>
+              <a:t>구조체와 배열</a:t>
             </a:r>
             <a:endParaRPr lang="en-US" altLang="ko-KR" sz="2400">
               <a:latin typeface="나눔고딕 Light" panose="020D0904000000000000" pitchFamily="50" charset="-127"/>
@@ -3719,18 +3706,11 @@
           </a:p>
           <a:p>
             <a:r>
-              <a:rPr lang="en-US" altLang="ko-KR" sz="2400">
-                <a:latin typeface="나눔고딕 Light" panose="020D0904000000000000" pitchFamily="50" charset="-127"/>
-                <a:ea typeface="나눔고딕 Light" panose="020D0904000000000000" pitchFamily="50" charset="-127"/>
-              </a:rPr>
-              <a:t>string </a:t>
-            </a:r>
-            <a:r>
               <a:rPr lang="ko-KR" altLang="en-US" sz="2400">
                 <a:latin typeface="나눔고딕 Light" panose="020D0904000000000000" pitchFamily="50" charset="-127"/>
                 <a:ea typeface="나눔고딕 Light" panose="020D0904000000000000" pitchFamily="50" charset="-127"/>
               </a:rPr>
-              <a:t>클래스</a:t>
+              <a:t>메모리와 포인터</a:t>
             </a:r>
             <a:endParaRPr lang="en-US" altLang="ko-KR" sz="2400">
               <a:latin typeface="나눔고딕 Light" panose="020D0904000000000000" pitchFamily="50" charset="-127"/>
@@ -3743,7 +3723,7 @@
                 <a:latin typeface="나눔고딕 Light" panose="020D0904000000000000" pitchFamily="50" charset="-127"/>
                 <a:ea typeface="나눔고딕 Light" panose="020D0904000000000000" pitchFamily="50" charset="-127"/>
               </a:rPr>
-              <a:t>함수 오버로딩</a:t>
+              <a:t>동적 할당</a:t>
             </a:r>
             <a:endParaRPr lang="en-US" altLang="ko-KR" sz="2400">
               <a:latin typeface="나눔고딕 Light" panose="020D0904000000000000" pitchFamily="50" charset="-127"/>
@@ -3756,158 +3736,122 @@
                 <a:latin typeface="나눔고딕 Light" panose="020D0904000000000000" pitchFamily="50" charset="-127"/>
                 <a:ea typeface="나눔고딕 Light" panose="020D0904000000000000" pitchFamily="50" charset="-127"/>
               </a:rPr>
-              <a:t>연산자 오버로딩</a:t>
-            </a:r>
-          </a:p>
-        </p:txBody>
-      </p:sp>
-      <p:sp>
-        <p:nvSpPr>
-          <p:cNvPr id="18" name="TextBox 17">
-            <a:extLst>
-              <a:ext uri="{FF2B5EF4-FFF2-40B4-BE49-F238E27FC236}">
-                <a16:creationId xmlns:a16="http://schemas.microsoft.com/office/drawing/2014/main" id="{544C3BFF-70C3-42A8-A8B7-63CB6B3A8673}"/>
-              </a:ext>
-            </a:extLst>
-          </p:cNvPr>
-          <p:cNvSpPr txBox="1"/>
-          <p:nvPr/>
-        </p:nvSpPr>
-        <p:spPr>
-          <a:xfrm>
-            <a:off x="6506588" y="2064583"/>
-            <a:ext cx="3797835" cy="523220"/>
-          </a:xfrm>
-          <a:prstGeom prst="rect">
-            <a:avLst/>
-          </a:prstGeom>
-          <a:noFill/>
-        </p:spPr>
-        <p:txBody>
-          <a:bodyPr wrap="none" rtlCol="0">
-            <a:spAutoFit/>
-          </a:bodyPr>
-          <a:lstStyle/>
-          <a:p>
-            <a:r>
-              <a:rPr lang="en-US" altLang="ko-KR" sz="2800">
-                <a:latin typeface="나눔고딕 Light" panose="020D0904000000000000" pitchFamily="50" charset="-127"/>
-                <a:ea typeface="나눔고딕 Light" panose="020D0904000000000000" pitchFamily="50" charset="-127"/>
-              </a:rPr>
-              <a:t>4</a:t>
-            </a:r>
-            <a:r>
-              <a:rPr lang="ko-KR" altLang="en-US" sz="2800">
-                <a:latin typeface="나눔고딕 Light" panose="020D0904000000000000" pitchFamily="50" charset="-127"/>
-                <a:ea typeface="나눔고딕 Light" panose="020D0904000000000000" pitchFamily="50" charset="-127"/>
-              </a:rPr>
-              <a:t>일차 </a:t>
-            </a:r>
-            <a:r>
-              <a:rPr lang="en-US" altLang="ko-KR" sz="2800">
-                <a:latin typeface="나눔고딕 Light" panose="020D0904000000000000" pitchFamily="50" charset="-127"/>
-                <a:ea typeface="나눔고딕 Light" panose="020D0904000000000000" pitchFamily="50" charset="-127"/>
-              </a:rPr>
-              <a:t>(8/5) : C++</a:t>
-            </a:r>
-            <a:r>
-              <a:rPr lang="ko-KR" altLang="en-US" sz="2800">
-                <a:latin typeface="나눔고딕 Light" panose="020D0904000000000000" pitchFamily="50" charset="-127"/>
-                <a:ea typeface="나눔고딕 Light" panose="020D0904000000000000" pitchFamily="50" charset="-127"/>
-              </a:rPr>
-              <a:t> </a:t>
-            </a:r>
-            <a:r>
-              <a:rPr lang="en-US" altLang="ko-KR" sz="2800">
-                <a:latin typeface="나눔고딕 Light" panose="020D0904000000000000" pitchFamily="50" charset="-127"/>
-                <a:ea typeface="나눔고딕 Light" panose="020D0904000000000000" pitchFamily="50" charset="-127"/>
-              </a:rPr>
-              <a:t>STL</a:t>
-            </a:r>
-            <a:endParaRPr lang="ko-KR" altLang="en-US" sz="2800">
-              <a:latin typeface="나눔고딕 Light" panose="020D0904000000000000" pitchFamily="50" charset="-127"/>
-              <a:ea typeface="나눔고딕 Light" panose="020D0904000000000000" pitchFamily="50" charset="-127"/>
-            </a:endParaRPr>
-          </a:p>
-        </p:txBody>
-      </p:sp>
-      <p:sp>
-        <p:nvSpPr>
-          <p:cNvPr id="21" name="TextBox 20">
-            <a:extLst>
-              <a:ext uri="{FF2B5EF4-FFF2-40B4-BE49-F238E27FC236}">
-                <a16:creationId xmlns:a16="http://schemas.microsoft.com/office/drawing/2014/main" id="{35DD57E6-9291-46CF-98DD-A2DC1123E414}"/>
-              </a:ext>
-            </a:extLst>
-          </p:cNvPr>
-          <p:cNvSpPr txBox="1"/>
-          <p:nvPr/>
-        </p:nvSpPr>
-        <p:spPr>
-          <a:xfrm>
-            <a:off x="7024748" y="2726650"/>
-            <a:ext cx="3416320" cy="1938992"/>
-          </a:xfrm>
-          <a:prstGeom prst="rect">
-            <a:avLst/>
-          </a:prstGeom>
-          <a:noFill/>
-        </p:spPr>
-        <p:txBody>
-          <a:bodyPr wrap="none" rtlCol="0">
-            <a:spAutoFit/>
-          </a:bodyPr>
-          <a:lstStyle/>
-          <a:p>
+              <a:t>구조체와 배열</a:t>
+            </a:r>
             <a:r>
               <a:rPr lang="en-US" altLang="ko-KR" sz="2400">
                 <a:latin typeface="나눔고딕 Light" panose="020D0904000000000000" pitchFamily="50" charset="-127"/>
                 <a:ea typeface="나눔고딕 Light" panose="020D0904000000000000" pitchFamily="50" charset="-127"/>
               </a:rPr>
-              <a:t>STL</a:t>
-            </a:r>
-          </a:p>
-          <a:p>
+              <a:t>, </a:t>
+            </a:r>
             <a:r>
               <a:rPr lang="ko-KR" altLang="en-US" sz="2400">
                 <a:latin typeface="나눔고딕 Light" panose="020D0904000000000000" pitchFamily="50" charset="-127"/>
                 <a:ea typeface="나눔고딕 Light" panose="020D0904000000000000" pitchFamily="50" charset="-127"/>
               </a:rPr>
-              <a:t>컨테이너</a:t>
-            </a:r>
-            <a:r>
-              <a:rPr lang="en-US" altLang="ko-KR" sz="2400">
-                <a:latin typeface="나눔고딕 Light" panose="020D0904000000000000" pitchFamily="50" charset="-127"/>
-                <a:ea typeface="나눔고딕 Light" panose="020D0904000000000000" pitchFamily="50" charset="-127"/>
-              </a:rPr>
-              <a:t>, </a:t>
-            </a:r>
-            <a:r>
-              <a:rPr lang="ko-KR" altLang="en-US" sz="2400">
-                <a:latin typeface="나눔고딕 Light" panose="020D0904000000000000" pitchFamily="50" charset="-127"/>
-                <a:ea typeface="나눔고딕 Light" panose="020D0904000000000000" pitchFamily="50" charset="-127"/>
-              </a:rPr>
-              <a:t>이터레이터</a:t>
+              <a:t>포인터의 활용</a:t>
             </a:r>
             <a:endParaRPr lang="en-US" altLang="ko-KR" sz="2400">
               <a:latin typeface="나눔고딕 Light" panose="020D0904000000000000" pitchFamily="50" charset="-127"/>
               <a:ea typeface="나눔고딕 Light" panose="020D0904000000000000" pitchFamily="50" charset="-127"/>
             </a:endParaRPr>
           </a:p>
-          <a:p>
-            <a:r>
-              <a:rPr lang="en-US" altLang="ko-KR" sz="2400">
-                <a:latin typeface="나눔고딕 Light" panose="020D0904000000000000" pitchFamily="50" charset="-127"/>
-                <a:ea typeface="나눔고딕 Light" panose="020D0904000000000000" pitchFamily="50" charset="-127"/>
-              </a:rPr>
-              <a:t>STL </a:t>
-            </a:r>
+        </p:txBody>
+      </p:sp>
+      <p:sp>
+        <p:nvSpPr>
+          <p:cNvPr id="18" name="TextBox 17">
+            <a:extLst>
+              <a:ext uri="{FF2B5EF4-FFF2-40B4-BE49-F238E27FC236}">
+                <a16:creationId xmlns:a16="http://schemas.microsoft.com/office/drawing/2014/main" id="{544C3BFF-70C3-42A8-A8B7-63CB6B3A8673}"/>
+              </a:ext>
+            </a:extLst>
+          </p:cNvPr>
+          <p:cNvSpPr txBox="1"/>
+          <p:nvPr/>
+        </p:nvSpPr>
+        <p:spPr>
+          <a:xfrm>
+            <a:off x="6506588" y="2064583"/>
+            <a:ext cx="4147289" cy="523220"/>
+          </a:xfrm>
+          <a:prstGeom prst="rect">
+            <a:avLst/>
+          </a:prstGeom>
+          <a:noFill/>
+        </p:spPr>
+        <p:txBody>
+          <a:bodyPr wrap="none" rtlCol="0">
+            <a:spAutoFit/>
+          </a:bodyPr>
+          <a:lstStyle/>
+          <a:p>
+            <a:r>
+              <a:rPr lang="en-US" altLang="ko-KR" sz="2800">
+                <a:latin typeface="나눔고딕 Light" panose="020D0904000000000000" pitchFamily="50" charset="-127"/>
+                <a:ea typeface="나눔고딕 Light" panose="020D0904000000000000" pitchFamily="50" charset="-127"/>
+              </a:rPr>
+              <a:t>2</a:t>
+            </a:r>
+            <a:r>
+              <a:rPr lang="ko-KR" altLang="en-US" sz="2800">
+                <a:latin typeface="나눔고딕 Light" panose="020D0904000000000000" pitchFamily="50" charset="-127"/>
+                <a:ea typeface="나눔고딕 Light" panose="020D0904000000000000" pitchFamily="50" charset="-127"/>
+              </a:rPr>
+              <a:t>일차 </a:t>
+            </a:r>
+            <a:r>
+              <a:rPr lang="en-US" altLang="ko-KR" sz="2800">
+                <a:latin typeface="나눔고딕 Light" panose="020D0904000000000000" pitchFamily="50" charset="-127"/>
+                <a:ea typeface="나눔고딕 Light" panose="020D0904000000000000" pitchFamily="50" charset="-127"/>
+              </a:rPr>
+              <a:t>(8/3) : C++</a:t>
+            </a:r>
+            <a:r>
+              <a:rPr lang="ko-KR" altLang="en-US" sz="2800">
+                <a:latin typeface="나눔고딕 Light" panose="020D0904000000000000" pitchFamily="50" charset="-127"/>
+                <a:ea typeface="나눔고딕 Light" panose="020D0904000000000000" pitchFamily="50" charset="-127"/>
+              </a:rPr>
+              <a:t> 메모리</a:t>
+            </a:r>
+          </a:p>
+        </p:txBody>
+      </p:sp>
+      <p:sp>
+        <p:nvSpPr>
+          <p:cNvPr id="21" name="TextBox 20">
+            <a:extLst>
+              <a:ext uri="{FF2B5EF4-FFF2-40B4-BE49-F238E27FC236}">
+                <a16:creationId xmlns:a16="http://schemas.microsoft.com/office/drawing/2014/main" id="{35DD57E6-9291-46CF-98DD-A2DC1123E414}"/>
+              </a:ext>
+            </a:extLst>
+          </p:cNvPr>
+          <p:cNvSpPr txBox="1"/>
+          <p:nvPr/>
+        </p:nvSpPr>
+        <p:spPr>
+          <a:xfrm>
+            <a:off x="7024748" y="2726650"/>
+            <a:ext cx="2808782" cy="1569660"/>
+          </a:xfrm>
+          <a:prstGeom prst="rect">
+            <a:avLst/>
+          </a:prstGeom>
+          <a:noFill/>
+        </p:spPr>
+        <p:txBody>
+          <a:bodyPr wrap="none" rtlCol="0">
+            <a:spAutoFit/>
+          </a:bodyPr>
+          <a:lstStyle/>
+          <a:p>
             <a:r>
               <a:rPr lang="ko-KR" altLang="en-US" sz="2400">
                 <a:latin typeface="나눔고딕 Light" panose="020D0904000000000000" pitchFamily="50" charset="-127"/>
                 <a:ea typeface="나눔고딕 Light" panose="020D0904000000000000" pitchFamily="50" charset="-127"/>
               </a:rPr>
-              <a:t>컨테이너</a:t>
+              <a:t>네임스페이스</a:t>
             </a:r>
             <a:endParaRPr lang="en-US" altLang="ko-KR" sz="2400">
               <a:latin typeface="나눔고딕 Light" panose="020D0904000000000000" pitchFamily="50" charset="-127"/>
@@ -3916,25 +3860,18 @@
           </a:p>
           <a:p>
             <a:r>
+              <a:rPr lang="en-US" altLang="ko-KR" sz="2400">
+                <a:latin typeface="나눔고딕 Light" panose="020D0904000000000000" pitchFamily="50" charset="-127"/>
+                <a:ea typeface="나눔고딕 Light" panose="020D0904000000000000" pitchFamily="50" charset="-127"/>
+              </a:rPr>
+              <a:t>new, delete </a:t>
+            </a:r>
+            <a:r>
               <a:rPr lang="ko-KR" altLang="en-US" sz="2400">
                 <a:latin typeface="나눔고딕 Light" panose="020D0904000000000000" pitchFamily="50" charset="-127"/>
                 <a:ea typeface="나눔고딕 Light" panose="020D0904000000000000" pitchFamily="50" charset="-127"/>
               </a:rPr>
-              <a:t>람다식</a:t>
-            </a:r>
-            <a:r>
-              <a:rPr lang="en-US" altLang="ko-KR" sz="2400">
-                <a:latin typeface="나눔고딕 Light" panose="020D0904000000000000" pitchFamily="50" charset="-127"/>
-                <a:ea typeface="나눔고딕 Light" panose="020D0904000000000000" pitchFamily="50" charset="-127"/>
-              </a:rPr>
-              <a:t>, </a:t>
-            </a:r>
-            <a:r>
-              <a:rPr lang="ko-KR" altLang="en-US" sz="2400">
-                <a:latin typeface="나눔고딕 Light" panose="020D0904000000000000" pitchFamily="50" charset="-127"/>
-                <a:ea typeface="나눔고딕 Light" panose="020D0904000000000000" pitchFamily="50" charset="-127"/>
-              </a:rPr>
-              <a:t>함수 포인터</a:t>
+              <a:t>키워드</a:t>
             </a:r>
             <a:endParaRPr lang="en-US" altLang="ko-KR" sz="2400">
               <a:latin typeface="나눔고딕 Light" panose="020D0904000000000000" pitchFamily="50" charset="-127"/>
@@ -3947,19 +3884,49 @@
                 <a:latin typeface="나눔고딕 Light" panose="020D0904000000000000" pitchFamily="50" charset="-127"/>
                 <a:ea typeface="나눔고딕 Light" panose="020D0904000000000000" pitchFamily="50" charset="-127"/>
               </a:rPr>
-              <a:t>알고리즘 헤더 내장 함수</a:t>
+              <a:t>객체의 동적 할당</a:t>
             </a:r>
             <a:endParaRPr lang="en-US" altLang="ko-KR" sz="2400">
               <a:latin typeface="나눔고딕 Light" panose="020D0904000000000000" pitchFamily="50" charset="-127"/>
               <a:ea typeface="나눔고딕 Light" panose="020D0904000000000000" pitchFamily="50" charset="-127"/>
             </a:endParaRPr>
           </a:p>
+          <a:p>
+            <a:r>
+              <a:rPr lang="ko-KR" altLang="en-US" sz="2400">
+                <a:latin typeface="나눔고딕 Light" panose="020D0904000000000000" pitchFamily="50" charset="-127"/>
+                <a:ea typeface="나눔고딕 Light" panose="020D0904000000000000" pitchFamily="50" charset="-127"/>
+              </a:rPr>
+              <a:t>참조자 </a:t>
+            </a:r>
+            <a:r>
+              <a:rPr lang="en-US" altLang="ko-KR" sz="2400">
+                <a:latin typeface="나눔고딕 Light" panose="020D0904000000000000" pitchFamily="50" charset="-127"/>
+                <a:ea typeface="나눔고딕 Light" panose="020D0904000000000000" pitchFamily="50" charset="-127"/>
+              </a:rPr>
+              <a:t>(</a:t>
+            </a:r>
+            <a:r>
+              <a:rPr lang="ko-KR" altLang="en-US" sz="2400">
+                <a:latin typeface="나눔고딕 Light" panose="020D0904000000000000" pitchFamily="50" charset="-127"/>
+                <a:ea typeface="나눔고딕 Light" panose="020D0904000000000000" pitchFamily="50" charset="-127"/>
+              </a:rPr>
+              <a:t>기초</a:t>
+            </a:r>
+            <a:r>
+              <a:rPr lang="en-US" altLang="ko-KR" sz="2400">
+                <a:latin typeface="나눔고딕 Light" panose="020D0904000000000000" pitchFamily="50" charset="-127"/>
+                <a:ea typeface="나눔고딕 Light" panose="020D0904000000000000" pitchFamily="50" charset="-127"/>
+              </a:rPr>
+              <a:t>)</a:t>
+            </a:r>
+          </a:p>
         </p:txBody>
       </p:sp>
     </p:spTree>
     <p:extLst>
       <p:ext uri="{BB962C8B-B14F-4D97-AF65-F5344CB8AC3E}">
-        <p14:creationId xmlns:p14="http://schemas.microsoft.com/office/powerpoint/2010/main" val="1008830935"/>
+        <p14:creationId xmlns:p14="http://schemas.microsoft.com/office/powerpoint/2010/main" val="2446680330"/>
       </p:ext>
     </p:extLst>
   </p:cSld>
@@ -4089,7 +4056,7 @@
         <p:spPr>
           <a:xfrm>
             <a:off x="649279" y="2064583"/>
-            <a:ext cx="4386137" cy="523220"/>
+            <a:ext cx="4924746" cy="523220"/>
           </a:xfrm>
           <a:prstGeom prst="rect">
             <a:avLst/>
@@ -4107,7 +4074,7 @@
                 <a:latin typeface="나눔고딕 Light" panose="020D0904000000000000" pitchFamily="50" charset="-127"/>
                 <a:ea typeface="나눔고딕 Light" panose="020D0904000000000000" pitchFamily="50" charset="-127"/>
               </a:rPr>
-              <a:t>5</a:t>
+              <a:t>3</a:t>
             </a:r>
             <a:r>
               <a:rPr lang="ko-KR" altLang="en-US" sz="2800">
@@ -4121,14 +4088,14 @@
                 <a:latin typeface="나눔고딕 Light" panose="020D0904000000000000" pitchFamily="50" charset="-127"/>
                 <a:ea typeface="나눔고딕 Light" panose="020D0904000000000000" pitchFamily="50" charset="-127"/>
               </a:rPr>
-              <a:t>(8/6) : RG </a:t>
+              <a:t>(8/4) : C++ </a:t>
             </a:r>
             <a:r>
               <a:rPr lang="ko-KR" altLang="en-US" sz="2800">
                 <a:latin typeface="나눔고딕 Light" panose="020D0904000000000000" pitchFamily="50" charset="-127"/>
                 <a:ea typeface="나눔고딕 Light" panose="020D0904000000000000" pitchFamily="50" charset="-127"/>
               </a:rPr>
-              <a:t>엔진 기초</a:t>
+              <a:t>함수와 기능</a:t>
             </a:r>
           </a:p>
         </p:txBody>
@@ -4148,7 +4115,7 @@
         <p:spPr>
           <a:xfrm>
             <a:off x="1167439" y="2726650"/>
-            <a:ext cx="3618298" cy="1569660"/>
+            <a:ext cx="2845651" cy="1569660"/>
           </a:xfrm>
           <a:prstGeom prst="rect">
             <a:avLst/>
@@ -4166,7 +4133,21 @@
                 <a:latin typeface="나눔고딕 Light" panose="020D0904000000000000" pitchFamily="50" charset="-127"/>
                 <a:ea typeface="나눔고딕 Light" panose="020D0904000000000000" pitchFamily="50" charset="-127"/>
               </a:rPr>
-              <a:t>엔진 구조와 라이프 사이클</a:t>
+              <a:t>깊은 복사</a:t>
+            </a:r>
+            <a:r>
+              <a:rPr lang="en-US" altLang="ko-KR" sz="2400">
+                <a:latin typeface="나눔고딕 Light" panose="020D0904000000000000" pitchFamily="50" charset="-127"/>
+                <a:ea typeface="나눔고딕 Light" panose="020D0904000000000000" pitchFamily="50" charset="-127"/>
+              </a:rPr>
+              <a:t>,</a:t>
+            </a:r>
+            <a:r>
+              <a:rPr lang="ko-KR" altLang="en-US" sz="2400">
+                <a:latin typeface="나눔고딕 Light" panose="020D0904000000000000" pitchFamily="50" charset="-127"/>
+                <a:ea typeface="나눔고딕 Light" panose="020D0904000000000000" pitchFamily="50" charset="-127"/>
+              </a:rPr>
+              <a:t> 얕은 복사</a:t>
             </a:r>
             <a:endParaRPr lang="en-US" altLang="ko-KR" sz="2400">
               <a:latin typeface="나눔고딕 Light" panose="020D0904000000000000" pitchFamily="50" charset="-127"/>
@@ -4175,25 +4156,18 @@
           </a:p>
           <a:p>
             <a:r>
+              <a:rPr lang="en-US" altLang="ko-KR" sz="2400">
+                <a:latin typeface="나눔고딕 Light" panose="020D0904000000000000" pitchFamily="50" charset="-127"/>
+                <a:ea typeface="나눔고딕 Light" panose="020D0904000000000000" pitchFamily="50" charset="-127"/>
+              </a:rPr>
+              <a:t>string </a:t>
+            </a:r>
+            <a:r>
               <a:rPr lang="ko-KR" altLang="en-US" sz="2400">
                 <a:latin typeface="나눔고딕 Light" panose="020D0904000000000000" pitchFamily="50" charset="-127"/>
                 <a:ea typeface="나눔고딕 Light" panose="020D0904000000000000" pitchFamily="50" charset="-127"/>
               </a:rPr>
-              <a:t>씬과 오브젝트</a:t>
-            </a:r>
-            <a:r>
-              <a:rPr lang="en-US" altLang="ko-KR" sz="2400">
-                <a:latin typeface="나눔고딕 Light" panose="020D0904000000000000" pitchFamily="50" charset="-127"/>
-                <a:ea typeface="나눔고딕 Light" panose="020D0904000000000000" pitchFamily="50" charset="-127"/>
-              </a:rPr>
-              <a:t>, </a:t>
-            </a:r>
-            <a:r>
-              <a:rPr lang="ko-KR" altLang="en-US" sz="2400">
-                <a:latin typeface="나눔고딕 Light" panose="020D0904000000000000" pitchFamily="50" charset="-127"/>
-                <a:ea typeface="나눔고딕 Light" panose="020D0904000000000000" pitchFamily="50" charset="-127"/>
-              </a:rPr>
-              <a:t>컴포넌트</a:t>
+              <a:t>클래스</a:t>
             </a:r>
             <a:endParaRPr lang="en-US" altLang="ko-KR" sz="2400">
               <a:latin typeface="나눔고딕 Light" panose="020D0904000000000000" pitchFamily="50" charset="-127"/>
@@ -4206,7 +4180,7 @@
                 <a:latin typeface="나눔고딕 Light" panose="020D0904000000000000" pitchFamily="50" charset="-127"/>
                 <a:ea typeface="나눔고딕 Light" panose="020D0904000000000000" pitchFamily="50" charset="-127"/>
               </a:rPr>
-              <a:t>스프라이트 렌더링</a:t>
+              <a:t>함수 오버로딩</a:t>
             </a:r>
             <a:endParaRPr lang="en-US" altLang="ko-KR" sz="2400">
               <a:latin typeface="나눔고딕 Light" panose="020D0904000000000000" pitchFamily="50" charset="-127"/>
@@ -4219,7 +4193,7 @@
                 <a:latin typeface="나눔고딕 Light" panose="020D0904000000000000" pitchFamily="50" charset="-127"/>
                 <a:ea typeface="나눔고딕 Light" panose="020D0904000000000000" pitchFamily="50" charset="-127"/>
               </a:rPr>
-              <a:t>키보드 입력</a:t>
+              <a:t>연산자 오버로딩</a:t>
             </a:r>
           </a:p>
         </p:txBody>
@@ -4239,7 +4213,7 @@
         <p:spPr>
           <a:xfrm>
             <a:off x="6506588" y="2064583"/>
-            <a:ext cx="4487126" cy="523220"/>
+            <a:ext cx="3797835" cy="523220"/>
           </a:xfrm>
           <a:prstGeom prst="rect">
             <a:avLst/>
@@ -4257,7 +4231,7 @@
                 <a:latin typeface="나눔고딕 Light" panose="020D0904000000000000" pitchFamily="50" charset="-127"/>
                 <a:ea typeface="나눔고딕 Light" panose="020D0904000000000000" pitchFamily="50" charset="-127"/>
               </a:rPr>
-              <a:t>6</a:t>
+              <a:t>4</a:t>
             </a:r>
             <a:r>
               <a:rPr lang="ko-KR" altLang="en-US" sz="2800">
@@ -4271,15 +4245,26 @@
                 <a:latin typeface="나눔고딕 Light" panose="020D0904000000000000" pitchFamily="50" charset="-127"/>
                 <a:ea typeface="나눔고딕 Light" panose="020D0904000000000000" pitchFamily="50" charset="-127"/>
               </a:rPr>
-              <a:t>(8/9) : RG </a:t>
+              <a:t>(8/5) : C++</a:t>
             </a:r>
             <a:r>
               <a:rPr lang="ko-KR" altLang="en-US" sz="2800">
                 <a:latin typeface="나눔고딕 Light" panose="020D0904000000000000" pitchFamily="50" charset="-127"/>
                 <a:ea typeface="나눔고딕 Light" panose="020D0904000000000000" pitchFamily="50" charset="-127"/>
               </a:rPr>
-              <a:t>엔진 기초</a:t>
-            </a:r>
+              <a:t> </a:t>
+            </a:r>
+            <a:r>
+              <a:rPr lang="en-US" altLang="ko-KR" sz="2800">
+                <a:latin typeface="나눔고딕 Light" panose="020D0904000000000000" pitchFamily="50" charset="-127"/>
+                <a:ea typeface="나눔고딕 Light" panose="020D0904000000000000" pitchFamily="50" charset="-127"/>
+              </a:rPr>
+              <a:t>STL</a:t>
+            </a:r>
+            <a:endParaRPr lang="ko-KR" altLang="en-US" sz="2800">
+              <a:latin typeface="나눔고딕 Light" panose="020D0904000000000000" pitchFamily="50" charset="-127"/>
+              <a:ea typeface="나눔고딕 Light" panose="020D0904000000000000" pitchFamily="50" charset="-127"/>
+            </a:endParaRPr>
           </a:p>
         </p:txBody>
       </p:sp>
@@ -4298,7 +4283,7 @@
         <p:spPr>
           <a:xfrm>
             <a:off x="7024748" y="2726650"/>
-            <a:ext cx="2470548" cy="1200329"/>
+            <a:ext cx="3416320" cy="1938992"/>
           </a:xfrm>
           <a:prstGeom prst="rect">
             <a:avLst/>
@@ -4312,25 +4297,34 @@
           <a:lstStyle/>
           <a:p>
             <a:r>
+              <a:rPr lang="en-US" altLang="ko-KR" sz="2400">
+                <a:latin typeface="나눔고딕 Light" panose="020D0904000000000000" pitchFamily="50" charset="-127"/>
+                <a:ea typeface="나눔고딕 Light" panose="020D0904000000000000" pitchFamily="50" charset="-127"/>
+              </a:rPr>
+              <a:t>STL</a:t>
+            </a:r>
+          </a:p>
+          <a:p>
+            <a:r>
               <a:rPr lang="ko-KR" altLang="en-US" sz="2400">
                 <a:latin typeface="나눔고딕 Light" panose="020D0904000000000000" pitchFamily="50" charset="-127"/>
                 <a:ea typeface="나눔고딕 Light" panose="020D0904000000000000" pitchFamily="50" charset="-127"/>
               </a:rPr>
-              <a:t>엔진</a:t>
+              <a:t>컨테이너</a:t>
             </a:r>
             <a:r>
               <a:rPr lang="en-US" altLang="ko-KR" sz="2400">
                 <a:latin typeface="나눔고딕 Light" panose="020D0904000000000000" pitchFamily="50" charset="-127"/>
                 <a:ea typeface="나눔고딕 Light" panose="020D0904000000000000" pitchFamily="50" charset="-127"/>
               </a:rPr>
-              <a:t>,</a:t>
+              <a:t>, </a:t>
             </a:r>
             <a:r>
               <a:rPr lang="ko-KR" altLang="en-US" sz="2400">
                 <a:latin typeface="나눔고딕 Light" panose="020D0904000000000000" pitchFamily="50" charset="-127"/>
                 <a:ea typeface="나눔고딕 Light" panose="020D0904000000000000" pitchFamily="50" charset="-127"/>
               </a:rPr>
-              <a:t> 윈도우 설정</a:t>
+              <a:t>이터레이터</a:t>
             </a:r>
             <a:endParaRPr lang="en-US" altLang="ko-KR" sz="2400">
               <a:latin typeface="나눔고딕 Light" panose="020D0904000000000000" pitchFamily="50" charset="-127"/>
@@ -4339,11 +4333,18 @@
           </a:p>
           <a:p>
             <a:r>
+              <a:rPr lang="en-US" altLang="ko-KR" sz="2400">
+                <a:latin typeface="나눔고딕 Light" panose="020D0904000000000000" pitchFamily="50" charset="-127"/>
+                <a:ea typeface="나눔고딕 Light" panose="020D0904000000000000" pitchFamily="50" charset="-127"/>
+              </a:rPr>
+              <a:t>STL </a:t>
+            </a:r>
+            <a:r>
               <a:rPr lang="ko-KR" altLang="en-US" sz="2400">
                 <a:latin typeface="나눔고딕 Light" panose="020D0904000000000000" pitchFamily="50" charset="-127"/>
                 <a:ea typeface="나눔고딕 Light" panose="020D0904000000000000" pitchFamily="50" charset="-127"/>
               </a:rPr>
-              <a:t>마우스 입력</a:t>
+              <a:t>컨테이너</a:t>
             </a:r>
             <a:endParaRPr lang="en-US" altLang="ko-KR" sz="2400">
               <a:latin typeface="나눔고딕 Light" panose="020D0904000000000000" pitchFamily="50" charset="-127"/>
@@ -4356,19 +4357,46 @@
                 <a:latin typeface="나눔고딕 Light" panose="020D0904000000000000" pitchFamily="50" charset="-127"/>
                 <a:ea typeface="나눔고딕 Light" panose="020D0904000000000000" pitchFamily="50" charset="-127"/>
               </a:rPr>
-              <a:t>소리 출력</a:t>
+              <a:t>람다식</a:t>
+            </a:r>
+            <a:r>
+              <a:rPr lang="en-US" altLang="ko-KR" sz="2400">
+                <a:latin typeface="나눔고딕 Light" panose="020D0904000000000000" pitchFamily="50" charset="-127"/>
+                <a:ea typeface="나눔고딕 Light" panose="020D0904000000000000" pitchFamily="50" charset="-127"/>
+              </a:rPr>
+              <a:t>, </a:t>
+            </a:r>
+            <a:r>
+              <a:rPr lang="ko-KR" altLang="en-US" sz="2400">
+                <a:latin typeface="나눔고딕 Light" panose="020D0904000000000000" pitchFamily="50" charset="-127"/>
+                <a:ea typeface="나눔고딕 Light" panose="020D0904000000000000" pitchFamily="50" charset="-127"/>
+              </a:rPr>
+              <a:t>함수 포인터</a:t>
             </a:r>
             <a:endParaRPr lang="en-US" altLang="ko-KR" sz="2400">
               <a:latin typeface="나눔고딕 Light" panose="020D0904000000000000" pitchFamily="50" charset="-127"/>
               <a:ea typeface="나눔고딕 Light" panose="020D0904000000000000" pitchFamily="50" charset="-127"/>
             </a:endParaRPr>
           </a:p>
+          <a:p>
+            <a:r>
+              <a:rPr lang="ko-KR" altLang="en-US" sz="2400">
+                <a:latin typeface="나눔고딕 Light" panose="020D0904000000000000" pitchFamily="50" charset="-127"/>
+                <a:ea typeface="나눔고딕 Light" panose="020D0904000000000000" pitchFamily="50" charset="-127"/>
+              </a:rPr>
+              <a:t>알고리즘 헤더 내장 함수</a:t>
+            </a:r>
+            <a:endParaRPr lang="en-US" altLang="ko-KR" sz="2400">
+              <a:latin typeface="나눔고딕 Light" panose="020D0904000000000000" pitchFamily="50" charset="-127"/>
+              <a:ea typeface="나눔고딕 Light" panose="020D0904000000000000" pitchFamily="50" charset="-127"/>
+            </a:endParaRPr>
+          </a:p>
         </p:txBody>
       </p:sp>
     </p:spTree>
     <p:extLst>
       <p:ext uri="{BB962C8B-B14F-4D97-AF65-F5344CB8AC3E}">
-        <p14:creationId xmlns:p14="http://schemas.microsoft.com/office/powerpoint/2010/main" val="1080557378"/>
+        <p14:creationId xmlns:p14="http://schemas.microsoft.com/office/powerpoint/2010/main" val="1008830935"/>
       </p:ext>
     </p:extLst>
   </p:cSld>
@@ -4498,7 +4526,7 @@
         <p:spPr>
           <a:xfrm>
             <a:off x="649279" y="2064583"/>
-            <a:ext cx="4604146" cy="523220"/>
+            <a:ext cx="4386137" cy="523220"/>
           </a:xfrm>
           <a:prstGeom prst="rect">
             <a:avLst/>
@@ -4516,7 +4544,7 @@
                 <a:latin typeface="나눔고딕 Light" panose="020D0904000000000000" pitchFamily="50" charset="-127"/>
                 <a:ea typeface="나눔고딕 Light" panose="020D0904000000000000" pitchFamily="50" charset="-127"/>
               </a:rPr>
-              <a:t>7</a:t>
+              <a:t>5</a:t>
             </a:r>
             <a:r>
               <a:rPr lang="ko-KR" altLang="en-US" sz="2800">
@@ -4530,14 +4558,14 @@
                 <a:latin typeface="나눔고딕 Light" panose="020D0904000000000000" pitchFamily="50" charset="-127"/>
                 <a:ea typeface="나눔고딕 Light" panose="020D0904000000000000" pitchFamily="50" charset="-127"/>
               </a:rPr>
-              <a:t>(8/10) : RG </a:t>
+              <a:t>(8/6) : RG </a:t>
             </a:r>
             <a:r>
               <a:rPr lang="ko-KR" altLang="en-US" sz="2800">
                 <a:latin typeface="나눔고딕 Light" panose="020D0904000000000000" pitchFamily="50" charset="-127"/>
                 <a:ea typeface="나눔고딕 Light" panose="020D0904000000000000" pitchFamily="50" charset="-127"/>
               </a:rPr>
-              <a:t>엔진 기능</a:t>
+              <a:t>엔진 기초</a:t>
             </a:r>
           </a:p>
         </p:txBody>
@@ -4557,7 +4585,7 @@
         <p:spPr>
           <a:xfrm>
             <a:off x="1167439" y="2726650"/>
-            <a:ext cx="2579552" cy="1569660"/>
+            <a:ext cx="3618298" cy="1569660"/>
           </a:xfrm>
           <a:prstGeom prst="rect">
             <a:avLst/>
@@ -4575,7 +4603,7 @@
                 <a:latin typeface="나눔고딕 Light" panose="020D0904000000000000" pitchFamily="50" charset="-127"/>
                 <a:ea typeface="나눔고딕 Light" panose="020D0904000000000000" pitchFamily="50" charset="-127"/>
               </a:rPr>
-              <a:t>매니저</a:t>
+              <a:t>엔진 구조와 라이프 사이클</a:t>
             </a:r>
             <a:endParaRPr lang="en-US" altLang="ko-KR" sz="2400">
               <a:latin typeface="나눔고딕 Light" panose="020D0904000000000000" pitchFamily="50" charset="-127"/>
@@ -4588,7 +4616,21 @@
                 <a:latin typeface="나눔고딕 Light" panose="020D0904000000000000" pitchFamily="50" charset="-127"/>
                 <a:ea typeface="나눔고딕 Light" panose="020D0904000000000000" pitchFamily="50" charset="-127"/>
               </a:rPr>
-              <a:t>애니메이션 렌더러</a:t>
+              <a:t>씬과 오브젝트</a:t>
+            </a:r>
+            <a:r>
+              <a:rPr lang="en-US" altLang="ko-KR" sz="2400">
+                <a:latin typeface="나눔고딕 Light" panose="020D0904000000000000" pitchFamily="50" charset="-127"/>
+                <a:ea typeface="나눔고딕 Light" panose="020D0904000000000000" pitchFamily="50" charset="-127"/>
+              </a:rPr>
+              <a:t>, </a:t>
+            </a:r>
+            <a:r>
+              <a:rPr lang="ko-KR" altLang="en-US" sz="2400">
+                <a:latin typeface="나눔고딕 Light" panose="020D0904000000000000" pitchFamily="50" charset="-127"/>
+                <a:ea typeface="나눔고딕 Light" panose="020D0904000000000000" pitchFamily="50" charset="-127"/>
+              </a:rPr>
+              <a:t>컴포넌트</a:t>
             </a:r>
             <a:endParaRPr lang="en-US" altLang="ko-KR" sz="2400">
               <a:latin typeface="나눔고딕 Light" panose="020D0904000000000000" pitchFamily="50" charset="-127"/>
@@ -4601,7 +4643,7 @@
                 <a:latin typeface="나눔고딕 Light" panose="020D0904000000000000" pitchFamily="50" charset="-127"/>
                 <a:ea typeface="나눔고딕 Light" panose="020D0904000000000000" pitchFamily="50" charset="-127"/>
               </a:rPr>
-              <a:t>텍스트 렌더러</a:t>
+              <a:t>스프라이트 렌더링</a:t>
             </a:r>
             <a:endParaRPr lang="en-US" altLang="ko-KR" sz="2400">
               <a:latin typeface="나눔고딕 Light" panose="020D0904000000000000" pitchFamily="50" charset="-127"/>
@@ -4614,108 +4656,131 @@
                 <a:latin typeface="나눔고딕 Light" panose="020D0904000000000000" pitchFamily="50" charset="-127"/>
                 <a:ea typeface="나눔고딕 Light" panose="020D0904000000000000" pitchFamily="50" charset="-127"/>
               </a:rPr>
-              <a:t>커맨드 리스트</a:t>
+              <a:t>키보드 입력</a:t>
+            </a:r>
+          </a:p>
+        </p:txBody>
+      </p:sp>
+      <p:sp>
+        <p:nvSpPr>
+          <p:cNvPr id="18" name="TextBox 17">
+            <a:extLst>
+              <a:ext uri="{FF2B5EF4-FFF2-40B4-BE49-F238E27FC236}">
+                <a16:creationId xmlns:a16="http://schemas.microsoft.com/office/drawing/2014/main" id="{544C3BFF-70C3-42A8-A8B7-63CB6B3A8673}"/>
+              </a:ext>
+            </a:extLst>
+          </p:cNvPr>
+          <p:cNvSpPr txBox="1"/>
+          <p:nvPr/>
+        </p:nvSpPr>
+        <p:spPr>
+          <a:xfrm>
+            <a:off x="6506588" y="2064583"/>
+            <a:ext cx="4487126" cy="523220"/>
+          </a:xfrm>
+          <a:prstGeom prst="rect">
+            <a:avLst/>
+          </a:prstGeom>
+          <a:noFill/>
+        </p:spPr>
+        <p:txBody>
+          <a:bodyPr wrap="none" rtlCol="0">
+            <a:spAutoFit/>
+          </a:bodyPr>
+          <a:lstStyle/>
+          <a:p>
+            <a:r>
+              <a:rPr lang="en-US" altLang="ko-KR" sz="2800">
+                <a:latin typeface="나눔고딕 Light" panose="020D0904000000000000" pitchFamily="50" charset="-127"/>
+                <a:ea typeface="나눔고딕 Light" panose="020D0904000000000000" pitchFamily="50" charset="-127"/>
+              </a:rPr>
+              <a:t>6</a:t>
+            </a:r>
+            <a:r>
+              <a:rPr lang="ko-KR" altLang="en-US" sz="2800">
+                <a:latin typeface="나눔고딕 Light" panose="020D0904000000000000" pitchFamily="50" charset="-127"/>
+                <a:ea typeface="나눔고딕 Light" panose="020D0904000000000000" pitchFamily="50" charset="-127"/>
+              </a:rPr>
+              <a:t>일차 </a:t>
+            </a:r>
+            <a:r>
+              <a:rPr lang="en-US" altLang="ko-KR" sz="2800">
+                <a:latin typeface="나눔고딕 Light" panose="020D0904000000000000" pitchFamily="50" charset="-127"/>
+                <a:ea typeface="나눔고딕 Light" panose="020D0904000000000000" pitchFamily="50" charset="-127"/>
+              </a:rPr>
+              <a:t>(8/9) : RG </a:t>
+            </a:r>
+            <a:r>
+              <a:rPr lang="ko-KR" altLang="en-US" sz="2800">
+                <a:latin typeface="나눔고딕 Light" panose="020D0904000000000000" pitchFamily="50" charset="-127"/>
+                <a:ea typeface="나눔고딕 Light" panose="020D0904000000000000" pitchFamily="50" charset="-127"/>
+              </a:rPr>
+              <a:t>엔진 기초</a:t>
+            </a:r>
+          </a:p>
+        </p:txBody>
+      </p:sp>
+      <p:sp>
+        <p:nvSpPr>
+          <p:cNvPr id="21" name="TextBox 20">
+            <a:extLst>
+              <a:ext uri="{FF2B5EF4-FFF2-40B4-BE49-F238E27FC236}">
+                <a16:creationId xmlns:a16="http://schemas.microsoft.com/office/drawing/2014/main" id="{35DD57E6-9291-46CF-98DD-A2DC1123E414}"/>
+              </a:ext>
+            </a:extLst>
+          </p:cNvPr>
+          <p:cNvSpPr txBox="1"/>
+          <p:nvPr/>
+        </p:nvSpPr>
+        <p:spPr>
+          <a:xfrm>
+            <a:off x="7024748" y="2726650"/>
+            <a:ext cx="2470548" cy="1200329"/>
+          </a:xfrm>
+          <a:prstGeom prst="rect">
+            <a:avLst/>
+          </a:prstGeom>
+          <a:noFill/>
+        </p:spPr>
+        <p:txBody>
+          <a:bodyPr wrap="none" rtlCol="0">
+            <a:spAutoFit/>
+          </a:bodyPr>
+          <a:lstStyle/>
+          <a:p>
+            <a:r>
+              <a:rPr lang="ko-KR" altLang="en-US" sz="2400">
+                <a:latin typeface="나눔고딕 Light" panose="020D0904000000000000" pitchFamily="50" charset="-127"/>
+                <a:ea typeface="나눔고딕 Light" panose="020D0904000000000000" pitchFamily="50" charset="-127"/>
+              </a:rPr>
+              <a:t>엔진</a:t>
+            </a:r>
+            <a:r>
+              <a:rPr lang="en-US" altLang="ko-KR" sz="2400">
+                <a:latin typeface="나눔고딕 Light" panose="020D0904000000000000" pitchFamily="50" charset="-127"/>
+                <a:ea typeface="나눔고딕 Light" panose="020D0904000000000000" pitchFamily="50" charset="-127"/>
+              </a:rPr>
+              <a:t>,</a:t>
+            </a:r>
+            <a:r>
+              <a:rPr lang="ko-KR" altLang="en-US" sz="2400">
+                <a:latin typeface="나눔고딕 Light" panose="020D0904000000000000" pitchFamily="50" charset="-127"/>
+                <a:ea typeface="나눔고딕 Light" panose="020D0904000000000000" pitchFamily="50" charset="-127"/>
+              </a:rPr>
+              <a:t> 윈도우 설정</a:t>
             </a:r>
             <a:endParaRPr lang="en-US" altLang="ko-KR" sz="2400">
               <a:latin typeface="나눔고딕 Light" panose="020D0904000000000000" pitchFamily="50" charset="-127"/>
               <a:ea typeface="나눔고딕 Light" panose="020D0904000000000000" pitchFamily="50" charset="-127"/>
             </a:endParaRPr>
           </a:p>
-        </p:txBody>
-      </p:sp>
-      <p:sp>
-        <p:nvSpPr>
-          <p:cNvPr id="18" name="TextBox 17">
-            <a:extLst>
-              <a:ext uri="{FF2B5EF4-FFF2-40B4-BE49-F238E27FC236}">
-                <a16:creationId xmlns:a16="http://schemas.microsoft.com/office/drawing/2014/main" id="{544C3BFF-70C3-42A8-A8B7-63CB6B3A8673}"/>
-              </a:ext>
-            </a:extLst>
-          </p:cNvPr>
-          <p:cNvSpPr txBox="1"/>
-          <p:nvPr/>
-        </p:nvSpPr>
-        <p:spPr>
-          <a:xfrm>
-            <a:off x="6506588" y="2064583"/>
-            <a:ext cx="4604146" cy="523220"/>
-          </a:xfrm>
-          <a:prstGeom prst="rect">
-            <a:avLst/>
-          </a:prstGeom>
-          <a:noFill/>
-        </p:spPr>
-        <p:txBody>
-          <a:bodyPr wrap="none" rtlCol="0">
-            <a:spAutoFit/>
-          </a:bodyPr>
-          <a:lstStyle/>
-          <a:p>
-            <a:r>
-              <a:rPr lang="en-US" altLang="ko-KR" sz="2800">
-                <a:latin typeface="나눔고딕 Light" panose="020D0904000000000000" pitchFamily="50" charset="-127"/>
-                <a:ea typeface="나눔고딕 Light" panose="020D0904000000000000" pitchFamily="50" charset="-127"/>
-              </a:rPr>
-              <a:t>8</a:t>
-            </a:r>
-            <a:r>
-              <a:rPr lang="ko-KR" altLang="en-US" sz="2800">
-                <a:latin typeface="나눔고딕 Light" panose="020D0904000000000000" pitchFamily="50" charset="-127"/>
-                <a:ea typeface="나눔고딕 Light" panose="020D0904000000000000" pitchFamily="50" charset="-127"/>
-              </a:rPr>
-              <a:t>일차 </a:t>
-            </a:r>
-            <a:r>
-              <a:rPr lang="en-US" altLang="ko-KR" sz="2800">
-                <a:latin typeface="나눔고딕 Light" panose="020D0904000000000000" pitchFamily="50" charset="-127"/>
-                <a:ea typeface="나눔고딕 Light" panose="020D0904000000000000" pitchFamily="50" charset="-127"/>
-              </a:rPr>
-              <a:t>(8/11) : RG </a:t>
-            </a:r>
-            <a:r>
-              <a:rPr lang="ko-KR" altLang="en-US" sz="2800">
-                <a:latin typeface="나눔고딕 Light" panose="020D0904000000000000" pitchFamily="50" charset="-127"/>
-                <a:ea typeface="나눔고딕 Light" panose="020D0904000000000000" pitchFamily="50" charset="-127"/>
-              </a:rPr>
-              <a:t>엔진 기능</a:t>
-            </a:r>
-          </a:p>
-        </p:txBody>
-      </p:sp>
-      <p:sp>
-        <p:nvSpPr>
-          <p:cNvPr id="21" name="TextBox 20">
-            <a:extLst>
-              <a:ext uri="{FF2B5EF4-FFF2-40B4-BE49-F238E27FC236}">
-                <a16:creationId xmlns:a16="http://schemas.microsoft.com/office/drawing/2014/main" id="{35DD57E6-9291-46CF-98DD-A2DC1123E414}"/>
-              </a:ext>
-            </a:extLst>
-          </p:cNvPr>
-          <p:cNvSpPr txBox="1"/>
-          <p:nvPr/>
-        </p:nvSpPr>
-        <p:spPr>
-          <a:xfrm>
-            <a:off x="7024748" y="2726650"/>
-            <a:ext cx="2291012" cy="1200329"/>
-          </a:xfrm>
-          <a:prstGeom prst="rect">
-            <a:avLst/>
-          </a:prstGeom>
-          <a:noFill/>
-        </p:spPr>
-        <p:txBody>
-          <a:bodyPr wrap="none" rtlCol="0">
-            <a:spAutoFit/>
-          </a:bodyPr>
-          <a:lstStyle/>
           <a:p>
             <a:r>
               <a:rPr lang="ko-KR" altLang="en-US" sz="2400">
                 <a:latin typeface="나눔고딕 Light" panose="020D0904000000000000" pitchFamily="50" charset="-127"/>
                 <a:ea typeface="나눔고딕 Light" panose="020D0904000000000000" pitchFamily="50" charset="-127"/>
               </a:rPr>
-              <a:t>애니메이션</a:t>
+              <a:t>마우스 입력</a:t>
             </a:r>
             <a:endParaRPr lang="en-US" altLang="ko-KR" sz="2400">
               <a:latin typeface="나눔고딕 Light" panose="020D0904000000000000" pitchFamily="50" charset="-127"/>
@@ -4728,32 +4793,19 @@
                 <a:latin typeface="나눔고딕 Light" panose="020D0904000000000000" pitchFamily="50" charset="-127"/>
                 <a:ea typeface="나눔고딕 Light" panose="020D0904000000000000" pitchFamily="50" charset="-127"/>
               </a:rPr>
-              <a:t>커스텀 컴포넌트</a:t>
+              <a:t>소리 출력</a:t>
             </a:r>
             <a:endParaRPr lang="en-US" altLang="ko-KR" sz="2400">
               <a:latin typeface="나눔고딕 Light" panose="020D0904000000000000" pitchFamily="50" charset="-127"/>
               <a:ea typeface="나눔고딕 Light" panose="020D0904000000000000" pitchFamily="50" charset="-127"/>
             </a:endParaRPr>
           </a:p>
-          <a:p>
-            <a:r>
-              <a:rPr lang="ko-KR" altLang="en-US" sz="2400">
-                <a:latin typeface="나눔고딕 Light" panose="020D0904000000000000" pitchFamily="50" charset="-127"/>
-                <a:ea typeface="나눔고딕 Light" panose="020D0904000000000000" pitchFamily="50" charset="-127"/>
-              </a:rPr>
-              <a:t>충돌 처리</a:t>
-            </a:r>
-            <a:endParaRPr lang="en-US" altLang="ko-KR" sz="2400">
-              <a:latin typeface="나눔고딕 Light" panose="020D0904000000000000" pitchFamily="50" charset="-127"/>
-              <a:ea typeface="나눔고딕 Light" panose="020D0904000000000000" pitchFamily="50" charset="-127"/>
-            </a:endParaRPr>
-          </a:p>
         </p:txBody>
       </p:sp>
     </p:spTree>
     <p:extLst>
       <p:ext uri="{BB962C8B-B14F-4D97-AF65-F5344CB8AC3E}">
-        <p14:creationId xmlns:p14="http://schemas.microsoft.com/office/powerpoint/2010/main" val="478510667"/>
+        <p14:creationId xmlns:p14="http://schemas.microsoft.com/office/powerpoint/2010/main" val="1080557378"/>
       </p:ext>
     </p:extLst>
   </p:cSld>
@@ -4883,6 +4935,404 @@
         <p:spPr>
           <a:xfrm>
             <a:off x="649279" y="2064583"/>
+            <a:ext cx="4604146" cy="523220"/>
+          </a:xfrm>
+          <a:prstGeom prst="rect">
+            <a:avLst/>
+          </a:prstGeom>
+          <a:noFill/>
+        </p:spPr>
+        <p:txBody>
+          <a:bodyPr wrap="none" rtlCol="0">
+            <a:spAutoFit/>
+          </a:bodyPr>
+          <a:lstStyle/>
+          <a:p>
+            <a:r>
+              <a:rPr lang="en-US" altLang="ko-KR" sz="2800">
+                <a:latin typeface="나눔고딕 Light" panose="020D0904000000000000" pitchFamily="50" charset="-127"/>
+                <a:ea typeface="나눔고딕 Light" panose="020D0904000000000000" pitchFamily="50" charset="-127"/>
+              </a:rPr>
+              <a:t>7</a:t>
+            </a:r>
+            <a:r>
+              <a:rPr lang="ko-KR" altLang="en-US" sz="2800">
+                <a:latin typeface="나눔고딕 Light" panose="020D0904000000000000" pitchFamily="50" charset="-127"/>
+                <a:ea typeface="나눔고딕 Light" panose="020D0904000000000000" pitchFamily="50" charset="-127"/>
+              </a:rPr>
+              <a:t>일차 </a:t>
+            </a:r>
+            <a:r>
+              <a:rPr lang="en-US" altLang="ko-KR" sz="2800">
+                <a:latin typeface="나눔고딕 Light" panose="020D0904000000000000" pitchFamily="50" charset="-127"/>
+                <a:ea typeface="나눔고딕 Light" panose="020D0904000000000000" pitchFamily="50" charset="-127"/>
+              </a:rPr>
+              <a:t>(8/10) : RG </a:t>
+            </a:r>
+            <a:r>
+              <a:rPr lang="ko-KR" altLang="en-US" sz="2800">
+                <a:latin typeface="나눔고딕 Light" panose="020D0904000000000000" pitchFamily="50" charset="-127"/>
+                <a:ea typeface="나눔고딕 Light" panose="020D0904000000000000" pitchFamily="50" charset="-127"/>
+              </a:rPr>
+              <a:t>엔진 기능</a:t>
+            </a:r>
+          </a:p>
+        </p:txBody>
+      </p:sp>
+      <p:sp>
+        <p:nvSpPr>
+          <p:cNvPr id="17" name="TextBox 16">
+            <a:extLst>
+              <a:ext uri="{FF2B5EF4-FFF2-40B4-BE49-F238E27FC236}">
+                <a16:creationId xmlns:a16="http://schemas.microsoft.com/office/drawing/2014/main" id="{D654BF31-54DD-4668-95F6-73059EEE746A}"/>
+              </a:ext>
+            </a:extLst>
+          </p:cNvPr>
+          <p:cNvSpPr txBox="1"/>
+          <p:nvPr/>
+        </p:nvSpPr>
+        <p:spPr>
+          <a:xfrm>
+            <a:off x="1167439" y="2726650"/>
+            <a:ext cx="2666114" cy="1938992"/>
+          </a:xfrm>
+          <a:prstGeom prst="rect">
+            <a:avLst/>
+          </a:prstGeom>
+          <a:noFill/>
+        </p:spPr>
+        <p:txBody>
+          <a:bodyPr wrap="none" rtlCol="0">
+            <a:spAutoFit/>
+          </a:bodyPr>
+          <a:lstStyle/>
+          <a:p>
+            <a:r>
+              <a:rPr lang="ko-KR" altLang="en-US" sz="2400">
+                <a:latin typeface="나눔고딕 Light" panose="020D0904000000000000" pitchFamily="50" charset="-127"/>
+                <a:ea typeface="나눔고딕 Light" panose="020D0904000000000000" pitchFamily="50" charset="-127"/>
+              </a:rPr>
+              <a:t>매니저</a:t>
+            </a:r>
+            <a:endParaRPr lang="en-US" altLang="ko-KR" sz="2400">
+              <a:latin typeface="나눔고딕 Light" panose="020D0904000000000000" pitchFamily="50" charset="-127"/>
+              <a:ea typeface="나눔고딕 Light" panose="020D0904000000000000" pitchFamily="50" charset="-127"/>
+            </a:endParaRPr>
+          </a:p>
+          <a:p>
+            <a:r>
+              <a:rPr lang="ko-KR" altLang="en-US" sz="2400">
+                <a:latin typeface="나눔고딕 Light" panose="020D0904000000000000" pitchFamily="50" charset="-127"/>
+                <a:ea typeface="나눔고딕 Light" panose="020D0904000000000000" pitchFamily="50" charset="-127"/>
+              </a:rPr>
+              <a:t>텍스쳐</a:t>
+            </a:r>
+            <a:endParaRPr lang="en-US" altLang="ko-KR" sz="2400">
+              <a:latin typeface="나눔고딕 Light" panose="020D0904000000000000" pitchFamily="50" charset="-127"/>
+              <a:ea typeface="나눔고딕 Light" panose="020D0904000000000000" pitchFamily="50" charset="-127"/>
+            </a:endParaRPr>
+          </a:p>
+          <a:p>
+            <a:r>
+              <a:rPr lang="ko-KR" altLang="en-US" sz="2400">
+                <a:latin typeface="나눔고딕 Light" panose="020D0904000000000000" pitchFamily="50" charset="-127"/>
+                <a:ea typeface="나눔고딕 Light" panose="020D0904000000000000" pitchFamily="50" charset="-127"/>
+              </a:rPr>
+              <a:t>애니메이션 렌더러</a:t>
+            </a:r>
+            <a:endParaRPr lang="en-US" altLang="ko-KR" sz="2400">
+              <a:latin typeface="나눔고딕 Light" panose="020D0904000000000000" pitchFamily="50" charset="-127"/>
+              <a:ea typeface="나눔고딕 Light" panose="020D0904000000000000" pitchFamily="50" charset="-127"/>
+            </a:endParaRPr>
+          </a:p>
+          <a:p>
+            <a:r>
+              <a:rPr lang="ko-KR" altLang="en-US" sz="2400">
+                <a:latin typeface="나눔고딕 Light" panose="020D0904000000000000" pitchFamily="50" charset="-127"/>
+                <a:ea typeface="나눔고딕 Light" panose="020D0904000000000000" pitchFamily="50" charset="-127"/>
+              </a:rPr>
+              <a:t>텍스트 렌더러</a:t>
+            </a:r>
+            <a:endParaRPr lang="en-US" altLang="ko-KR" sz="2400">
+              <a:latin typeface="나눔고딕 Light" panose="020D0904000000000000" pitchFamily="50" charset="-127"/>
+              <a:ea typeface="나눔고딕 Light" panose="020D0904000000000000" pitchFamily="50" charset="-127"/>
+            </a:endParaRPr>
+          </a:p>
+          <a:p>
+            <a:r>
+              <a:rPr lang="ko-KR" altLang="en-US" sz="2400">
+                <a:latin typeface="나눔고딕 Light" panose="020D0904000000000000" pitchFamily="50" charset="-127"/>
+                <a:ea typeface="나눔고딕 Light" panose="020D0904000000000000" pitchFamily="50" charset="-127"/>
+              </a:rPr>
+              <a:t>커맨드 리스트</a:t>
+            </a:r>
+            <a:endParaRPr lang="en-US" altLang="ko-KR" sz="2400">
+              <a:latin typeface="나눔고딕 Light" panose="020D0904000000000000" pitchFamily="50" charset="-127"/>
+              <a:ea typeface="나눔고딕 Light" panose="020D0904000000000000" pitchFamily="50" charset="-127"/>
+            </a:endParaRPr>
+          </a:p>
+        </p:txBody>
+      </p:sp>
+      <p:sp>
+        <p:nvSpPr>
+          <p:cNvPr id="18" name="TextBox 17">
+            <a:extLst>
+              <a:ext uri="{FF2B5EF4-FFF2-40B4-BE49-F238E27FC236}">
+                <a16:creationId xmlns:a16="http://schemas.microsoft.com/office/drawing/2014/main" id="{544C3BFF-70C3-42A8-A8B7-63CB6B3A8673}"/>
+              </a:ext>
+            </a:extLst>
+          </p:cNvPr>
+          <p:cNvSpPr txBox="1"/>
+          <p:nvPr/>
+        </p:nvSpPr>
+        <p:spPr>
+          <a:xfrm>
+            <a:off x="6506588" y="2064583"/>
+            <a:ext cx="4604146" cy="523220"/>
+          </a:xfrm>
+          <a:prstGeom prst="rect">
+            <a:avLst/>
+          </a:prstGeom>
+          <a:noFill/>
+        </p:spPr>
+        <p:txBody>
+          <a:bodyPr wrap="none" rtlCol="0">
+            <a:spAutoFit/>
+          </a:bodyPr>
+          <a:lstStyle/>
+          <a:p>
+            <a:r>
+              <a:rPr lang="en-US" altLang="ko-KR" sz="2800">
+                <a:latin typeface="나눔고딕 Light" panose="020D0904000000000000" pitchFamily="50" charset="-127"/>
+                <a:ea typeface="나눔고딕 Light" panose="020D0904000000000000" pitchFamily="50" charset="-127"/>
+              </a:rPr>
+              <a:t>8</a:t>
+            </a:r>
+            <a:r>
+              <a:rPr lang="ko-KR" altLang="en-US" sz="2800">
+                <a:latin typeface="나눔고딕 Light" panose="020D0904000000000000" pitchFamily="50" charset="-127"/>
+                <a:ea typeface="나눔고딕 Light" panose="020D0904000000000000" pitchFamily="50" charset="-127"/>
+              </a:rPr>
+              <a:t>일차 </a:t>
+            </a:r>
+            <a:r>
+              <a:rPr lang="en-US" altLang="ko-KR" sz="2800">
+                <a:latin typeface="나눔고딕 Light" panose="020D0904000000000000" pitchFamily="50" charset="-127"/>
+                <a:ea typeface="나눔고딕 Light" panose="020D0904000000000000" pitchFamily="50" charset="-127"/>
+              </a:rPr>
+              <a:t>(8/11) : RG </a:t>
+            </a:r>
+            <a:r>
+              <a:rPr lang="ko-KR" altLang="en-US" sz="2800">
+                <a:latin typeface="나눔고딕 Light" panose="020D0904000000000000" pitchFamily="50" charset="-127"/>
+                <a:ea typeface="나눔고딕 Light" panose="020D0904000000000000" pitchFamily="50" charset="-127"/>
+              </a:rPr>
+              <a:t>엔진 기능</a:t>
+            </a:r>
+          </a:p>
+        </p:txBody>
+      </p:sp>
+      <p:sp>
+        <p:nvSpPr>
+          <p:cNvPr id="21" name="TextBox 20">
+            <a:extLst>
+              <a:ext uri="{FF2B5EF4-FFF2-40B4-BE49-F238E27FC236}">
+                <a16:creationId xmlns:a16="http://schemas.microsoft.com/office/drawing/2014/main" id="{35DD57E6-9291-46CF-98DD-A2DC1123E414}"/>
+              </a:ext>
+            </a:extLst>
+          </p:cNvPr>
+          <p:cNvSpPr txBox="1"/>
+          <p:nvPr/>
+        </p:nvSpPr>
+        <p:spPr>
+          <a:xfrm>
+            <a:off x="7024748" y="2726650"/>
+            <a:ext cx="2291012" cy="1200329"/>
+          </a:xfrm>
+          <a:prstGeom prst="rect">
+            <a:avLst/>
+          </a:prstGeom>
+          <a:noFill/>
+        </p:spPr>
+        <p:txBody>
+          <a:bodyPr wrap="none" rtlCol="0">
+            <a:spAutoFit/>
+          </a:bodyPr>
+          <a:lstStyle/>
+          <a:p>
+            <a:r>
+              <a:rPr lang="ko-KR" altLang="en-US" sz="2400">
+                <a:latin typeface="나눔고딕 Light" panose="020D0904000000000000" pitchFamily="50" charset="-127"/>
+                <a:ea typeface="나눔고딕 Light" panose="020D0904000000000000" pitchFamily="50" charset="-127"/>
+              </a:rPr>
+              <a:t>애니메이션</a:t>
+            </a:r>
+            <a:endParaRPr lang="en-US" altLang="ko-KR" sz="2400">
+              <a:latin typeface="나눔고딕 Light" panose="020D0904000000000000" pitchFamily="50" charset="-127"/>
+              <a:ea typeface="나눔고딕 Light" panose="020D0904000000000000" pitchFamily="50" charset="-127"/>
+            </a:endParaRPr>
+          </a:p>
+          <a:p>
+            <a:r>
+              <a:rPr lang="ko-KR" altLang="en-US" sz="2400">
+                <a:latin typeface="나눔고딕 Light" panose="020D0904000000000000" pitchFamily="50" charset="-127"/>
+                <a:ea typeface="나눔고딕 Light" panose="020D0904000000000000" pitchFamily="50" charset="-127"/>
+              </a:rPr>
+              <a:t>커스텀 컴포넌트</a:t>
+            </a:r>
+            <a:endParaRPr lang="en-US" altLang="ko-KR" sz="2400">
+              <a:latin typeface="나눔고딕 Light" panose="020D0904000000000000" pitchFamily="50" charset="-127"/>
+              <a:ea typeface="나눔고딕 Light" panose="020D0904000000000000" pitchFamily="50" charset="-127"/>
+            </a:endParaRPr>
+          </a:p>
+          <a:p>
+            <a:r>
+              <a:rPr lang="ko-KR" altLang="en-US" sz="2400">
+                <a:latin typeface="나눔고딕 Light" panose="020D0904000000000000" pitchFamily="50" charset="-127"/>
+                <a:ea typeface="나눔고딕 Light" panose="020D0904000000000000" pitchFamily="50" charset="-127"/>
+              </a:rPr>
+              <a:t>충돌 처리</a:t>
+            </a:r>
+            <a:endParaRPr lang="en-US" altLang="ko-KR" sz="2400">
+              <a:latin typeface="나눔고딕 Light" panose="020D0904000000000000" pitchFamily="50" charset="-127"/>
+              <a:ea typeface="나눔고딕 Light" panose="020D0904000000000000" pitchFamily="50" charset="-127"/>
+            </a:endParaRPr>
+          </a:p>
+        </p:txBody>
+      </p:sp>
+    </p:spTree>
+    <p:extLst>
+      <p:ext uri="{BB962C8B-B14F-4D97-AF65-F5344CB8AC3E}">
+        <p14:creationId xmlns:p14="http://schemas.microsoft.com/office/powerpoint/2010/main" val="478510667"/>
+      </p:ext>
+    </p:extLst>
+  </p:cSld>
+  <p:clrMapOvr>
+    <a:masterClrMapping/>
+  </p:clrMapOvr>
+</p:sld>
+</file>
+
+<file path=ppt/slides/slide14.xml><?xml version="1.0" encoding="utf-8"?>
+<p:sld xmlns:a="http://schemas.openxmlformats.org/drawingml/2006/main" xmlns:r="http://schemas.openxmlformats.org/officeDocument/2006/relationships" xmlns:p="http://schemas.openxmlformats.org/presentationml/2006/main">
+  <p:cSld>
+    <p:spTree>
+      <p:nvGrpSpPr>
+        <p:cNvPr id="1" name=""/>
+        <p:cNvGrpSpPr/>
+        <p:nvPr/>
+      </p:nvGrpSpPr>
+      <p:grpSpPr>
+        <a:xfrm>
+          <a:off x="0" y="0"/>
+          <a:ext cx="0" cy="0"/>
+          <a:chOff x="0" y="0"/>
+          <a:chExt cx="0" cy="0"/>
+        </a:xfrm>
+      </p:grpSpPr>
+      <p:sp>
+        <p:nvSpPr>
+          <p:cNvPr id="6" name="TextBox 5">
+            <a:extLst>
+              <a:ext uri="{FF2B5EF4-FFF2-40B4-BE49-F238E27FC236}">
+                <a16:creationId xmlns:a16="http://schemas.microsoft.com/office/drawing/2014/main" id="{F453C929-8CA3-4E79-AF5D-99EC8407C6CF}"/>
+              </a:ext>
+            </a:extLst>
+          </p:cNvPr>
+          <p:cNvSpPr txBox="1"/>
+          <p:nvPr/>
+        </p:nvSpPr>
+        <p:spPr>
+          <a:xfrm>
+            <a:off x="171888" y="194702"/>
+            <a:ext cx="1965603" cy="523220"/>
+          </a:xfrm>
+          <a:prstGeom prst="rect">
+            <a:avLst/>
+          </a:prstGeom>
+          <a:noFill/>
+        </p:spPr>
+        <p:txBody>
+          <a:bodyPr wrap="none" rtlCol="0">
+            <a:spAutoFit/>
+          </a:bodyPr>
+          <a:lstStyle/>
+          <a:p>
+            <a:r>
+              <a:rPr lang="en-US" altLang="ko-KR" sz="2800">
+                <a:latin typeface="나눔고딕 Light" panose="020D0904000000000000" pitchFamily="50" charset="-127"/>
+                <a:ea typeface="나눔고딕 Light" panose="020D0904000000000000" pitchFamily="50" charset="-127"/>
+              </a:rPr>
+              <a:t>3. </a:t>
+            </a:r>
+            <a:r>
+              <a:rPr lang="ko-KR" altLang="en-US" sz="2800">
+                <a:latin typeface="나눔고딕 Light" panose="020D0904000000000000" pitchFamily="50" charset="-127"/>
+                <a:ea typeface="나눔고딕 Light" panose="020D0904000000000000" pitchFamily="50" charset="-127"/>
+              </a:rPr>
+              <a:t>커리큘럼</a:t>
+            </a:r>
+          </a:p>
+        </p:txBody>
+      </p:sp>
+      <p:cxnSp>
+        <p:nvCxnSpPr>
+          <p:cNvPr id="4" name="직선 연결선 3">
+            <a:extLst>
+              <a:ext uri="{FF2B5EF4-FFF2-40B4-BE49-F238E27FC236}">
+                <a16:creationId xmlns:a16="http://schemas.microsoft.com/office/drawing/2014/main" id="{7442459B-3DED-44F0-9E4C-B50601FEB425}"/>
+              </a:ext>
+            </a:extLst>
+          </p:cNvPr>
+          <p:cNvCxnSpPr>
+            <a:cxnSpLocks/>
+          </p:cNvCxnSpPr>
+          <p:nvPr/>
+        </p:nvCxnSpPr>
+        <p:spPr>
+          <a:xfrm>
+            <a:off x="132133" y="780690"/>
+            <a:ext cx="819295" cy="0"/>
+          </a:xfrm>
+          <a:prstGeom prst="line">
+            <a:avLst/>
+          </a:prstGeom>
+          <a:ln>
+            <a:solidFill>
+              <a:schemeClr val="tx1"/>
+            </a:solidFill>
+          </a:ln>
+        </p:spPr>
+        <p:style>
+          <a:lnRef idx="1">
+            <a:schemeClr val="accent1"/>
+          </a:lnRef>
+          <a:fillRef idx="0">
+            <a:schemeClr val="accent1"/>
+          </a:fillRef>
+          <a:effectRef idx="0">
+            <a:schemeClr val="accent1"/>
+          </a:effectRef>
+          <a:fontRef idx="minor">
+            <a:schemeClr val="tx1"/>
+          </a:fontRef>
+        </p:style>
+      </p:cxnSp>
+      <p:sp>
+        <p:nvSpPr>
+          <p:cNvPr id="16" name="TextBox 15">
+            <a:extLst>
+              <a:ext uri="{FF2B5EF4-FFF2-40B4-BE49-F238E27FC236}">
+                <a16:creationId xmlns:a16="http://schemas.microsoft.com/office/drawing/2014/main" id="{729E604B-A3FA-4C34-A3E6-7EB4D214AAE7}"/>
+              </a:ext>
+            </a:extLst>
+          </p:cNvPr>
+          <p:cNvSpPr txBox="1"/>
+          <p:nvPr/>
+        </p:nvSpPr>
+        <p:spPr>
+          <a:xfrm>
+            <a:off x="649279" y="2064583"/>
             <a:ext cx="4705134" cy="523220"/>
           </a:xfrm>
           <a:prstGeom prst="rect">
@@ -5150,7 +5600,7 @@
 </p:sld>
 </file>
 
-<file path=ppt/slides/slide14.xml><?xml version="1.0" encoding="utf-8"?>
+<file path=ppt/slides/slide15.xml><?xml version="1.0" encoding="utf-8"?>
 <p:sld xmlns:a="http://schemas.openxmlformats.org/drawingml/2006/main" xmlns:r="http://schemas.openxmlformats.org/officeDocument/2006/relationships" xmlns:p="http://schemas.openxmlformats.org/presentationml/2006/main">
   <p:cSld>
     <p:spTree>
@@ -5273,7 +5723,7 @@
 </p:sld>
 </file>
 
-<file path=ppt/slides/slide15.xml><?xml version="1.0" encoding="utf-8"?>
+<file path=ppt/slides/slide16.xml><?xml version="1.0" encoding="utf-8"?>
 <p:sld xmlns:a="http://schemas.openxmlformats.org/drawingml/2006/main" xmlns:r="http://schemas.openxmlformats.org/officeDocument/2006/relationships" xmlns:p="http://schemas.openxmlformats.org/presentationml/2006/main">
   <p:cSld>
     <p:spTree>
@@ -5837,10 +6287,10 @@
       </p:sp>
       <p:sp>
         <p:nvSpPr>
-          <p:cNvPr id="10" name="TextBox 9">
-            <a:extLst>
-              <a:ext uri="{FF2B5EF4-FFF2-40B4-BE49-F238E27FC236}">
-                <a16:creationId xmlns:a16="http://schemas.microsoft.com/office/drawing/2014/main" id="{1A579936-996A-4D94-B2BE-A5BE2047D396}"/>
+          <p:cNvPr id="7" name="TextBox 6">
+            <a:extLst>
+              <a:ext uri="{FF2B5EF4-FFF2-40B4-BE49-F238E27FC236}">
+                <a16:creationId xmlns:a16="http://schemas.microsoft.com/office/drawing/2014/main" id="{E2E16658-42F4-482B-A04D-0459EAC6608B}"/>
               </a:ext>
             </a:extLst>
           </p:cNvPr>
@@ -5849,8 +6299,8 @@
         </p:nvSpPr>
         <p:spPr>
           <a:xfrm>
-            <a:off x="6016486" y="2235370"/>
-            <a:ext cx="3921266" cy="1885131"/>
+            <a:off x="7539636" y="2927867"/>
+            <a:ext cx="1495922" cy="500137"/>
           </a:xfrm>
           <a:prstGeom prst="rect">
             <a:avLst/>
@@ -5873,153 +6323,22 @@
                 <a:latin typeface="나눔고딕 Light" panose="020D0904000000000000" pitchFamily="50" charset="-127"/>
                 <a:ea typeface="나눔고딕 Light" panose="020D0904000000000000" pitchFamily="50" charset="-127"/>
               </a:rPr>
-              <a:t>선린인터넷고등학교 </a:t>
+              <a:t>안녕하세요</a:t>
             </a:r>
             <a:r>
               <a:rPr lang="en-US" altLang="ko-KR" sz="2000">
                 <a:latin typeface="나눔고딕 Light" panose="020D0904000000000000" pitchFamily="50" charset="-127"/>
                 <a:ea typeface="나눔고딕 Light" panose="020D0904000000000000" pitchFamily="50" charset="-127"/>
               </a:rPr>
-              <a:t>113</a:t>
-            </a:r>
-            <a:r>
-              <a:rPr lang="ko-KR" altLang="en-US" sz="2000">
-                <a:latin typeface="나눔고딕 Light" panose="020D0904000000000000" pitchFamily="50" charset="-127"/>
-                <a:ea typeface="나눔고딕 Light" panose="020D0904000000000000" pitchFamily="50" charset="-127"/>
-              </a:rPr>
-              <a:t>회 졸업생</a:t>
-            </a:r>
-            <a:endParaRPr lang="en-US" altLang="ko-KR" sz="2000">
-              <a:latin typeface="나눔고딕 Light" panose="020D0904000000000000" pitchFamily="50" charset="-127"/>
-              <a:ea typeface="나눔고딕 Light" panose="020D0904000000000000" pitchFamily="50" charset="-127"/>
-            </a:endParaRPr>
-          </a:p>
-          <a:p>
-            <a:pPr>
-              <a:lnSpc>
-                <a:spcPct val="150000"/>
-              </a:lnSpc>
-            </a:pPr>
-            <a:r>
-              <a:rPr lang="en-US" altLang="ko-KR" sz="2000">
-                <a:latin typeface="나눔고딕 Light" panose="020D0904000000000000" pitchFamily="50" charset="-127"/>
-                <a:ea typeface="나눔고딕 Light" panose="020D0904000000000000" pitchFamily="50" charset="-127"/>
-              </a:rPr>
-              <a:t>RG 18</a:t>
-            </a:r>
-            <a:r>
-              <a:rPr lang="ko-KR" altLang="en-US" sz="2000">
-                <a:latin typeface="나눔고딕 Light" panose="020D0904000000000000" pitchFamily="50" charset="-127"/>
-                <a:ea typeface="나눔고딕 Light" panose="020D0904000000000000" pitchFamily="50" charset="-127"/>
-              </a:rPr>
-              <a:t>기 전 부장</a:t>
-            </a:r>
-            <a:endParaRPr lang="en-US" altLang="ko-KR" sz="2000">
-              <a:latin typeface="나눔고딕 Light" panose="020D0904000000000000" pitchFamily="50" charset="-127"/>
-              <a:ea typeface="나눔고딕 Light" panose="020D0904000000000000" pitchFamily="50" charset="-127"/>
-            </a:endParaRPr>
-          </a:p>
-          <a:p>
-            <a:pPr>
-              <a:lnSpc>
-                <a:spcPct val="150000"/>
-              </a:lnSpc>
-            </a:pPr>
-            <a:r>
-              <a:rPr lang="ko-KR" altLang="en-US" sz="2000">
-                <a:latin typeface="나눔고딕 Light" panose="020D0904000000000000" pitchFamily="50" charset="-127"/>
-                <a:ea typeface="나눔고딕 Light" panose="020D0904000000000000" pitchFamily="50" charset="-127"/>
-              </a:rPr>
-              <a:t>모콘</a:t>
-            </a:r>
-            <a:r>
-              <a:rPr lang="en-US" altLang="ko-KR" sz="2000">
-                <a:latin typeface="나눔고딕 Light" panose="020D0904000000000000" pitchFamily="50" charset="-127"/>
-                <a:ea typeface="나눔고딕 Light" panose="020D0904000000000000" pitchFamily="50" charset="-127"/>
-              </a:rPr>
-              <a:t>/</a:t>
-            </a:r>
-            <a:r>
-              <a:rPr lang="ko-KR" altLang="en-US" sz="2000">
-                <a:latin typeface="나눔고딕 Light" panose="020D0904000000000000" pitchFamily="50" charset="-127"/>
-                <a:ea typeface="나눔고딕 Light" panose="020D0904000000000000" pitchFamily="50" charset="-127"/>
-              </a:rPr>
-              <a:t>디콘 수상 </a:t>
-            </a:r>
-            <a:r>
-              <a:rPr lang="en-US" altLang="ko-KR" sz="2000">
-                <a:latin typeface="나눔고딕 Light" panose="020D0904000000000000" pitchFamily="50" charset="-127"/>
-                <a:ea typeface="나눔고딕 Light" panose="020D0904000000000000" pitchFamily="50" charset="-127"/>
-              </a:rPr>
-              <a:t>6</a:t>
-            </a:r>
-            <a:r>
-              <a:rPr lang="ko-KR" altLang="en-US" sz="2000">
-                <a:latin typeface="나눔고딕 Light" panose="020D0904000000000000" pitchFamily="50" charset="-127"/>
-                <a:ea typeface="나눔고딕 Light" panose="020D0904000000000000" pitchFamily="50" charset="-127"/>
-              </a:rPr>
-              <a:t>회</a:t>
-            </a:r>
-            <a:r>
-              <a:rPr lang="en-US" altLang="ko-KR" sz="2000">
-                <a:latin typeface="나눔고딕 Light" panose="020D0904000000000000" pitchFamily="50" charset="-127"/>
-                <a:ea typeface="나눔고딕 Light" panose="020D0904000000000000" pitchFamily="50" charset="-127"/>
-              </a:rPr>
-              <a:t> (</a:t>
-            </a:r>
-            <a:r>
-              <a:rPr lang="ko-KR" altLang="en-US" sz="2000">
-                <a:latin typeface="나눔고딕 Light" panose="020D0904000000000000" pitchFamily="50" charset="-127"/>
-                <a:ea typeface="나눔고딕 Light" panose="020D0904000000000000" pitchFamily="50" charset="-127"/>
-              </a:rPr>
-              <a:t>대상 </a:t>
-            </a:r>
-            <a:r>
-              <a:rPr lang="en-US" altLang="ko-KR" sz="2000">
-                <a:latin typeface="나눔고딕 Light" panose="020D0904000000000000" pitchFamily="50" charset="-127"/>
-                <a:ea typeface="나눔고딕 Light" panose="020D0904000000000000" pitchFamily="50" charset="-127"/>
-              </a:rPr>
-              <a:t>4</a:t>
-            </a:r>
-            <a:r>
-              <a:rPr lang="ko-KR" altLang="en-US" sz="2000">
-                <a:latin typeface="나눔고딕 Light" panose="020D0904000000000000" pitchFamily="50" charset="-127"/>
-                <a:ea typeface="나눔고딕 Light" panose="020D0904000000000000" pitchFamily="50" charset="-127"/>
-              </a:rPr>
-              <a:t>회</a:t>
-            </a:r>
-            <a:r>
-              <a:rPr lang="en-US" altLang="ko-KR" sz="2000">
-                <a:latin typeface="나눔고딕 Light" panose="020D0904000000000000" pitchFamily="50" charset="-127"/>
-                <a:ea typeface="나눔고딕 Light" panose="020D0904000000000000" pitchFamily="50" charset="-127"/>
-              </a:rPr>
-              <a:t>)</a:t>
-            </a:r>
-          </a:p>
-          <a:p>
-            <a:pPr>
-              <a:lnSpc>
-                <a:spcPct val="150000"/>
-              </a:lnSpc>
-            </a:pPr>
-            <a:r>
-              <a:rPr lang="ko-KR" altLang="en-US" sz="2000">
-                <a:latin typeface="나눔고딕 Light" panose="020D0904000000000000" pitchFamily="50" charset="-127"/>
-                <a:ea typeface="나눔고딕 Light" panose="020D0904000000000000" pitchFamily="50" charset="-127"/>
-              </a:rPr>
-              <a:t>경북대학교 컴퓨터학부 재학</a:t>
-            </a:r>
-            <a:endParaRPr lang="en-US" altLang="ko-KR" sz="2000">
-              <a:latin typeface="나눔고딕 Light" panose="020D0904000000000000" pitchFamily="50" charset="-127"/>
-              <a:ea typeface="나눔고딕 Light" panose="020D0904000000000000" pitchFamily="50" charset="-127"/>
-            </a:endParaRPr>
+              <a:t>!</a:t>
+            </a:r>
           </a:p>
         </p:txBody>
       </p:sp>
     </p:spTree>
     <p:extLst>
       <p:ext uri="{BB962C8B-B14F-4D97-AF65-F5344CB8AC3E}">
-        <p14:creationId xmlns:p14="http://schemas.microsoft.com/office/powerpoint/2010/main" val="905248724"/>
+        <p14:creationId xmlns:p14="http://schemas.microsoft.com/office/powerpoint/2010/main" val="211111966"/>
       </p:ext>
     </p:extLst>
   </p:cSld>
@@ -6238,8 +6557,8 @@
         </p:nvSpPr>
         <p:spPr>
           <a:xfrm>
-            <a:off x="5777947" y="2545471"/>
-            <a:ext cx="4740721" cy="500137"/>
+            <a:off x="6016486" y="2235370"/>
+            <a:ext cx="3921266" cy="1885131"/>
           </a:xfrm>
           <a:prstGeom prst="rect">
             <a:avLst/>
@@ -6262,45 +6581,27 @@
                 <a:latin typeface="나눔고딕 Light" panose="020D0904000000000000" pitchFamily="50" charset="-127"/>
                 <a:ea typeface="나눔고딕 Light" panose="020D0904000000000000" pitchFamily="50" charset="-127"/>
               </a:rPr>
-              <a:t>깃허브 </a:t>
+              <a:t>선린인터넷고등학교 </a:t>
             </a:r>
             <a:r>
               <a:rPr lang="en-US" altLang="ko-KR" sz="2000">
                 <a:latin typeface="나눔고딕 Light" panose="020D0904000000000000" pitchFamily="50" charset="-127"/>
                 <a:ea typeface="나눔고딕 Light" panose="020D0904000000000000" pitchFamily="50" charset="-127"/>
               </a:rPr>
-              <a:t>: https://github.com/WooLyung</a:t>
-            </a:r>
-          </a:p>
-        </p:txBody>
-      </p:sp>
-      <p:sp>
-        <p:nvSpPr>
-          <p:cNvPr id="7" name="TextBox 6">
-            <a:extLst>
-              <a:ext uri="{FF2B5EF4-FFF2-40B4-BE49-F238E27FC236}">
-                <a16:creationId xmlns:a16="http://schemas.microsoft.com/office/drawing/2014/main" id="{E2E16658-42F4-482B-A04D-0459EAC6608B}"/>
-              </a:ext>
-            </a:extLst>
-          </p:cNvPr>
-          <p:cNvSpPr txBox="1"/>
-          <p:nvPr/>
-        </p:nvSpPr>
-        <p:spPr>
-          <a:xfrm>
-            <a:off x="5777947" y="3045608"/>
-            <a:ext cx="2716128" cy="500137"/>
-          </a:xfrm>
-          <a:prstGeom prst="rect">
-            <a:avLst/>
-          </a:prstGeom>
-          <a:noFill/>
-        </p:spPr>
-        <p:txBody>
-          <a:bodyPr wrap="none" rtlCol="0">
-            <a:spAutoFit/>
-          </a:bodyPr>
-          <a:lstStyle/>
+              <a:t>113</a:t>
+            </a:r>
+            <a:r>
+              <a:rPr lang="ko-KR" altLang="en-US" sz="2000">
+                <a:latin typeface="나눔고딕 Light" panose="020D0904000000000000" pitchFamily="50" charset="-127"/>
+                <a:ea typeface="나눔고딕 Light" panose="020D0904000000000000" pitchFamily="50" charset="-127"/>
+              </a:rPr>
+              <a:t>회 졸업생</a:t>
+            </a:r>
+            <a:endParaRPr lang="en-US" altLang="ko-KR" sz="2000">
+              <a:latin typeface="나눔고딕 Light" panose="020D0904000000000000" pitchFamily="50" charset="-127"/>
+              <a:ea typeface="나눔고딕 Light" panose="020D0904000000000000" pitchFamily="50" charset="-127"/>
+            </a:endParaRPr>
+          </a:p>
           <a:p>
             <a:pPr>
               <a:lnSpc>
@@ -6308,26 +6609,125 @@
               </a:lnSpc>
             </a:pPr>
             <a:r>
+              <a:rPr lang="en-US" altLang="ko-KR" sz="2000">
+                <a:latin typeface="나눔고딕 Light" panose="020D0904000000000000" pitchFamily="50" charset="-127"/>
+                <a:ea typeface="나눔고딕 Light" panose="020D0904000000000000" pitchFamily="50" charset="-127"/>
+              </a:rPr>
+              <a:t>RG 18</a:t>
+            </a:r>
+            <a:r>
               <a:rPr lang="ko-KR" altLang="en-US" sz="2000">
                 <a:latin typeface="나눔고딕 Light" panose="020D0904000000000000" pitchFamily="50" charset="-127"/>
                 <a:ea typeface="나눔고딕 Light" panose="020D0904000000000000" pitchFamily="50" charset="-127"/>
               </a:rPr>
-              <a:t>카카오톡 </a:t>
+              <a:t>기 전 부장</a:t>
+            </a:r>
+            <a:endParaRPr lang="en-US" altLang="ko-KR" sz="2000">
+              <a:latin typeface="나눔고딕 Light" panose="020D0904000000000000" pitchFamily="50" charset="-127"/>
+              <a:ea typeface="나눔고딕 Light" panose="020D0904000000000000" pitchFamily="50" charset="-127"/>
+            </a:endParaRPr>
+          </a:p>
+          <a:p>
+            <a:pPr>
+              <a:lnSpc>
+                <a:spcPct val="150000"/>
+              </a:lnSpc>
+            </a:pPr>
+            <a:r>
+              <a:rPr lang="ko-KR" altLang="en-US" sz="2000">
+                <a:latin typeface="나눔고딕 Light" panose="020D0904000000000000" pitchFamily="50" charset="-127"/>
+                <a:ea typeface="나눔고딕 Light" panose="020D0904000000000000" pitchFamily="50" charset="-127"/>
+              </a:rPr>
+              <a:t>모콘</a:t>
             </a:r>
             <a:r>
               <a:rPr lang="en-US" altLang="ko-KR" sz="2000">
                 <a:latin typeface="나눔고딕 Light" panose="020D0904000000000000" pitchFamily="50" charset="-127"/>
                 <a:ea typeface="나눔고딕 Light" panose="020D0904000000000000" pitchFamily="50" charset="-127"/>
               </a:rPr>
-              <a:t>: WooLyung</a:t>
-            </a:r>
+              <a:t>/</a:t>
+            </a:r>
+            <a:r>
+              <a:rPr lang="ko-KR" altLang="en-US" sz="2000">
+                <a:latin typeface="나눔고딕 Light" panose="020D0904000000000000" pitchFamily="50" charset="-127"/>
+                <a:ea typeface="나눔고딕 Light" panose="020D0904000000000000" pitchFamily="50" charset="-127"/>
+              </a:rPr>
+              <a:t>디콘 수상 </a:t>
+            </a:r>
+            <a:r>
+              <a:rPr lang="en-US" altLang="ko-KR" sz="2000">
+                <a:latin typeface="나눔고딕 Light" panose="020D0904000000000000" pitchFamily="50" charset="-127"/>
+                <a:ea typeface="나눔고딕 Light" panose="020D0904000000000000" pitchFamily="50" charset="-127"/>
+              </a:rPr>
+              <a:t>6</a:t>
+            </a:r>
+            <a:r>
+              <a:rPr lang="ko-KR" altLang="en-US" sz="2000">
+                <a:latin typeface="나눔고딕 Light" panose="020D0904000000000000" pitchFamily="50" charset="-127"/>
+                <a:ea typeface="나눔고딕 Light" panose="020D0904000000000000" pitchFamily="50" charset="-127"/>
+              </a:rPr>
+              <a:t>회</a:t>
+            </a:r>
+            <a:r>
+              <a:rPr lang="en-US" altLang="ko-KR" sz="2000">
+                <a:latin typeface="나눔고딕 Light" panose="020D0904000000000000" pitchFamily="50" charset="-127"/>
+                <a:ea typeface="나눔고딕 Light" panose="020D0904000000000000" pitchFamily="50" charset="-127"/>
+              </a:rPr>
+              <a:t> (</a:t>
+            </a:r>
+            <a:r>
+              <a:rPr lang="ko-KR" altLang="en-US" sz="2000">
+                <a:latin typeface="나눔고딕 Light" panose="020D0904000000000000" pitchFamily="50" charset="-127"/>
+                <a:ea typeface="나눔고딕 Light" panose="020D0904000000000000" pitchFamily="50" charset="-127"/>
+              </a:rPr>
+              <a:t>대상 </a:t>
+            </a:r>
+            <a:r>
+              <a:rPr lang="en-US" altLang="ko-KR" sz="2000">
+                <a:latin typeface="나눔고딕 Light" panose="020D0904000000000000" pitchFamily="50" charset="-127"/>
+                <a:ea typeface="나눔고딕 Light" panose="020D0904000000000000" pitchFamily="50" charset="-127"/>
+              </a:rPr>
+              <a:t>4</a:t>
+            </a:r>
+            <a:r>
+              <a:rPr lang="ko-KR" altLang="en-US" sz="2000">
+                <a:latin typeface="나눔고딕 Light" panose="020D0904000000000000" pitchFamily="50" charset="-127"/>
+                <a:ea typeface="나눔고딕 Light" panose="020D0904000000000000" pitchFamily="50" charset="-127"/>
+              </a:rPr>
+              <a:t>회</a:t>
+            </a:r>
+            <a:r>
+              <a:rPr lang="en-US" altLang="ko-KR" sz="2000">
+                <a:latin typeface="나눔고딕 Light" panose="020D0904000000000000" pitchFamily="50" charset="-127"/>
+                <a:ea typeface="나눔고딕 Light" panose="020D0904000000000000" pitchFamily="50" charset="-127"/>
+              </a:rPr>
+              <a:t>)</a:t>
+            </a:r>
+          </a:p>
+          <a:p>
+            <a:pPr>
+              <a:lnSpc>
+                <a:spcPct val="150000"/>
+              </a:lnSpc>
+            </a:pPr>
+            <a:r>
+              <a:rPr lang="ko-KR" altLang="en-US" sz="2000">
+                <a:latin typeface="나눔고딕 Light" panose="020D0904000000000000" pitchFamily="50" charset="-127"/>
+                <a:ea typeface="나눔고딕 Light" panose="020D0904000000000000" pitchFamily="50" charset="-127"/>
+              </a:rPr>
+              <a:t>경북대학교 컴퓨터학부 재학</a:t>
+            </a:r>
+            <a:endParaRPr lang="en-US" altLang="ko-KR" sz="2000">
+              <a:latin typeface="나눔고딕 Light" panose="020D0904000000000000" pitchFamily="50" charset="-127"/>
+              <a:ea typeface="나눔고딕 Light" panose="020D0904000000000000" pitchFamily="50" charset="-127"/>
+            </a:endParaRPr>
           </a:p>
         </p:txBody>
       </p:sp>
     </p:spTree>
     <p:extLst>
       <p:ext uri="{BB962C8B-B14F-4D97-AF65-F5344CB8AC3E}">
-        <p14:creationId xmlns:p14="http://schemas.microsoft.com/office/powerpoint/2010/main" val="3954251265"/>
+        <p14:creationId xmlns:p14="http://schemas.microsoft.com/office/powerpoint/2010/main" val="905248724"/>
       </p:ext>
     </p:extLst>
   </p:cSld>
@@ -6387,14 +6787,14 @@
                 <a:latin typeface="나눔고딕 Light" panose="020D0904000000000000" pitchFamily="50" charset="-127"/>
                 <a:ea typeface="나눔고딕 Light" panose="020D0904000000000000" pitchFamily="50" charset="-127"/>
               </a:rPr>
-              <a:t>2. </a:t>
+              <a:t>1. </a:t>
             </a:r>
             <a:r>
               <a:rPr lang="ko-KR" altLang="en-US" sz="2800">
                 <a:latin typeface="나눔고딕 Light" panose="020D0904000000000000" pitchFamily="50" charset="-127"/>
                 <a:ea typeface="나눔고딕 Light" panose="020D0904000000000000" pitchFamily="50" charset="-127"/>
               </a:rPr>
-              <a:t>수업 소개</a:t>
+              <a:t>강사 소개</a:t>
             </a:r>
           </a:p>
         </p:txBody>
@@ -6442,12 +6842,64 @@
           </a:fontRef>
         </p:style>
       </p:cxnSp>
-      <p:sp>
-        <p:nvSpPr>
-          <p:cNvPr id="10" name="TextBox 9">
-            <a:extLst>
-              <a:ext uri="{FF2B5EF4-FFF2-40B4-BE49-F238E27FC236}">
-                <a16:creationId xmlns:a16="http://schemas.microsoft.com/office/drawing/2014/main" id="{1A579936-996A-4D94-B2BE-A5BE2047D396}"/>
+      <p:pic>
+        <p:nvPicPr>
+          <p:cNvPr id="8" name="그림 7">
+            <a:extLst>
+              <a:ext uri="{FF2B5EF4-FFF2-40B4-BE49-F238E27FC236}">
+                <a16:creationId xmlns:a16="http://schemas.microsoft.com/office/drawing/2014/main" id="{888D2DF0-065C-4382-8F02-716B26C28C07}"/>
+              </a:ext>
+            </a:extLst>
+          </p:cNvPr>
+          <p:cNvPicPr>
+            <a:picLocks noChangeAspect="1"/>
+          </p:cNvPicPr>
+          <p:nvPr/>
+        </p:nvPicPr>
+        <p:blipFill>
+          <a:blip r:embed="rId2">
+            <a:extLst>
+              <a:ext uri="{28A0092B-C50C-407E-A947-70E740481C1C}">
+                <a14:useLocalDpi xmlns:a14="http://schemas.microsoft.com/office/drawing/2010/main" val="0"/>
+              </a:ext>
+            </a:extLst>
+          </a:blip>
+          <a:stretch>
+            <a:fillRect/>
+          </a:stretch>
+        </p:blipFill>
+        <p:spPr>
+          <a:xfrm>
+            <a:off x="1816210" y="1653936"/>
+            <a:ext cx="3048000" cy="3048000"/>
+          </a:xfrm>
+          <a:prstGeom prst="ellipse">
+            <a:avLst/>
+          </a:prstGeom>
+          <a:ln w="63500" cap="rnd">
+            <a:noFill/>
+          </a:ln>
+          <a:effectLst/>
+          <a:scene3d>
+            <a:camera prst="orthographicFront"/>
+            <a:lightRig rig="contrasting" dir="t">
+              <a:rot lat="0" lon="0" rev="3000000"/>
+            </a:lightRig>
+          </a:scene3d>
+          <a:sp3d contourW="7620">
+            <a:bevelT w="95250" h="31750"/>
+            <a:contourClr>
+              <a:srgbClr val="333333"/>
+            </a:contourClr>
+          </a:sp3d>
+        </p:spPr>
+      </p:pic>
+      <p:sp>
+        <p:nvSpPr>
+          <p:cNvPr id="9" name="TextBox 8">
+            <a:extLst>
+              <a:ext uri="{FF2B5EF4-FFF2-40B4-BE49-F238E27FC236}">
+                <a16:creationId xmlns:a16="http://schemas.microsoft.com/office/drawing/2014/main" id="{3C9C37B9-9746-4173-9503-164CE3A57B2F}"/>
               </a:ext>
             </a:extLst>
           </p:cNvPr>
@@ -6456,8 +6908,8 @@
         </p:nvSpPr>
         <p:spPr>
           <a:xfrm>
-            <a:off x="4852710" y="1933220"/>
-            <a:ext cx="2486579" cy="646331"/>
+            <a:off x="2887201" y="4878243"/>
+            <a:ext cx="906017" cy="400110"/>
           </a:xfrm>
           <a:prstGeom prst="rect">
             <a:avLst/>
@@ -6470,27 +6922,22 @@
           </a:bodyPr>
           <a:lstStyle/>
           <a:p>
-            <a:pPr algn="ctr"/>
-            <a:r>
-              <a:rPr lang="ko-KR" altLang="en-US" sz="3600">
-                <a:latin typeface="나눔고딕 Light" panose="020D0904000000000000" pitchFamily="50" charset="-127"/>
-                <a:ea typeface="나눔고딕 Light" panose="020D0904000000000000" pitchFamily="50" charset="-127"/>
-              </a:rPr>
-              <a:t>수업의 목적</a:t>
-            </a:r>
-            <a:endParaRPr lang="en-US" altLang="ko-KR" sz="3600">
-              <a:latin typeface="나눔고딕 Light" panose="020D0904000000000000" pitchFamily="50" charset="-127"/>
-              <a:ea typeface="나눔고딕 Light" panose="020D0904000000000000" pitchFamily="50" charset="-127"/>
-            </a:endParaRPr>
-          </a:p>
-        </p:txBody>
-      </p:sp>
-      <p:sp>
-        <p:nvSpPr>
-          <p:cNvPr id="18" name="TextBox 17">
-            <a:extLst>
-              <a:ext uri="{FF2B5EF4-FFF2-40B4-BE49-F238E27FC236}">
-                <a16:creationId xmlns:a16="http://schemas.microsoft.com/office/drawing/2014/main" id="{DA129AD2-606D-455D-A264-DB84D6247E5D}"/>
+            <a:r>
+              <a:rPr lang="ko-KR" altLang="en-US" sz="2000">
+                <a:latin typeface="나눔고딕 Light" panose="020D0904000000000000" pitchFamily="50" charset="-127"/>
+                <a:ea typeface="나눔고딕 Light" panose="020D0904000000000000" pitchFamily="50" charset="-127"/>
+              </a:rPr>
+              <a:t>이우령</a:t>
+            </a:r>
+          </a:p>
+        </p:txBody>
+      </p:sp>
+      <p:sp>
+        <p:nvSpPr>
+          <p:cNvPr id="10" name="TextBox 9">
+            <a:extLst>
+              <a:ext uri="{FF2B5EF4-FFF2-40B4-BE49-F238E27FC236}">
+                <a16:creationId xmlns:a16="http://schemas.microsoft.com/office/drawing/2014/main" id="{1A579936-996A-4D94-B2BE-A5BE2047D396}"/>
               </a:ext>
             </a:extLst>
           </p:cNvPr>
@@ -6499,8 +6946,8 @@
         </p:nvSpPr>
         <p:spPr>
           <a:xfrm>
-            <a:off x="4089232" y="2845915"/>
-            <a:ext cx="2502608" cy="400110"/>
+            <a:off x="5777947" y="2545471"/>
+            <a:ext cx="4740721" cy="500137"/>
           </a:xfrm>
           <a:prstGeom prst="rect">
             <a:avLst/>
@@ -6513,33 +6960,34 @@
           </a:bodyPr>
           <a:lstStyle/>
           <a:p>
+            <a:pPr>
+              <a:lnSpc>
+                <a:spcPct val="150000"/>
+              </a:lnSpc>
+            </a:pPr>
+            <a:r>
+              <a:rPr lang="ko-KR" altLang="en-US" sz="2000">
+                <a:latin typeface="나눔고딕 Light" panose="020D0904000000000000" pitchFamily="50" charset="-127"/>
+                <a:ea typeface="나눔고딕 Light" panose="020D0904000000000000" pitchFamily="50" charset="-127"/>
+              </a:rPr>
+              <a:t>깃허브 </a:t>
+            </a:r>
             <a:r>
               <a:rPr lang="en-US" altLang="ko-KR" sz="2000">
                 <a:latin typeface="나눔고딕 Light" panose="020D0904000000000000" pitchFamily="50" charset="-127"/>
                 <a:ea typeface="나눔고딕 Light" panose="020D0904000000000000" pitchFamily="50" charset="-127"/>
               </a:rPr>
-              <a:t>C++, </a:t>
-            </a:r>
-            <a:r>
-              <a:rPr lang="ko-KR" altLang="en-US" sz="2000">
-                <a:latin typeface="나눔고딕 Light" panose="020D0904000000000000" pitchFamily="50" charset="-127"/>
-                <a:ea typeface="나눔고딕 Light" panose="020D0904000000000000" pitchFamily="50" charset="-127"/>
-              </a:rPr>
-              <a:t>게임 개발 학습</a:t>
-            </a:r>
-            <a:endParaRPr lang="en-US" altLang="ko-KR" sz="2000">
-              <a:latin typeface="나눔고딕 Light" panose="020D0904000000000000" pitchFamily="50" charset="-127"/>
-              <a:ea typeface="나눔고딕 Light" panose="020D0904000000000000" pitchFamily="50" charset="-127"/>
-            </a:endParaRPr>
-          </a:p>
-        </p:txBody>
-      </p:sp>
-      <p:sp>
-        <p:nvSpPr>
-          <p:cNvPr id="19" name="TextBox 18">
-            <a:extLst>
-              <a:ext uri="{FF2B5EF4-FFF2-40B4-BE49-F238E27FC236}">
-                <a16:creationId xmlns:a16="http://schemas.microsoft.com/office/drawing/2014/main" id="{958EF4F9-4C8E-4F07-8E40-0938014E7D26}"/>
+              <a:t>: https://github.com/WooLyung</a:t>
+            </a:r>
+          </a:p>
+        </p:txBody>
+      </p:sp>
+      <p:sp>
+        <p:nvSpPr>
+          <p:cNvPr id="7" name="TextBox 6">
+            <a:extLst>
+              <a:ext uri="{FF2B5EF4-FFF2-40B4-BE49-F238E27FC236}">
+                <a16:creationId xmlns:a16="http://schemas.microsoft.com/office/drawing/2014/main" id="{E2E16658-42F4-482B-A04D-0459EAC6608B}"/>
               </a:ext>
             </a:extLst>
           </p:cNvPr>
@@ -6548,8 +6996,8 @@
         </p:nvSpPr>
         <p:spPr>
           <a:xfrm>
-            <a:off x="4089232" y="3286403"/>
-            <a:ext cx="3868367" cy="400110"/>
+            <a:off x="5777947" y="3045608"/>
+            <a:ext cx="2716128" cy="500137"/>
           </a:xfrm>
           <a:prstGeom prst="rect">
             <a:avLst/>
@@ -6562,137 +7010,32 @@
           </a:bodyPr>
           <a:lstStyle/>
           <a:p>
+            <a:pPr>
+              <a:lnSpc>
+                <a:spcPct val="150000"/>
+              </a:lnSpc>
+            </a:pPr>
+            <a:r>
+              <a:rPr lang="ko-KR" altLang="en-US" sz="2000">
+                <a:latin typeface="나눔고딕 Light" panose="020D0904000000000000" pitchFamily="50" charset="-127"/>
+                <a:ea typeface="나눔고딕 Light" panose="020D0904000000000000" pitchFamily="50" charset="-127"/>
+              </a:rPr>
+              <a:t>카카오톡 </a:t>
+            </a:r>
             <a:r>
               <a:rPr lang="en-US" altLang="ko-KR" sz="2000">
                 <a:latin typeface="나눔고딕 Light" panose="020D0904000000000000" pitchFamily="50" charset="-127"/>
                 <a:ea typeface="나눔고딕 Light" panose="020D0904000000000000" pitchFamily="50" charset="-127"/>
               </a:rPr>
-              <a:t>RG</a:t>
-            </a:r>
-            <a:r>
-              <a:rPr lang="ko-KR" altLang="en-US" sz="2000">
-                <a:latin typeface="나눔고딕 Light" panose="020D0904000000000000" pitchFamily="50" charset="-127"/>
-                <a:ea typeface="나눔고딕 Light" panose="020D0904000000000000" pitchFamily="50" charset="-127"/>
-              </a:rPr>
-              <a:t>엔진 학습 및 디콘 출품작 개발</a:t>
-            </a:r>
-            <a:endParaRPr lang="en-US" altLang="ko-KR" sz="2000">
-              <a:latin typeface="나눔고딕 Light" panose="020D0904000000000000" pitchFamily="50" charset="-127"/>
-              <a:ea typeface="나눔고딕 Light" panose="020D0904000000000000" pitchFamily="50" charset="-127"/>
-            </a:endParaRPr>
-          </a:p>
-        </p:txBody>
-      </p:sp>
-      <p:sp>
-        <p:nvSpPr>
-          <p:cNvPr id="20" name="TextBox 19">
-            <a:extLst>
-              <a:ext uri="{FF2B5EF4-FFF2-40B4-BE49-F238E27FC236}">
-                <a16:creationId xmlns:a16="http://schemas.microsoft.com/office/drawing/2014/main" id="{AB0AD3D2-E06D-4F59-8689-B40E3B1B6D72}"/>
-              </a:ext>
-            </a:extLst>
-          </p:cNvPr>
-          <p:cNvSpPr txBox="1"/>
-          <p:nvPr/>
-        </p:nvSpPr>
-        <p:spPr>
-          <a:xfrm>
-            <a:off x="4089231" y="3726891"/>
-            <a:ext cx="2767104" cy="400110"/>
-          </a:xfrm>
-          <a:prstGeom prst="rect">
-            <a:avLst/>
-          </a:prstGeom>
-          <a:noFill/>
-        </p:spPr>
-        <p:txBody>
-          <a:bodyPr wrap="none" rtlCol="0">
-            <a:spAutoFit/>
-          </a:bodyPr>
-          <a:lstStyle/>
-          <a:p>
-            <a:r>
-              <a:rPr lang="en-US" altLang="ko-KR" sz="2000">
-                <a:solidFill>
-                  <a:srgbClr val="FF0000"/>
-                </a:solidFill>
-                <a:latin typeface="나눔고딕 Light" panose="020D0904000000000000" pitchFamily="50" charset="-127"/>
-                <a:ea typeface="나눔고딕 Light" panose="020D0904000000000000" pitchFamily="50" charset="-127"/>
-              </a:rPr>
-              <a:t>C / C++</a:t>
-            </a:r>
-            <a:r>
-              <a:rPr lang="ko-KR" altLang="en-US" sz="2000">
-                <a:solidFill>
-                  <a:srgbClr val="FF0000"/>
-                </a:solidFill>
-                <a:latin typeface="나눔고딕 Light" panose="020D0904000000000000" pitchFamily="50" charset="-127"/>
-                <a:ea typeface="나눔고딕 Light" panose="020D0904000000000000" pitchFamily="50" charset="-127"/>
-              </a:rPr>
-              <a:t> 응용 개발 경험</a:t>
-            </a:r>
-            <a:endParaRPr lang="en-US" altLang="ko-KR" sz="2000">
-              <a:solidFill>
-                <a:srgbClr val="FF0000"/>
-              </a:solidFill>
-              <a:latin typeface="나눔고딕 Light" panose="020D0904000000000000" pitchFamily="50" charset="-127"/>
-              <a:ea typeface="나눔고딕 Light" panose="020D0904000000000000" pitchFamily="50" charset="-127"/>
-            </a:endParaRPr>
-          </a:p>
-        </p:txBody>
-      </p:sp>
-      <p:sp>
-        <p:nvSpPr>
-          <p:cNvPr id="21" name="TextBox 20">
-            <a:extLst>
-              <a:ext uri="{FF2B5EF4-FFF2-40B4-BE49-F238E27FC236}">
-                <a16:creationId xmlns:a16="http://schemas.microsoft.com/office/drawing/2014/main" id="{CB86DCBC-0A5E-4CFC-A297-F58CB229B9E0}"/>
-              </a:ext>
-            </a:extLst>
-          </p:cNvPr>
-          <p:cNvSpPr txBox="1"/>
-          <p:nvPr/>
-        </p:nvSpPr>
-        <p:spPr>
-          <a:xfrm>
-            <a:off x="4089231" y="4167379"/>
-            <a:ext cx="1771639" cy="400110"/>
-          </a:xfrm>
-          <a:prstGeom prst="rect">
-            <a:avLst/>
-          </a:prstGeom>
-          <a:noFill/>
-        </p:spPr>
-        <p:txBody>
-          <a:bodyPr wrap="none" rtlCol="0">
-            <a:spAutoFit/>
-          </a:bodyPr>
-          <a:lstStyle/>
-          <a:p>
-            <a:r>
-              <a:rPr lang="ko-KR" altLang="en-US" sz="2000">
-                <a:solidFill>
-                  <a:srgbClr val="FF0000"/>
-                </a:solidFill>
-                <a:latin typeface="나눔고딕 Light" panose="020D0904000000000000" pitchFamily="50" charset="-127"/>
-                <a:ea typeface="나눔고딕 Light" panose="020D0904000000000000" pitchFamily="50" charset="-127"/>
-              </a:rPr>
-              <a:t>학습 동기 부여</a:t>
-            </a:r>
-            <a:endParaRPr lang="en-US" altLang="ko-KR" sz="2000">
-              <a:solidFill>
-                <a:srgbClr val="FF0000"/>
-              </a:solidFill>
-              <a:latin typeface="나눔고딕 Light" panose="020D0904000000000000" pitchFamily="50" charset="-127"/>
-              <a:ea typeface="나눔고딕 Light" panose="020D0904000000000000" pitchFamily="50" charset="-127"/>
-            </a:endParaRPr>
+              <a:t>: WooLyung</a:t>
+            </a:r>
           </a:p>
         </p:txBody>
       </p:sp>
     </p:spTree>
     <p:extLst>
       <p:ext uri="{BB962C8B-B14F-4D97-AF65-F5344CB8AC3E}">
-        <p14:creationId xmlns:p14="http://schemas.microsoft.com/office/powerpoint/2010/main" val="2002013133"/>
+        <p14:creationId xmlns:p14="http://schemas.microsoft.com/office/powerpoint/2010/main" val="3954251265"/>
       </p:ext>
     </p:extLst>
   </p:cSld>
@@ -6821,8 +7164,8 @@
         </p:nvSpPr>
         <p:spPr>
           <a:xfrm>
-            <a:off x="3834002" y="1933221"/>
-            <a:ext cx="4523995" cy="646331"/>
+            <a:off x="4852710" y="1933220"/>
+            <a:ext cx="2486579" cy="646331"/>
           </a:xfrm>
           <a:prstGeom prst="rect">
             <a:avLst/>
@@ -6837,18 +7180,11 @@
           <a:p>
             <a:pPr algn="ctr"/>
             <a:r>
-              <a:rPr lang="en-US" altLang="ko-KR" sz="3600">
-                <a:latin typeface="나눔고딕 Light" panose="020D0904000000000000" pitchFamily="50" charset="-127"/>
-                <a:ea typeface="나눔고딕 Light" panose="020D0904000000000000" pitchFamily="50" charset="-127"/>
-              </a:rPr>
-              <a:t>2021 RG </a:t>
-            </a:r>
-            <a:r>
               <a:rPr lang="ko-KR" altLang="en-US" sz="3600">
                 <a:latin typeface="나눔고딕 Light" panose="020D0904000000000000" pitchFamily="50" charset="-127"/>
                 <a:ea typeface="나눔고딕 Light" panose="020D0904000000000000" pitchFamily="50" charset="-127"/>
               </a:rPr>
-              <a:t>동아리 특강</a:t>
+              <a:t>수업의 목적</a:t>
             </a:r>
             <a:endParaRPr lang="en-US" altLang="ko-KR" sz="3600">
               <a:latin typeface="나눔고딕 Light" panose="020D0904000000000000" pitchFamily="50" charset="-127"/>
@@ -6859,10 +7195,10 @@
       </p:sp>
       <p:sp>
         <p:nvSpPr>
-          <p:cNvPr id="7" name="TextBox 6">
-            <a:extLst>
-              <a:ext uri="{FF2B5EF4-FFF2-40B4-BE49-F238E27FC236}">
-                <a16:creationId xmlns:a16="http://schemas.microsoft.com/office/drawing/2014/main" id="{86B93689-D858-44D8-8C3F-F3524AA5DEAF}"/>
+          <p:cNvPr id="18" name="TextBox 17">
+            <a:extLst>
+              <a:ext uri="{FF2B5EF4-FFF2-40B4-BE49-F238E27FC236}">
+                <a16:creationId xmlns:a16="http://schemas.microsoft.com/office/drawing/2014/main" id="{DA129AD2-606D-455D-A264-DB84D6247E5D}"/>
               </a:ext>
             </a:extLst>
           </p:cNvPr>
@@ -6871,8 +7207,8 @@
         </p:nvSpPr>
         <p:spPr>
           <a:xfrm>
-            <a:off x="2997875" y="2900658"/>
-            <a:ext cx="1672253" cy="523220"/>
+            <a:off x="4089232" y="2845915"/>
+            <a:ext cx="2502608" cy="400110"/>
           </a:xfrm>
           <a:prstGeom prst="rect">
             <a:avLst/>
@@ -6885,222 +7221,19 @@
           </a:bodyPr>
           <a:lstStyle/>
           <a:p>
-            <a:pPr algn="ctr"/>
-            <a:r>
-              <a:rPr lang="en-US" altLang="ko-KR" sz="2800">
-                <a:latin typeface="나눔고딕 Light" panose="020D0904000000000000" pitchFamily="50" charset="-127"/>
-                <a:ea typeface="나눔고딕 Light" panose="020D0904000000000000" pitchFamily="50" charset="-127"/>
-              </a:rPr>
-              <a:t>C++ </a:t>
-            </a:r>
-            <a:r>
-              <a:rPr lang="ko-KR" altLang="en-US" sz="2800">
-                <a:latin typeface="나눔고딕 Light" panose="020D0904000000000000" pitchFamily="50" charset="-127"/>
-                <a:ea typeface="나눔고딕 Light" panose="020D0904000000000000" pitchFamily="50" charset="-127"/>
-              </a:rPr>
-              <a:t>일부</a:t>
-            </a:r>
-            <a:endParaRPr lang="en-US" altLang="ko-KR" sz="2800">
-              <a:latin typeface="나눔고딕 Light" panose="020D0904000000000000" pitchFamily="50" charset="-127"/>
-              <a:ea typeface="나눔고딕 Light" panose="020D0904000000000000" pitchFamily="50" charset="-127"/>
-            </a:endParaRPr>
-          </a:p>
-        </p:txBody>
-      </p:sp>
-      <p:sp>
-        <p:nvSpPr>
-          <p:cNvPr id="11" name="TextBox 10">
-            <a:extLst>
-              <a:ext uri="{FF2B5EF4-FFF2-40B4-BE49-F238E27FC236}">
-                <a16:creationId xmlns:a16="http://schemas.microsoft.com/office/drawing/2014/main" id="{9D300BBE-1754-4F9F-A069-9600C055A16C}"/>
-              </a:ext>
-            </a:extLst>
-          </p:cNvPr>
-          <p:cNvSpPr txBox="1"/>
-          <p:nvPr/>
-        </p:nvSpPr>
-        <p:spPr>
-          <a:xfrm>
-            <a:off x="7521874" y="2900658"/>
-            <a:ext cx="1370888" cy="523220"/>
-          </a:xfrm>
-          <a:prstGeom prst="rect">
-            <a:avLst/>
-          </a:prstGeom>
-          <a:noFill/>
-        </p:spPr>
-        <p:txBody>
-          <a:bodyPr wrap="none" rtlCol="0">
-            <a:spAutoFit/>
-          </a:bodyPr>
-          <a:lstStyle/>
-          <a:p>
-            <a:pPr algn="ctr"/>
-            <a:r>
-              <a:rPr lang="en-US" altLang="ko-KR" sz="2800">
-                <a:latin typeface="나눔고딕 Light" panose="020D0904000000000000" pitchFamily="50" charset="-127"/>
-                <a:ea typeface="나눔고딕 Light" panose="020D0904000000000000" pitchFamily="50" charset="-127"/>
-              </a:rPr>
-              <a:t>RG</a:t>
-            </a:r>
-            <a:r>
-              <a:rPr lang="ko-KR" altLang="en-US" sz="2800">
-                <a:latin typeface="나눔고딕 Light" panose="020D0904000000000000" pitchFamily="50" charset="-127"/>
-                <a:ea typeface="나눔고딕 Light" panose="020D0904000000000000" pitchFamily="50" charset="-127"/>
-              </a:rPr>
-              <a:t>엔진</a:t>
-            </a:r>
-            <a:endParaRPr lang="en-US" altLang="ko-KR" sz="2800">
-              <a:latin typeface="나눔고딕 Light" panose="020D0904000000000000" pitchFamily="50" charset="-127"/>
-              <a:ea typeface="나눔고딕 Light" panose="020D0904000000000000" pitchFamily="50" charset="-127"/>
-            </a:endParaRPr>
-          </a:p>
-        </p:txBody>
-      </p:sp>
-      <p:sp>
-        <p:nvSpPr>
-          <p:cNvPr id="12" name="TextBox 11">
-            <a:extLst>
-              <a:ext uri="{FF2B5EF4-FFF2-40B4-BE49-F238E27FC236}">
-                <a16:creationId xmlns:a16="http://schemas.microsoft.com/office/drawing/2014/main" id="{87F9CCCC-7022-4A82-92D1-321B31C7E3E7}"/>
-              </a:ext>
-            </a:extLst>
-          </p:cNvPr>
-          <p:cNvSpPr txBox="1"/>
-          <p:nvPr/>
-        </p:nvSpPr>
-        <p:spPr>
-          <a:xfrm>
-            <a:off x="2851200" y="3544929"/>
-            <a:ext cx="1965602" cy="400110"/>
-          </a:xfrm>
-          <a:prstGeom prst="rect">
-            <a:avLst/>
-          </a:prstGeom>
-          <a:noFill/>
-        </p:spPr>
-        <p:txBody>
-          <a:bodyPr wrap="none" rtlCol="0">
-            <a:spAutoFit/>
-          </a:bodyPr>
-          <a:lstStyle/>
-          <a:p>
-            <a:pPr algn="ctr"/>
             <a:r>
               <a:rPr lang="en-US" altLang="ko-KR" sz="2000">
                 <a:latin typeface="나눔고딕 Light" panose="020D0904000000000000" pitchFamily="50" charset="-127"/>
                 <a:ea typeface="나눔고딕 Light" panose="020D0904000000000000" pitchFamily="50" charset="-127"/>
               </a:rPr>
-              <a:t>8/2</a:t>
+              <a:t>C++, </a:t>
             </a:r>
             <a:r>
               <a:rPr lang="ko-KR" altLang="en-US" sz="2000">
                 <a:latin typeface="나눔고딕 Light" panose="020D0904000000000000" pitchFamily="50" charset="-127"/>
                 <a:ea typeface="나눔고딕 Light" panose="020D0904000000000000" pitchFamily="50" charset="-127"/>
               </a:rPr>
-              <a:t> </a:t>
-            </a:r>
-            <a:r>
-              <a:rPr lang="en-US" altLang="ko-KR" sz="2000">
-                <a:latin typeface="나눔고딕 Light" panose="020D0904000000000000" pitchFamily="50" charset="-127"/>
-                <a:ea typeface="나눔고딕 Light" panose="020D0904000000000000" pitchFamily="50" charset="-127"/>
-              </a:rPr>
-              <a:t>~</a:t>
-            </a:r>
-            <a:r>
-              <a:rPr lang="ko-KR" altLang="en-US" sz="2000">
-                <a:latin typeface="나눔고딕 Light" panose="020D0904000000000000" pitchFamily="50" charset="-127"/>
-                <a:ea typeface="나눔고딕 Light" panose="020D0904000000000000" pitchFamily="50" charset="-127"/>
-              </a:rPr>
-              <a:t> </a:t>
-            </a:r>
-            <a:r>
-              <a:rPr lang="en-US" altLang="ko-KR" sz="2000">
-                <a:latin typeface="나눔고딕 Light" panose="020D0904000000000000" pitchFamily="50" charset="-127"/>
-                <a:ea typeface="나눔고딕 Light" panose="020D0904000000000000" pitchFamily="50" charset="-127"/>
-              </a:rPr>
-              <a:t>8/5 (4</a:t>
-            </a:r>
-            <a:r>
-              <a:rPr lang="ko-KR" altLang="en-US" sz="2000">
-                <a:latin typeface="나눔고딕 Light" panose="020D0904000000000000" pitchFamily="50" charset="-127"/>
-                <a:ea typeface="나눔고딕 Light" panose="020D0904000000000000" pitchFamily="50" charset="-127"/>
-              </a:rPr>
-              <a:t>일</a:t>
-            </a:r>
-            <a:r>
-              <a:rPr lang="en-US" altLang="ko-KR" sz="2000">
-                <a:latin typeface="나눔고딕 Light" panose="020D0904000000000000" pitchFamily="50" charset="-127"/>
-                <a:ea typeface="나눔고딕 Light" panose="020D0904000000000000" pitchFamily="50" charset="-127"/>
-              </a:rPr>
-              <a:t>)</a:t>
-            </a:r>
-          </a:p>
-        </p:txBody>
-      </p:sp>
-      <p:sp>
-        <p:nvSpPr>
-          <p:cNvPr id="13" name="TextBox 12">
-            <a:extLst>
-              <a:ext uri="{FF2B5EF4-FFF2-40B4-BE49-F238E27FC236}">
-                <a16:creationId xmlns:a16="http://schemas.microsoft.com/office/drawing/2014/main" id="{576D8E58-3309-4E68-8126-C248C0475493}"/>
-              </a:ext>
-            </a:extLst>
-          </p:cNvPr>
-          <p:cNvSpPr txBox="1"/>
-          <p:nvPr/>
-        </p:nvSpPr>
-        <p:spPr>
-          <a:xfrm>
-            <a:off x="2513769" y="4066090"/>
-            <a:ext cx="2640467" cy="400110"/>
-          </a:xfrm>
-          <a:prstGeom prst="rect">
-            <a:avLst/>
-          </a:prstGeom>
-          <a:noFill/>
-        </p:spPr>
-        <p:txBody>
-          <a:bodyPr wrap="none" rtlCol="0">
-            <a:spAutoFit/>
-          </a:bodyPr>
-          <a:lstStyle/>
-          <a:p>
-            <a:pPr algn="ctr"/>
-            <a:r>
-              <a:rPr lang="ko-KR" altLang="en-US" sz="2000">
-                <a:latin typeface="나눔고딕 Light" panose="020D0904000000000000" pitchFamily="50" charset="-127"/>
-                <a:ea typeface="나눔고딕 Light" panose="020D0904000000000000" pitchFamily="50" charset="-127"/>
-              </a:rPr>
-              <a:t>메모리</a:t>
-            </a:r>
-            <a:r>
-              <a:rPr lang="en-US" altLang="ko-KR" sz="2000">
-                <a:latin typeface="나눔고딕 Light" panose="020D0904000000000000" pitchFamily="50" charset="-127"/>
-                <a:ea typeface="나눔고딕 Light" panose="020D0904000000000000" pitchFamily="50" charset="-127"/>
-              </a:rPr>
-              <a:t>, </a:t>
-            </a:r>
-            <a:r>
-              <a:rPr lang="ko-KR" altLang="en-US" sz="2000">
-                <a:latin typeface="나눔고딕 Light" panose="020D0904000000000000" pitchFamily="50" charset="-127"/>
-                <a:ea typeface="나눔고딕 Light" panose="020D0904000000000000" pitchFamily="50" charset="-127"/>
-              </a:rPr>
-              <a:t>문자열</a:t>
-            </a:r>
-            <a:r>
-              <a:rPr lang="en-US" altLang="ko-KR" sz="2000">
-                <a:latin typeface="나눔고딕 Light" panose="020D0904000000000000" pitchFamily="50" charset="-127"/>
-                <a:ea typeface="나눔고딕 Light" panose="020D0904000000000000" pitchFamily="50" charset="-127"/>
-              </a:rPr>
-              <a:t>, STL </a:t>
-            </a:r>
-            <a:r>
-              <a:rPr lang="ko-KR" altLang="en-US" sz="2000">
-                <a:latin typeface="나눔고딕 Light" panose="020D0904000000000000" pitchFamily="50" charset="-127"/>
-                <a:ea typeface="나눔고딕 Light" panose="020D0904000000000000" pitchFamily="50" charset="-127"/>
-              </a:rPr>
-              <a:t>등</a:t>
+              <a:t>게임 개발 학습</a:t>
             </a:r>
             <a:endParaRPr lang="en-US" altLang="ko-KR" sz="2000">
               <a:latin typeface="나눔고딕 Light" panose="020D0904000000000000" pitchFamily="50" charset="-127"/>
@@ -7111,10 +7244,10 @@
       </p:sp>
       <p:sp>
         <p:nvSpPr>
-          <p:cNvPr id="14" name="TextBox 13">
-            <a:extLst>
-              <a:ext uri="{FF2B5EF4-FFF2-40B4-BE49-F238E27FC236}">
-                <a16:creationId xmlns:a16="http://schemas.microsoft.com/office/drawing/2014/main" id="{B2D7AC8E-40EC-4F74-916D-C59C8ECC2AE8}"/>
+          <p:cNvPr id="19" name="TextBox 18">
+            <a:extLst>
+              <a:ext uri="{FF2B5EF4-FFF2-40B4-BE49-F238E27FC236}">
+                <a16:creationId xmlns:a16="http://schemas.microsoft.com/office/drawing/2014/main" id="{958EF4F9-4C8E-4F07-8E40-0938014E7D26}"/>
               </a:ext>
             </a:extLst>
           </p:cNvPr>
@@ -7123,8 +7256,8 @@
         </p:nvSpPr>
         <p:spPr>
           <a:xfrm>
-            <a:off x="2791889" y="4587251"/>
-            <a:ext cx="2084225" cy="400110"/>
+            <a:off x="4089232" y="3286403"/>
+            <a:ext cx="3868367" cy="400110"/>
           </a:xfrm>
           <a:prstGeom prst="rect">
             <a:avLst/>
@@ -7137,13 +7270,19 @@
           </a:bodyPr>
           <a:lstStyle/>
           <a:p>
-            <a:pPr algn="ctr"/>
+            <a:r>
+              <a:rPr lang="en-US" altLang="ko-KR" sz="2000">
+                <a:latin typeface="나눔고딕 Light" panose="020D0904000000000000" pitchFamily="50" charset="-127"/>
+                <a:ea typeface="나눔고딕 Light" panose="020D0904000000000000" pitchFamily="50" charset="-127"/>
+              </a:rPr>
+              <a:t>RG</a:t>
+            </a:r>
             <a:r>
               <a:rPr lang="ko-KR" altLang="en-US" sz="2000">
                 <a:latin typeface="나눔고딕 Light" panose="020D0904000000000000" pitchFamily="50" charset="-127"/>
                 <a:ea typeface="나눔고딕 Light" panose="020D0904000000000000" pitchFamily="50" charset="-127"/>
               </a:rPr>
-              <a:t>게임 개발 기본기</a:t>
+              <a:t>엔진 학습 및 디콘 출품작 개발</a:t>
             </a:r>
             <a:endParaRPr lang="en-US" altLang="ko-KR" sz="2000">
               <a:latin typeface="나눔고딕 Light" panose="020D0904000000000000" pitchFamily="50" charset="-127"/>
@@ -7154,10 +7293,10 @@
       </p:sp>
       <p:sp>
         <p:nvSpPr>
-          <p:cNvPr id="15" name="TextBox 14">
-            <a:extLst>
-              <a:ext uri="{FF2B5EF4-FFF2-40B4-BE49-F238E27FC236}">
-                <a16:creationId xmlns:a16="http://schemas.microsoft.com/office/drawing/2014/main" id="{163A2D11-AF65-479E-A9C2-7AFD6E1C391C}"/>
+          <p:cNvPr id="20" name="TextBox 19">
+            <a:extLst>
+              <a:ext uri="{FF2B5EF4-FFF2-40B4-BE49-F238E27FC236}">
+                <a16:creationId xmlns:a16="http://schemas.microsoft.com/office/drawing/2014/main" id="{AB0AD3D2-E06D-4F59-8689-B40E3B1B6D72}"/>
               </a:ext>
             </a:extLst>
           </p:cNvPr>
@@ -7166,8 +7305,8 @@
         </p:nvSpPr>
         <p:spPr>
           <a:xfrm>
-            <a:off x="541780" y="1121106"/>
-            <a:ext cx="2151551" cy="400110"/>
+            <a:off x="4089231" y="3726891"/>
+            <a:ext cx="2767104" cy="400110"/>
           </a:xfrm>
           <a:prstGeom prst="rect">
             <a:avLst/>
@@ -7181,28 +7320,41 @@
           <a:lstStyle/>
           <a:p>
             <a:r>
+              <a:rPr lang="en-US" altLang="ko-KR" sz="2000">
+                <a:solidFill>
+                  <a:srgbClr val="FF0000"/>
+                </a:solidFill>
+                <a:latin typeface="나눔고딕 Light" panose="020D0904000000000000" pitchFamily="50" charset="-127"/>
+                <a:ea typeface="나눔고딕 Light" panose="020D0904000000000000" pitchFamily="50" charset="-127"/>
+              </a:rPr>
+              <a:t>C / C++</a:t>
+            </a:r>
+            <a:r>
               <a:rPr lang="ko-KR" altLang="en-US" sz="2000">
-                <a:latin typeface="나눔고딕 Light" panose="020D0904000000000000" pitchFamily="50" charset="-127"/>
-                <a:ea typeface="나눔고딕 Light" panose="020D0904000000000000" pitchFamily="50" charset="-127"/>
-              </a:rPr>
-              <a:t>무엇을 배우나요</a:t>
-            </a:r>
-            <a:r>
-              <a:rPr lang="en-US" altLang="ko-KR" sz="2000">
-                <a:latin typeface="나눔고딕 Light" panose="020D0904000000000000" pitchFamily="50" charset="-127"/>
-                <a:ea typeface="나눔고딕 Light" panose="020D0904000000000000" pitchFamily="50" charset="-127"/>
-              </a:rPr>
-              <a:t>?</a:t>
-            </a:r>
-          </a:p>
-        </p:txBody>
-      </p:sp>
-      <p:sp>
-        <p:nvSpPr>
-          <p:cNvPr id="16" name="TextBox 15">
-            <a:extLst>
-              <a:ext uri="{FF2B5EF4-FFF2-40B4-BE49-F238E27FC236}">
-                <a16:creationId xmlns:a16="http://schemas.microsoft.com/office/drawing/2014/main" id="{4A6787DE-BAF2-49D2-9641-C2C150976624}"/>
+                <a:solidFill>
+                  <a:srgbClr val="FF0000"/>
+                </a:solidFill>
+                <a:latin typeface="나눔고딕 Light" panose="020D0904000000000000" pitchFamily="50" charset="-127"/>
+                <a:ea typeface="나눔고딕 Light" panose="020D0904000000000000" pitchFamily="50" charset="-127"/>
+              </a:rPr>
+              <a:t> 응용 개발 경험</a:t>
+            </a:r>
+            <a:endParaRPr lang="en-US" altLang="ko-KR" sz="2000">
+              <a:solidFill>
+                <a:srgbClr val="FF0000"/>
+              </a:solidFill>
+              <a:latin typeface="나눔고딕 Light" panose="020D0904000000000000" pitchFamily="50" charset="-127"/>
+              <a:ea typeface="나눔고딕 Light" panose="020D0904000000000000" pitchFamily="50" charset="-127"/>
+            </a:endParaRPr>
+          </a:p>
+        </p:txBody>
+      </p:sp>
+      <p:sp>
+        <p:nvSpPr>
+          <p:cNvPr id="21" name="TextBox 20">
+            <a:extLst>
+              <a:ext uri="{FF2B5EF4-FFF2-40B4-BE49-F238E27FC236}">
+                <a16:creationId xmlns:a16="http://schemas.microsoft.com/office/drawing/2014/main" id="{CB86DCBC-0A5E-4CFC-A297-F58CB229B9E0}"/>
               </a:ext>
             </a:extLst>
           </p:cNvPr>
@@ -7211,8 +7363,8 @@
         </p:nvSpPr>
         <p:spPr>
           <a:xfrm>
-            <a:off x="6900099" y="3544929"/>
-            <a:ext cx="2674130" cy="400110"/>
+            <a:off x="4089231" y="4167379"/>
+            <a:ext cx="1771639" cy="400110"/>
           </a:xfrm>
           <a:prstGeom prst="rect">
             <a:avLst/>
@@ -7225,191 +7377,30 @@
           </a:bodyPr>
           <a:lstStyle/>
           <a:p>
-            <a:pPr algn="ctr"/>
-            <a:r>
-              <a:rPr lang="en-US" altLang="ko-KR" sz="2000">
-                <a:latin typeface="나눔고딕 Light" panose="020D0904000000000000" pitchFamily="50" charset="-127"/>
-                <a:ea typeface="나눔고딕 Light" panose="020D0904000000000000" pitchFamily="50" charset="-127"/>
-              </a:rPr>
-              <a:t>8/6</a:t>
-            </a:r>
             <a:r>
               <a:rPr lang="ko-KR" altLang="en-US" sz="2000">
-                <a:latin typeface="나눔고딕 Light" panose="020D0904000000000000" pitchFamily="50" charset="-127"/>
-                <a:ea typeface="나눔고딕 Light" panose="020D0904000000000000" pitchFamily="50" charset="-127"/>
-              </a:rPr>
-              <a:t> </a:t>
-            </a:r>
-            <a:r>
-              <a:rPr lang="en-US" altLang="ko-KR" sz="2000">
-                <a:latin typeface="나눔고딕 Light" panose="020D0904000000000000" pitchFamily="50" charset="-127"/>
-                <a:ea typeface="나눔고딕 Light" panose="020D0904000000000000" pitchFamily="50" charset="-127"/>
-              </a:rPr>
-              <a:t>~</a:t>
-            </a:r>
-            <a:r>
-              <a:rPr lang="ko-KR" altLang="en-US" sz="2000">
-                <a:latin typeface="나눔고딕 Light" panose="020D0904000000000000" pitchFamily="50" charset="-127"/>
-                <a:ea typeface="나눔고딕 Light" panose="020D0904000000000000" pitchFamily="50" charset="-127"/>
-              </a:rPr>
-              <a:t> </a:t>
-            </a:r>
-            <a:r>
-              <a:rPr lang="en-US" altLang="ko-KR" sz="2000">
-                <a:latin typeface="나눔고딕 Light" panose="020D0904000000000000" pitchFamily="50" charset="-127"/>
-                <a:ea typeface="나눔고딕 Light" panose="020D0904000000000000" pitchFamily="50" charset="-127"/>
-              </a:rPr>
-              <a:t>8/13 (</a:t>
-            </a:r>
-            <a:r>
-              <a:rPr lang="ko-KR" altLang="en-US" sz="2000">
-                <a:latin typeface="나눔고딕 Light" panose="020D0904000000000000" pitchFamily="50" charset="-127"/>
-                <a:ea typeface="나눔고딕 Light" panose="020D0904000000000000" pitchFamily="50" charset="-127"/>
-              </a:rPr>
-              <a:t>평일 </a:t>
-            </a:r>
-            <a:r>
-              <a:rPr lang="en-US" altLang="ko-KR" sz="2000">
-                <a:latin typeface="나눔고딕 Light" panose="020D0904000000000000" pitchFamily="50" charset="-127"/>
-                <a:ea typeface="나눔고딕 Light" panose="020D0904000000000000" pitchFamily="50" charset="-127"/>
-              </a:rPr>
-              <a:t>6</a:t>
-            </a:r>
-            <a:r>
-              <a:rPr lang="ko-KR" altLang="en-US" sz="2000">
-                <a:latin typeface="나눔고딕 Light" panose="020D0904000000000000" pitchFamily="50" charset="-127"/>
-                <a:ea typeface="나눔고딕 Light" panose="020D0904000000000000" pitchFamily="50" charset="-127"/>
-              </a:rPr>
-              <a:t>일</a:t>
-            </a:r>
-            <a:r>
-              <a:rPr lang="en-US" altLang="ko-KR" sz="2000">
-                <a:latin typeface="나눔고딕 Light" panose="020D0904000000000000" pitchFamily="50" charset="-127"/>
-                <a:ea typeface="나눔고딕 Light" panose="020D0904000000000000" pitchFamily="50" charset="-127"/>
-              </a:rPr>
-              <a:t>)</a:t>
-            </a:r>
-          </a:p>
-        </p:txBody>
-      </p:sp>
-      <p:sp>
-        <p:nvSpPr>
-          <p:cNvPr id="17" name="TextBox 16">
-            <a:extLst>
-              <a:ext uri="{FF2B5EF4-FFF2-40B4-BE49-F238E27FC236}">
-                <a16:creationId xmlns:a16="http://schemas.microsoft.com/office/drawing/2014/main" id="{6A2C73EF-093A-4632-814D-38E7708F08B5}"/>
-              </a:ext>
-            </a:extLst>
-          </p:cNvPr>
-          <p:cNvSpPr txBox="1"/>
-          <p:nvPr/>
-        </p:nvSpPr>
-        <p:spPr>
-          <a:xfrm>
-            <a:off x="6961820" y="4066090"/>
-            <a:ext cx="2550699" cy="400110"/>
-          </a:xfrm>
-          <a:prstGeom prst="rect">
-            <a:avLst/>
-          </a:prstGeom>
-          <a:noFill/>
-        </p:spPr>
-        <p:txBody>
-          <a:bodyPr wrap="none" rtlCol="0">
-            <a:spAutoFit/>
-          </a:bodyPr>
-          <a:lstStyle/>
-          <a:p>
-            <a:pPr algn="ctr"/>
-            <a:r>
-              <a:rPr lang="ko-KR" altLang="en-US" sz="2000">
-                <a:latin typeface="나눔고딕 Light" panose="020D0904000000000000" pitchFamily="50" charset="-127"/>
-                <a:ea typeface="나눔고딕 Light" panose="020D0904000000000000" pitchFamily="50" charset="-127"/>
-              </a:rPr>
-              <a:t>엔진 구조</a:t>
-            </a:r>
-            <a:r>
-              <a:rPr lang="en-US" altLang="ko-KR" sz="2000">
-                <a:latin typeface="나눔고딕 Light" panose="020D0904000000000000" pitchFamily="50" charset="-127"/>
-                <a:ea typeface="나눔고딕 Light" panose="020D0904000000000000" pitchFamily="50" charset="-127"/>
-              </a:rPr>
-              <a:t>, </a:t>
-            </a:r>
-            <a:r>
-              <a:rPr lang="ko-KR" altLang="en-US" sz="2000">
-                <a:latin typeface="나눔고딕 Light" panose="020D0904000000000000" pitchFamily="50" charset="-127"/>
-                <a:ea typeface="나눔고딕 Light" panose="020D0904000000000000" pitchFamily="50" charset="-127"/>
-              </a:rPr>
-              <a:t>기초</a:t>
-            </a:r>
-            <a:r>
-              <a:rPr lang="en-US" altLang="ko-KR" sz="2000">
-                <a:latin typeface="나눔고딕 Light" panose="020D0904000000000000" pitchFamily="50" charset="-127"/>
-                <a:ea typeface="나눔고딕 Light" panose="020D0904000000000000" pitchFamily="50" charset="-127"/>
-              </a:rPr>
-              <a:t>, </a:t>
-            </a:r>
-            <a:r>
-              <a:rPr lang="ko-KR" altLang="en-US" sz="2000">
-                <a:latin typeface="나눔고딕 Light" panose="020D0904000000000000" pitchFamily="50" charset="-127"/>
-                <a:ea typeface="나눔고딕 Light" panose="020D0904000000000000" pitchFamily="50" charset="-127"/>
-              </a:rPr>
-              <a:t>응용</a:t>
+                <a:solidFill>
+                  <a:srgbClr val="FF0000"/>
+                </a:solidFill>
+                <a:latin typeface="나눔고딕 Light" panose="020D0904000000000000" pitchFamily="50" charset="-127"/>
+                <a:ea typeface="나눔고딕 Light" panose="020D0904000000000000" pitchFamily="50" charset="-127"/>
+              </a:rPr>
+              <a:t>학습 동기 부여</a:t>
             </a:r>
             <a:endParaRPr lang="en-US" altLang="ko-KR" sz="2000">
+              <a:solidFill>
+                <a:srgbClr val="FF0000"/>
+              </a:solidFill>
               <a:latin typeface="나눔고딕 Light" panose="020D0904000000000000" pitchFamily="50" charset="-127"/>
               <a:ea typeface="나눔고딕 Light" panose="020D0904000000000000" pitchFamily="50" charset="-127"/>
             </a:endParaRPr>
           </a:p>
         </p:txBody>
       </p:sp>
-      <p:sp>
-        <p:nvSpPr>
-          <p:cNvPr id="18" name="TextBox 17">
-            <a:extLst>
-              <a:ext uri="{FF2B5EF4-FFF2-40B4-BE49-F238E27FC236}">
-                <a16:creationId xmlns:a16="http://schemas.microsoft.com/office/drawing/2014/main" id="{DA129AD2-606D-455D-A264-DB84D6247E5D}"/>
-              </a:ext>
-            </a:extLst>
-          </p:cNvPr>
-          <p:cNvSpPr txBox="1"/>
-          <p:nvPr/>
-        </p:nvSpPr>
-        <p:spPr>
-          <a:xfrm>
-            <a:off x="7351346" y="4587251"/>
-            <a:ext cx="1771639" cy="400110"/>
-          </a:xfrm>
-          <a:prstGeom prst="rect">
-            <a:avLst/>
-          </a:prstGeom>
-          <a:noFill/>
-        </p:spPr>
-        <p:txBody>
-          <a:bodyPr wrap="none" rtlCol="0">
-            <a:spAutoFit/>
-          </a:bodyPr>
-          <a:lstStyle/>
-          <a:p>
-            <a:pPr algn="ctr"/>
-            <a:r>
-              <a:rPr lang="ko-KR" altLang="en-US" sz="2000">
-                <a:latin typeface="나눔고딕 Light" panose="020D0904000000000000" pitchFamily="50" charset="-127"/>
-                <a:ea typeface="나눔고딕 Light" panose="020D0904000000000000" pitchFamily="50" charset="-127"/>
-              </a:rPr>
-              <a:t>디콘 응용 부문</a:t>
-            </a:r>
-            <a:endParaRPr lang="en-US" altLang="ko-KR" sz="2000">
-              <a:latin typeface="나눔고딕 Light" panose="020D0904000000000000" pitchFamily="50" charset="-127"/>
-              <a:ea typeface="나눔고딕 Light" panose="020D0904000000000000" pitchFamily="50" charset="-127"/>
-            </a:endParaRPr>
-          </a:p>
-        </p:txBody>
-      </p:sp>
     </p:spTree>
     <p:extLst>
       <p:ext uri="{BB962C8B-B14F-4D97-AF65-F5344CB8AC3E}">
-        <p14:creationId xmlns:p14="http://schemas.microsoft.com/office/powerpoint/2010/main" val="3691039190"/>
+        <p14:creationId xmlns:p14="http://schemas.microsoft.com/office/powerpoint/2010/main" val="2002013133"/>
       </p:ext>
     </p:extLst>
   </p:cSld>
@@ -7526,10 +7517,10 @@
       </p:cxnSp>
       <p:sp>
         <p:nvSpPr>
-          <p:cNvPr id="15" name="TextBox 14">
-            <a:extLst>
-              <a:ext uri="{FF2B5EF4-FFF2-40B4-BE49-F238E27FC236}">
-                <a16:creationId xmlns:a16="http://schemas.microsoft.com/office/drawing/2014/main" id="{163A2D11-AF65-479E-A9C2-7AFD6E1C391C}"/>
+          <p:cNvPr id="10" name="TextBox 9">
+            <a:extLst>
+              <a:ext uri="{FF2B5EF4-FFF2-40B4-BE49-F238E27FC236}">
+                <a16:creationId xmlns:a16="http://schemas.microsoft.com/office/drawing/2014/main" id="{1A579936-996A-4D94-B2BE-A5BE2047D396}"/>
               </a:ext>
             </a:extLst>
           </p:cNvPr>
@@ -7538,8 +7529,8 @@
         </p:nvSpPr>
         <p:spPr>
           <a:xfrm>
-            <a:off x="541780" y="1121106"/>
-            <a:ext cx="2392001" cy="400110"/>
+            <a:off x="3834002" y="1933221"/>
+            <a:ext cx="4523995" cy="646331"/>
           </a:xfrm>
           <a:prstGeom prst="rect">
             <a:avLst/>
@@ -7552,115 +7543,34 @@
           </a:bodyPr>
           <a:lstStyle/>
           <a:p>
-            <a:r>
-              <a:rPr lang="ko-KR" altLang="en-US" sz="2000">
-                <a:latin typeface="나눔고딕 Light" panose="020D0904000000000000" pitchFamily="50" charset="-127"/>
-                <a:ea typeface="나눔고딕 Light" panose="020D0904000000000000" pitchFamily="50" charset="-127"/>
-              </a:rPr>
-              <a:t>어떻게 진행되나요</a:t>
-            </a:r>
-            <a:r>
-              <a:rPr lang="en-US" altLang="ko-KR" sz="2000">
-                <a:latin typeface="나눔고딕 Light" panose="020D0904000000000000" pitchFamily="50" charset="-127"/>
-                <a:ea typeface="나눔고딕 Light" panose="020D0904000000000000" pitchFamily="50" charset="-127"/>
-              </a:rPr>
-              <a:t>?</a:t>
-            </a:r>
-          </a:p>
-        </p:txBody>
-      </p:sp>
-      <p:cxnSp>
-        <p:nvCxnSpPr>
-          <p:cNvPr id="19" name="직선 연결선 18">
-            <a:extLst>
-              <a:ext uri="{FF2B5EF4-FFF2-40B4-BE49-F238E27FC236}">
-                <a16:creationId xmlns:a16="http://schemas.microsoft.com/office/drawing/2014/main" id="{BD8C22AA-CB1F-4F46-BF03-E5C4EBC94F84}"/>
-              </a:ext>
-            </a:extLst>
-          </p:cNvPr>
-          <p:cNvCxnSpPr>
-            <a:cxnSpLocks/>
-          </p:cNvCxnSpPr>
-          <p:nvPr/>
-        </p:nvCxnSpPr>
-        <p:spPr>
-          <a:xfrm>
-            <a:off x="4117062" y="2003135"/>
-            <a:ext cx="0" cy="2851730"/>
-          </a:xfrm>
-          <a:prstGeom prst="line">
-            <a:avLst/>
-          </a:prstGeom>
-          <a:ln>
-            <a:solidFill>
-              <a:schemeClr val="tx1"/>
-            </a:solidFill>
-          </a:ln>
-        </p:spPr>
-        <p:style>
-          <a:lnRef idx="1">
-            <a:schemeClr val="accent1"/>
-          </a:lnRef>
-          <a:fillRef idx="0">
-            <a:schemeClr val="accent1"/>
-          </a:fillRef>
-          <a:effectRef idx="0">
-            <a:schemeClr val="accent1"/>
-          </a:effectRef>
-          <a:fontRef idx="minor">
-            <a:schemeClr val="tx1"/>
-          </a:fontRef>
-        </p:style>
-      </p:cxnSp>
-      <p:cxnSp>
-        <p:nvCxnSpPr>
-          <p:cNvPr id="20" name="직선 연결선 19">
-            <a:extLst>
-              <a:ext uri="{FF2B5EF4-FFF2-40B4-BE49-F238E27FC236}">
-                <a16:creationId xmlns:a16="http://schemas.microsoft.com/office/drawing/2014/main" id="{A29AE721-6EE3-490E-BC78-92A85AB980AD}"/>
-              </a:ext>
-            </a:extLst>
-          </p:cNvPr>
-          <p:cNvCxnSpPr>
-            <a:cxnSpLocks/>
-          </p:cNvCxnSpPr>
-          <p:nvPr/>
-        </p:nvCxnSpPr>
-        <p:spPr>
-          <a:xfrm>
-            <a:off x="8046332" y="2003135"/>
-            <a:ext cx="0" cy="2851730"/>
-          </a:xfrm>
-          <a:prstGeom prst="line">
-            <a:avLst/>
-          </a:prstGeom>
-          <a:ln>
-            <a:solidFill>
-              <a:schemeClr val="tx1"/>
-            </a:solidFill>
-          </a:ln>
-        </p:spPr>
-        <p:style>
-          <a:lnRef idx="1">
-            <a:schemeClr val="accent1"/>
-          </a:lnRef>
-          <a:fillRef idx="0">
-            <a:schemeClr val="accent1"/>
-          </a:fillRef>
-          <a:effectRef idx="0">
-            <a:schemeClr val="accent1"/>
-          </a:effectRef>
-          <a:fontRef idx="minor">
-            <a:schemeClr val="tx1"/>
-          </a:fontRef>
-        </p:style>
-      </p:cxnSp>
-      <p:sp>
-        <p:nvSpPr>
-          <p:cNvPr id="24" name="TextBox 23">
-            <a:extLst>
-              <a:ext uri="{FF2B5EF4-FFF2-40B4-BE49-F238E27FC236}">
-                <a16:creationId xmlns:a16="http://schemas.microsoft.com/office/drawing/2014/main" id="{AA782EA0-EF1A-4A70-B74D-1D228AF55A44}"/>
+            <a:pPr algn="ctr"/>
+            <a:r>
+              <a:rPr lang="en-US" altLang="ko-KR" sz="3600">
+                <a:latin typeface="나눔고딕 Light" panose="020D0904000000000000" pitchFamily="50" charset="-127"/>
+                <a:ea typeface="나눔고딕 Light" panose="020D0904000000000000" pitchFamily="50" charset="-127"/>
+              </a:rPr>
+              <a:t>2021 RG </a:t>
+            </a:r>
+            <a:r>
+              <a:rPr lang="ko-KR" altLang="en-US" sz="3600">
+                <a:latin typeface="나눔고딕 Light" panose="020D0904000000000000" pitchFamily="50" charset="-127"/>
+                <a:ea typeface="나눔고딕 Light" panose="020D0904000000000000" pitchFamily="50" charset="-127"/>
+              </a:rPr>
+              <a:t>동아리 특강</a:t>
+            </a:r>
+            <a:endParaRPr lang="en-US" altLang="ko-KR" sz="3600">
+              <a:latin typeface="나눔고딕 Light" panose="020D0904000000000000" pitchFamily="50" charset="-127"/>
+              <a:ea typeface="나눔고딕 Light" panose="020D0904000000000000" pitchFamily="50" charset="-127"/>
+            </a:endParaRPr>
+          </a:p>
+        </p:txBody>
+      </p:sp>
+      <p:sp>
+        <p:nvSpPr>
+          <p:cNvPr id="7" name="TextBox 6">
+            <a:extLst>
+              <a:ext uri="{FF2B5EF4-FFF2-40B4-BE49-F238E27FC236}">
+                <a16:creationId xmlns:a16="http://schemas.microsoft.com/office/drawing/2014/main" id="{86B93689-D858-44D8-8C3F-F3524AA5DEAF}"/>
               </a:ext>
             </a:extLst>
           </p:cNvPr>
@@ -7669,8 +7579,8 @@
         </p:nvSpPr>
         <p:spPr>
           <a:xfrm>
-            <a:off x="5107588" y="2287221"/>
-            <a:ext cx="1976823" cy="523220"/>
+            <a:off x="2997875" y="2900658"/>
+            <a:ext cx="1672253" cy="523220"/>
           </a:xfrm>
           <a:prstGeom prst="rect">
             <a:avLst/>
@@ -7685,21 +7595,32 @@
           <a:p>
             <a:pPr algn="ctr"/>
             <a:r>
+              <a:rPr lang="en-US" altLang="ko-KR" sz="2800">
+                <a:latin typeface="나눔고딕 Light" panose="020D0904000000000000" pitchFamily="50" charset="-127"/>
+                <a:ea typeface="나눔고딕 Light" panose="020D0904000000000000" pitchFamily="50" charset="-127"/>
+              </a:rPr>
+              <a:t>C++ </a:t>
+            </a:r>
+            <a:r>
               <a:rPr lang="ko-KR" altLang="en-US" sz="2800">
                 <a:latin typeface="나눔고딕 Light" panose="020D0904000000000000" pitchFamily="50" charset="-127"/>
                 <a:ea typeface="나눔고딕 Light" panose="020D0904000000000000" pitchFamily="50" charset="-127"/>
               </a:rPr>
-              <a:t>실시간 수업</a:t>
-            </a:r>
-          </a:p>
-        </p:txBody>
-      </p:sp>
-      <p:sp>
-        <p:nvSpPr>
-          <p:cNvPr id="25" name="TextBox 24">
-            <a:extLst>
-              <a:ext uri="{FF2B5EF4-FFF2-40B4-BE49-F238E27FC236}">
-                <a16:creationId xmlns:a16="http://schemas.microsoft.com/office/drawing/2014/main" id="{CA8E4C1C-D980-4CCB-BC17-C88396BC2FB0}"/>
+              <a:t>일부</a:t>
+            </a:r>
+            <a:endParaRPr lang="en-US" altLang="ko-KR" sz="2800">
+              <a:latin typeface="나눔고딕 Light" panose="020D0904000000000000" pitchFamily="50" charset="-127"/>
+              <a:ea typeface="나눔고딕 Light" panose="020D0904000000000000" pitchFamily="50" charset="-127"/>
+            </a:endParaRPr>
+          </a:p>
+        </p:txBody>
+      </p:sp>
+      <p:sp>
+        <p:nvSpPr>
+          <p:cNvPr id="11" name="TextBox 10">
+            <a:extLst>
+              <a:ext uri="{FF2B5EF4-FFF2-40B4-BE49-F238E27FC236}">
+                <a16:creationId xmlns:a16="http://schemas.microsoft.com/office/drawing/2014/main" id="{9D300BBE-1754-4F9F-A069-9600C055A16C}"/>
               </a:ext>
             </a:extLst>
           </p:cNvPr>
@@ -7708,8 +7629,8 @@
         </p:nvSpPr>
         <p:spPr>
           <a:xfrm>
-            <a:off x="1069731" y="2287221"/>
-            <a:ext cx="2337499" cy="523220"/>
+            <a:off x="7521874" y="2900658"/>
+            <a:ext cx="1370888" cy="523220"/>
           </a:xfrm>
           <a:prstGeom prst="rect">
             <a:avLst/>
@@ -7724,34 +7645,20 @@
           <a:p>
             <a:pPr algn="ctr"/>
             <a:r>
+              <a:rPr lang="en-US" altLang="ko-KR" sz="2800">
+                <a:latin typeface="나눔고딕 Light" panose="020D0904000000000000" pitchFamily="50" charset="-127"/>
+                <a:ea typeface="나눔고딕 Light" panose="020D0904000000000000" pitchFamily="50" charset="-127"/>
+              </a:rPr>
+              <a:t>RG</a:t>
+            </a:r>
+            <a:r>
               <a:rPr lang="ko-KR" altLang="en-US" sz="2800">
                 <a:latin typeface="나눔고딕 Light" panose="020D0904000000000000" pitchFamily="50" charset="-127"/>
                 <a:ea typeface="나눔고딕 Light" panose="020D0904000000000000" pitchFamily="50" charset="-127"/>
               </a:rPr>
-              <a:t>수업 전 </a:t>
-            </a:r>
-            <a:r>
-              <a:rPr lang="en-US" altLang="ko-KR" sz="2800">
-                <a:latin typeface="나눔고딕 Light" panose="020D0904000000000000" pitchFamily="50" charset="-127"/>
-                <a:ea typeface="나눔고딕 Light" panose="020D0904000000000000" pitchFamily="50" charset="-127"/>
-              </a:rPr>
-              <a:t>(</a:t>
-            </a:r>
-            <a:r>
-              <a:rPr lang="ko-KR" altLang="en-US" sz="2800">
-                <a:latin typeface="나눔고딕 Light" panose="020D0904000000000000" pitchFamily="50" charset="-127"/>
-                <a:ea typeface="나눔고딕 Light" panose="020D0904000000000000" pitchFamily="50" charset="-127"/>
-              </a:rPr>
-              <a:t>예습</a:t>
-            </a:r>
-            <a:r>
-              <a:rPr lang="en-US" altLang="ko-KR" sz="2800">
-                <a:latin typeface="나눔고딕 Light" panose="020D0904000000000000" pitchFamily="50" charset="-127"/>
-                <a:ea typeface="나눔고딕 Light" panose="020D0904000000000000" pitchFamily="50" charset="-127"/>
-              </a:rPr>
-              <a:t>)</a:t>
-            </a:r>
-            <a:endParaRPr lang="ko-KR" altLang="en-US" sz="2800">
+              <a:t>엔진</a:t>
+            </a:r>
+            <a:endParaRPr lang="en-US" altLang="ko-KR" sz="2800">
               <a:latin typeface="나눔고딕 Light" panose="020D0904000000000000" pitchFamily="50" charset="-127"/>
               <a:ea typeface="나눔고딕 Light" panose="020D0904000000000000" pitchFamily="50" charset="-127"/>
             </a:endParaRPr>
@@ -7760,10 +7667,10 @@
       </p:sp>
       <p:sp>
         <p:nvSpPr>
-          <p:cNvPr id="26" name="TextBox 25">
-            <a:extLst>
-              <a:ext uri="{FF2B5EF4-FFF2-40B4-BE49-F238E27FC236}">
-                <a16:creationId xmlns:a16="http://schemas.microsoft.com/office/drawing/2014/main" id="{9ABE0834-7141-4434-921A-5880F36C84DD}"/>
+          <p:cNvPr id="12" name="TextBox 11">
+            <a:extLst>
+              <a:ext uri="{FF2B5EF4-FFF2-40B4-BE49-F238E27FC236}">
+                <a16:creationId xmlns:a16="http://schemas.microsoft.com/office/drawing/2014/main" id="{87F9CCCC-7022-4A82-92D1-321B31C7E3E7}"/>
               </a:ext>
             </a:extLst>
           </p:cNvPr>
@@ -7772,8 +7679,8 @@
         </p:nvSpPr>
         <p:spPr>
           <a:xfrm>
-            <a:off x="9008254" y="2287221"/>
-            <a:ext cx="2337499" cy="523220"/>
+            <a:off x="2851200" y="3544929"/>
+            <a:ext cx="1965602" cy="400110"/>
           </a:xfrm>
           <a:prstGeom prst="rect">
             <a:avLst/>
@@ -7788,46 +7695,63 @@
           <a:p>
             <a:pPr algn="ctr"/>
             <a:r>
-              <a:rPr lang="ko-KR" altLang="en-US" sz="2800">
-                <a:latin typeface="나눔고딕 Light" panose="020D0904000000000000" pitchFamily="50" charset="-127"/>
-                <a:ea typeface="나눔고딕 Light" panose="020D0904000000000000" pitchFamily="50" charset="-127"/>
-              </a:rPr>
-              <a:t>수업 후 </a:t>
-            </a:r>
-            <a:r>
-              <a:rPr lang="en-US" altLang="ko-KR" sz="2800">
-                <a:latin typeface="나눔고딕 Light" panose="020D0904000000000000" pitchFamily="50" charset="-127"/>
-                <a:ea typeface="나눔고딕 Light" panose="020D0904000000000000" pitchFamily="50" charset="-127"/>
-              </a:rPr>
-              <a:t>(</a:t>
-            </a:r>
-            <a:r>
-              <a:rPr lang="ko-KR" altLang="en-US" sz="2800">
-                <a:latin typeface="나눔고딕 Light" panose="020D0904000000000000" pitchFamily="50" charset="-127"/>
-                <a:ea typeface="나눔고딕 Light" panose="020D0904000000000000" pitchFamily="50" charset="-127"/>
-              </a:rPr>
-              <a:t>복습</a:t>
-            </a:r>
-            <a:r>
-              <a:rPr lang="en-US" altLang="ko-KR" sz="2800">
+              <a:rPr lang="en-US" altLang="ko-KR" sz="2000">
+                <a:latin typeface="나눔고딕 Light" panose="020D0904000000000000" pitchFamily="50" charset="-127"/>
+                <a:ea typeface="나눔고딕 Light" panose="020D0904000000000000" pitchFamily="50" charset="-127"/>
+              </a:rPr>
+              <a:t>8/2</a:t>
+            </a:r>
+            <a:r>
+              <a:rPr lang="ko-KR" altLang="en-US" sz="2000">
+                <a:latin typeface="나눔고딕 Light" panose="020D0904000000000000" pitchFamily="50" charset="-127"/>
+                <a:ea typeface="나눔고딕 Light" panose="020D0904000000000000" pitchFamily="50" charset="-127"/>
+              </a:rPr>
+              <a:t> </a:t>
+            </a:r>
+            <a:r>
+              <a:rPr lang="en-US" altLang="ko-KR" sz="2000">
+                <a:latin typeface="나눔고딕 Light" panose="020D0904000000000000" pitchFamily="50" charset="-127"/>
+                <a:ea typeface="나눔고딕 Light" panose="020D0904000000000000" pitchFamily="50" charset="-127"/>
+              </a:rPr>
+              <a:t>~</a:t>
+            </a:r>
+            <a:r>
+              <a:rPr lang="ko-KR" altLang="en-US" sz="2000">
+                <a:latin typeface="나눔고딕 Light" panose="020D0904000000000000" pitchFamily="50" charset="-127"/>
+                <a:ea typeface="나눔고딕 Light" panose="020D0904000000000000" pitchFamily="50" charset="-127"/>
+              </a:rPr>
+              <a:t> </a:t>
+            </a:r>
+            <a:r>
+              <a:rPr lang="en-US" altLang="ko-KR" sz="2000">
+                <a:latin typeface="나눔고딕 Light" panose="020D0904000000000000" pitchFamily="50" charset="-127"/>
+                <a:ea typeface="나눔고딕 Light" panose="020D0904000000000000" pitchFamily="50" charset="-127"/>
+              </a:rPr>
+              <a:t>8/5 (4</a:t>
+            </a:r>
+            <a:r>
+              <a:rPr lang="ko-KR" altLang="en-US" sz="2000">
+                <a:latin typeface="나눔고딕 Light" panose="020D0904000000000000" pitchFamily="50" charset="-127"/>
+                <a:ea typeface="나눔고딕 Light" panose="020D0904000000000000" pitchFamily="50" charset="-127"/>
+              </a:rPr>
+              <a:t>일</a:t>
+            </a:r>
+            <a:r>
+              <a:rPr lang="en-US" altLang="ko-KR" sz="2000">
                 <a:latin typeface="나눔고딕 Light" panose="020D0904000000000000" pitchFamily="50" charset="-127"/>
                 <a:ea typeface="나눔고딕 Light" panose="020D0904000000000000" pitchFamily="50" charset="-127"/>
               </a:rPr>
               <a:t>)</a:t>
             </a:r>
-            <a:endParaRPr lang="ko-KR" altLang="en-US" sz="2800">
-              <a:latin typeface="나눔고딕 Light" panose="020D0904000000000000" pitchFamily="50" charset="-127"/>
-              <a:ea typeface="나눔고딕 Light" panose="020D0904000000000000" pitchFamily="50" charset="-127"/>
-            </a:endParaRPr>
-          </a:p>
-        </p:txBody>
-      </p:sp>
-      <p:sp>
-        <p:nvSpPr>
-          <p:cNvPr id="27" name="TextBox 26">
-            <a:extLst>
-              <a:ext uri="{FF2B5EF4-FFF2-40B4-BE49-F238E27FC236}">
-                <a16:creationId xmlns:a16="http://schemas.microsoft.com/office/drawing/2014/main" id="{E81B317E-1E59-437A-871A-7A6536F99502}"/>
+          </a:p>
+        </p:txBody>
+      </p:sp>
+      <p:sp>
+        <p:nvSpPr>
+          <p:cNvPr id="13" name="TextBox 12">
+            <a:extLst>
+              <a:ext uri="{FF2B5EF4-FFF2-40B4-BE49-F238E27FC236}">
+                <a16:creationId xmlns:a16="http://schemas.microsoft.com/office/drawing/2014/main" id="{576D8E58-3309-4E68-8126-C248C0475493}"/>
               </a:ext>
             </a:extLst>
           </p:cNvPr>
@@ -7836,8 +7760,8 @@
         </p:nvSpPr>
         <p:spPr>
           <a:xfrm>
-            <a:off x="590015" y="3075057"/>
-            <a:ext cx="2565126" cy="707886"/>
+            <a:off x="2513769" y="4066090"/>
+            <a:ext cx="2640467" cy="400110"/>
           </a:xfrm>
           <a:prstGeom prst="rect">
             <a:avLst/>
@@ -7850,35 +7774,55 @@
           </a:bodyPr>
           <a:lstStyle/>
           <a:p>
+            <a:pPr algn="ctr"/>
             <a:r>
               <a:rPr lang="ko-KR" altLang="en-US" sz="2000">
                 <a:latin typeface="나눔고딕 Light" panose="020D0904000000000000" pitchFamily="50" charset="-127"/>
                 <a:ea typeface="나눔고딕 Light" panose="020D0904000000000000" pitchFamily="50" charset="-127"/>
               </a:rPr>
-              <a:t>수업 자료를 통한 예습</a:t>
+              <a:t>메모리</a:t>
+            </a:r>
+            <a:r>
+              <a:rPr lang="en-US" altLang="ko-KR" sz="2000">
+                <a:latin typeface="나눔고딕 Light" panose="020D0904000000000000" pitchFamily="50" charset="-127"/>
+                <a:ea typeface="나눔고딕 Light" panose="020D0904000000000000" pitchFamily="50" charset="-127"/>
+              </a:rPr>
+              <a:t>, </a:t>
+            </a:r>
+            <a:r>
+              <a:rPr lang="ko-KR" altLang="en-US" sz="2000">
+                <a:latin typeface="나눔고딕 Light" panose="020D0904000000000000" pitchFamily="50" charset="-127"/>
+                <a:ea typeface="나눔고딕 Light" panose="020D0904000000000000" pitchFamily="50" charset="-127"/>
+              </a:rPr>
+              <a:t>문자열</a:t>
+            </a:r>
+            <a:r>
+              <a:rPr lang="en-US" altLang="ko-KR" sz="2000">
+                <a:latin typeface="나눔고딕 Light" panose="020D0904000000000000" pitchFamily="50" charset="-127"/>
+                <a:ea typeface="나눔고딕 Light" panose="020D0904000000000000" pitchFamily="50" charset="-127"/>
+              </a:rPr>
+              <a:t>, STL </a:t>
+            </a:r>
+            <a:r>
+              <a:rPr lang="ko-KR" altLang="en-US" sz="2000">
+                <a:latin typeface="나눔고딕 Light" panose="020D0904000000000000" pitchFamily="50" charset="-127"/>
+                <a:ea typeface="나눔고딕 Light" panose="020D0904000000000000" pitchFamily="50" charset="-127"/>
+              </a:rPr>
+              <a:t>등</a:t>
             </a:r>
             <a:endParaRPr lang="en-US" altLang="ko-KR" sz="2000">
               <a:latin typeface="나눔고딕 Light" panose="020D0904000000000000" pitchFamily="50" charset="-127"/>
               <a:ea typeface="나눔고딕 Light" panose="020D0904000000000000" pitchFamily="50" charset="-127"/>
             </a:endParaRPr>
           </a:p>
-          <a:p>
-            <a:r>
-              <a:rPr lang="ko-KR" altLang="en-US" sz="2000">
-                <a:latin typeface="나눔고딕 Light" panose="020D0904000000000000" pitchFamily="50" charset="-127"/>
-                <a:ea typeface="나눔고딕 Light" panose="020D0904000000000000" pitchFamily="50" charset="-127"/>
-              </a:rPr>
-              <a:t>자율적으로 진행</a:t>
-            </a:r>
-          </a:p>
-        </p:txBody>
-      </p:sp>
-      <p:sp>
-        <p:nvSpPr>
-          <p:cNvPr id="28" name="TextBox 27">
-            <a:extLst>
-              <a:ext uri="{FF2B5EF4-FFF2-40B4-BE49-F238E27FC236}">
-                <a16:creationId xmlns:a16="http://schemas.microsoft.com/office/drawing/2014/main" id="{46266C0D-CC7F-4FC1-84F4-3B01A3EAFB63}"/>
+        </p:txBody>
+      </p:sp>
+      <p:sp>
+        <p:nvSpPr>
+          <p:cNvPr id="14" name="TextBox 13">
+            <a:extLst>
+              <a:ext uri="{FF2B5EF4-FFF2-40B4-BE49-F238E27FC236}">
+                <a16:creationId xmlns:a16="http://schemas.microsoft.com/office/drawing/2014/main" id="{B2D7AC8E-40EC-4F74-916D-C59C8ECC2AE8}"/>
               </a:ext>
             </a:extLst>
           </p:cNvPr>
@@ -7887,8 +7831,8 @@
         </p:nvSpPr>
         <p:spPr>
           <a:xfrm>
-            <a:off x="4519284" y="3075057"/>
-            <a:ext cx="3248005" cy="707886"/>
+            <a:off x="2791889" y="4587251"/>
+            <a:ext cx="2084225" cy="400110"/>
           </a:xfrm>
           <a:prstGeom prst="rect">
             <a:avLst/>
@@ -7901,42 +7845,27 @@
           </a:bodyPr>
           <a:lstStyle/>
           <a:p>
-            <a:r>
-              <a:rPr lang="en-US" altLang="ko-KR" sz="2000">
-                <a:latin typeface="나눔고딕 Light" panose="020D0904000000000000" pitchFamily="50" charset="-127"/>
-                <a:ea typeface="나눔고딕 Light" panose="020D0904000000000000" pitchFamily="50" charset="-127"/>
-              </a:rPr>
-              <a:t>Zoom</a:t>
-            </a:r>
+            <a:pPr algn="ctr"/>
             <a:r>
               <a:rPr lang="ko-KR" altLang="en-US" sz="2000">
                 <a:latin typeface="나눔고딕 Light" panose="020D0904000000000000" pitchFamily="50" charset="-127"/>
                 <a:ea typeface="나눔고딕 Light" panose="020D0904000000000000" pitchFamily="50" charset="-127"/>
               </a:rPr>
-              <a:t>을 이용한 실시간 수업</a:t>
+              <a:t>게임 개발 기본기</a:t>
             </a:r>
             <a:endParaRPr lang="en-US" altLang="ko-KR" sz="2000">
               <a:latin typeface="나눔고딕 Light" panose="020D0904000000000000" pitchFamily="50" charset="-127"/>
               <a:ea typeface="나눔고딕 Light" panose="020D0904000000000000" pitchFamily="50" charset="-127"/>
             </a:endParaRPr>
           </a:p>
-          <a:p>
-            <a:r>
-              <a:rPr lang="ko-KR" altLang="en-US" sz="2000">
-                <a:latin typeface="나눔고딕 Light" panose="020D0904000000000000" pitchFamily="50" charset="-127"/>
-                <a:ea typeface="나눔고딕 Light" panose="020D0904000000000000" pitchFamily="50" charset="-127"/>
-              </a:rPr>
-              <a:t>이론과 실습 병행</a:t>
-            </a:r>
-          </a:p>
-        </p:txBody>
-      </p:sp>
-      <p:sp>
-        <p:nvSpPr>
-          <p:cNvPr id="29" name="TextBox 28">
-            <a:extLst>
-              <a:ext uri="{FF2B5EF4-FFF2-40B4-BE49-F238E27FC236}">
-                <a16:creationId xmlns:a16="http://schemas.microsoft.com/office/drawing/2014/main" id="{0BCDE6EF-587A-40BC-93B1-9619C4048736}"/>
+        </p:txBody>
+      </p:sp>
+      <p:sp>
+        <p:nvSpPr>
+          <p:cNvPr id="15" name="TextBox 14">
+            <a:extLst>
+              <a:ext uri="{FF2B5EF4-FFF2-40B4-BE49-F238E27FC236}">
+                <a16:creationId xmlns:a16="http://schemas.microsoft.com/office/drawing/2014/main" id="{163A2D11-AF65-479E-A9C2-7AFD6E1C391C}"/>
               </a:ext>
             </a:extLst>
           </p:cNvPr>
@@ -7945,8 +7874,8 @@
         </p:nvSpPr>
         <p:spPr>
           <a:xfrm>
-            <a:off x="8448553" y="3075057"/>
-            <a:ext cx="2805576" cy="707886"/>
+            <a:off x="541780" y="1121106"/>
+            <a:ext cx="2151551" cy="400110"/>
           </a:xfrm>
           <a:prstGeom prst="rect">
             <a:avLst/>
@@ -7964,30 +7893,190 @@
                 <a:latin typeface="나눔고딕 Light" panose="020D0904000000000000" pitchFamily="50" charset="-127"/>
                 <a:ea typeface="나눔고딕 Light" panose="020D0904000000000000" pitchFamily="50" charset="-127"/>
               </a:rPr>
-              <a:t>수업 내용을 토대로 과제</a:t>
+              <a:t>무엇을 배우나요</a:t>
+            </a:r>
+            <a:r>
+              <a:rPr lang="en-US" altLang="ko-KR" sz="2000">
+                <a:latin typeface="나눔고딕 Light" panose="020D0904000000000000" pitchFamily="50" charset="-127"/>
+                <a:ea typeface="나눔고딕 Light" panose="020D0904000000000000" pitchFamily="50" charset="-127"/>
+              </a:rPr>
+              <a:t>?</a:t>
+            </a:r>
+          </a:p>
+        </p:txBody>
+      </p:sp>
+      <p:sp>
+        <p:nvSpPr>
+          <p:cNvPr id="16" name="TextBox 15">
+            <a:extLst>
+              <a:ext uri="{FF2B5EF4-FFF2-40B4-BE49-F238E27FC236}">
+                <a16:creationId xmlns:a16="http://schemas.microsoft.com/office/drawing/2014/main" id="{4A6787DE-BAF2-49D2-9641-C2C150976624}"/>
+              </a:ext>
+            </a:extLst>
+          </p:cNvPr>
+          <p:cNvSpPr txBox="1"/>
+          <p:nvPr/>
+        </p:nvSpPr>
+        <p:spPr>
+          <a:xfrm>
+            <a:off x="6900099" y="3544929"/>
+            <a:ext cx="2674130" cy="400110"/>
+          </a:xfrm>
+          <a:prstGeom prst="rect">
+            <a:avLst/>
+          </a:prstGeom>
+          <a:noFill/>
+        </p:spPr>
+        <p:txBody>
+          <a:bodyPr wrap="none" rtlCol="0">
+            <a:spAutoFit/>
+          </a:bodyPr>
+          <a:lstStyle/>
+          <a:p>
+            <a:pPr algn="ctr"/>
+            <a:r>
+              <a:rPr lang="en-US" altLang="ko-KR" sz="2000">
+                <a:latin typeface="나눔고딕 Light" panose="020D0904000000000000" pitchFamily="50" charset="-127"/>
+                <a:ea typeface="나눔고딕 Light" panose="020D0904000000000000" pitchFamily="50" charset="-127"/>
+              </a:rPr>
+              <a:t>8/6</a:t>
+            </a:r>
+            <a:r>
+              <a:rPr lang="ko-KR" altLang="en-US" sz="2000">
+                <a:latin typeface="나눔고딕 Light" panose="020D0904000000000000" pitchFamily="50" charset="-127"/>
+                <a:ea typeface="나눔고딕 Light" panose="020D0904000000000000" pitchFamily="50" charset="-127"/>
+              </a:rPr>
+              <a:t> </a:t>
+            </a:r>
+            <a:r>
+              <a:rPr lang="en-US" altLang="ko-KR" sz="2000">
+                <a:latin typeface="나눔고딕 Light" panose="020D0904000000000000" pitchFamily="50" charset="-127"/>
+                <a:ea typeface="나눔고딕 Light" panose="020D0904000000000000" pitchFamily="50" charset="-127"/>
+              </a:rPr>
+              <a:t>~</a:t>
+            </a:r>
+            <a:r>
+              <a:rPr lang="ko-KR" altLang="en-US" sz="2000">
+                <a:latin typeface="나눔고딕 Light" panose="020D0904000000000000" pitchFamily="50" charset="-127"/>
+                <a:ea typeface="나눔고딕 Light" panose="020D0904000000000000" pitchFamily="50" charset="-127"/>
+              </a:rPr>
+              <a:t> </a:t>
+            </a:r>
+            <a:r>
+              <a:rPr lang="en-US" altLang="ko-KR" sz="2000">
+                <a:latin typeface="나눔고딕 Light" panose="020D0904000000000000" pitchFamily="50" charset="-127"/>
+                <a:ea typeface="나눔고딕 Light" panose="020D0904000000000000" pitchFamily="50" charset="-127"/>
+              </a:rPr>
+              <a:t>8/13 (</a:t>
+            </a:r>
+            <a:r>
+              <a:rPr lang="ko-KR" altLang="en-US" sz="2000">
+                <a:latin typeface="나눔고딕 Light" panose="020D0904000000000000" pitchFamily="50" charset="-127"/>
+                <a:ea typeface="나눔고딕 Light" panose="020D0904000000000000" pitchFamily="50" charset="-127"/>
+              </a:rPr>
+              <a:t>평일 </a:t>
+            </a:r>
+            <a:r>
+              <a:rPr lang="en-US" altLang="ko-KR" sz="2000">
+                <a:latin typeface="나눔고딕 Light" panose="020D0904000000000000" pitchFamily="50" charset="-127"/>
+                <a:ea typeface="나눔고딕 Light" panose="020D0904000000000000" pitchFamily="50" charset="-127"/>
+              </a:rPr>
+              <a:t>6</a:t>
+            </a:r>
+            <a:r>
+              <a:rPr lang="ko-KR" altLang="en-US" sz="2000">
+                <a:latin typeface="나눔고딕 Light" panose="020D0904000000000000" pitchFamily="50" charset="-127"/>
+                <a:ea typeface="나눔고딕 Light" panose="020D0904000000000000" pitchFamily="50" charset="-127"/>
+              </a:rPr>
+              <a:t>일</a:t>
+            </a:r>
+            <a:r>
+              <a:rPr lang="en-US" altLang="ko-KR" sz="2000">
+                <a:latin typeface="나눔고딕 Light" panose="020D0904000000000000" pitchFamily="50" charset="-127"/>
+                <a:ea typeface="나눔고딕 Light" panose="020D0904000000000000" pitchFamily="50" charset="-127"/>
+              </a:rPr>
+              <a:t>)</a:t>
+            </a:r>
+          </a:p>
+        </p:txBody>
+      </p:sp>
+      <p:sp>
+        <p:nvSpPr>
+          <p:cNvPr id="17" name="TextBox 16">
+            <a:extLst>
+              <a:ext uri="{FF2B5EF4-FFF2-40B4-BE49-F238E27FC236}">
+                <a16:creationId xmlns:a16="http://schemas.microsoft.com/office/drawing/2014/main" id="{6A2C73EF-093A-4632-814D-38E7708F08B5}"/>
+              </a:ext>
+            </a:extLst>
+          </p:cNvPr>
+          <p:cNvSpPr txBox="1"/>
+          <p:nvPr/>
+        </p:nvSpPr>
+        <p:spPr>
+          <a:xfrm>
+            <a:off x="6961820" y="4066090"/>
+            <a:ext cx="2550699" cy="400110"/>
+          </a:xfrm>
+          <a:prstGeom prst="rect">
+            <a:avLst/>
+          </a:prstGeom>
+          <a:noFill/>
+        </p:spPr>
+        <p:txBody>
+          <a:bodyPr wrap="none" rtlCol="0">
+            <a:spAutoFit/>
+          </a:bodyPr>
+          <a:lstStyle/>
+          <a:p>
+            <a:pPr algn="ctr"/>
+            <a:r>
+              <a:rPr lang="ko-KR" altLang="en-US" sz="2000">
+                <a:latin typeface="나눔고딕 Light" panose="020D0904000000000000" pitchFamily="50" charset="-127"/>
+                <a:ea typeface="나눔고딕 Light" panose="020D0904000000000000" pitchFamily="50" charset="-127"/>
+              </a:rPr>
+              <a:t>엔진 구조</a:t>
+            </a:r>
+            <a:r>
+              <a:rPr lang="en-US" altLang="ko-KR" sz="2000">
+                <a:latin typeface="나눔고딕 Light" panose="020D0904000000000000" pitchFamily="50" charset="-127"/>
+                <a:ea typeface="나눔고딕 Light" panose="020D0904000000000000" pitchFamily="50" charset="-127"/>
+              </a:rPr>
+              <a:t>, </a:t>
+            </a:r>
+            <a:r>
+              <a:rPr lang="ko-KR" altLang="en-US" sz="2000">
+                <a:latin typeface="나눔고딕 Light" panose="020D0904000000000000" pitchFamily="50" charset="-127"/>
+                <a:ea typeface="나눔고딕 Light" panose="020D0904000000000000" pitchFamily="50" charset="-127"/>
+              </a:rPr>
+              <a:t>기초</a:t>
+            </a:r>
+            <a:r>
+              <a:rPr lang="en-US" altLang="ko-KR" sz="2000">
+                <a:latin typeface="나눔고딕 Light" panose="020D0904000000000000" pitchFamily="50" charset="-127"/>
+                <a:ea typeface="나눔고딕 Light" panose="020D0904000000000000" pitchFamily="50" charset="-127"/>
+              </a:rPr>
+              <a:t>, </a:t>
+            </a:r>
+            <a:r>
+              <a:rPr lang="ko-KR" altLang="en-US" sz="2000">
+                <a:latin typeface="나눔고딕 Light" panose="020D0904000000000000" pitchFamily="50" charset="-127"/>
+                <a:ea typeface="나눔고딕 Light" panose="020D0904000000000000" pitchFamily="50" charset="-127"/>
+              </a:rPr>
+              <a:t>응용</a:t>
             </a:r>
             <a:endParaRPr lang="en-US" altLang="ko-KR" sz="2000">
               <a:latin typeface="나눔고딕 Light" panose="020D0904000000000000" pitchFamily="50" charset="-127"/>
               <a:ea typeface="나눔고딕 Light" panose="020D0904000000000000" pitchFamily="50" charset="-127"/>
             </a:endParaRPr>
           </a:p>
-          <a:p>
-            <a:r>
-              <a:rPr lang="ko-KR" altLang="en-US" sz="2000">
-                <a:latin typeface="나눔고딕 Light" panose="020D0904000000000000" pitchFamily="50" charset="-127"/>
-                <a:ea typeface="나눔고딕 Light" panose="020D0904000000000000" pitchFamily="50" charset="-127"/>
-              </a:rPr>
-              <a:t>추가 자료 및 선택 과제</a:t>
-            </a:r>
-          </a:p>
-        </p:txBody>
-      </p:sp>
-      <p:sp>
-        <p:nvSpPr>
-          <p:cNvPr id="30" name="TextBox 29">
-            <a:extLst>
-              <a:ext uri="{FF2B5EF4-FFF2-40B4-BE49-F238E27FC236}">
-                <a16:creationId xmlns:a16="http://schemas.microsoft.com/office/drawing/2014/main" id="{B72A16C1-61D3-4196-96F1-F6F5CB5DFEEE}"/>
+        </p:txBody>
+      </p:sp>
+      <p:sp>
+        <p:nvSpPr>
+          <p:cNvPr id="18" name="TextBox 17">
+            <a:extLst>
+              <a:ext uri="{FF2B5EF4-FFF2-40B4-BE49-F238E27FC236}">
+                <a16:creationId xmlns:a16="http://schemas.microsoft.com/office/drawing/2014/main" id="{DA129AD2-606D-455D-A264-DB84D6247E5D}"/>
               </a:ext>
             </a:extLst>
           </p:cNvPr>
@@ -7996,8 +8085,8 @@
         </p:nvSpPr>
         <p:spPr>
           <a:xfrm>
-            <a:off x="5012207" y="4047559"/>
-            <a:ext cx="2262158" cy="338554"/>
+            <a:off x="7351346" y="4587251"/>
+            <a:ext cx="1771639" cy="400110"/>
           </a:xfrm>
           <a:prstGeom prst="rect">
             <a:avLst/>
@@ -8012,100 +8101,23 @@
           <a:p>
             <a:pPr algn="ctr"/>
             <a:r>
-              <a:rPr lang="ko-KR" altLang="en-US" sz="1600">
-                <a:latin typeface="나눔고딕 Light" panose="020D0904000000000000" pitchFamily="50" charset="-127"/>
-                <a:ea typeface="나눔고딕 Light" panose="020D0904000000000000" pitchFamily="50" charset="-127"/>
-              </a:rPr>
-              <a:t>오전 </a:t>
-            </a:r>
-            <a:r>
-              <a:rPr lang="en-US" altLang="ko-KR" sz="1600">
-                <a:latin typeface="나눔고딕 Light" panose="020D0904000000000000" pitchFamily="50" charset="-127"/>
-                <a:ea typeface="나눔고딕 Light" panose="020D0904000000000000" pitchFamily="50" charset="-127"/>
-              </a:rPr>
-              <a:t>10</a:t>
-            </a:r>
-            <a:r>
-              <a:rPr lang="ko-KR" altLang="en-US" sz="1600">
-                <a:latin typeface="나눔고딕 Light" panose="020D0904000000000000" pitchFamily="50" charset="-127"/>
-                <a:ea typeface="나눔고딕 Light" panose="020D0904000000000000" pitchFamily="50" charset="-127"/>
-              </a:rPr>
-              <a:t>시 </a:t>
-            </a:r>
-            <a:r>
-              <a:rPr lang="en-US" altLang="ko-KR" sz="1600">
-                <a:latin typeface="나눔고딕 Light" panose="020D0904000000000000" pitchFamily="50" charset="-127"/>
-                <a:ea typeface="나눔고딕 Light" panose="020D0904000000000000" pitchFamily="50" charset="-127"/>
-              </a:rPr>
-              <a:t>~ 11</a:t>
-            </a:r>
-            <a:r>
-              <a:rPr lang="ko-KR" altLang="en-US" sz="1600">
-                <a:latin typeface="나눔고딕 Light" panose="020D0904000000000000" pitchFamily="50" charset="-127"/>
-                <a:ea typeface="나눔고딕 Light" panose="020D0904000000000000" pitchFamily="50" charset="-127"/>
-              </a:rPr>
-              <a:t>시 </a:t>
-            </a:r>
-            <a:r>
-              <a:rPr lang="en-US" altLang="ko-KR" sz="1600">
-                <a:latin typeface="나눔고딕 Light" panose="020D0904000000000000" pitchFamily="50" charset="-127"/>
-                <a:ea typeface="나눔고딕 Light" panose="020D0904000000000000" pitchFamily="50" charset="-127"/>
-              </a:rPr>
-              <a:t>30</a:t>
-            </a:r>
-            <a:r>
-              <a:rPr lang="ko-KR" altLang="en-US" sz="1600">
-                <a:latin typeface="나눔고딕 Light" panose="020D0904000000000000" pitchFamily="50" charset="-127"/>
-                <a:ea typeface="나눔고딕 Light" panose="020D0904000000000000" pitchFamily="50" charset="-127"/>
-              </a:rPr>
-              <a:t>분</a:t>
-            </a:r>
-          </a:p>
-        </p:txBody>
-      </p:sp>
-      <p:sp>
-        <p:nvSpPr>
-          <p:cNvPr id="31" name="TextBox 30">
-            <a:extLst>
-              <a:ext uri="{FF2B5EF4-FFF2-40B4-BE49-F238E27FC236}">
-                <a16:creationId xmlns:a16="http://schemas.microsoft.com/office/drawing/2014/main" id="{56E5CA86-37C1-40C2-BD11-99F15A71698E}"/>
-              </a:ext>
-            </a:extLst>
-          </p:cNvPr>
-          <p:cNvSpPr txBox="1"/>
-          <p:nvPr/>
-        </p:nvSpPr>
-        <p:spPr>
-          <a:xfrm>
-            <a:off x="9103638" y="4047559"/>
-            <a:ext cx="2146742" cy="338554"/>
-          </a:xfrm>
-          <a:prstGeom prst="rect">
-            <a:avLst/>
-          </a:prstGeom>
-          <a:noFill/>
-        </p:spPr>
-        <p:txBody>
-          <a:bodyPr wrap="none" rtlCol="0">
-            <a:spAutoFit/>
-          </a:bodyPr>
-          <a:lstStyle/>
-          <a:p>
-            <a:pPr algn="ctr"/>
-            <a:r>
-              <a:rPr lang="ko-KR" altLang="en-US" sz="1600">
-                <a:latin typeface="나눔고딕 Light" panose="020D0904000000000000" pitchFamily="50" charset="-127"/>
-                <a:ea typeface="나눔고딕 Light" panose="020D0904000000000000" pitchFamily="50" charset="-127"/>
-              </a:rPr>
-              <a:t>다음 수업 시작 전까지</a:t>
-            </a:r>
+              <a:rPr lang="ko-KR" altLang="en-US" sz="2000">
+                <a:latin typeface="나눔고딕 Light" panose="020D0904000000000000" pitchFamily="50" charset="-127"/>
+                <a:ea typeface="나눔고딕 Light" panose="020D0904000000000000" pitchFamily="50" charset="-127"/>
+              </a:rPr>
+              <a:t>디콘 응용 부문</a:t>
+            </a:r>
+            <a:endParaRPr lang="en-US" altLang="ko-KR" sz="2000">
+              <a:latin typeface="나눔고딕 Light" panose="020D0904000000000000" pitchFamily="50" charset="-127"/>
+              <a:ea typeface="나눔고딕 Light" panose="020D0904000000000000" pitchFamily="50" charset="-127"/>
+            </a:endParaRPr>
           </a:p>
         </p:txBody>
       </p:sp>
     </p:spTree>
     <p:extLst>
       <p:ext uri="{BB962C8B-B14F-4D97-AF65-F5344CB8AC3E}">
-        <p14:creationId xmlns:p14="http://schemas.microsoft.com/office/powerpoint/2010/main" val="678609949"/>
+        <p14:creationId xmlns:p14="http://schemas.microsoft.com/office/powerpoint/2010/main" val="3691039190"/>
       </p:ext>
     </p:extLst>
   </p:cSld>
@@ -8220,106 +8232,12 @@
           </a:fontRef>
         </p:style>
       </p:cxnSp>
-      <p:pic>
-        <p:nvPicPr>
-          <p:cNvPr id="1026" name="Picture 2" descr="IDE for C (X Code vs. Visual Studio)">
-            <a:extLst>
-              <a:ext uri="{FF2B5EF4-FFF2-40B4-BE49-F238E27FC236}">
-                <a16:creationId xmlns:a16="http://schemas.microsoft.com/office/drawing/2014/main" id="{D9628BD7-C8AC-4303-92A7-2B9CA0D5B95D}"/>
-              </a:ext>
-            </a:extLst>
-          </p:cNvPr>
-          <p:cNvPicPr>
-            <a:picLocks noChangeAspect="1" noChangeArrowheads="1"/>
-          </p:cNvPicPr>
-          <p:nvPr/>
-        </p:nvPicPr>
-        <p:blipFill>
-          <a:blip r:embed="rId2">
-            <a:extLst>
-              <a:ext uri="{28A0092B-C50C-407E-A947-70E740481C1C}">
-                <a14:useLocalDpi xmlns:a14="http://schemas.microsoft.com/office/drawing/2010/main" val="0"/>
-              </a:ext>
-            </a:extLst>
-          </a:blip>
-          <a:srcRect/>
-          <a:stretch>
-            <a:fillRect/>
-          </a:stretch>
-        </p:blipFill>
-        <p:spPr bwMode="auto">
-          <a:xfrm>
-            <a:off x="1063240" y="1612555"/>
-            <a:ext cx="3289466" cy="2055916"/>
-          </a:xfrm>
-          <a:prstGeom prst="rect">
-            <a:avLst/>
-          </a:prstGeom>
-          <a:noFill/>
-          <a:extLst>
-            <a:ext uri="{909E8E84-426E-40DD-AFC4-6F175D3DCCD1}">
-              <a14:hiddenFill xmlns:a14="http://schemas.microsoft.com/office/drawing/2010/main">
-                <a:solidFill>
-                  <a:srgbClr val="FFFFFF"/>
-                </a:solidFill>
-              </a14:hiddenFill>
-            </a:ext>
-          </a:extLst>
-        </p:spPr>
-      </p:pic>
-      <p:pic>
-        <p:nvPicPr>
-          <p:cNvPr id="1028" name="Picture 4" descr="Git 사용법] 3장. GitHub 이용하기. 1. GitHub 이란? | by 프시케 | Medium">
-            <a:extLst>
-              <a:ext uri="{FF2B5EF4-FFF2-40B4-BE49-F238E27FC236}">
-                <a16:creationId xmlns:a16="http://schemas.microsoft.com/office/drawing/2014/main" id="{4906AB30-4449-45B0-AE7D-281BA39605A1}"/>
-              </a:ext>
-            </a:extLst>
-          </p:cNvPr>
-          <p:cNvPicPr>
-            <a:picLocks noChangeAspect="1" noChangeArrowheads="1"/>
-          </p:cNvPicPr>
-          <p:nvPr/>
-        </p:nvPicPr>
-        <p:blipFill>
-          <a:blip r:embed="rId3">
-            <a:extLst>
-              <a:ext uri="{28A0092B-C50C-407E-A947-70E740481C1C}">
-                <a14:useLocalDpi xmlns:a14="http://schemas.microsoft.com/office/drawing/2010/main" val="0"/>
-              </a:ext>
-            </a:extLst>
-          </a:blip>
-          <a:srcRect/>
-          <a:stretch>
-            <a:fillRect/>
-          </a:stretch>
-        </p:blipFill>
-        <p:spPr bwMode="auto">
-          <a:xfrm>
-            <a:off x="8547344" y="1736518"/>
-            <a:ext cx="1807989" cy="1807989"/>
-          </a:xfrm>
-          <a:prstGeom prst="rect">
-            <a:avLst/>
-          </a:prstGeom>
-          <a:noFill/>
-          <a:extLst>
-            <a:ext uri="{909E8E84-426E-40DD-AFC4-6F175D3DCCD1}">
-              <a14:hiddenFill xmlns:a14="http://schemas.microsoft.com/office/drawing/2010/main">
-                <a:solidFill>
-                  <a:srgbClr val="FFFFFF"/>
-                </a:solidFill>
-              </a14:hiddenFill>
-            </a:ext>
-          </a:extLst>
-        </p:spPr>
-      </p:pic>
-      <p:sp>
-        <p:nvSpPr>
-          <p:cNvPr id="17" name="TextBox 16">
-            <a:extLst>
-              <a:ext uri="{FF2B5EF4-FFF2-40B4-BE49-F238E27FC236}">
-                <a16:creationId xmlns:a16="http://schemas.microsoft.com/office/drawing/2014/main" id="{73E166C2-429C-40E6-8DED-02597953F08C}"/>
+      <p:sp>
+        <p:nvSpPr>
+          <p:cNvPr id="15" name="TextBox 14">
+            <a:extLst>
+              <a:ext uri="{FF2B5EF4-FFF2-40B4-BE49-F238E27FC236}">
+                <a16:creationId xmlns:a16="http://schemas.microsoft.com/office/drawing/2014/main" id="{163A2D11-AF65-479E-A9C2-7AFD6E1C391C}"/>
               </a:ext>
             </a:extLst>
           </p:cNvPr>
@@ -8328,8 +8246,8 @@
         </p:nvSpPr>
         <p:spPr>
           <a:xfrm>
-            <a:off x="1282743" y="3771837"/>
-            <a:ext cx="2850460" cy="461665"/>
+            <a:off x="541780" y="1121106"/>
+            <a:ext cx="2392001" cy="400110"/>
           </a:xfrm>
           <a:prstGeom prst="rect">
             <a:avLst/>
@@ -8342,15 +8260,206 @@
           </a:bodyPr>
           <a:lstStyle/>
           <a:p>
+            <a:r>
+              <a:rPr lang="ko-KR" altLang="en-US" sz="2000">
+                <a:latin typeface="나눔고딕 Light" panose="020D0904000000000000" pitchFamily="50" charset="-127"/>
+                <a:ea typeface="나눔고딕 Light" panose="020D0904000000000000" pitchFamily="50" charset="-127"/>
+              </a:rPr>
+              <a:t>어떻게 진행되나요</a:t>
+            </a:r>
+            <a:r>
+              <a:rPr lang="en-US" altLang="ko-KR" sz="2000">
+                <a:latin typeface="나눔고딕 Light" panose="020D0904000000000000" pitchFamily="50" charset="-127"/>
+                <a:ea typeface="나눔고딕 Light" panose="020D0904000000000000" pitchFamily="50" charset="-127"/>
+              </a:rPr>
+              <a:t>?</a:t>
+            </a:r>
+          </a:p>
+        </p:txBody>
+      </p:sp>
+      <p:cxnSp>
+        <p:nvCxnSpPr>
+          <p:cNvPr id="19" name="직선 연결선 18">
+            <a:extLst>
+              <a:ext uri="{FF2B5EF4-FFF2-40B4-BE49-F238E27FC236}">
+                <a16:creationId xmlns:a16="http://schemas.microsoft.com/office/drawing/2014/main" id="{BD8C22AA-CB1F-4F46-BF03-E5C4EBC94F84}"/>
+              </a:ext>
+            </a:extLst>
+          </p:cNvPr>
+          <p:cNvCxnSpPr>
+            <a:cxnSpLocks/>
+          </p:cNvCxnSpPr>
+          <p:nvPr/>
+        </p:nvCxnSpPr>
+        <p:spPr>
+          <a:xfrm>
+            <a:off x="4117062" y="2003135"/>
+            <a:ext cx="0" cy="2851730"/>
+          </a:xfrm>
+          <a:prstGeom prst="line">
+            <a:avLst/>
+          </a:prstGeom>
+          <a:ln>
+            <a:solidFill>
+              <a:schemeClr val="tx1"/>
+            </a:solidFill>
+          </a:ln>
+        </p:spPr>
+        <p:style>
+          <a:lnRef idx="1">
+            <a:schemeClr val="accent1"/>
+          </a:lnRef>
+          <a:fillRef idx="0">
+            <a:schemeClr val="accent1"/>
+          </a:fillRef>
+          <a:effectRef idx="0">
+            <a:schemeClr val="accent1"/>
+          </a:effectRef>
+          <a:fontRef idx="minor">
+            <a:schemeClr val="tx1"/>
+          </a:fontRef>
+        </p:style>
+      </p:cxnSp>
+      <p:cxnSp>
+        <p:nvCxnSpPr>
+          <p:cNvPr id="20" name="직선 연결선 19">
+            <a:extLst>
+              <a:ext uri="{FF2B5EF4-FFF2-40B4-BE49-F238E27FC236}">
+                <a16:creationId xmlns:a16="http://schemas.microsoft.com/office/drawing/2014/main" id="{A29AE721-6EE3-490E-BC78-92A85AB980AD}"/>
+              </a:ext>
+            </a:extLst>
+          </p:cNvPr>
+          <p:cNvCxnSpPr>
+            <a:cxnSpLocks/>
+          </p:cNvCxnSpPr>
+          <p:nvPr/>
+        </p:nvCxnSpPr>
+        <p:spPr>
+          <a:xfrm>
+            <a:off x="8046332" y="2003135"/>
+            <a:ext cx="0" cy="2851730"/>
+          </a:xfrm>
+          <a:prstGeom prst="line">
+            <a:avLst/>
+          </a:prstGeom>
+          <a:ln>
+            <a:solidFill>
+              <a:schemeClr val="tx1"/>
+            </a:solidFill>
+          </a:ln>
+        </p:spPr>
+        <p:style>
+          <a:lnRef idx="1">
+            <a:schemeClr val="accent1"/>
+          </a:lnRef>
+          <a:fillRef idx="0">
+            <a:schemeClr val="accent1"/>
+          </a:fillRef>
+          <a:effectRef idx="0">
+            <a:schemeClr val="accent1"/>
+          </a:effectRef>
+          <a:fontRef idx="minor">
+            <a:schemeClr val="tx1"/>
+          </a:fontRef>
+        </p:style>
+      </p:cxnSp>
+      <p:sp>
+        <p:nvSpPr>
+          <p:cNvPr id="24" name="TextBox 23">
+            <a:extLst>
+              <a:ext uri="{FF2B5EF4-FFF2-40B4-BE49-F238E27FC236}">
+                <a16:creationId xmlns:a16="http://schemas.microsoft.com/office/drawing/2014/main" id="{AA782EA0-EF1A-4A70-B74D-1D228AF55A44}"/>
+              </a:ext>
+            </a:extLst>
+          </p:cNvPr>
+          <p:cNvSpPr txBox="1"/>
+          <p:nvPr/>
+        </p:nvSpPr>
+        <p:spPr>
+          <a:xfrm>
+            <a:off x="5107588" y="2287221"/>
+            <a:ext cx="1976823" cy="523220"/>
+          </a:xfrm>
+          <a:prstGeom prst="rect">
+            <a:avLst/>
+          </a:prstGeom>
+          <a:noFill/>
+        </p:spPr>
+        <p:txBody>
+          <a:bodyPr wrap="none" rtlCol="0">
+            <a:spAutoFit/>
+          </a:bodyPr>
+          <a:lstStyle/>
+          <a:p>
             <a:pPr algn="ctr"/>
             <a:r>
-              <a:rPr lang="en-US" altLang="ko-KR" sz="2400">
-                <a:latin typeface="나눔고딕 Light" panose="020D0904000000000000" pitchFamily="50" charset="-127"/>
-                <a:ea typeface="나눔고딕 Light" panose="020D0904000000000000" pitchFamily="50" charset="-127"/>
-              </a:rPr>
-              <a:t>Visual Studio 2019</a:t>
-            </a:r>
-            <a:endParaRPr lang="ko-KR" altLang="en-US" sz="2400">
+              <a:rPr lang="ko-KR" altLang="en-US" sz="2800">
+                <a:latin typeface="나눔고딕 Light" panose="020D0904000000000000" pitchFamily="50" charset="-127"/>
+                <a:ea typeface="나눔고딕 Light" panose="020D0904000000000000" pitchFamily="50" charset="-127"/>
+              </a:rPr>
+              <a:t>실시간 수업</a:t>
+            </a:r>
+          </a:p>
+        </p:txBody>
+      </p:sp>
+      <p:sp>
+        <p:nvSpPr>
+          <p:cNvPr id="25" name="TextBox 24">
+            <a:extLst>
+              <a:ext uri="{FF2B5EF4-FFF2-40B4-BE49-F238E27FC236}">
+                <a16:creationId xmlns:a16="http://schemas.microsoft.com/office/drawing/2014/main" id="{CA8E4C1C-D980-4CCB-BC17-C88396BC2FB0}"/>
+              </a:ext>
+            </a:extLst>
+          </p:cNvPr>
+          <p:cNvSpPr txBox="1"/>
+          <p:nvPr/>
+        </p:nvSpPr>
+        <p:spPr>
+          <a:xfrm>
+            <a:off x="1069731" y="2287221"/>
+            <a:ext cx="2337499" cy="523220"/>
+          </a:xfrm>
+          <a:prstGeom prst="rect">
+            <a:avLst/>
+          </a:prstGeom>
+          <a:noFill/>
+        </p:spPr>
+        <p:txBody>
+          <a:bodyPr wrap="none" rtlCol="0">
+            <a:spAutoFit/>
+          </a:bodyPr>
+          <a:lstStyle/>
+          <a:p>
+            <a:pPr algn="ctr"/>
+            <a:r>
+              <a:rPr lang="ko-KR" altLang="en-US" sz="2800">
+                <a:latin typeface="나눔고딕 Light" panose="020D0904000000000000" pitchFamily="50" charset="-127"/>
+                <a:ea typeface="나눔고딕 Light" panose="020D0904000000000000" pitchFamily="50" charset="-127"/>
+              </a:rPr>
+              <a:t>수업 전 </a:t>
+            </a:r>
+            <a:r>
+              <a:rPr lang="en-US" altLang="ko-KR" sz="2800">
+                <a:latin typeface="나눔고딕 Light" panose="020D0904000000000000" pitchFamily="50" charset="-127"/>
+                <a:ea typeface="나눔고딕 Light" panose="020D0904000000000000" pitchFamily="50" charset="-127"/>
+              </a:rPr>
+              <a:t>(</a:t>
+            </a:r>
+            <a:r>
+              <a:rPr lang="ko-KR" altLang="en-US" sz="2800">
+                <a:latin typeface="나눔고딕 Light" panose="020D0904000000000000" pitchFamily="50" charset="-127"/>
+                <a:ea typeface="나눔고딕 Light" panose="020D0904000000000000" pitchFamily="50" charset="-127"/>
+              </a:rPr>
+              <a:t>예습</a:t>
+            </a:r>
+            <a:r>
+              <a:rPr lang="en-US" altLang="ko-KR" sz="2800">
+                <a:latin typeface="나눔고딕 Light" panose="020D0904000000000000" pitchFamily="50" charset="-127"/>
+                <a:ea typeface="나눔고딕 Light" panose="020D0904000000000000" pitchFamily="50" charset="-127"/>
+              </a:rPr>
+              <a:t>)</a:t>
+            </a:r>
+            <a:endParaRPr lang="ko-KR" altLang="en-US" sz="2800">
               <a:latin typeface="나눔고딕 Light" panose="020D0904000000000000" pitchFamily="50" charset="-127"/>
               <a:ea typeface="나눔고딕 Light" panose="020D0904000000000000" pitchFamily="50" charset="-127"/>
             </a:endParaRPr>
@@ -8359,10 +8468,10 @@
       </p:sp>
       <p:sp>
         <p:nvSpPr>
-          <p:cNvPr id="18" name="TextBox 17">
-            <a:extLst>
-              <a:ext uri="{FF2B5EF4-FFF2-40B4-BE49-F238E27FC236}">
-                <a16:creationId xmlns:a16="http://schemas.microsoft.com/office/drawing/2014/main" id="{28879A22-26C8-41E6-A26C-3043B2DFEB33}"/>
+          <p:cNvPr id="26" name="TextBox 25">
+            <a:extLst>
+              <a:ext uri="{FF2B5EF4-FFF2-40B4-BE49-F238E27FC236}">
+                <a16:creationId xmlns:a16="http://schemas.microsoft.com/office/drawing/2014/main" id="{9ABE0834-7141-4434-921A-5880F36C84DD}"/>
               </a:ext>
             </a:extLst>
           </p:cNvPr>
@@ -8371,8 +8480,8 @@
         </p:nvSpPr>
         <p:spPr>
           <a:xfrm>
-            <a:off x="8845242" y="3771837"/>
-            <a:ext cx="1212191" cy="461665"/>
+            <a:off x="9008254" y="2287221"/>
+            <a:ext cx="2337499" cy="523220"/>
           </a:xfrm>
           <a:prstGeom prst="rect">
             <a:avLst/>
@@ -8387,13 +8496,34 @@
           <a:p>
             <a:pPr algn="ctr"/>
             <a:r>
-              <a:rPr lang="en-US" altLang="ko-KR" sz="2400">
-                <a:latin typeface="나눔고딕 Light" panose="020D0904000000000000" pitchFamily="50" charset="-127"/>
-                <a:ea typeface="나눔고딕 Light" panose="020D0904000000000000" pitchFamily="50" charset="-127"/>
-              </a:rPr>
-              <a:t>GitHub</a:t>
-            </a:r>
-            <a:endParaRPr lang="ko-KR" altLang="en-US" sz="2400">
+              <a:rPr lang="ko-KR" altLang="en-US" sz="2800">
+                <a:latin typeface="나눔고딕 Light" panose="020D0904000000000000" pitchFamily="50" charset="-127"/>
+                <a:ea typeface="나눔고딕 Light" panose="020D0904000000000000" pitchFamily="50" charset="-127"/>
+              </a:rPr>
+              <a:t>수업 후 </a:t>
+            </a:r>
+            <a:r>
+              <a:rPr lang="en-US" altLang="ko-KR" sz="2800">
+                <a:latin typeface="나눔고딕 Light" panose="020D0904000000000000" pitchFamily="50" charset="-127"/>
+                <a:ea typeface="나눔고딕 Light" panose="020D0904000000000000" pitchFamily="50" charset="-127"/>
+              </a:rPr>
+              <a:t>(</a:t>
+            </a:r>
+            <a:r>
+              <a:rPr lang="ko-KR" altLang="en-US" sz="2800">
+                <a:latin typeface="나눔고딕 Light" panose="020D0904000000000000" pitchFamily="50" charset="-127"/>
+                <a:ea typeface="나눔고딕 Light" panose="020D0904000000000000" pitchFamily="50" charset="-127"/>
+              </a:rPr>
+              <a:t>복습</a:t>
+            </a:r>
+            <a:r>
+              <a:rPr lang="en-US" altLang="ko-KR" sz="2800">
+                <a:latin typeface="나눔고딕 Light" panose="020D0904000000000000" pitchFamily="50" charset="-127"/>
+                <a:ea typeface="나눔고딕 Light" panose="020D0904000000000000" pitchFamily="50" charset="-127"/>
+              </a:rPr>
+              <a:t>)</a:t>
+            </a:r>
+            <a:endParaRPr lang="ko-KR" altLang="en-US" sz="2800">
               <a:latin typeface="나눔고딕 Light" panose="020D0904000000000000" pitchFamily="50" charset="-127"/>
               <a:ea typeface="나눔고딕 Light" panose="020D0904000000000000" pitchFamily="50" charset="-127"/>
             </a:endParaRPr>
@@ -8402,10 +8532,10 @@
       </p:sp>
       <p:sp>
         <p:nvSpPr>
-          <p:cNvPr id="21" name="TextBox 20">
-            <a:extLst>
-              <a:ext uri="{FF2B5EF4-FFF2-40B4-BE49-F238E27FC236}">
-                <a16:creationId xmlns:a16="http://schemas.microsoft.com/office/drawing/2014/main" id="{9DCC4271-58CE-4743-9BC9-E1E622CFCC14}"/>
+          <p:cNvPr id="27" name="TextBox 26">
+            <a:extLst>
+              <a:ext uri="{FF2B5EF4-FFF2-40B4-BE49-F238E27FC236}">
+                <a16:creationId xmlns:a16="http://schemas.microsoft.com/office/drawing/2014/main" id="{E81B317E-1E59-437A-871A-7A6536F99502}"/>
               </a:ext>
             </a:extLst>
           </p:cNvPr>
@@ -8414,8 +8544,8 @@
         </p:nvSpPr>
         <p:spPr>
           <a:xfrm>
-            <a:off x="1282743" y="4233502"/>
-            <a:ext cx="1611339" cy="646331"/>
+            <a:off x="590015" y="3075057"/>
+            <a:ext cx="2565126" cy="707886"/>
           </a:xfrm>
           <a:prstGeom prst="rect">
             <a:avLst/>
@@ -8429,88 +8559,34 @@
           <a:lstStyle/>
           <a:p>
             <a:r>
-              <a:rPr lang="ko-KR" altLang="en-US">
-                <a:latin typeface="나눔고딕 Light" panose="020D0904000000000000" pitchFamily="50" charset="-127"/>
-                <a:ea typeface="나눔고딕 Light" panose="020D0904000000000000" pitchFamily="50" charset="-127"/>
-              </a:rPr>
-              <a:t>수업 개발 환경</a:t>
-            </a:r>
-            <a:endParaRPr lang="en-US" altLang="ko-KR">
+              <a:rPr lang="ko-KR" altLang="en-US" sz="2000">
+                <a:latin typeface="나눔고딕 Light" panose="020D0904000000000000" pitchFamily="50" charset="-127"/>
+                <a:ea typeface="나눔고딕 Light" panose="020D0904000000000000" pitchFamily="50" charset="-127"/>
+              </a:rPr>
+              <a:t>수업 자료를 통한 예습</a:t>
+            </a:r>
+            <a:endParaRPr lang="en-US" altLang="ko-KR" sz="2000">
               <a:latin typeface="나눔고딕 Light" panose="020D0904000000000000" pitchFamily="50" charset="-127"/>
               <a:ea typeface="나눔고딕 Light" panose="020D0904000000000000" pitchFamily="50" charset="-127"/>
             </a:endParaRPr>
           </a:p>
           <a:p>
             <a:r>
-              <a:rPr lang="en-US" altLang="ko-KR">
-                <a:latin typeface="나눔고딕 Light" panose="020D0904000000000000" pitchFamily="50" charset="-127"/>
-                <a:ea typeface="나눔고딕 Light" panose="020D0904000000000000" pitchFamily="50" charset="-127"/>
-              </a:rPr>
-              <a:t>2017 </a:t>
-            </a:r>
-            <a:r>
-              <a:rPr lang="ko-KR" altLang="en-US">
-                <a:latin typeface="나눔고딕 Light" panose="020D0904000000000000" pitchFamily="50" charset="-127"/>
-                <a:ea typeface="나눔고딕 Light" panose="020D0904000000000000" pitchFamily="50" charset="-127"/>
-              </a:rPr>
-              <a:t>지원</a:t>
-            </a:r>
-          </a:p>
-        </p:txBody>
-      </p:sp>
-      <p:pic>
-        <p:nvPicPr>
-          <p:cNvPr id="1030" name="Picture 6" descr="C++ - 위키백과, 우리 모두의 백과사전">
-            <a:extLst>
-              <a:ext uri="{FF2B5EF4-FFF2-40B4-BE49-F238E27FC236}">
-                <a16:creationId xmlns:a16="http://schemas.microsoft.com/office/drawing/2014/main" id="{1AF8859C-F485-442D-8BB7-7A70C8179F15}"/>
-              </a:ext>
-            </a:extLst>
-          </p:cNvPr>
-          <p:cNvPicPr>
-            <a:picLocks noChangeAspect="1" noChangeArrowheads="1"/>
-          </p:cNvPicPr>
-          <p:nvPr/>
-        </p:nvPicPr>
-        <p:blipFill>
-          <a:blip r:embed="rId4">
-            <a:extLst>
-              <a:ext uri="{28A0092B-C50C-407E-A947-70E740481C1C}">
-                <a14:useLocalDpi xmlns:a14="http://schemas.microsoft.com/office/drawing/2010/main" val="0"/>
-              </a:ext>
-            </a:extLst>
-          </a:blip>
-          <a:srcRect/>
-          <a:stretch>
-            <a:fillRect/>
-          </a:stretch>
-        </p:blipFill>
-        <p:spPr bwMode="auto">
-          <a:xfrm>
-            <a:off x="5211831" y="1736518"/>
-            <a:ext cx="1768337" cy="1987826"/>
-          </a:xfrm>
-          <a:prstGeom prst="rect">
-            <a:avLst/>
-          </a:prstGeom>
-          <a:noFill/>
-          <a:extLst>
-            <a:ext uri="{909E8E84-426E-40DD-AFC4-6F175D3DCCD1}">
-              <a14:hiddenFill xmlns:a14="http://schemas.microsoft.com/office/drawing/2010/main">
-                <a:solidFill>
-                  <a:srgbClr val="FFFFFF"/>
-                </a:solidFill>
-              </a14:hiddenFill>
-            </a:ext>
-          </a:extLst>
-        </p:spPr>
-      </p:pic>
-      <p:sp>
-        <p:nvSpPr>
-          <p:cNvPr id="22" name="TextBox 21">
-            <a:extLst>
-              <a:ext uri="{FF2B5EF4-FFF2-40B4-BE49-F238E27FC236}">
-                <a16:creationId xmlns:a16="http://schemas.microsoft.com/office/drawing/2014/main" id="{0F404654-0A53-46EE-8B5D-A066D788AA11}"/>
+              <a:rPr lang="ko-KR" altLang="en-US" sz="2000">
+                <a:latin typeface="나눔고딕 Light" panose="020D0904000000000000" pitchFamily="50" charset="-127"/>
+                <a:ea typeface="나눔고딕 Light" panose="020D0904000000000000" pitchFamily="50" charset="-127"/>
+              </a:rPr>
+              <a:t>자율적으로 진행</a:t>
+            </a:r>
+          </a:p>
+        </p:txBody>
+      </p:sp>
+      <p:sp>
+        <p:nvSpPr>
+          <p:cNvPr id="28" name="TextBox 27">
+            <a:extLst>
+              <a:ext uri="{FF2B5EF4-FFF2-40B4-BE49-F238E27FC236}">
+                <a16:creationId xmlns:a16="http://schemas.microsoft.com/office/drawing/2014/main" id="{46266C0D-CC7F-4FC1-84F4-3B01A3EAFB63}"/>
               </a:ext>
             </a:extLst>
           </p:cNvPr>
@@ -8519,8 +8595,8 @@
         </p:nvSpPr>
         <p:spPr>
           <a:xfrm>
-            <a:off x="5469065" y="3827710"/>
-            <a:ext cx="1253869" cy="461665"/>
+            <a:off x="4519284" y="3075057"/>
+            <a:ext cx="3248005" cy="707886"/>
           </a:xfrm>
           <a:prstGeom prst="rect">
             <a:avLst/>
@@ -8533,27 +8609,42 @@
           </a:bodyPr>
           <a:lstStyle/>
           <a:p>
-            <a:pPr algn="ctr"/>
-            <a:r>
-              <a:rPr lang="en-US" altLang="ko-KR" sz="2400">
-                <a:latin typeface="나눔고딕 Light" panose="020D0904000000000000" pitchFamily="50" charset="-127"/>
-                <a:ea typeface="나눔고딕 Light" panose="020D0904000000000000" pitchFamily="50" charset="-127"/>
-              </a:rPr>
-              <a:t>C++ 17</a:t>
-            </a:r>
-            <a:endParaRPr lang="ko-KR" altLang="en-US" sz="2400">
+            <a:r>
+              <a:rPr lang="en-US" altLang="ko-KR" sz="2000">
+                <a:latin typeface="나눔고딕 Light" panose="020D0904000000000000" pitchFamily="50" charset="-127"/>
+                <a:ea typeface="나눔고딕 Light" panose="020D0904000000000000" pitchFamily="50" charset="-127"/>
+              </a:rPr>
+              <a:t>Zoom</a:t>
+            </a:r>
+            <a:r>
+              <a:rPr lang="ko-KR" altLang="en-US" sz="2000">
+                <a:latin typeface="나눔고딕 Light" panose="020D0904000000000000" pitchFamily="50" charset="-127"/>
+                <a:ea typeface="나눔고딕 Light" panose="020D0904000000000000" pitchFamily="50" charset="-127"/>
+              </a:rPr>
+              <a:t>을 이용한 실시간 수업</a:t>
+            </a:r>
+            <a:endParaRPr lang="en-US" altLang="ko-KR" sz="2000">
               <a:latin typeface="나눔고딕 Light" panose="020D0904000000000000" pitchFamily="50" charset="-127"/>
               <a:ea typeface="나눔고딕 Light" panose="020D0904000000000000" pitchFamily="50" charset="-127"/>
             </a:endParaRPr>
           </a:p>
-        </p:txBody>
-      </p:sp>
-      <p:sp>
-        <p:nvSpPr>
-          <p:cNvPr id="23" name="TextBox 22">
-            <a:extLst>
-              <a:ext uri="{FF2B5EF4-FFF2-40B4-BE49-F238E27FC236}">
-                <a16:creationId xmlns:a16="http://schemas.microsoft.com/office/drawing/2014/main" id="{838616F3-322F-4D50-98CE-4ACB14BDC9F7}"/>
+          <a:p>
+            <a:r>
+              <a:rPr lang="ko-KR" altLang="en-US" sz="2000">
+                <a:latin typeface="나눔고딕 Light" panose="020D0904000000000000" pitchFamily="50" charset="-127"/>
+                <a:ea typeface="나눔고딕 Light" panose="020D0904000000000000" pitchFamily="50" charset="-127"/>
+              </a:rPr>
+              <a:t>이론과 실습 병행</a:t>
+            </a:r>
+          </a:p>
+        </p:txBody>
+      </p:sp>
+      <p:sp>
+        <p:nvSpPr>
+          <p:cNvPr id="29" name="TextBox 28">
+            <a:extLst>
+              <a:ext uri="{FF2B5EF4-FFF2-40B4-BE49-F238E27FC236}">
+                <a16:creationId xmlns:a16="http://schemas.microsoft.com/office/drawing/2014/main" id="{0BCDE6EF-587A-40BC-93B1-9619C4048736}"/>
               </a:ext>
             </a:extLst>
           </p:cNvPr>
@@ -8562,8 +8653,8 @@
         </p:nvSpPr>
         <p:spPr>
           <a:xfrm>
-            <a:off x="8547344" y="4233502"/>
-            <a:ext cx="1330814" cy="923330"/>
+            <a:off x="8448553" y="3075057"/>
+            <a:ext cx="2805576" cy="707886"/>
           </a:xfrm>
           <a:prstGeom prst="rect">
             <a:avLst/>
@@ -8577,51 +8668,34 @@
           <a:lstStyle/>
           <a:p>
             <a:r>
-              <a:rPr lang="ko-KR" altLang="en-US">
-                <a:latin typeface="나눔고딕 Light" panose="020D0904000000000000" pitchFamily="50" charset="-127"/>
-                <a:ea typeface="나눔고딕 Light" panose="020D0904000000000000" pitchFamily="50" charset="-127"/>
-              </a:rPr>
-              <a:t>파일 관리용</a:t>
-            </a:r>
-            <a:endParaRPr lang="en-US" altLang="ko-KR">
+              <a:rPr lang="ko-KR" altLang="en-US" sz="2000">
+                <a:latin typeface="나눔고딕 Light" panose="020D0904000000000000" pitchFamily="50" charset="-127"/>
+                <a:ea typeface="나눔고딕 Light" panose="020D0904000000000000" pitchFamily="50" charset="-127"/>
+              </a:rPr>
+              <a:t>수업 내용을 토대로 과제</a:t>
+            </a:r>
+            <a:endParaRPr lang="en-US" altLang="ko-KR" sz="2000">
               <a:latin typeface="나눔고딕 Light" panose="020D0904000000000000" pitchFamily="50" charset="-127"/>
               <a:ea typeface="나눔고딕 Light" panose="020D0904000000000000" pitchFamily="50" charset="-127"/>
             </a:endParaRPr>
           </a:p>
           <a:p>
             <a:r>
-              <a:rPr lang="ko-KR" altLang="en-US">
-                <a:latin typeface="나눔고딕 Light" panose="020D0904000000000000" pitchFamily="50" charset="-127"/>
-                <a:ea typeface="나눔고딕 Light" panose="020D0904000000000000" pitchFamily="50" charset="-127"/>
-              </a:rPr>
-              <a:t>예제 소스</a:t>
-            </a:r>
-            <a:endParaRPr lang="en-US" altLang="ko-KR">
-              <a:latin typeface="나눔고딕 Light" panose="020D0904000000000000" pitchFamily="50" charset="-127"/>
-              <a:ea typeface="나눔고딕 Light" panose="020D0904000000000000" pitchFamily="50" charset="-127"/>
-            </a:endParaRPr>
-          </a:p>
-          <a:p>
-            <a:r>
-              <a:rPr lang="ko-KR" altLang="en-US">
-                <a:latin typeface="나눔고딕 Light" panose="020D0904000000000000" pitchFamily="50" charset="-127"/>
-                <a:ea typeface="나눔고딕 Light" panose="020D0904000000000000" pitchFamily="50" charset="-127"/>
-              </a:rPr>
-              <a:t>과제 소스</a:t>
-            </a:r>
-            <a:endParaRPr lang="en-US" altLang="ko-KR">
-              <a:latin typeface="나눔고딕 Light" panose="020D0904000000000000" pitchFamily="50" charset="-127"/>
-              <a:ea typeface="나눔고딕 Light" panose="020D0904000000000000" pitchFamily="50" charset="-127"/>
-            </a:endParaRPr>
-          </a:p>
-        </p:txBody>
-      </p:sp>
-      <p:sp>
-        <p:nvSpPr>
-          <p:cNvPr id="32" name="TextBox 31">
-            <a:extLst>
-              <a:ext uri="{FF2B5EF4-FFF2-40B4-BE49-F238E27FC236}">
-                <a16:creationId xmlns:a16="http://schemas.microsoft.com/office/drawing/2014/main" id="{7AD6835A-E150-456E-8744-512C01B8ACF6}"/>
+              <a:rPr lang="ko-KR" altLang="en-US" sz="2000">
+                <a:latin typeface="나눔고딕 Light" panose="020D0904000000000000" pitchFamily="50" charset="-127"/>
+                <a:ea typeface="나눔고딕 Light" panose="020D0904000000000000" pitchFamily="50" charset="-127"/>
+              </a:rPr>
+              <a:t>추가 자료 및 선택 과제</a:t>
+            </a:r>
+          </a:p>
+        </p:txBody>
+      </p:sp>
+      <p:sp>
+        <p:nvSpPr>
+          <p:cNvPr id="30" name="TextBox 29">
+            <a:extLst>
+              <a:ext uri="{FF2B5EF4-FFF2-40B4-BE49-F238E27FC236}">
+                <a16:creationId xmlns:a16="http://schemas.microsoft.com/office/drawing/2014/main" id="{B72A16C1-61D3-4196-96F1-F6F5CB5DFEEE}"/>
               </a:ext>
             </a:extLst>
           </p:cNvPr>
@@ -8630,8 +8704,8 @@
         </p:nvSpPr>
         <p:spPr>
           <a:xfrm>
-            <a:off x="5364231" y="4233502"/>
-            <a:ext cx="1507144" cy="369332"/>
+            <a:off x="5012207" y="4047559"/>
+            <a:ext cx="2262158" cy="338554"/>
           </a:xfrm>
           <a:prstGeom prst="rect">
             <a:avLst/>
@@ -8644,19 +8718,94 @@
           </a:bodyPr>
           <a:lstStyle/>
           <a:p>
-            <a:r>
-              <a:rPr lang="en-US" altLang="ko-KR">
-                <a:latin typeface="나눔고딕 Light" panose="020D0904000000000000" pitchFamily="50" charset="-127"/>
-                <a:ea typeface="나눔고딕 Light" panose="020D0904000000000000" pitchFamily="50" charset="-127"/>
-              </a:rPr>
-              <a:t>RG</a:t>
-            </a:r>
-            <a:r>
-              <a:rPr lang="ko-KR" altLang="en-US">
-                <a:latin typeface="나눔고딕 Light" panose="020D0904000000000000" pitchFamily="50" charset="-127"/>
-                <a:ea typeface="나눔고딕 Light" panose="020D0904000000000000" pitchFamily="50" charset="-127"/>
-              </a:rPr>
-              <a:t> 엔진 사용</a:t>
+            <a:pPr algn="ctr"/>
+            <a:r>
+              <a:rPr lang="ko-KR" altLang="en-US" sz="1600">
+                <a:latin typeface="나눔고딕 Light" panose="020D0904000000000000" pitchFamily="50" charset="-127"/>
+                <a:ea typeface="나눔고딕 Light" panose="020D0904000000000000" pitchFamily="50" charset="-127"/>
+              </a:rPr>
+              <a:t>오전 </a:t>
+            </a:r>
+            <a:r>
+              <a:rPr lang="en-US" altLang="ko-KR" sz="1600">
+                <a:latin typeface="나눔고딕 Light" panose="020D0904000000000000" pitchFamily="50" charset="-127"/>
+                <a:ea typeface="나눔고딕 Light" panose="020D0904000000000000" pitchFamily="50" charset="-127"/>
+              </a:rPr>
+              <a:t>10</a:t>
+            </a:r>
+            <a:r>
+              <a:rPr lang="ko-KR" altLang="en-US" sz="1600">
+                <a:latin typeface="나눔고딕 Light" panose="020D0904000000000000" pitchFamily="50" charset="-127"/>
+                <a:ea typeface="나눔고딕 Light" panose="020D0904000000000000" pitchFamily="50" charset="-127"/>
+              </a:rPr>
+              <a:t>시 </a:t>
+            </a:r>
+            <a:r>
+              <a:rPr lang="en-US" altLang="ko-KR" sz="1600">
+                <a:latin typeface="나눔고딕 Light" panose="020D0904000000000000" pitchFamily="50" charset="-127"/>
+                <a:ea typeface="나눔고딕 Light" panose="020D0904000000000000" pitchFamily="50" charset="-127"/>
+              </a:rPr>
+              <a:t>~ 11</a:t>
+            </a:r>
+            <a:r>
+              <a:rPr lang="ko-KR" altLang="en-US" sz="1600">
+                <a:latin typeface="나눔고딕 Light" panose="020D0904000000000000" pitchFamily="50" charset="-127"/>
+                <a:ea typeface="나눔고딕 Light" panose="020D0904000000000000" pitchFamily="50" charset="-127"/>
+              </a:rPr>
+              <a:t>시 </a:t>
+            </a:r>
+            <a:r>
+              <a:rPr lang="en-US" altLang="ko-KR" sz="1600">
+                <a:latin typeface="나눔고딕 Light" panose="020D0904000000000000" pitchFamily="50" charset="-127"/>
+                <a:ea typeface="나눔고딕 Light" panose="020D0904000000000000" pitchFamily="50" charset="-127"/>
+              </a:rPr>
+              <a:t>30</a:t>
+            </a:r>
+            <a:r>
+              <a:rPr lang="ko-KR" altLang="en-US" sz="1600">
+                <a:latin typeface="나눔고딕 Light" panose="020D0904000000000000" pitchFamily="50" charset="-127"/>
+                <a:ea typeface="나눔고딕 Light" panose="020D0904000000000000" pitchFamily="50" charset="-127"/>
+              </a:rPr>
+              <a:t>분</a:t>
+            </a:r>
+          </a:p>
+        </p:txBody>
+      </p:sp>
+      <p:sp>
+        <p:nvSpPr>
+          <p:cNvPr id="31" name="TextBox 30">
+            <a:extLst>
+              <a:ext uri="{FF2B5EF4-FFF2-40B4-BE49-F238E27FC236}">
+                <a16:creationId xmlns:a16="http://schemas.microsoft.com/office/drawing/2014/main" id="{56E5CA86-37C1-40C2-BD11-99F15A71698E}"/>
+              </a:ext>
+            </a:extLst>
+          </p:cNvPr>
+          <p:cNvSpPr txBox="1"/>
+          <p:nvPr/>
+        </p:nvSpPr>
+        <p:spPr>
+          <a:xfrm>
+            <a:off x="9103638" y="4047559"/>
+            <a:ext cx="2146742" cy="338554"/>
+          </a:xfrm>
+          <a:prstGeom prst="rect">
+            <a:avLst/>
+          </a:prstGeom>
+          <a:noFill/>
+        </p:spPr>
+        <p:txBody>
+          <a:bodyPr wrap="none" rtlCol="0">
+            <a:spAutoFit/>
+          </a:bodyPr>
+          <a:lstStyle/>
+          <a:p>
+            <a:pPr algn="ctr"/>
+            <a:r>
+              <a:rPr lang="ko-KR" altLang="en-US" sz="1600">
+                <a:latin typeface="나눔고딕 Light" panose="020D0904000000000000" pitchFamily="50" charset="-127"/>
+                <a:ea typeface="나눔고딕 Light" panose="020D0904000000000000" pitchFamily="50" charset="-127"/>
+              </a:rPr>
+              <a:t>다음 수업 시작 전까지</a:t>
             </a:r>
           </a:p>
         </p:txBody>
@@ -8664,7 +8813,7 @@
     </p:spTree>
     <p:extLst>
       <p:ext uri="{BB962C8B-B14F-4D97-AF65-F5344CB8AC3E}">
-        <p14:creationId xmlns:p14="http://schemas.microsoft.com/office/powerpoint/2010/main" val="3333866094"/>
+        <p14:creationId xmlns:p14="http://schemas.microsoft.com/office/powerpoint/2010/main" val="678609949"/>
       </p:ext>
     </p:extLst>
   </p:cSld>
@@ -8706,7 +8855,7 @@
         <p:spPr>
           <a:xfrm>
             <a:off x="171888" y="194702"/>
-            <a:ext cx="1965603" cy="523220"/>
+            <a:ext cx="2066591" cy="523220"/>
           </a:xfrm>
           <a:prstGeom prst="rect">
             <a:avLst/>
@@ -8724,14 +8873,14 @@
                 <a:latin typeface="나눔고딕 Light" panose="020D0904000000000000" pitchFamily="50" charset="-127"/>
                 <a:ea typeface="나눔고딕 Light" panose="020D0904000000000000" pitchFamily="50" charset="-127"/>
               </a:rPr>
-              <a:t>3. </a:t>
+              <a:t>2. </a:t>
             </a:r>
             <a:r>
               <a:rPr lang="ko-KR" altLang="en-US" sz="2800">
                 <a:latin typeface="나눔고딕 Light" panose="020D0904000000000000" pitchFamily="50" charset="-127"/>
                 <a:ea typeface="나눔고딕 Light" panose="020D0904000000000000" pitchFamily="50" charset="-127"/>
               </a:rPr>
-              <a:t>커리큘럼</a:t>
+              <a:t>수업 소개</a:t>
             </a:r>
           </a:p>
         </p:txBody>
@@ -8779,12 +8928,106 @@
           </a:fontRef>
         </p:style>
       </p:cxnSp>
-      <p:sp>
-        <p:nvSpPr>
-          <p:cNvPr id="16" name="TextBox 15">
-            <a:extLst>
-              <a:ext uri="{FF2B5EF4-FFF2-40B4-BE49-F238E27FC236}">
-                <a16:creationId xmlns:a16="http://schemas.microsoft.com/office/drawing/2014/main" id="{729E604B-A3FA-4C34-A3E6-7EB4D214AAE7}"/>
+      <p:pic>
+        <p:nvPicPr>
+          <p:cNvPr id="1026" name="Picture 2" descr="IDE for C (X Code vs. Visual Studio)">
+            <a:extLst>
+              <a:ext uri="{FF2B5EF4-FFF2-40B4-BE49-F238E27FC236}">
+                <a16:creationId xmlns:a16="http://schemas.microsoft.com/office/drawing/2014/main" id="{D9628BD7-C8AC-4303-92A7-2B9CA0D5B95D}"/>
+              </a:ext>
+            </a:extLst>
+          </p:cNvPr>
+          <p:cNvPicPr>
+            <a:picLocks noChangeAspect="1" noChangeArrowheads="1"/>
+          </p:cNvPicPr>
+          <p:nvPr/>
+        </p:nvPicPr>
+        <p:blipFill>
+          <a:blip r:embed="rId2">
+            <a:extLst>
+              <a:ext uri="{28A0092B-C50C-407E-A947-70E740481C1C}">
+                <a14:useLocalDpi xmlns:a14="http://schemas.microsoft.com/office/drawing/2010/main" val="0"/>
+              </a:ext>
+            </a:extLst>
+          </a:blip>
+          <a:srcRect/>
+          <a:stretch>
+            <a:fillRect/>
+          </a:stretch>
+        </p:blipFill>
+        <p:spPr bwMode="auto">
+          <a:xfrm>
+            <a:off x="1063240" y="1612555"/>
+            <a:ext cx="3289466" cy="2055916"/>
+          </a:xfrm>
+          <a:prstGeom prst="rect">
+            <a:avLst/>
+          </a:prstGeom>
+          <a:noFill/>
+          <a:extLst>
+            <a:ext uri="{909E8E84-426E-40DD-AFC4-6F175D3DCCD1}">
+              <a14:hiddenFill xmlns:a14="http://schemas.microsoft.com/office/drawing/2010/main">
+                <a:solidFill>
+                  <a:srgbClr val="FFFFFF"/>
+                </a:solidFill>
+              </a14:hiddenFill>
+            </a:ext>
+          </a:extLst>
+        </p:spPr>
+      </p:pic>
+      <p:pic>
+        <p:nvPicPr>
+          <p:cNvPr id="1028" name="Picture 4" descr="Git 사용법] 3장. GitHub 이용하기. 1. GitHub 이란? | by 프시케 | Medium">
+            <a:extLst>
+              <a:ext uri="{FF2B5EF4-FFF2-40B4-BE49-F238E27FC236}">
+                <a16:creationId xmlns:a16="http://schemas.microsoft.com/office/drawing/2014/main" id="{4906AB30-4449-45B0-AE7D-281BA39605A1}"/>
+              </a:ext>
+            </a:extLst>
+          </p:cNvPr>
+          <p:cNvPicPr>
+            <a:picLocks noChangeAspect="1" noChangeArrowheads="1"/>
+          </p:cNvPicPr>
+          <p:nvPr/>
+        </p:nvPicPr>
+        <p:blipFill>
+          <a:blip r:embed="rId3">
+            <a:extLst>
+              <a:ext uri="{28A0092B-C50C-407E-A947-70E740481C1C}">
+                <a14:useLocalDpi xmlns:a14="http://schemas.microsoft.com/office/drawing/2010/main" val="0"/>
+              </a:ext>
+            </a:extLst>
+          </a:blip>
+          <a:srcRect/>
+          <a:stretch>
+            <a:fillRect/>
+          </a:stretch>
+        </p:blipFill>
+        <p:spPr bwMode="auto">
+          <a:xfrm>
+            <a:off x="8547344" y="1736518"/>
+            <a:ext cx="1807989" cy="1807989"/>
+          </a:xfrm>
+          <a:prstGeom prst="rect">
+            <a:avLst/>
+          </a:prstGeom>
+          <a:noFill/>
+          <a:extLst>
+            <a:ext uri="{909E8E84-426E-40DD-AFC4-6F175D3DCCD1}">
+              <a14:hiddenFill xmlns:a14="http://schemas.microsoft.com/office/drawing/2010/main">
+                <a:solidFill>
+                  <a:srgbClr val="FFFFFF"/>
+                </a:solidFill>
+              </a14:hiddenFill>
+            </a:ext>
+          </a:extLst>
+        </p:spPr>
+      </p:pic>
+      <p:sp>
+        <p:nvSpPr>
+          <p:cNvPr id="17" name="TextBox 16">
+            <a:extLst>
+              <a:ext uri="{FF2B5EF4-FFF2-40B4-BE49-F238E27FC236}">
+                <a16:creationId xmlns:a16="http://schemas.microsoft.com/office/drawing/2014/main" id="{73E166C2-429C-40E6-8DED-02597953F08C}"/>
               </a:ext>
             </a:extLst>
           </p:cNvPr>
@@ -8793,8 +9036,8 @@
         </p:nvSpPr>
         <p:spPr>
           <a:xfrm>
-            <a:off x="649279" y="2064583"/>
-            <a:ext cx="4118435" cy="523220"/>
+            <a:off x="1282743" y="3771837"/>
+            <a:ext cx="2850460" cy="461665"/>
           </a:xfrm>
           <a:prstGeom prst="rect">
             <a:avLst/>
@@ -8807,43 +9050,27 @@
           </a:bodyPr>
           <a:lstStyle/>
           <a:p>
-            <a:r>
-              <a:rPr lang="en-US" altLang="ko-KR" sz="2800">
-                <a:latin typeface="나눔고딕 Light" panose="020D0904000000000000" pitchFamily="50" charset="-127"/>
-                <a:ea typeface="나눔고딕 Light" panose="020D0904000000000000" pitchFamily="50" charset="-127"/>
-              </a:rPr>
-              <a:t>1</a:t>
-            </a:r>
-            <a:r>
-              <a:rPr lang="ko-KR" altLang="en-US" sz="2800">
-                <a:latin typeface="나눔고딕 Light" panose="020D0904000000000000" pitchFamily="50" charset="-127"/>
-                <a:ea typeface="나눔고딕 Light" panose="020D0904000000000000" pitchFamily="50" charset="-127"/>
-              </a:rPr>
-              <a:t>일차 </a:t>
-            </a:r>
-            <a:r>
-              <a:rPr lang="en-US" altLang="ko-KR" sz="2800">
-                <a:latin typeface="나눔고딕 Light" panose="020D0904000000000000" pitchFamily="50" charset="-127"/>
-                <a:ea typeface="나눔고딕 Light" panose="020D0904000000000000" pitchFamily="50" charset="-127"/>
-              </a:rPr>
-              <a:t>(8/2) : C</a:t>
-            </a:r>
-            <a:r>
-              <a:rPr lang="ko-KR" altLang="en-US" sz="2800">
-                <a:latin typeface="나눔고딕 Light" panose="020D0904000000000000" pitchFamily="50" charset="-127"/>
-                <a:ea typeface="나눔고딕 Light" panose="020D0904000000000000" pitchFamily="50" charset="-127"/>
-              </a:rPr>
-              <a:t>언어 복습</a:t>
-            </a:r>
-          </a:p>
-        </p:txBody>
-      </p:sp>
-      <p:sp>
-        <p:nvSpPr>
-          <p:cNvPr id="17" name="TextBox 16">
-            <a:extLst>
-              <a:ext uri="{FF2B5EF4-FFF2-40B4-BE49-F238E27FC236}">
-                <a16:creationId xmlns:a16="http://schemas.microsoft.com/office/drawing/2014/main" id="{D654BF31-54DD-4668-95F6-73059EEE746A}"/>
+            <a:pPr algn="ctr"/>
+            <a:r>
+              <a:rPr lang="en-US" altLang="ko-KR" sz="2400">
+                <a:latin typeface="나눔고딕 Light" panose="020D0904000000000000" pitchFamily="50" charset="-127"/>
+                <a:ea typeface="나눔고딕 Light" panose="020D0904000000000000" pitchFamily="50" charset="-127"/>
+              </a:rPr>
+              <a:t>Visual Studio 2019</a:t>
+            </a:r>
+            <a:endParaRPr lang="ko-KR" altLang="en-US" sz="2400">
+              <a:latin typeface="나눔고딕 Light" panose="020D0904000000000000" pitchFamily="50" charset="-127"/>
+              <a:ea typeface="나눔고딕 Light" panose="020D0904000000000000" pitchFamily="50" charset="-127"/>
+            </a:endParaRPr>
+          </a:p>
+        </p:txBody>
+      </p:sp>
+      <p:sp>
+        <p:nvSpPr>
+          <p:cNvPr id="18" name="TextBox 17">
+            <a:extLst>
+              <a:ext uri="{FF2B5EF4-FFF2-40B4-BE49-F238E27FC236}">
+                <a16:creationId xmlns:a16="http://schemas.microsoft.com/office/drawing/2014/main" id="{28879A22-26C8-41E6-A26C-3043B2DFEB33}"/>
               </a:ext>
             </a:extLst>
           </p:cNvPr>
@@ -8852,8 +9079,8 @@
         </p:nvSpPr>
         <p:spPr>
           <a:xfrm>
-            <a:off x="1167439" y="2726650"/>
-            <a:ext cx="3999813" cy="1569660"/>
+            <a:off x="8845242" y="3771837"/>
+            <a:ext cx="1212191" cy="461665"/>
           </a:xfrm>
           <a:prstGeom prst="rect">
             <a:avLst/>
@@ -8866,79 +9093,243 @@
           </a:bodyPr>
           <a:lstStyle/>
           <a:p>
-            <a:r>
-              <a:rPr lang="ko-KR" altLang="en-US" sz="2400">
-                <a:latin typeface="나눔고딕 Light" panose="020D0904000000000000" pitchFamily="50" charset="-127"/>
-                <a:ea typeface="나눔고딕 Light" panose="020D0904000000000000" pitchFamily="50" charset="-127"/>
-              </a:rPr>
-              <a:t>구조체와 배열</a:t>
-            </a:r>
-            <a:endParaRPr lang="en-US" altLang="ko-KR" sz="2400">
+            <a:pPr algn="ctr"/>
+            <a:r>
+              <a:rPr lang="en-US" altLang="ko-KR" sz="2400">
+                <a:latin typeface="나눔고딕 Light" panose="020D0904000000000000" pitchFamily="50" charset="-127"/>
+                <a:ea typeface="나눔고딕 Light" panose="020D0904000000000000" pitchFamily="50" charset="-127"/>
+              </a:rPr>
+              <a:t>GitHub</a:t>
+            </a:r>
+            <a:endParaRPr lang="ko-KR" altLang="en-US" sz="2400">
               <a:latin typeface="나눔고딕 Light" panose="020D0904000000000000" pitchFamily="50" charset="-127"/>
               <a:ea typeface="나눔고딕 Light" panose="020D0904000000000000" pitchFamily="50" charset="-127"/>
             </a:endParaRPr>
           </a:p>
-          <a:p>
-            <a:r>
-              <a:rPr lang="ko-KR" altLang="en-US" sz="2400">
-                <a:latin typeface="나눔고딕 Light" panose="020D0904000000000000" pitchFamily="50" charset="-127"/>
-                <a:ea typeface="나눔고딕 Light" panose="020D0904000000000000" pitchFamily="50" charset="-127"/>
-              </a:rPr>
-              <a:t>메모리와 포인터</a:t>
-            </a:r>
-            <a:endParaRPr lang="en-US" altLang="ko-KR" sz="2400">
+        </p:txBody>
+      </p:sp>
+      <p:sp>
+        <p:nvSpPr>
+          <p:cNvPr id="21" name="TextBox 20">
+            <a:extLst>
+              <a:ext uri="{FF2B5EF4-FFF2-40B4-BE49-F238E27FC236}">
+                <a16:creationId xmlns:a16="http://schemas.microsoft.com/office/drawing/2014/main" id="{9DCC4271-58CE-4743-9BC9-E1E622CFCC14}"/>
+              </a:ext>
+            </a:extLst>
+          </p:cNvPr>
+          <p:cNvSpPr txBox="1"/>
+          <p:nvPr/>
+        </p:nvSpPr>
+        <p:spPr>
+          <a:xfrm>
+            <a:off x="1282743" y="4233502"/>
+            <a:ext cx="1611339" cy="646331"/>
+          </a:xfrm>
+          <a:prstGeom prst="rect">
+            <a:avLst/>
+          </a:prstGeom>
+          <a:noFill/>
+        </p:spPr>
+        <p:txBody>
+          <a:bodyPr wrap="none" rtlCol="0">
+            <a:spAutoFit/>
+          </a:bodyPr>
+          <a:lstStyle/>
+          <a:p>
+            <a:r>
+              <a:rPr lang="ko-KR" altLang="en-US">
+                <a:latin typeface="나눔고딕 Light" panose="020D0904000000000000" pitchFamily="50" charset="-127"/>
+                <a:ea typeface="나눔고딕 Light" panose="020D0904000000000000" pitchFamily="50" charset="-127"/>
+              </a:rPr>
+              <a:t>수업 개발 환경</a:t>
+            </a:r>
+            <a:endParaRPr lang="en-US" altLang="ko-KR">
               <a:latin typeface="나눔고딕 Light" panose="020D0904000000000000" pitchFamily="50" charset="-127"/>
               <a:ea typeface="나눔고딕 Light" panose="020D0904000000000000" pitchFamily="50" charset="-127"/>
             </a:endParaRPr>
           </a:p>
           <a:p>
             <a:r>
-              <a:rPr lang="ko-KR" altLang="en-US" sz="2400">
-                <a:latin typeface="나눔고딕 Light" panose="020D0904000000000000" pitchFamily="50" charset="-127"/>
-                <a:ea typeface="나눔고딕 Light" panose="020D0904000000000000" pitchFamily="50" charset="-127"/>
-              </a:rPr>
-              <a:t>동적 할당</a:t>
-            </a:r>
-            <a:endParaRPr lang="en-US" altLang="ko-KR" sz="2400">
+              <a:rPr lang="en-US" altLang="ko-KR">
+                <a:latin typeface="나눔고딕 Light" panose="020D0904000000000000" pitchFamily="50" charset="-127"/>
+                <a:ea typeface="나눔고딕 Light" panose="020D0904000000000000" pitchFamily="50" charset="-127"/>
+              </a:rPr>
+              <a:t>2017 </a:t>
+            </a:r>
+            <a:r>
+              <a:rPr lang="ko-KR" altLang="en-US">
+                <a:latin typeface="나눔고딕 Light" panose="020D0904000000000000" pitchFamily="50" charset="-127"/>
+                <a:ea typeface="나눔고딕 Light" panose="020D0904000000000000" pitchFamily="50" charset="-127"/>
+              </a:rPr>
+              <a:t>지원</a:t>
+            </a:r>
+          </a:p>
+        </p:txBody>
+      </p:sp>
+      <p:pic>
+        <p:nvPicPr>
+          <p:cNvPr id="1030" name="Picture 6" descr="C++ - 위키백과, 우리 모두의 백과사전">
+            <a:extLst>
+              <a:ext uri="{FF2B5EF4-FFF2-40B4-BE49-F238E27FC236}">
+                <a16:creationId xmlns:a16="http://schemas.microsoft.com/office/drawing/2014/main" id="{1AF8859C-F485-442D-8BB7-7A70C8179F15}"/>
+              </a:ext>
+            </a:extLst>
+          </p:cNvPr>
+          <p:cNvPicPr>
+            <a:picLocks noChangeAspect="1" noChangeArrowheads="1"/>
+          </p:cNvPicPr>
+          <p:nvPr/>
+        </p:nvPicPr>
+        <p:blipFill>
+          <a:blip r:embed="rId4">
+            <a:extLst>
+              <a:ext uri="{28A0092B-C50C-407E-A947-70E740481C1C}">
+                <a14:useLocalDpi xmlns:a14="http://schemas.microsoft.com/office/drawing/2010/main" val="0"/>
+              </a:ext>
+            </a:extLst>
+          </a:blip>
+          <a:srcRect/>
+          <a:stretch>
+            <a:fillRect/>
+          </a:stretch>
+        </p:blipFill>
+        <p:spPr bwMode="auto">
+          <a:xfrm>
+            <a:off x="5211831" y="1736518"/>
+            <a:ext cx="1768337" cy="1987826"/>
+          </a:xfrm>
+          <a:prstGeom prst="rect">
+            <a:avLst/>
+          </a:prstGeom>
+          <a:noFill/>
+          <a:extLst>
+            <a:ext uri="{909E8E84-426E-40DD-AFC4-6F175D3DCCD1}">
+              <a14:hiddenFill xmlns:a14="http://schemas.microsoft.com/office/drawing/2010/main">
+                <a:solidFill>
+                  <a:srgbClr val="FFFFFF"/>
+                </a:solidFill>
+              </a14:hiddenFill>
+            </a:ext>
+          </a:extLst>
+        </p:spPr>
+      </p:pic>
+      <p:sp>
+        <p:nvSpPr>
+          <p:cNvPr id="22" name="TextBox 21">
+            <a:extLst>
+              <a:ext uri="{FF2B5EF4-FFF2-40B4-BE49-F238E27FC236}">
+                <a16:creationId xmlns:a16="http://schemas.microsoft.com/office/drawing/2014/main" id="{0F404654-0A53-46EE-8B5D-A066D788AA11}"/>
+              </a:ext>
+            </a:extLst>
+          </p:cNvPr>
+          <p:cNvSpPr txBox="1"/>
+          <p:nvPr/>
+        </p:nvSpPr>
+        <p:spPr>
+          <a:xfrm>
+            <a:off x="5469065" y="3827710"/>
+            <a:ext cx="1253869" cy="461665"/>
+          </a:xfrm>
+          <a:prstGeom prst="rect">
+            <a:avLst/>
+          </a:prstGeom>
+          <a:noFill/>
+        </p:spPr>
+        <p:txBody>
+          <a:bodyPr wrap="none" rtlCol="0">
+            <a:spAutoFit/>
+          </a:bodyPr>
+          <a:lstStyle/>
+          <a:p>
+            <a:pPr algn="ctr"/>
+            <a:r>
+              <a:rPr lang="en-US" altLang="ko-KR" sz="2400">
+                <a:latin typeface="나눔고딕 Light" panose="020D0904000000000000" pitchFamily="50" charset="-127"/>
+                <a:ea typeface="나눔고딕 Light" panose="020D0904000000000000" pitchFamily="50" charset="-127"/>
+              </a:rPr>
+              <a:t>C++ 17</a:t>
+            </a:r>
+            <a:endParaRPr lang="ko-KR" altLang="en-US" sz="2400">
               <a:latin typeface="나눔고딕 Light" panose="020D0904000000000000" pitchFamily="50" charset="-127"/>
               <a:ea typeface="나눔고딕 Light" panose="020D0904000000000000" pitchFamily="50" charset="-127"/>
             </a:endParaRPr>
           </a:p>
-          <a:p>
-            <a:r>
-              <a:rPr lang="ko-KR" altLang="en-US" sz="2400">
-                <a:latin typeface="나눔고딕 Light" panose="020D0904000000000000" pitchFamily="50" charset="-127"/>
-                <a:ea typeface="나눔고딕 Light" panose="020D0904000000000000" pitchFamily="50" charset="-127"/>
-              </a:rPr>
-              <a:t>구조체와 배열</a:t>
-            </a:r>
-            <a:r>
-              <a:rPr lang="en-US" altLang="ko-KR" sz="2400">
-                <a:latin typeface="나눔고딕 Light" panose="020D0904000000000000" pitchFamily="50" charset="-127"/>
-                <a:ea typeface="나눔고딕 Light" panose="020D0904000000000000" pitchFamily="50" charset="-127"/>
-              </a:rPr>
-              <a:t>, </a:t>
-            </a:r>
-            <a:r>
-              <a:rPr lang="ko-KR" altLang="en-US" sz="2400">
-                <a:latin typeface="나눔고딕 Light" panose="020D0904000000000000" pitchFamily="50" charset="-127"/>
-                <a:ea typeface="나눔고딕 Light" panose="020D0904000000000000" pitchFamily="50" charset="-127"/>
-              </a:rPr>
-              <a:t>포인터의 활용</a:t>
-            </a:r>
-            <a:endParaRPr lang="en-US" altLang="ko-KR" sz="2400">
+        </p:txBody>
+      </p:sp>
+      <p:sp>
+        <p:nvSpPr>
+          <p:cNvPr id="23" name="TextBox 22">
+            <a:extLst>
+              <a:ext uri="{FF2B5EF4-FFF2-40B4-BE49-F238E27FC236}">
+                <a16:creationId xmlns:a16="http://schemas.microsoft.com/office/drawing/2014/main" id="{838616F3-322F-4D50-98CE-4ACB14BDC9F7}"/>
+              </a:ext>
+            </a:extLst>
+          </p:cNvPr>
+          <p:cNvSpPr txBox="1"/>
+          <p:nvPr/>
+        </p:nvSpPr>
+        <p:spPr>
+          <a:xfrm>
+            <a:off x="8547344" y="4233502"/>
+            <a:ext cx="1330814" cy="923330"/>
+          </a:xfrm>
+          <a:prstGeom prst="rect">
+            <a:avLst/>
+          </a:prstGeom>
+          <a:noFill/>
+        </p:spPr>
+        <p:txBody>
+          <a:bodyPr wrap="none" rtlCol="0">
+            <a:spAutoFit/>
+          </a:bodyPr>
+          <a:lstStyle/>
+          <a:p>
+            <a:r>
+              <a:rPr lang="ko-KR" altLang="en-US">
+                <a:latin typeface="나눔고딕 Light" panose="020D0904000000000000" pitchFamily="50" charset="-127"/>
+                <a:ea typeface="나눔고딕 Light" panose="020D0904000000000000" pitchFamily="50" charset="-127"/>
+              </a:rPr>
+              <a:t>파일 관리용</a:t>
+            </a:r>
+            <a:endParaRPr lang="en-US" altLang="ko-KR">
               <a:latin typeface="나눔고딕 Light" panose="020D0904000000000000" pitchFamily="50" charset="-127"/>
               <a:ea typeface="나눔고딕 Light" panose="020D0904000000000000" pitchFamily="50" charset="-127"/>
             </a:endParaRPr>
           </a:p>
-        </p:txBody>
-      </p:sp>
-      <p:sp>
-        <p:nvSpPr>
-          <p:cNvPr id="18" name="TextBox 17">
-            <a:extLst>
-              <a:ext uri="{FF2B5EF4-FFF2-40B4-BE49-F238E27FC236}">
-                <a16:creationId xmlns:a16="http://schemas.microsoft.com/office/drawing/2014/main" id="{544C3BFF-70C3-42A8-A8B7-63CB6B3A8673}"/>
+          <a:p>
+            <a:r>
+              <a:rPr lang="ko-KR" altLang="en-US">
+                <a:latin typeface="나눔고딕 Light" panose="020D0904000000000000" pitchFamily="50" charset="-127"/>
+                <a:ea typeface="나눔고딕 Light" panose="020D0904000000000000" pitchFamily="50" charset="-127"/>
+              </a:rPr>
+              <a:t>예제 소스</a:t>
+            </a:r>
+            <a:endParaRPr lang="en-US" altLang="ko-KR">
+              <a:latin typeface="나눔고딕 Light" panose="020D0904000000000000" pitchFamily="50" charset="-127"/>
+              <a:ea typeface="나눔고딕 Light" panose="020D0904000000000000" pitchFamily="50" charset="-127"/>
+            </a:endParaRPr>
+          </a:p>
+          <a:p>
+            <a:r>
+              <a:rPr lang="ko-KR" altLang="en-US">
+                <a:latin typeface="나눔고딕 Light" panose="020D0904000000000000" pitchFamily="50" charset="-127"/>
+                <a:ea typeface="나눔고딕 Light" panose="020D0904000000000000" pitchFamily="50" charset="-127"/>
+              </a:rPr>
+              <a:t>과제 소스</a:t>
+            </a:r>
+            <a:endParaRPr lang="en-US" altLang="ko-KR">
+              <a:latin typeface="나눔고딕 Light" panose="020D0904000000000000" pitchFamily="50" charset="-127"/>
+              <a:ea typeface="나눔고딕 Light" panose="020D0904000000000000" pitchFamily="50" charset="-127"/>
+            </a:endParaRPr>
+          </a:p>
+        </p:txBody>
+      </p:sp>
+      <p:sp>
+        <p:nvSpPr>
+          <p:cNvPr id="32" name="TextBox 31">
+            <a:extLst>
+              <a:ext uri="{FF2B5EF4-FFF2-40B4-BE49-F238E27FC236}">
+                <a16:creationId xmlns:a16="http://schemas.microsoft.com/office/drawing/2014/main" id="{7AD6835A-E150-456E-8744-512C01B8ACF6}"/>
               </a:ext>
             </a:extLst>
           </p:cNvPr>
@@ -8947,8 +9338,8 @@
         </p:nvSpPr>
         <p:spPr>
           <a:xfrm>
-            <a:off x="6506588" y="2064583"/>
-            <a:ext cx="4147289" cy="523220"/>
+            <a:off x="5364231" y="4233502"/>
+            <a:ext cx="1507144" cy="369332"/>
           </a:xfrm>
           <a:prstGeom prst="rect">
             <a:avLst/>
@@ -8962,137 +9353,18 @@
           <a:lstStyle/>
           <a:p>
             <a:r>
-              <a:rPr lang="en-US" altLang="ko-KR" sz="2800">
-                <a:latin typeface="나눔고딕 Light" panose="020D0904000000000000" pitchFamily="50" charset="-127"/>
-                <a:ea typeface="나눔고딕 Light" panose="020D0904000000000000" pitchFamily="50" charset="-127"/>
-              </a:rPr>
-              <a:t>2</a:t>
-            </a:r>
-            <a:r>
-              <a:rPr lang="ko-KR" altLang="en-US" sz="2800">
-                <a:latin typeface="나눔고딕 Light" panose="020D0904000000000000" pitchFamily="50" charset="-127"/>
-                <a:ea typeface="나눔고딕 Light" panose="020D0904000000000000" pitchFamily="50" charset="-127"/>
-              </a:rPr>
-              <a:t>일차 </a:t>
-            </a:r>
-            <a:r>
-              <a:rPr lang="en-US" altLang="ko-KR" sz="2800">
-                <a:latin typeface="나눔고딕 Light" panose="020D0904000000000000" pitchFamily="50" charset="-127"/>
-                <a:ea typeface="나눔고딕 Light" panose="020D0904000000000000" pitchFamily="50" charset="-127"/>
-              </a:rPr>
-              <a:t>(8/3) : C++</a:t>
-            </a:r>
-            <a:r>
-              <a:rPr lang="ko-KR" altLang="en-US" sz="2800">
-                <a:latin typeface="나눔고딕 Light" panose="020D0904000000000000" pitchFamily="50" charset="-127"/>
-                <a:ea typeface="나눔고딕 Light" panose="020D0904000000000000" pitchFamily="50" charset="-127"/>
-              </a:rPr>
-              <a:t> 메모리</a:t>
-            </a:r>
-          </a:p>
-        </p:txBody>
-      </p:sp>
-      <p:sp>
-        <p:nvSpPr>
-          <p:cNvPr id="21" name="TextBox 20">
-            <a:extLst>
-              <a:ext uri="{FF2B5EF4-FFF2-40B4-BE49-F238E27FC236}">
-                <a16:creationId xmlns:a16="http://schemas.microsoft.com/office/drawing/2014/main" id="{35DD57E6-9291-46CF-98DD-A2DC1123E414}"/>
-              </a:ext>
-            </a:extLst>
-          </p:cNvPr>
-          <p:cNvSpPr txBox="1"/>
-          <p:nvPr/>
-        </p:nvSpPr>
-        <p:spPr>
-          <a:xfrm>
-            <a:off x="7024748" y="2726650"/>
-            <a:ext cx="2808782" cy="1569660"/>
-          </a:xfrm>
-          <a:prstGeom prst="rect">
-            <a:avLst/>
-          </a:prstGeom>
-          <a:noFill/>
-        </p:spPr>
-        <p:txBody>
-          <a:bodyPr wrap="none" rtlCol="0">
-            <a:spAutoFit/>
-          </a:bodyPr>
-          <a:lstStyle/>
-          <a:p>
-            <a:r>
-              <a:rPr lang="ko-KR" altLang="en-US" sz="2400">
-                <a:latin typeface="나눔고딕 Light" panose="020D0904000000000000" pitchFamily="50" charset="-127"/>
-                <a:ea typeface="나눔고딕 Light" panose="020D0904000000000000" pitchFamily="50" charset="-127"/>
-              </a:rPr>
-              <a:t>네임스페이스</a:t>
-            </a:r>
-            <a:endParaRPr lang="en-US" altLang="ko-KR" sz="2400">
-              <a:latin typeface="나눔고딕 Light" panose="020D0904000000000000" pitchFamily="50" charset="-127"/>
-              <a:ea typeface="나눔고딕 Light" panose="020D0904000000000000" pitchFamily="50" charset="-127"/>
-            </a:endParaRPr>
-          </a:p>
-          <a:p>
-            <a:r>
-              <a:rPr lang="en-US" altLang="ko-KR" sz="2400">
-                <a:latin typeface="나눔고딕 Light" panose="020D0904000000000000" pitchFamily="50" charset="-127"/>
-                <a:ea typeface="나눔고딕 Light" panose="020D0904000000000000" pitchFamily="50" charset="-127"/>
-              </a:rPr>
-              <a:t>new, delete </a:t>
-            </a:r>
-            <a:r>
-              <a:rPr lang="ko-KR" altLang="en-US" sz="2400">
-                <a:latin typeface="나눔고딕 Light" panose="020D0904000000000000" pitchFamily="50" charset="-127"/>
-                <a:ea typeface="나눔고딕 Light" panose="020D0904000000000000" pitchFamily="50" charset="-127"/>
-              </a:rPr>
-              <a:t>키워드</a:t>
-            </a:r>
-            <a:endParaRPr lang="en-US" altLang="ko-KR" sz="2400">
-              <a:latin typeface="나눔고딕 Light" panose="020D0904000000000000" pitchFamily="50" charset="-127"/>
-              <a:ea typeface="나눔고딕 Light" panose="020D0904000000000000" pitchFamily="50" charset="-127"/>
-            </a:endParaRPr>
-          </a:p>
-          <a:p>
-            <a:r>
-              <a:rPr lang="ko-KR" altLang="en-US" sz="2400">
-                <a:latin typeface="나눔고딕 Light" panose="020D0904000000000000" pitchFamily="50" charset="-127"/>
-                <a:ea typeface="나눔고딕 Light" panose="020D0904000000000000" pitchFamily="50" charset="-127"/>
-              </a:rPr>
-              <a:t>객체의 동적 할당</a:t>
-            </a:r>
-            <a:endParaRPr lang="en-US" altLang="ko-KR" sz="2400">
-              <a:latin typeface="나눔고딕 Light" panose="020D0904000000000000" pitchFamily="50" charset="-127"/>
-              <a:ea typeface="나눔고딕 Light" panose="020D0904000000000000" pitchFamily="50" charset="-127"/>
-            </a:endParaRPr>
-          </a:p>
-          <a:p>
-            <a:r>
-              <a:rPr lang="ko-KR" altLang="en-US" sz="2400">
-                <a:latin typeface="나눔고딕 Light" panose="020D0904000000000000" pitchFamily="50" charset="-127"/>
-                <a:ea typeface="나눔고딕 Light" panose="020D0904000000000000" pitchFamily="50" charset="-127"/>
-              </a:rPr>
-              <a:t>참조자 </a:t>
-            </a:r>
-            <a:r>
-              <a:rPr lang="en-US" altLang="ko-KR" sz="2400">
-                <a:latin typeface="나눔고딕 Light" panose="020D0904000000000000" pitchFamily="50" charset="-127"/>
-                <a:ea typeface="나눔고딕 Light" panose="020D0904000000000000" pitchFamily="50" charset="-127"/>
-              </a:rPr>
-              <a:t>(</a:t>
-            </a:r>
-            <a:r>
-              <a:rPr lang="ko-KR" altLang="en-US" sz="2400">
-                <a:latin typeface="나눔고딕 Light" panose="020D0904000000000000" pitchFamily="50" charset="-127"/>
-                <a:ea typeface="나눔고딕 Light" panose="020D0904000000000000" pitchFamily="50" charset="-127"/>
-              </a:rPr>
-              <a:t>기초</a:t>
-            </a:r>
-            <a:r>
-              <a:rPr lang="en-US" altLang="ko-KR" sz="2400">
-                <a:latin typeface="나눔고딕 Light" panose="020D0904000000000000" pitchFamily="50" charset="-127"/>
-                <a:ea typeface="나눔고딕 Light" panose="020D0904000000000000" pitchFamily="50" charset="-127"/>
-              </a:rPr>
-              <a:t>)</a:t>
+              <a:rPr lang="en-US" altLang="ko-KR">
+                <a:latin typeface="나눔고딕 Light" panose="020D0904000000000000" pitchFamily="50" charset="-127"/>
+                <a:ea typeface="나눔고딕 Light" panose="020D0904000000000000" pitchFamily="50" charset="-127"/>
+              </a:rPr>
+              <a:t>RG</a:t>
+            </a:r>
+            <a:r>
+              <a:rPr lang="ko-KR" altLang="en-US">
+                <a:latin typeface="나눔고딕 Light" panose="020D0904000000000000" pitchFamily="50" charset="-127"/>
+                <a:ea typeface="나눔고딕 Light" panose="020D0904000000000000" pitchFamily="50" charset="-127"/>
+              </a:rPr>
+              <a:t> 엔진 사용</a:t>
             </a:r>
           </a:p>
         </p:txBody>
@@ -9100,7 +9372,7 @@
     </p:spTree>
     <p:extLst>
       <p:ext uri="{BB962C8B-B14F-4D97-AF65-F5344CB8AC3E}">
-        <p14:creationId xmlns:p14="http://schemas.microsoft.com/office/powerpoint/2010/main" val="2446680330"/>
+        <p14:creationId xmlns:p14="http://schemas.microsoft.com/office/powerpoint/2010/main" val="3333866094"/>
       </p:ext>
     </p:extLst>
   </p:cSld>

--- a/수업 자료/0 - 수업 소개.pptx
+++ b/수업 자료/0 - 수업 소개.pptx
@@ -274,7 +274,7 @@
           <a:p>
             <a:fld id="{3BAD717E-5B48-41D6-98B3-DB23E84BF0BC}" type="datetimeFigureOut">
               <a:rPr lang="ko-KR" altLang="en-US" smtClean="0"/>
-              <a:t>2021-07-29</a:t>
+              <a:t>2021-07-30</a:t>
             </a:fld>
             <a:endParaRPr lang="ko-KR" altLang="en-US"/>
           </a:p>
@@ -472,7 +472,7 @@
           <a:p>
             <a:fld id="{3BAD717E-5B48-41D6-98B3-DB23E84BF0BC}" type="datetimeFigureOut">
               <a:rPr lang="ko-KR" altLang="en-US" smtClean="0"/>
-              <a:t>2021-07-29</a:t>
+              <a:t>2021-07-30</a:t>
             </a:fld>
             <a:endParaRPr lang="ko-KR" altLang="en-US"/>
           </a:p>
@@ -680,7 +680,7 @@
           <a:p>
             <a:fld id="{3BAD717E-5B48-41D6-98B3-DB23E84BF0BC}" type="datetimeFigureOut">
               <a:rPr lang="ko-KR" altLang="en-US" smtClean="0"/>
-              <a:t>2021-07-29</a:t>
+              <a:t>2021-07-30</a:t>
             </a:fld>
             <a:endParaRPr lang="ko-KR" altLang="en-US"/>
           </a:p>
@@ -878,7 +878,7 @@
           <a:p>
             <a:fld id="{3BAD717E-5B48-41D6-98B3-DB23E84BF0BC}" type="datetimeFigureOut">
               <a:rPr lang="ko-KR" altLang="en-US" smtClean="0"/>
-              <a:t>2021-07-29</a:t>
+              <a:t>2021-07-30</a:t>
             </a:fld>
             <a:endParaRPr lang="ko-KR" altLang="en-US"/>
           </a:p>
@@ -1153,7 +1153,7 @@
           <a:p>
             <a:fld id="{3BAD717E-5B48-41D6-98B3-DB23E84BF0BC}" type="datetimeFigureOut">
               <a:rPr lang="ko-KR" altLang="en-US" smtClean="0"/>
-              <a:t>2021-07-29</a:t>
+              <a:t>2021-07-30</a:t>
             </a:fld>
             <a:endParaRPr lang="ko-KR" altLang="en-US"/>
           </a:p>
@@ -1418,7 +1418,7 @@
           <a:p>
             <a:fld id="{3BAD717E-5B48-41D6-98B3-DB23E84BF0BC}" type="datetimeFigureOut">
               <a:rPr lang="ko-KR" altLang="en-US" smtClean="0"/>
-              <a:t>2021-07-29</a:t>
+              <a:t>2021-07-30</a:t>
             </a:fld>
             <a:endParaRPr lang="ko-KR" altLang="en-US"/>
           </a:p>
@@ -1830,7 +1830,7 @@
           <a:p>
             <a:fld id="{3BAD717E-5B48-41D6-98B3-DB23E84BF0BC}" type="datetimeFigureOut">
               <a:rPr lang="ko-KR" altLang="en-US" smtClean="0"/>
-              <a:t>2021-07-29</a:t>
+              <a:t>2021-07-30</a:t>
             </a:fld>
             <a:endParaRPr lang="ko-KR" altLang="en-US"/>
           </a:p>
@@ -1971,7 +1971,7 @@
           <a:p>
             <a:fld id="{3BAD717E-5B48-41D6-98B3-DB23E84BF0BC}" type="datetimeFigureOut">
               <a:rPr lang="ko-KR" altLang="en-US" smtClean="0"/>
-              <a:t>2021-07-29</a:t>
+              <a:t>2021-07-30</a:t>
             </a:fld>
             <a:endParaRPr lang="ko-KR" altLang="en-US"/>
           </a:p>
@@ -2084,7 +2084,7 @@
           <a:p>
             <a:fld id="{3BAD717E-5B48-41D6-98B3-DB23E84BF0BC}" type="datetimeFigureOut">
               <a:rPr lang="ko-KR" altLang="en-US" smtClean="0"/>
-              <a:t>2021-07-29</a:t>
+              <a:t>2021-07-30</a:t>
             </a:fld>
             <a:endParaRPr lang="ko-KR" altLang="en-US"/>
           </a:p>
@@ -2395,7 +2395,7 @@
           <a:p>
             <a:fld id="{3BAD717E-5B48-41D6-98B3-DB23E84BF0BC}" type="datetimeFigureOut">
               <a:rPr lang="ko-KR" altLang="en-US" smtClean="0"/>
-              <a:t>2021-07-29</a:t>
+              <a:t>2021-07-30</a:t>
             </a:fld>
             <a:endParaRPr lang="ko-KR" altLang="en-US"/>
           </a:p>
@@ -2683,7 +2683,7 @@
           <a:p>
             <a:fld id="{3BAD717E-5B48-41D6-98B3-DB23E84BF0BC}" type="datetimeFigureOut">
               <a:rPr lang="ko-KR" altLang="en-US" smtClean="0"/>
-              <a:t>2021-07-29</a:t>
+              <a:t>2021-07-30</a:t>
             </a:fld>
             <a:endParaRPr lang="ko-KR" altLang="en-US"/>
           </a:p>
@@ -2924,7 +2924,7 @@
           <a:p>
             <a:fld id="{3BAD717E-5B48-41D6-98B3-DB23E84BF0BC}" type="datetimeFigureOut">
               <a:rPr lang="ko-KR" altLang="en-US" smtClean="0"/>
-              <a:t>2021-07-29</a:t>
+              <a:t>2021-07-30</a:t>
             </a:fld>
             <a:endParaRPr lang="ko-KR" altLang="en-US"/>
           </a:p>
@@ -5333,7 +5333,7 @@
         <p:spPr>
           <a:xfrm>
             <a:off x="649279" y="2064583"/>
-            <a:ext cx="4705134" cy="523220"/>
+            <a:ext cx="4604146" cy="523220"/>
           </a:xfrm>
           <a:prstGeom prst="rect">
             <a:avLst/>
@@ -5372,7 +5372,7 @@
                 <a:latin typeface="나눔고딕 Light" panose="020D0904000000000000" pitchFamily="50" charset="-127"/>
                 <a:ea typeface="나눔고딕 Light" panose="020D0904000000000000" pitchFamily="50" charset="-127"/>
               </a:rPr>
-              <a:t>엔진 기능</a:t>
+              <a:t>엔진 심화</a:t>
             </a:r>
           </a:p>
         </p:txBody>
@@ -5410,7 +5410,21 @@
                 <a:latin typeface="나눔고딕 Light" panose="020D0904000000000000" pitchFamily="50" charset="-127"/>
                 <a:ea typeface="나눔고딕 Light" panose="020D0904000000000000" pitchFamily="50" charset="-127"/>
               </a:rPr>
-              <a:t>다이렉트 이펙트</a:t>
+              <a:t>좌표계와 </a:t>
+            </a:r>
+            <a:r>
+              <a:rPr lang="en-US" altLang="ko-KR" sz="2400">
+                <a:latin typeface="나눔고딕 Light" panose="020D0904000000000000" pitchFamily="50" charset="-127"/>
+                <a:ea typeface="나눔고딕 Light" panose="020D0904000000000000" pitchFamily="50" charset="-127"/>
+              </a:rPr>
+              <a:t>UI </a:t>
+            </a:r>
+            <a:r>
+              <a:rPr lang="ko-KR" altLang="en-US" sz="2400">
+                <a:latin typeface="나눔고딕 Light" panose="020D0904000000000000" pitchFamily="50" charset="-127"/>
+                <a:ea typeface="나눔고딕 Light" panose="020D0904000000000000" pitchFamily="50" charset="-127"/>
+              </a:rPr>
+              <a:t>오브젝트</a:t>
             </a:r>
             <a:endParaRPr lang="en-US" altLang="ko-KR" sz="2400">
               <a:latin typeface="나눔고딕 Light" panose="020D0904000000000000" pitchFamily="50" charset="-127"/>
@@ -5423,21 +5437,7 @@
                 <a:latin typeface="나눔고딕 Light" panose="020D0904000000000000" pitchFamily="50" charset="-127"/>
                 <a:ea typeface="나눔고딕 Light" panose="020D0904000000000000" pitchFamily="50" charset="-127"/>
               </a:rPr>
-              <a:t>좌표계와 </a:t>
-            </a:r>
-            <a:r>
-              <a:rPr lang="en-US" altLang="ko-KR" sz="2400">
-                <a:latin typeface="나눔고딕 Light" panose="020D0904000000000000" pitchFamily="50" charset="-127"/>
-                <a:ea typeface="나눔고딕 Light" panose="020D0904000000000000" pitchFamily="50" charset="-127"/>
-              </a:rPr>
-              <a:t>UI </a:t>
-            </a:r>
-            <a:r>
-              <a:rPr lang="ko-KR" altLang="en-US" sz="2400">
-                <a:latin typeface="나눔고딕 Light" panose="020D0904000000000000" pitchFamily="50" charset="-127"/>
-                <a:ea typeface="나눔고딕 Light" panose="020D0904000000000000" pitchFamily="50" charset="-127"/>
-              </a:rPr>
-              <a:t>오브젝트</a:t>
+              <a:t>다이렉트 이펙트</a:t>
             </a:r>
             <a:endParaRPr lang="en-US" altLang="ko-KR" sz="2400">
               <a:latin typeface="나눔고딕 Light" panose="020D0904000000000000" pitchFamily="50" charset="-127"/>
@@ -5533,7 +5533,7 @@
         <p:spPr>
           <a:xfrm>
             <a:off x="7024748" y="2726650"/>
-            <a:ext cx="3422732" cy="830997"/>
+            <a:ext cx="3422732" cy="1200329"/>
           </a:xfrm>
           <a:prstGeom prst="rect">
             <a:avLst/>
@@ -5552,6 +5552,19 @@
                 <a:ea typeface="나눔고딕 Light" panose="020D0904000000000000" pitchFamily="50" charset="-127"/>
               </a:rPr>
               <a:t>다중 카메라</a:t>
+            </a:r>
+            <a:endParaRPr lang="en-US" altLang="ko-KR" sz="2400">
+              <a:latin typeface="나눔고딕 Light" panose="020D0904000000000000" pitchFamily="50" charset="-127"/>
+              <a:ea typeface="나눔고딕 Light" panose="020D0904000000000000" pitchFamily="50" charset="-127"/>
+            </a:endParaRPr>
+          </a:p>
+          <a:p>
+            <a:r>
+              <a:rPr lang="ko-KR" altLang="en-US" sz="2400">
+                <a:latin typeface="나눔고딕 Light" panose="020D0904000000000000" pitchFamily="50" charset="-127"/>
+                <a:ea typeface="나눔고딕 Light" panose="020D0904000000000000" pitchFamily="50" charset="-127"/>
+              </a:rPr>
+              <a:t>렌더 데이터</a:t>
             </a:r>
             <a:endParaRPr lang="en-US" altLang="ko-KR" sz="2400">
               <a:latin typeface="나눔고딕 Light" panose="020D0904000000000000" pitchFamily="50" charset="-127"/>

--- a/수업 자료/0 - 수업 소개.pptx
+++ b/수업 자료/0 - 수업 소개.pptx
@@ -1,6 +1,6 @@
 
 <file path=ppt/presentation.xml><?xml version="1.0" encoding="utf-8"?>
-<p:presentation xmlns:a="http://schemas.openxmlformats.org/drawingml/2006/main" xmlns:r="http://schemas.openxmlformats.org/officeDocument/2006/relationships" xmlns:p="http://schemas.openxmlformats.org/presentationml/2006/main" saveSubsetFonts="1">
+<p:presentation xmlns:a="http://schemas.openxmlformats.org/drawingml/2006/main" xmlns:r="http://schemas.openxmlformats.org/officeDocument/2006/relationships" xmlns:p="http://schemas.openxmlformats.org/presentationml/2006/main" embedTrueTypeFonts="1" saveSubsetFonts="1">
   <p:sldMasterIdLst>
     <p:sldMasterId id="2147483648" r:id="rId1"/>
   </p:sldMasterIdLst>
@@ -24,6 +24,17 @@
   </p:sldIdLst>
   <p:sldSz cx="12192000" cy="6858000"/>
   <p:notesSz cx="6858000" cy="9144000"/>
+  <p:embeddedFontLst>
+    <p:embeddedFont>
+      <p:font typeface="나눔고딕 Light" panose="020D0904000000000000" pitchFamily="50" charset="-127"/>
+      <p:regular r:id="rId18"/>
+    </p:embeddedFont>
+    <p:embeddedFont>
+      <p:font typeface="맑은 고딕" panose="020B0503020000020004" pitchFamily="50" charset="-127"/>
+      <p:regular r:id="rId19"/>
+      <p:bold r:id="rId20"/>
+    </p:embeddedFont>
+  </p:embeddedFontLst>
   <p:defaultTextStyle>
     <a:defPPr>
       <a:defRPr lang="ko-KR"/>
@@ -274,7 +285,7 @@
           <a:p>
             <a:fld id="{3BAD717E-5B48-41D6-98B3-DB23E84BF0BC}" type="datetimeFigureOut">
               <a:rPr lang="ko-KR" altLang="en-US" smtClean="0"/>
-              <a:t>2021-07-30</a:t>
+              <a:t>2021-08-02</a:t>
             </a:fld>
             <a:endParaRPr lang="ko-KR" altLang="en-US"/>
           </a:p>
@@ -472,7 +483,7 @@
           <a:p>
             <a:fld id="{3BAD717E-5B48-41D6-98B3-DB23E84BF0BC}" type="datetimeFigureOut">
               <a:rPr lang="ko-KR" altLang="en-US" smtClean="0"/>
-              <a:t>2021-07-30</a:t>
+              <a:t>2021-08-02</a:t>
             </a:fld>
             <a:endParaRPr lang="ko-KR" altLang="en-US"/>
           </a:p>
@@ -680,7 +691,7 @@
           <a:p>
             <a:fld id="{3BAD717E-5B48-41D6-98B3-DB23E84BF0BC}" type="datetimeFigureOut">
               <a:rPr lang="ko-KR" altLang="en-US" smtClean="0"/>
-              <a:t>2021-07-30</a:t>
+              <a:t>2021-08-02</a:t>
             </a:fld>
             <a:endParaRPr lang="ko-KR" altLang="en-US"/>
           </a:p>
@@ -878,7 +889,7 @@
           <a:p>
             <a:fld id="{3BAD717E-5B48-41D6-98B3-DB23E84BF0BC}" type="datetimeFigureOut">
               <a:rPr lang="ko-KR" altLang="en-US" smtClean="0"/>
-              <a:t>2021-07-30</a:t>
+              <a:t>2021-08-02</a:t>
             </a:fld>
             <a:endParaRPr lang="ko-KR" altLang="en-US"/>
           </a:p>
@@ -1153,7 +1164,7 @@
           <a:p>
             <a:fld id="{3BAD717E-5B48-41D6-98B3-DB23E84BF0BC}" type="datetimeFigureOut">
               <a:rPr lang="ko-KR" altLang="en-US" smtClean="0"/>
-              <a:t>2021-07-30</a:t>
+              <a:t>2021-08-02</a:t>
             </a:fld>
             <a:endParaRPr lang="ko-KR" altLang="en-US"/>
           </a:p>
@@ -1418,7 +1429,7 @@
           <a:p>
             <a:fld id="{3BAD717E-5B48-41D6-98B3-DB23E84BF0BC}" type="datetimeFigureOut">
               <a:rPr lang="ko-KR" altLang="en-US" smtClean="0"/>
-              <a:t>2021-07-30</a:t>
+              <a:t>2021-08-02</a:t>
             </a:fld>
             <a:endParaRPr lang="ko-KR" altLang="en-US"/>
           </a:p>
@@ -1830,7 +1841,7 @@
           <a:p>
             <a:fld id="{3BAD717E-5B48-41D6-98B3-DB23E84BF0BC}" type="datetimeFigureOut">
               <a:rPr lang="ko-KR" altLang="en-US" smtClean="0"/>
-              <a:t>2021-07-30</a:t>
+              <a:t>2021-08-02</a:t>
             </a:fld>
             <a:endParaRPr lang="ko-KR" altLang="en-US"/>
           </a:p>
@@ -1971,7 +1982,7 @@
           <a:p>
             <a:fld id="{3BAD717E-5B48-41D6-98B3-DB23E84BF0BC}" type="datetimeFigureOut">
               <a:rPr lang="ko-KR" altLang="en-US" smtClean="0"/>
-              <a:t>2021-07-30</a:t>
+              <a:t>2021-08-02</a:t>
             </a:fld>
             <a:endParaRPr lang="ko-KR" altLang="en-US"/>
           </a:p>
@@ -2084,7 +2095,7 @@
           <a:p>
             <a:fld id="{3BAD717E-5B48-41D6-98B3-DB23E84BF0BC}" type="datetimeFigureOut">
               <a:rPr lang="ko-KR" altLang="en-US" smtClean="0"/>
-              <a:t>2021-07-30</a:t>
+              <a:t>2021-08-02</a:t>
             </a:fld>
             <a:endParaRPr lang="ko-KR" altLang="en-US"/>
           </a:p>
@@ -2395,7 +2406,7 @@
           <a:p>
             <a:fld id="{3BAD717E-5B48-41D6-98B3-DB23E84BF0BC}" type="datetimeFigureOut">
               <a:rPr lang="ko-KR" altLang="en-US" smtClean="0"/>
-              <a:t>2021-07-30</a:t>
+              <a:t>2021-08-02</a:t>
             </a:fld>
             <a:endParaRPr lang="ko-KR" altLang="en-US"/>
           </a:p>
@@ -2683,7 +2694,7 @@
           <a:p>
             <a:fld id="{3BAD717E-5B48-41D6-98B3-DB23E84BF0BC}" type="datetimeFigureOut">
               <a:rPr lang="ko-KR" altLang="en-US" smtClean="0"/>
-              <a:t>2021-07-30</a:t>
+              <a:t>2021-08-02</a:t>
             </a:fld>
             <a:endParaRPr lang="ko-KR" altLang="en-US"/>
           </a:p>
@@ -2924,7 +2935,7 @@
           <a:p>
             <a:fld id="{3BAD717E-5B48-41D6-98B3-DB23E84BF0BC}" type="datetimeFigureOut">
               <a:rPr lang="ko-KR" altLang="en-US" smtClean="0"/>
-              <a:t>2021-07-30</a:t>
+              <a:t>2021-08-02</a:t>
             </a:fld>
             <a:endParaRPr lang="ko-KR" altLang="en-US"/>
           </a:p>
